--- a/courses/r-intro/docs/Intro to R 2023_day2.pptx
+++ b/courses/r-intro/docs/Intro to R 2023_day2.pptx
@@ -22,6 +22,7 @@
     <p:sldId id="269" r:id="rId16"/>
     <p:sldId id="270" r:id="rId17"/>
     <p:sldId id="271" r:id="rId18"/>
+    <p:sldId id="273" r:id="rId19"/>
   </p:sldIdLst>
   <p:sldSz cx="12192000" cy="6858000"/>
   <p:notesSz cx="6858000" cy="9144000"/>
@@ -120,6 +121,11 @@
       </a:defRPr>
     </a:lvl9pPr>
   </p:defaultTextStyle>
+  <p:extLst>
+    <p:ext uri="{EFAFB233-063F-42B5-8137-9DF3F51BA10A}">
+      <p15:sldGuideLst xmlns:p15="http://schemas.microsoft.com/office/powerpoint/2012/main"/>
+    </p:ext>
+  </p:extLst>
 </p:presentation>
 </file>
 
@@ -272,7 +278,7 @@
           <a:p>
             <a:fld id="{FBD30073-4D14-4614-B8E3-87038BE78D7F}" type="datetimeFigureOut">
               <a:rPr lang="en-GB" smtClean="0"/>
-              <a:t>18/11/2023</a:t>
+              <a:t>20/11/2023</a:t>
             </a:fld>
             <a:endParaRPr lang="en-GB"/>
           </a:p>
@@ -472,7 +478,7 @@
           <a:p>
             <a:fld id="{FBD30073-4D14-4614-B8E3-87038BE78D7F}" type="datetimeFigureOut">
               <a:rPr lang="en-GB" smtClean="0"/>
-              <a:t>18/11/2023</a:t>
+              <a:t>20/11/2023</a:t>
             </a:fld>
             <a:endParaRPr lang="en-GB"/>
           </a:p>
@@ -682,7 +688,7 @@
           <a:p>
             <a:fld id="{FBD30073-4D14-4614-B8E3-87038BE78D7F}" type="datetimeFigureOut">
               <a:rPr lang="en-GB" smtClean="0"/>
-              <a:t>18/11/2023</a:t>
+              <a:t>20/11/2023</a:t>
             </a:fld>
             <a:endParaRPr lang="en-GB"/>
           </a:p>
@@ -882,7 +888,7 @@
           <a:p>
             <a:fld id="{FBD30073-4D14-4614-B8E3-87038BE78D7F}" type="datetimeFigureOut">
               <a:rPr lang="en-GB" smtClean="0"/>
-              <a:t>18/11/2023</a:t>
+              <a:t>20/11/2023</a:t>
             </a:fld>
             <a:endParaRPr lang="en-GB"/>
           </a:p>
@@ -1158,7 +1164,7 @@
           <a:p>
             <a:fld id="{FBD30073-4D14-4614-B8E3-87038BE78D7F}" type="datetimeFigureOut">
               <a:rPr lang="en-GB" smtClean="0"/>
-              <a:t>18/11/2023</a:t>
+              <a:t>20/11/2023</a:t>
             </a:fld>
             <a:endParaRPr lang="en-GB"/>
           </a:p>
@@ -1426,7 +1432,7 @@
           <a:p>
             <a:fld id="{FBD30073-4D14-4614-B8E3-87038BE78D7F}" type="datetimeFigureOut">
               <a:rPr lang="en-GB" smtClean="0"/>
-              <a:t>18/11/2023</a:t>
+              <a:t>20/11/2023</a:t>
             </a:fld>
             <a:endParaRPr lang="en-GB"/>
           </a:p>
@@ -1841,7 +1847,7 @@
           <a:p>
             <a:fld id="{FBD30073-4D14-4614-B8E3-87038BE78D7F}" type="datetimeFigureOut">
               <a:rPr lang="en-GB" smtClean="0"/>
-              <a:t>18/11/2023</a:t>
+              <a:t>20/11/2023</a:t>
             </a:fld>
             <a:endParaRPr lang="en-GB"/>
           </a:p>
@@ -1983,7 +1989,7 @@
           <a:p>
             <a:fld id="{FBD30073-4D14-4614-B8E3-87038BE78D7F}" type="datetimeFigureOut">
               <a:rPr lang="en-GB" smtClean="0"/>
-              <a:t>18/11/2023</a:t>
+              <a:t>20/11/2023</a:t>
             </a:fld>
             <a:endParaRPr lang="en-GB"/>
           </a:p>
@@ -2096,7 +2102,7 @@
           <a:p>
             <a:fld id="{FBD30073-4D14-4614-B8E3-87038BE78D7F}" type="datetimeFigureOut">
               <a:rPr lang="en-GB" smtClean="0"/>
-              <a:t>18/11/2023</a:t>
+              <a:t>20/11/2023</a:t>
             </a:fld>
             <a:endParaRPr lang="en-GB"/>
           </a:p>
@@ -2409,7 +2415,7 @@
           <a:p>
             <a:fld id="{FBD30073-4D14-4614-B8E3-87038BE78D7F}" type="datetimeFigureOut">
               <a:rPr lang="en-GB" smtClean="0"/>
-              <a:t>18/11/2023</a:t>
+              <a:t>20/11/2023</a:t>
             </a:fld>
             <a:endParaRPr lang="en-GB"/>
           </a:p>
@@ -2698,7 +2704,7 @@
           <a:p>
             <a:fld id="{FBD30073-4D14-4614-B8E3-87038BE78D7F}" type="datetimeFigureOut">
               <a:rPr lang="en-GB" smtClean="0"/>
-              <a:t>18/11/2023</a:t>
+              <a:t>20/11/2023</a:t>
             </a:fld>
             <a:endParaRPr lang="en-GB"/>
           </a:p>
@@ -2941,7 +2947,7 @@
           <a:p>
             <a:fld id="{FBD30073-4D14-4614-B8E3-87038BE78D7F}" type="datetimeFigureOut">
               <a:rPr lang="en-GB" smtClean="0"/>
-              <a:t>18/11/2023</a:t>
+              <a:t>20/11/2023</a:t>
             </a:fld>
             <a:endParaRPr lang="en-GB"/>
           </a:p>
@@ -3497,13 +3503,13 @@
           <a:p>
             <a:r>
               <a:rPr lang="en-GB" dirty="0"/>
-              <a:t>Is it sensible to keep a copy of your data within your project directory?</a:t>
-            </a:r>
-          </a:p>
-          <a:p>
-            <a:r>
-              <a:rPr lang="en-GB" dirty="0"/>
-              <a:t>For smaller datasets this is 100% desirable – it makes it very difficult to lose your data. </a:t>
+              <a:t>Does your data live within your project directory, or somewhere central?</a:t>
+            </a:r>
+          </a:p>
+          <a:p>
+            <a:r>
+              <a:rPr lang="en-GB" dirty="0"/>
+              <a:t>For smaller datasets this is 100% desirable – it makes it much more portable</a:t>
             </a:r>
           </a:p>
           <a:p>
@@ -3511,13 +3517,6 @@
             <a:r>
               <a:rPr lang="en-GB" dirty="0"/>
               <a:t>Data sets up to 100s of mb can probably be kept like this</a:t>
-            </a:r>
-          </a:p>
-          <a:p>
-            <a:pPr lvl="2"/>
-            <a:r>
-              <a:rPr lang="en-GB" dirty="0"/>
-              <a:t>Having duplicates of this for different projects is probably not going to fill up your HDD anytime soon</a:t>
             </a:r>
           </a:p>
           <a:p>
@@ -3545,6 +3544,12 @@
               <a:rPr lang="en-GB" dirty="0" err="1"/>
               <a:t>gitignore</a:t>
             </a:r>
+            <a:endParaRPr lang="en-GB" dirty="0"/>
+          </a:p>
+          <a:p>
+            <a:pPr marL="914400" lvl="2" indent="0">
+              <a:buNone/>
+            </a:pPr>
             <a:endParaRPr lang="en-GB" dirty="0"/>
           </a:p>
           <a:p>
@@ -4129,7 +4134,7 @@
           <a:p>
             <a:r>
               <a:rPr lang="en-GB" dirty="0"/>
-              <a:t>The effort is usually worth it</a:t>
+              <a:t>Benefits of Reproducibility</a:t>
             </a:r>
           </a:p>
         </p:txBody>
@@ -4172,7 +4177,7 @@
             </a:r>
             <a:r>
               <a:rPr lang="en-GB" dirty="0"/>
-              <a:t> important one (or 2 -&gt; 30, or 300 etc)</a:t>
+              <a:t> important one (or even 300!)</a:t>
             </a:r>
           </a:p>
           <a:p>
@@ -4190,7 +4195,14 @@
             </a:r>
           </a:p>
           <a:p>
+            <a:pPr lvl="1"/>
             <a:endParaRPr lang="en-GB" dirty="0"/>
+          </a:p>
+          <a:p>
+            <a:r>
+              <a:rPr lang="en-GB" dirty="0"/>
+              <a:t>It’ll also be helpful for future you</a:t>
+            </a:r>
           </a:p>
         </p:txBody>
       </p:sp>
@@ -4720,7 +4732,7 @@
             <a:pPr lvl="1"/>
             <a:r>
               <a:rPr lang="en-GB" dirty="0"/>
-              <a:t>e.g. you can define time as 1, 2, 3, etc then have a “transform” for 2, 4, 32 Hz to get the time for different acquisition rates.</a:t>
+              <a:t>e.g. you can define time as 1, 2, 3, etc then have a “transform” for seconds since midnight</a:t>
             </a:r>
             <a:br>
               <a:rPr lang="en-GB" dirty="0"/>
@@ -4761,6 +4773,89 @@
     <p:extLst>
       <p:ext uri="{BB962C8B-B14F-4D97-AF65-F5344CB8AC3E}">
         <p14:creationId xmlns:p14="http://schemas.microsoft.com/office/powerpoint/2010/main" val="1516844356"/>
+      </p:ext>
+    </p:extLst>
+  </p:cSld>
+  <p:clrMapOvr>
+    <a:masterClrMapping/>
+  </p:clrMapOvr>
+</p:sld>
+</file>
+
+<file path=ppt/slides/slide18.xml><?xml version="1.0" encoding="utf-8"?>
+<p:sld xmlns:a="http://schemas.openxmlformats.org/drawingml/2006/main" xmlns:r="http://schemas.openxmlformats.org/officeDocument/2006/relationships" xmlns:p="http://schemas.openxmlformats.org/presentationml/2006/main">
+  <p:cSld>
+    <p:spTree>
+      <p:nvGrpSpPr>
+        <p:cNvPr id="1" name=""/>
+        <p:cNvGrpSpPr/>
+        <p:nvPr/>
+      </p:nvGrpSpPr>
+      <p:grpSpPr>
+        <a:xfrm>
+          <a:off x="0" y="0"/>
+          <a:ext cx="0" cy="0"/>
+          <a:chOff x="0" y="0"/>
+          <a:chExt cx="0" cy="0"/>
+        </a:xfrm>
+      </p:grpSpPr>
+      <p:sp>
+        <p:nvSpPr>
+          <p:cNvPr id="4" name="Title 3">
+            <a:extLst>
+              <a:ext uri="{FF2B5EF4-FFF2-40B4-BE49-F238E27FC236}">
+                <a16:creationId xmlns:a16="http://schemas.microsoft.com/office/drawing/2014/main" id="{09F7CC7C-B5F6-2F01-8E1D-4F7F77749FC5}"/>
+              </a:ext>
+            </a:extLst>
+          </p:cNvPr>
+          <p:cNvSpPr>
+            <a:spLocks noGrp="1"/>
+          </p:cNvSpPr>
+          <p:nvPr>
+            <p:ph type="ctrTitle"/>
+          </p:nvPr>
+        </p:nvSpPr>
+        <p:spPr/>
+        <p:txBody>
+          <a:bodyPr/>
+          <a:lstStyle/>
+          <a:p>
+            <a:r>
+              <a:rPr lang="en-GB" dirty="0"/>
+              <a:t>Other ways of running R</a:t>
+            </a:r>
+          </a:p>
+        </p:txBody>
+      </p:sp>
+      <p:sp>
+        <p:nvSpPr>
+          <p:cNvPr id="5" name="Subtitle 4">
+            <a:extLst>
+              <a:ext uri="{FF2B5EF4-FFF2-40B4-BE49-F238E27FC236}">
+                <a16:creationId xmlns:a16="http://schemas.microsoft.com/office/drawing/2014/main" id="{A6680922-26DF-F960-D51B-1EF74810C9BE}"/>
+              </a:ext>
+            </a:extLst>
+          </p:cNvPr>
+          <p:cNvSpPr>
+            <a:spLocks noGrp="1"/>
+          </p:cNvSpPr>
+          <p:nvPr>
+            <p:ph type="subTitle" idx="1"/>
+          </p:nvPr>
+        </p:nvSpPr>
+        <p:spPr/>
+        <p:txBody>
+          <a:bodyPr/>
+          <a:lstStyle/>
+          <a:p>
+            <a:endParaRPr lang="en-GB"/>
+          </a:p>
+        </p:txBody>
+      </p:sp>
+    </p:spTree>
+    <p:extLst>
+      <p:ext uri="{BB962C8B-B14F-4D97-AF65-F5344CB8AC3E}">
+        <p14:creationId xmlns:p14="http://schemas.microsoft.com/office/powerpoint/2010/main" val="3339619267"/>
       </p:ext>
     </p:extLst>
   </p:cSld>
@@ -5236,7 +5331,9 @@
         </p:nvSpPr>
         <p:spPr/>
         <p:txBody>
-          <a:bodyPr/>
+          <a:bodyPr>
+            <a:normAutofit lnSpcReduction="10000"/>
+          </a:bodyPr>
           <a:lstStyle/>
           <a:p>
             <a:r>
@@ -5251,7 +5348,14 @@
           <a:p>
             <a:r>
               <a:rPr lang="en-GB" dirty="0"/>
-              <a:t>Launching RStudio from a project file automatically sets your working directory to that location</a:t>
+              <a:t>Opening a project automatically sets your working directory to that location</a:t>
+            </a:r>
+          </a:p>
+          <a:p>
+            <a:pPr lvl="1"/>
+            <a:r>
+              <a:rPr lang="en-GB" dirty="0"/>
+              <a:t>Either from RStudio or file explorer</a:t>
             </a:r>
             <a:br>
               <a:rPr lang="en-GB" dirty="0"/>
@@ -5262,6 +5366,15 @@
             <a:r>
               <a:rPr lang="en-GB" dirty="0"/>
               <a:t>Helps keep your data, scripts and plots together</a:t>
+            </a:r>
+          </a:p>
+          <a:p>
+            <a:endParaRPr lang="en-GB" dirty="0"/>
+          </a:p>
+          <a:p>
+            <a:r>
+              <a:rPr lang="en-GB" dirty="0"/>
+              <a:t>Makes sharing your work easier</a:t>
             </a:r>
           </a:p>
         </p:txBody>
@@ -5543,7 +5656,7 @@
             <a:pPr lvl="1"/>
             <a:r>
               <a:rPr lang="en-GB" dirty="0"/>
-              <a:t>Your default working directory is set here if you launch from the project</a:t>
+              <a:t>Your working directory is set here if you launch from the project</a:t>
             </a:r>
           </a:p>
           <a:p>
@@ -5567,14 +5680,14 @@
             <a:pPr lvl="1"/>
             <a:r>
               <a:rPr lang="en-GB" dirty="0"/>
-              <a:t>Forces paths to default to the project directory</a:t>
+              <a:t>Optional package that helps with writing relative file paths </a:t>
             </a:r>
           </a:p>
           <a:p>
             <a:pPr lvl="1"/>
             <a:r>
               <a:rPr lang="en-GB" dirty="0"/>
-              <a:t>Adapts paths for different operating systems</a:t>
+              <a:t>Works across multiple OS</a:t>
             </a:r>
           </a:p>
           <a:p>
@@ -5683,7 +5796,7 @@
           <a:p>
             <a:r>
               <a:rPr lang="en-GB" dirty="0"/>
-              <a:t>Best practise is that *ALL* things you do to and with your data are described in code. </a:t>
+              <a:t>Best practise is that the entire workflow from raw data to final outputs is described in code, and is therefore reproducible</a:t>
             </a:r>
           </a:p>
           <a:p>

--- a/courses/r-intro/docs/Intro to R 2023_day2.pptx
+++ b/courses/r-intro/docs/Intro to R 2023_day2.pptx
@@ -120,6 +120,11 @@
       </a:defRPr>
     </a:lvl9pPr>
   </p:defaultTextStyle>
+  <p:extLst>
+    <p:ext uri="{EFAFB233-063F-42B5-8137-9DF3F51BA10A}">
+      <p15:sldGuideLst xmlns:p15="http://schemas.microsoft.com/office/powerpoint/2012/main"/>
+    </p:ext>
+  </p:extLst>
 </p:presentation>
 </file>
 
@@ -272,7 +277,7 @@
           <a:p>
             <a:fld id="{FBD30073-4D14-4614-B8E3-87038BE78D7F}" type="datetimeFigureOut">
               <a:rPr lang="en-GB" smtClean="0"/>
-              <a:t>18/11/2023</a:t>
+              <a:t>20/11/2023</a:t>
             </a:fld>
             <a:endParaRPr lang="en-GB"/>
           </a:p>
@@ -472,7 +477,7 @@
           <a:p>
             <a:fld id="{FBD30073-4D14-4614-B8E3-87038BE78D7F}" type="datetimeFigureOut">
               <a:rPr lang="en-GB" smtClean="0"/>
-              <a:t>18/11/2023</a:t>
+              <a:t>20/11/2023</a:t>
             </a:fld>
             <a:endParaRPr lang="en-GB"/>
           </a:p>
@@ -682,7 +687,7 @@
           <a:p>
             <a:fld id="{FBD30073-4D14-4614-B8E3-87038BE78D7F}" type="datetimeFigureOut">
               <a:rPr lang="en-GB" smtClean="0"/>
-              <a:t>18/11/2023</a:t>
+              <a:t>20/11/2023</a:t>
             </a:fld>
             <a:endParaRPr lang="en-GB"/>
           </a:p>
@@ -882,7 +887,7 @@
           <a:p>
             <a:fld id="{FBD30073-4D14-4614-B8E3-87038BE78D7F}" type="datetimeFigureOut">
               <a:rPr lang="en-GB" smtClean="0"/>
-              <a:t>18/11/2023</a:t>
+              <a:t>20/11/2023</a:t>
             </a:fld>
             <a:endParaRPr lang="en-GB"/>
           </a:p>
@@ -1158,7 +1163,7 @@
           <a:p>
             <a:fld id="{FBD30073-4D14-4614-B8E3-87038BE78D7F}" type="datetimeFigureOut">
               <a:rPr lang="en-GB" smtClean="0"/>
-              <a:t>18/11/2023</a:t>
+              <a:t>20/11/2023</a:t>
             </a:fld>
             <a:endParaRPr lang="en-GB"/>
           </a:p>
@@ -1426,7 +1431,7 @@
           <a:p>
             <a:fld id="{FBD30073-4D14-4614-B8E3-87038BE78D7F}" type="datetimeFigureOut">
               <a:rPr lang="en-GB" smtClean="0"/>
-              <a:t>18/11/2023</a:t>
+              <a:t>20/11/2023</a:t>
             </a:fld>
             <a:endParaRPr lang="en-GB"/>
           </a:p>
@@ -1841,7 +1846,7 @@
           <a:p>
             <a:fld id="{FBD30073-4D14-4614-B8E3-87038BE78D7F}" type="datetimeFigureOut">
               <a:rPr lang="en-GB" smtClean="0"/>
-              <a:t>18/11/2023</a:t>
+              <a:t>20/11/2023</a:t>
             </a:fld>
             <a:endParaRPr lang="en-GB"/>
           </a:p>
@@ -1983,7 +1988,7 @@
           <a:p>
             <a:fld id="{FBD30073-4D14-4614-B8E3-87038BE78D7F}" type="datetimeFigureOut">
               <a:rPr lang="en-GB" smtClean="0"/>
-              <a:t>18/11/2023</a:t>
+              <a:t>20/11/2023</a:t>
             </a:fld>
             <a:endParaRPr lang="en-GB"/>
           </a:p>
@@ -2096,7 +2101,7 @@
           <a:p>
             <a:fld id="{FBD30073-4D14-4614-B8E3-87038BE78D7F}" type="datetimeFigureOut">
               <a:rPr lang="en-GB" smtClean="0"/>
-              <a:t>18/11/2023</a:t>
+              <a:t>20/11/2023</a:t>
             </a:fld>
             <a:endParaRPr lang="en-GB"/>
           </a:p>
@@ -2409,7 +2414,7 @@
           <a:p>
             <a:fld id="{FBD30073-4D14-4614-B8E3-87038BE78D7F}" type="datetimeFigureOut">
               <a:rPr lang="en-GB" smtClean="0"/>
-              <a:t>18/11/2023</a:t>
+              <a:t>20/11/2023</a:t>
             </a:fld>
             <a:endParaRPr lang="en-GB"/>
           </a:p>
@@ -2698,7 +2703,7 @@
           <a:p>
             <a:fld id="{FBD30073-4D14-4614-B8E3-87038BE78D7F}" type="datetimeFigureOut">
               <a:rPr lang="en-GB" smtClean="0"/>
-              <a:t>18/11/2023</a:t>
+              <a:t>20/11/2023</a:t>
             </a:fld>
             <a:endParaRPr lang="en-GB"/>
           </a:p>
@@ -2941,7 +2946,7 @@
           <a:p>
             <a:fld id="{FBD30073-4D14-4614-B8E3-87038BE78D7F}" type="datetimeFigureOut">
               <a:rPr lang="en-GB" smtClean="0"/>
-              <a:t>18/11/2023</a:t>
+              <a:t>20/11/2023</a:t>
             </a:fld>
             <a:endParaRPr lang="en-GB"/>
           </a:p>
@@ -4550,6 +4555,41 @@
             <a:r>
               <a:rPr lang="en-GB" dirty="0"/>
               <a:t>Skipping headers – useful for NASA Ames</a:t>
+            </a:r>
+            <a:br>
+              <a:rPr lang="en-GB" dirty="0"/>
+            </a:br>
+            <a:br>
+              <a:rPr lang="en-GB" dirty="0"/>
+            </a:br>
+            <a:endParaRPr lang="en-GB" dirty="0"/>
+          </a:p>
+          <a:p>
+            <a:r>
+              <a:rPr lang="en-GB" dirty="0"/>
+              <a:t>More complex plain texts include the </a:t>
+            </a:r>
+            <a:r>
+              <a:rPr lang="en-GB" dirty="0" err="1"/>
+              <a:t>the</a:t>
+            </a:r>
+            <a:r>
+              <a:rPr lang="en-GB" dirty="0"/>
+              <a:t> Sift outputs!</a:t>
+            </a:r>
+          </a:p>
+          <a:p>
+            <a:pPr lvl="1"/>
+            <a:r>
+              <a:rPr lang="en-GB" dirty="0"/>
+              <a:t>Fortunately someone has written code to do this: </a:t>
+            </a:r>
+            <a:br>
+              <a:rPr lang="en-GB" dirty="0"/>
+            </a:br>
+            <a:r>
+              <a:rPr lang="en-GB" dirty="0"/>
+              <a:t>https://github.com/wacl-york/siftr</a:t>
             </a:r>
           </a:p>
         </p:txBody>

--- a/courses/r-intro/docs/Intro to R 2023_day2.pptx
+++ b/courses/r-intro/docs/Intro to R 2023_day2.pptx
@@ -4563,6 +4563,42 @@
               <a:rPr lang="en-GB" dirty="0"/>
               <a:t>Skipping headers – useful for NASA Ames</a:t>
             </a:r>
+          </a:p>
+          <a:p>
+            <a:endParaRPr lang="en-GB" dirty="0"/>
+          </a:p>
+          <a:p>
+            <a:r>
+              <a:rPr lang="en-GB" dirty="0"/>
+              <a:t>Other more complex files include the Sift outputs</a:t>
+            </a:r>
+          </a:p>
+          <a:p>
+            <a:pPr lvl="1"/>
+            <a:r>
+              <a:rPr lang="en-GB" dirty="0"/>
+              <a:t>Fortunately there is already a package for this:</a:t>
+            </a:r>
+            <a:br>
+              <a:rPr lang="en-GB" dirty="0"/>
+            </a:br>
+            <a:r>
+              <a:rPr lang="en-GB" dirty="0"/>
+              <a:t>github.com/</a:t>
+            </a:r>
+            <a:r>
+              <a:rPr lang="en-GB" dirty="0" err="1"/>
+              <a:t>wacl-york</a:t>
+            </a:r>
+            <a:r>
+              <a:rPr lang="en-GB" dirty="0"/>
+              <a:t>/</a:t>
+            </a:r>
+            <a:r>
+              <a:rPr lang="en-GB" dirty="0" err="1"/>
+              <a:t>siftr</a:t>
+            </a:r>
+            <a:endParaRPr lang="en-GB" dirty="0"/>
           </a:p>
         </p:txBody>
       </p:sp>

--- a/courses/r-intro/docs/Intro to R 2023_day2.pptx
+++ b/courses/r-intro/docs/Intro to R 2023_day2.pptx
@@ -1,39 +1,135 @@
 
 <file path=ppt/presentation.xml><?xml version="1.0" encoding="utf-8"?>
-<p:presentation xmlns:a="http://schemas.openxmlformats.org/drawingml/2006/main" xmlns:p="http://schemas.openxmlformats.org/presentationml/2006/main" xmlns:r="http://schemas.openxmlformats.org/officeDocument/2006/relationships" xmlns:p14="http://schemas.microsoft.com/office/powerpoint/2010/main" xmlns:p15="http://schemas.microsoft.com/office/powerpoint/2012/main" xmlns:mc="http://schemas.openxmlformats.org/markup-compatibility/2006">
+<p:presentation xmlns:a="http://schemas.openxmlformats.org/drawingml/2006/main" xmlns:r="http://schemas.openxmlformats.org/officeDocument/2006/relationships" xmlns:p="http://schemas.openxmlformats.org/presentationml/2006/main">
   <p:sldMasterIdLst>
-    <p:sldMasterId id="2147483648" r:id="rId2"/>
-    <p:sldMasterId id="2147483661" r:id="rId3"/>
+    <p:sldMasterId id="2147483648" r:id="rId1"/>
+    <p:sldMasterId id="2147483661" r:id="rId2"/>
   </p:sldMasterIdLst>
   <p:sldIdLst>
-    <p:sldId id="256" r:id="rId4"/>
-    <p:sldId id="257" r:id="rId5"/>
-    <p:sldId id="258" r:id="rId6"/>
-    <p:sldId id="259" r:id="rId7"/>
-    <p:sldId id="260" r:id="rId8"/>
-    <p:sldId id="261" r:id="rId9"/>
-    <p:sldId id="262" r:id="rId10"/>
-    <p:sldId id="263" r:id="rId11"/>
-    <p:sldId id="264" r:id="rId12"/>
-    <p:sldId id="265" r:id="rId13"/>
-    <p:sldId id="266" r:id="rId14"/>
-    <p:sldId id="267" r:id="rId15"/>
-    <p:sldId id="268" r:id="rId16"/>
-    <p:sldId id="269" r:id="rId17"/>
-    <p:sldId id="270" r:id="rId18"/>
-    <p:sldId id="271" r:id="rId19"/>
-    <p:sldId id="272" r:id="rId20"/>
-    <p:sldId id="273" r:id="rId21"/>
+    <p:sldId id="256" r:id="rId3"/>
+    <p:sldId id="257" r:id="rId4"/>
+    <p:sldId id="258" r:id="rId5"/>
+    <p:sldId id="259" r:id="rId6"/>
+    <p:sldId id="260" r:id="rId7"/>
+    <p:sldId id="261" r:id="rId8"/>
+    <p:sldId id="262" r:id="rId9"/>
+    <p:sldId id="263" r:id="rId10"/>
+    <p:sldId id="264" r:id="rId11"/>
+    <p:sldId id="265" r:id="rId12"/>
+    <p:sldId id="266" r:id="rId13"/>
+    <p:sldId id="267" r:id="rId14"/>
+    <p:sldId id="268" r:id="rId15"/>
+    <p:sldId id="269" r:id="rId16"/>
+    <p:sldId id="270" r:id="rId17"/>
+    <p:sldId id="271" r:id="rId18"/>
+    <p:sldId id="272" r:id="rId19"/>
+    <p:sldId id="273" r:id="rId20"/>
+    <p:sldId id="277" r:id="rId21"/>
     <p:sldId id="274" r:id="rId22"/>
     <p:sldId id="275" r:id="rId23"/>
   </p:sldIdLst>
   <p:sldSz cx="12192000" cy="6858000"/>
   <p:notesSz cx="7559675" cy="10691813"/>
+  <p:defaultTextStyle>
+    <a:defPPr>
+      <a:defRPr lang="en-US"/>
+    </a:defPPr>
+    <a:lvl1pPr marL="0" algn="l" defTabSz="914400" rtl="0" eaLnBrk="1" latinLnBrk="0" hangingPunct="1">
+      <a:defRPr sz="1800" kern="1200">
+        <a:solidFill>
+          <a:schemeClr val="tx1"/>
+        </a:solidFill>
+        <a:latin typeface="+mn-lt"/>
+        <a:ea typeface="+mn-ea"/>
+        <a:cs typeface="+mn-cs"/>
+      </a:defRPr>
+    </a:lvl1pPr>
+    <a:lvl2pPr marL="457200" algn="l" defTabSz="914400" rtl="0" eaLnBrk="1" latinLnBrk="0" hangingPunct="1">
+      <a:defRPr sz="1800" kern="1200">
+        <a:solidFill>
+          <a:schemeClr val="tx1"/>
+        </a:solidFill>
+        <a:latin typeface="+mn-lt"/>
+        <a:ea typeface="+mn-ea"/>
+        <a:cs typeface="+mn-cs"/>
+      </a:defRPr>
+    </a:lvl2pPr>
+    <a:lvl3pPr marL="914400" algn="l" defTabSz="914400" rtl="0" eaLnBrk="1" latinLnBrk="0" hangingPunct="1">
+      <a:defRPr sz="1800" kern="1200">
+        <a:solidFill>
+          <a:schemeClr val="tx1"/>
+        </a:solidFill>
+        <a:latin typeface="+mn-lt"/>
+        <a:ea typeface="+mn-ea"/>
+        <a:cs typeface="+mn-cs"/>
+      </a:defRPr>
+    </a:lvl3pPr>
+    <a:lvl4pPr marL="1371600" algn="l" defTabSz="914400" rtl="0" eaLnBrk="1" latinLnBrk="0" hangingPunct="1">
+      <a:defRPr sz="1800" kern="1200">
+        <a:solidFill>
+          <a:schemeClr val="tx1"/>
+        </a:solidFill>
+        <a:latin typeface="+mn-lt"/>
+        <a:ea typeface="+mn-ea"/>
+        <a:cs typeface="+mn-cs"/>
+      </a:defRPr>
+    </a:lvl4pPr>
+    <a:lvl5pPr marL="1828800" algn="l" defTabSz="914400" rtl="0" eaLnBrk="1" latinLnBrk="0" hangingPunct="1">
+      <a:defRPr sz="1800" kern="1200">
+        <a:solidFill>
+          <a:schemeClr val="tx1"/>
+        </a:solidFill>
+        <a:latin typeface="+mn-lt"/>
+        <a:ea typeface="+mn-ea"/>
+        <a:cs typeface="+mn-cs"/>
+      </a:defRPr>
+    </a:lvl5pPr>
+    <a:lvl6pPr marL="2286000" algn="l" defTabSz="914400" rtl="0" eaLnBrk="1" latinLnBrk="0" hangingPunct="1">
+      <a:defRPr sz="1800" kern="1200">
+        <a:solidFill>
+          <a:schemeClr val="tx1"/>
+        </a:solidFill>
+        <a:latin typeface="+mn-lt"/>
+        <a:ea typeface="+mn-ea"/>
+        <a:cs typeface="+mn-cs"/>
+      </a:defRPr>
+    </a:lvl6pPr>
+    <a:lvl7pPr marL="2743200" algn="l" defTabSz="914400" rtl="0" eaLnBrk="1" latinLnBrk="0" hangingPunct="1">
+      <a:defRPr sz="1800" kern="1200">
+        <a:solidFill>
+          <a:schemeClr val="tx1"/>
+        </a:solidFill>
+        <a:latin typeface="+mn-lt"/>
+        <a:ea typeface="+mn-ea"/>
+        <a:cs typeface="+mn-cs"/>
+      </a:defRPr>
+    </a:lvl7pPr>
+    <a:lvl8pPr marL="3200400" algn="l" defTabSz="914400" rtl="0" eaLnBrk="1" latinLnBrk="0" hangingPunct="1">
+      <a:defRPr sz="1800" kern="1200">
+        <a:solidFill>
+          <a:schemeClr val="tx1"/>
+        </a:solidFill>
+        <a:latin typeface="+mn-lt"/>
+        <a:ea typeface="+mn-ea"/>
+        <a:cs typeface="+mn-cs"/>
+      </a:defRPr>
+    </a:lvl8pPr>
+    <a:lvl9pPr marL="3657600" algn="l" defTabSz="914400" rtl="0" eaLnBrk="1" latinLnBrk="0" hangingPunct="1">
+      <a:defRPr sz="1800" kern="1200">
+        <a:solidFill>
+          <a:schemeClr val="tx1"/>
+        </a:solidFill>
+        <a:latin typeface="+mn-lt"/>
+        <a:ea typeface="+mn-ea"/>
+        <a:cs typeface="+mn-cs"/>
+      </a:defRPr>
+    </a:lvl9pPr>
+  </p:defaultTextStyle>
 </p:presentation>
 </file>
 
 <file path=ppt/slideLayouts/slideLayout1.xml><?xml version="1.0" encoding="utf-8"?>
-<p:sldLayout xmlns:a="http://schemas.openxmlformats.org/drawingml/2006/main" xmlns:p="http://schemas.openxmlformats.org/presentationml/2006/main" xmlns:r="http://schemas.openxmlformats.org/officeDocument/2006/relationships" xmlns:p14="http://schemas.microsoft.com/office/powerpoint/2010/main" xmlns:p15="http://schemas.microsoft.com/office/powerpoint/2012/main" xmlns:mc="http://schemas.openxmlformats.org/markup-compatibility/2006" type="blank" preserve="1">
+<p:sldLayout xmlns:a="http://schemas.openxmlformats.org/drawingml/2006/main" xmlns:r="http://schemas.openxmlformats.org/officeDocument/2006/relationships" xmlns:p="http://schemas.openxmlformats.org/presentationml/2006/main" type="blank" preserve="1">
   <p:cSld name="Blank Slide">
     <p:spTree>
       <p:nvGrpSpPr>
@@ -62,6 +158,7 @@
         <p:spPr/>
         <p:txBody>
           <a:bodyPr/>
+          <a:lstStyle/>
           <a:p>
             <a:r>
               <a:t>Footer</a:t>
@@ -82,10 +179,12 @@
         <p:spPr/>
         <p:txBody>
           <a:bodyPr/>
+          <a:lstStyle/>
           <a:p>
             <a:fld id="{0303FED3-11F5-487F-A7B7-140BF5B9F4AE}" type="slidenum">
-              <a:t>&lt;#&gt;</a:t>
+              <a:t>‹#›</a:t>
             </a:fld>
+            <a:endParaRPr/>
           </a:p>
         </p:txBody>
       </p:sp>
@@ -102,21 +201,22 @@
         <p:spPr/>
         <p:txBody>
           <a:bodyPr/>
-          <a:p>
-            <a:r>
-              <a:rPr lang="en-GB"/>
-              <a:t/>
-            </a:r>
+          <a:lstStyle/>
+          <a:p>
+            <a:endParaRPr/>
           </a:p>
         </p:txBody>
       </p:sp>
     </p:spTree>
   </p:cSld>
+  <p:clrMapOvr>
+    <a:masterClrMapping/>
+  </p:clrMapOvr>
 </p:sldLayout>
 </file>
 
 <file path=ppt/slideLayouts/slideLayout10.xml><?xml version="1.0" encoding="utf-8"?>
-<p:sldLayout xmlns:a="http://schemas.openxmlformats.org/drawingml/2006/main" xmlns:p="http://schemas.openxmlformats.org/presentationml/2006/main" xmlns:r="http://schemas.openxmlformats.org/officeDocument/2006/relationships" xmlns:p14="http://schemas.microsoft.com/office/powerpoint/2010/main" xmlns:p15="http://schemas.microsoft.com/office/powerpoint/2012/main" xmlns:mc="http://schemas.openxmlformats.org/markup-compatibility/2006" type="objOverTx" preserve="1">
+<p:sldLayout xmlns:a="http://schemas.openxmlformats.org/drawingml/2006/main" xmlns:r="http://schemas.openxmlformats.org/officeDocument/2006/relationships" xmlns:p="http://schemas.openxmlformats.org/presentationml/2006/main" type="objOverTx" preserve="1">
   <p:cSld name="Title, Content over Content">
     <p:spTree>
       <p:nvGrpSpPr>
@@ -156,14 +256,15 @@
           </a:ln>
         </p:spPr>
         <p:txBody>
-          <a:bodyPr lIns="0" rIns="0" tIns="0" bIns="0" anchor="ctr">
+          <a:bodyPr lIns="0" tIns="0" rIns="0" bIns="0" anchor="ctr">
             <a:noAutofit/>
           </a:bodyPr>
+          <a:lstStyle/>
           <a:p>
             <a:pPr indent="0">
               <a:buNone/>
             </a:pPr>
-            <a:endParaRPr b="0" lang="en-US" sz="1800" spc="-1" strike="noStrike">
+            <a:endParaRPr lang="en-US" sz="1800" b="0" strike="noStrike" spc="-1">
               <a:solidFill>
                 <a:srgbClr val="000000"/>
               </a:solidFill>
@@ -196,9 +297,10 @@
           </a:ln>
         </p:spPr>
         <p:txBody>
-          <a:bodyPr lIns="0" rIns="0" tIns="0" bIns="0" anchor="t">
+          <a:bodyPr lIns="0" tIns="0" rIns="0" bIns="0" anchor="t">
             <a:normAutofit/>
           </a:bodyPr>
+          <a:lstStyle/>
           <a:p>
             <a:pPr indent="0">
               <a:lnSpc>
@@ -209,7 +311,7 @@
               </a:spcBef>
               <a:buNone/>
             </a:pPr>
-            <a:endParaRPr b="0" lang="en-US" sz="2800" spc="-1" strike="noStrike">
+            <a:endParaRPr lang="en-US" sz="2800" b="0" strike="noStrike" spc="-1">
               <a:solidFill>
                 <a:srgbClr val="000000"/>
               </a:solidFill>
@@ -242,9 +344,10 @@
           </a:ln>
         </p:spPr>
         <p:txBody>
-          <a:bodyPr lIns="0" rIns="0" tIns="0" bIns="0" anchor="t">
+          <a:bodyPr lIns="0" tIns="0" rIns="0" bIns="0" anchor="t">
             <a:normAutofit/>
           </a:bodyPr>
+          <a:lstStyle/>
           <a:p>
             <a:pPr indent="0">
               <a:lnSpc>
@@ -255,7 +358,7 @@
               </a:spcBef>
               <a:buNone/>
             </a:pPr>
-            <a:endParaRPr b="0" lang="en-US" sz="2800" spc="-1" strike="noStrike">
+            <a:endParaRPr lang="en-US" sz="2800" b="0" strike="noStrike" spc="-1">
               <a:solidFill>
                 <a:srgbClr val="000000"/>
               </a:solidFill>
@@ -277,6 +380,7 @@
         <p:spPr/>
         <p:txBody>
           <a:bodyPr/>
+          <a:lstStyle/>
           <a:p>
             <a:r>
               <a:t>Footer</a:t>
@@ -297,10 +401,12 @@
         <p:spPr/>
         <p:txBody>
           <a:bodyPr/>
+          <a:lstStyle/>
           <a:p>
             <a:fld id="{6DFA2D20-21FA-4E24-91E3-103F331F0B66}" type="slidenum">
-              <a:t>&lt;#&gt;</a:t>
+              <a:t>‹#›</a:t>
             </a:fld>
+            <a:endParaRPr/>
           </a:p>
         </p:txBody>
       </p:sp>
@@ -317,21 +423,22 @@
         <p:spPr/>
         <p:txBody>
           <a:bodyPr/>
-          <a:p>
-            <a:r>
-              <a:rPr lang="en-GB"/>
-              <a:t/>
-            </a:r>
+          <a:lstStyle/>
+          <a:p>
+            <a:endParaRPr/>
           </a:p>
         </p:txBody>
       </p:sp>
     </p:spTree>
   </p:cSld>
+  <p:clrMapOvr>
+    <a:masterClrMapping/>
+  </p:clrMapOvr>
 </p:sldLayout>
 </file>
 
 <file path=ppt/slideLayouts/slideLayout11.xml><?xml version="1.0" encoding="utf-8"?>
-<p:sldLayout xmlns:a="http://schemas.openxmlformats.org/drawingml/2006/main" xmlns:p="http://schemas.openxmlformats.org/presentationml/2006/main" xmlns:r="http://schemas.openxmlformats.org/officeDocument/2006/relationships" xmlns:p14="http://schemas.microsoft.com/office/powerpoint/2010/main" xmlns:p15="http://schemas.microsoft.com/office/powerpoint/2012/main" xmlns:mc="http://schemas.openxmlformats.org/markup-compatibility/2006" type="fourObj" preserve="1">
+<p:sldLayout xmlns:a="http://schemas.openxmlformats.org/drawingml/2006/main" xmlns:r="http://schemas.openxmlformats.org/officeDocument/2006/relationships" xmlns:p="http://schemas.openxmlformats.org/presentationml/2006/main" type="fourObj" preserve="1">
   <p:cSld name="Title, 4 Content">
     <p:spTree>
       <p:nvGrpSpPr>
@@ -371,14 +478,15 @@
           </a:ln>
         </p:spPr>
         <p:txBody>
-          <a:bodyPr lIns="0" rIns="0" tIns="0" bIns="0" anchor="ctr">
+          <a:bodyPr lIns="0" tIns="0" rIns="0" bIns="0" anchor="ctr">
             <a:noAutofit/>
           </a:bodyPr>
+          <a:lstStyle/>
           <a:p>
             <a:pPr indent="0">
               <a:buNone/>
             </a:pPr>
-            <a:endParaRPr b="0" lang="en-US" sz="1800" spc="-1" strike="noStrike">
+            <a:endParaRPr lang="en-US" sz="1800" b="0" strike="noStrike" spc="-1">
               <a:solidFill>
                 <a:srgbClr val="000000"/>
               </a:solidFill>
@@ -411,9 +519,10 @@
           </a:ln>
         </p:spPr>
         <p:txBody>
-          <a:bodyPr lIns="0" rIns="0" tIns="0" bIns="0" anchor="t">
+          <a:bodyPr lIns="0" tIns="0" rIns="0" bIns="0" anchor="t">
             <a:normAutofit/>
           </a:bodyPr>
+          <a:lstStyle/>
           <a:p>
             <a:pPr indent="0">
               <a:lnSpc>
@@ -424,7 +533,7 @@
               </a:spcBef>
               <a:buNone/>
             </a:pPr>
-            <a:endParaRPr b="0" lang="en-US" sz="2800" spc="-1" strike="noStrike">
+            <a:endParaRPr lang="en-US" sz="2800" b="0" strike="noStrike" spc="-1">
               <a:solidFill>
                 <a:srgbClr val="000000"/>
               </a:solidFill>
@@ -457,9 +566,10 @@
           </a:ln>
         </p:spPr>
         <p:txBody>
-          <a:bodyPr lIns="0" rIns="0" tIns="0" bIns="0" anchor="t">
+          <a:bodyPr lIns="0" tIns="0" rIns="0" bIns="0" anchor="t">
             <a:normAutofit/>
           </a:bodyPr>
+          <a:lstStyle/>
           <a:p>
             <a:pPr indent="0">
               <a:lnSpc>
@@ -470,7 +580,7 @@
               </a:spcBef>
               <a:buNone/>
             </a:pPr>
-            <a:endParaRPr b="0" lang="en-US" sz="2800" spc="-1" strike="noStrike">
+            <a:endParaRPr lang="en-US" sz="2800" b="0" strike="noStrike" spc="-1">
               <a:solidFill>
                 <a:srgbClr val="000000"/>
               </a:solidFill>
@@ -503,9 +613,10 @@
           </a:ln>
         </p:spPr>
         <p:txBody>
-          <a:bodyPr lIns="0" rIns="0" tIns="0" bIns="0" anchor="t">
+          <a:bodyPr lIns="0" tIns="0" rIns="0" bIns="0" anchor="t">
             <a:normAutofit/>
           </a:bodyPr>
+          <a:lstStyle/>
           <a:p>
             <a:pPr indent="0">
               <a:lnSpc>
@@ -516,7 +627,7 @@
               </a:spcBef>
               <a:buNone/>
             </a:pPr>
-            <a:endParaRPr b="0" lang="en-US" sz="2800" spc="-1" strike="noStrike">
+            <a:endParaRPr lang="en-US" sz="2800" b="0" strike="noStrike" spc="-1">
               <a:solidFill>
                 <a:srgbClr val="000000"/>
               </a:solidFill>
@@ -549,9 +660,10 @@
           </a:ln>
         </p:spPr>
         <p:txBody>
-          <a:bodyPr lIns="0" rIns="0" tIns="0" bIns="0" anchor="t">
+          <a:bodyPr lIns="0" tIns="0" rIns="0" bIns="0" anchor="t">
             <a:normAutofit/>
           </a:bodyPr>
+          <a:lstStyle/>
           <a:p>
             <a:pPr indent="0">
               <a:lnSpc>
@@ -562,7 +674,7 @@
               </a:spcBef>
               <a:buNone/>
             </a:pPr>
-            <a:endParaRPr b="0" lang="en-US" sz="2800" spc="-1" strike="noStrike">
+            <a:endParaRPr lang="en-US" sz="2800" b="0" strike="noStrike" spc="-1">
               <a:solidFill>
                 <a:srgbClr val="000000"/>
               </a:solidFill>
@@ -584,6 +696,7 @@
         <p:spPr/>
         <p:txBody>
           <a:bodyPr/>
+          <a:lstStyle/>
           <a:p>
             <a:r>
               <a:t>Footer</a:t>
@@ -604,10 +717,12 @@
         <p:spPr/>
         <p:txBody>
           <a:bodyPr/>
+          <a:lstStyle/>
           <a:p>
             <a:fld id="{4AD01820-48EA-44BA-B59B-D74F13C8E706}" type="slidenum">
-              <a:t>&lt;#&gt;</a:t>
+              <a:t>‹#›</a:t>
             </a:fld>
+            <a:endParaRPr/>
           </a:p>
         </p:txBody>
       </p:sp>
@@ -624,21 +739,22 @@
         <p:spPr/>
         <p:txBody>
           <a:bodyPr/>
-          <a:p>
-            <a:r>
-              <a:rPr lang="en-GB"/>
-              <a:t/>
-            </a:r>
+          <a:lstStyle/>
+          <a:p>
+            <a:endParaRPr/>
           </a:p>
         </p:txBody>
       </p:sp>
     </p:spTree>
   </p:cSld>
+  <p:clrMapOvr>
+    <a:masterClrMapping/>
+  </p:clrMapOvr>
 </p:sldLayout>
 </file>
 
 <file path=ppt/slideLayouts/slideLayout12.xml><?xml version="1.0" encoding="utf-8"?>
-<p:sldLayout xmlns:a="http://schemas.openxmlformats.org/drawingml/2006/main" xmlns:p="http://schemas.openxmlformats.org/presentationml/2006/main" xmlns:r="http://schemas.openxmlformats.org/officeDocument/2006/relationships" xmlns:p14="http://schemas.microsoft.com/office/powerpoint/2010/main" xmlns:p15="http://schemas.microsoft.com/office/powerpoint/2012/main" xmlns:mc="http://schemas.openxmlformats.org/markup-compatibility/2006" type="blank" preserve="1">
+<p:sldLayout xmlns:a="http://schemas.openxmlformats.org/drawingml/2006/main" xmlns:r="http://schemas.openxmlformats.org/officeDocument/2006/relationships" xmlns:p="http://schemas.openxmlformats.org/presentationml/2006/main" type="blank" preserve="1">
   <p:cSld name="Title, 6 Content">
     <p:spTree>
       <p:nvGrpSpPr>
@@ -678,14 +794,15 @@
           </a:ln>
         </p:spPr>
         <p:txBody>
-          <a:bodyPr lIns="0" rIns="0" tIns="0" bIns="0" anchor="ctr">
+          <a:bodyPr lIns="0" tIns="0" rIns="0" bIns="0" anchor="ctr">
             <a:noAutofit/>
           </a:bodyPr>
+          <a:lstStyle/>
           <a:p>
             <a:pPr indent="0">
               <a:buNone/>
             </a:pPr>
-            <a:endParaRPr b="0" lang="en-US" sz="1800" spc="-1" strike="noStrike">
+            <a:endParaRPr lang="en-US" sz="1800" b="0" strike="noStrike" spc="-1">
               <a:solidFill>
                 <a:srgbClr val="000000"/>
               </a:solidFill>
@@ -718,9 +835,10 @@
           </a:ln>
         </p:spPr>
         <p:txBody>
-          <a:bodyPr lIns="0" rIns="0" tIns="0" bIns="0" anchor="t">
+          <a:bodyPr lIns="0" tIns="0" rIns="0" bIns="0" anchor="t">
             <a:normAutofit/>
           </a:bodyPr>
+          <a:lstStyle/>
           <a:p>
             <a:pPr indent="0">
               <a:lnSpc>
@@ -731,7 +849,7 @@
               </a:spcBef>
               <a:buNone/>
             </a:pPr>
-            <a:endParaRPr b="0" lang="en-US" sz="2800" spc="-1" strike="noStrike">
+            <a:endParaRPr lang="en-US" sz="2800" b="0" strike="noStrike" spc="-1">
               <a:solidFill>
                 <a:srgbClr val="000000"/>
               </a:solidFill>
@@ -764,9 +882,10 @@
           </a:ln>
         </p:spPr>
         <p:txBody>
-          <a:bodyPr lIns="0" rIns="0" tIns="0" bIns="0" anchor="t">
+          <a:bodyPr lIns="0" tIns="0" rIns="0" bIns="0" anchor="t">
             <a:normAutofit/>
           </a:bodyPr>
+          <a:lstStyle/>
           <a:p>
             <a:pPr indent="0">
               <a:lnSpc>
@@ -777,7 +896,7 @@
               </a:spcBef>
               <a:buNone/>
             </a:pPr>
-            <a:endParaRPr b="0" lang="en-US" sz="2800" spc="-1" strike="noStrike">
+            <a:endParaRPr lang="en-US" sz="2800" b="0" strike="noStrike" spc="-1">
               <a:solidFill>
                 <a:srgbClr val="000000"/>
               </a:solidFill>
@@ -810,9 +929,10 @@
           </a:ln>
         </p:spPr>
         <p:txBody>
-          <a:bodyPr lIns="0" rIns="0" tIns="0" bIns="0" anchor="t">
+          <a:bodyPr lIns="0" tIns="0" rIns="0" bIns="0" anchor="t">
             <a:normAutofit/>
           </a:bodyPr>
+          <a:lstStyle/>
           <a:p>
             <a:pPr indent="0">
               <a:lnSpc>
@@ -823,7 +943,7 @@
               </a:spcBef>
               <a:buNone/>
             </a:pPr>
-            <a:endParaRPr b="0" lang="en-US" sz="2800" spc="-1" strike="noStrike">
+            <a:endParaRPr lang="en-US" sz="2800" b="0" strike="noStrike" spc="-1">
               <a:solidFill>
                 <a:srgbClr val="000000"/>
               </a:solidFill>
@@ -856,9 +976,10 @@
           </a:ln>
         </p:spPr>
         <p:txBody>
-          <a:bodyPr lIns="0" rIns="0" tIns="0" bIns="0" anchor="t">
+          <a:bodyPr lIns="0" tIns="0" rIns="0" bIns="0" anchor="t">
             <a:normAutofit/>
           </a:bodyPr>
+          <a:lstStyle/>
           <a:p>
             <a:pPr indent="0">
               <a:lnSpc>
@@ -869,7 +990,7 @@
               </a:spcBef>
               <a:buNone/>
             </a:pPr>
-            <a:endParaRPr b="0" lang="en-US" sz="2800" spc="-1" strike="noStrike">
+            <a:endParaRPr lang="en-US" sz="2800" b="0" strike="noStrike" spc="-1">
               <a:solidFill>
                 <a:srgbClr val="000000"/>
               </a:solidFill>
@@ -902,9 +1023,10 @@
           </a:ln>
         </p:spPr>
         <p:txBody>
-          <a:bodyPr lIns="0" rIns="0" tIns="0" bIns="0" anchor="t">
+          <a:bodyPr lIns="0" tIns="0" rIns="0" bIns="0" anchor="t">
             <a:normAutofit/>
           </a:bodyPr>
+          <a:lstStyle/>
           <a:p>
             <a:pPr indent="0">
               <a:lnSpc>
@@ -915,7 +1037,7 @@
               </a:spcBef>
               <a:buNone/>
             </a:pPr>
-            <a:endParaRPr b="0" lang="en-US" sz="2800" spc="-1" strike="noStrike">
+            <a:endParaRPr lang="en-US" sz="2800" b="0" strike="noStrike" spc="-1">
               <a:solidFill>
                 <a:srgbClr val="000000"/>
               </a:solidFill>
@@ -948,9 +1070,10 @@
           </a:ln>
         </p:spPr>
         <p:txBody>
-          <a:bodyPr lIns="0" rIns="0" tIns="0" bIns="0" anchor="t">
+          <a:bodyPr lIns="0" tIns="0" rIns="0" bIns="0" anchor="t">
             <a:normAutofit/>
           </a:bodyPr>
+          <a:lstStyle/>
           <a:p>
             <a:pPr indent="0">
               <a:lnSpc>
@@ -961,7 +1084,7 @@
               </a:spcBef>
               <a:buNone/>
             </a:pPr>
-            <a:endParaRPr b="0" lang="en-US" sz="2800" spc="-1" strike="noStrike">
+            <a:endParaRPr lang="en-US" sz="2800" b="0" strike="noStrike" spc="-1">
               <a:solidFill>
                 <a:srgbClr val="000000"/>
               </a:solidFill>
@@ -983,6 +1106,7 @@
         <p:spPr/>
         <p:txBody>
           <a:bodyPr/>
+          <a:lstStyle/>
           <a:p>
             <a:r>
               <a:t>Footer</a:t>
@@ -1003,10 +1127,12 @@
         <p:spPr/>
         <p:txBody>
           <a:bodyPr/>
+          <a:lstStyle/>
           <a:p>
             <a:fld id="{BD74937C-076F-4176-B6FE-05EC868B5AAE}" type="slidenum">
-              <a:t>&lt;#&gt;</a:t>
+              <a:t>‹#›</a:t>
             </a:fld>
+            <a:endParaRPr/>
           </a:p>
         </p:txBody>
       </p:sp>
@@ -1023,21 +1149,22 @@
         <p:spPr/>
         <p:txBody>
           <a:bodyPr/>
-          <a:p>
-            <a:r>
-              <a:rPr lang="en-GB"/>
-              <a:t/>
-            </a:r>
+          <a:lstStyle/>
+          <a:p>
+            <a:endParaRPr/>
           </a:p>
         </p:txBody>
       </p:sp>
     </p:spTree>
   </p:cSld>
+  <p:clrMapOvr>
+    <a:masterClrMapping/>
+  </p:clrMapOvr>
 </p:sldLayout>
 </file>
 
 <file path=ppt/slideLayouts/slideLayout13.xml><?xml version="1.0" encoding="utf-8"?>
-<p:sldLayout xmlns:a="http://schemas.openxmlformats.org/drawingml/2006/main" xmlns:p="http://schemas.openxmlformats.org/presentationml/2006/main" xmlns:r="http://schemas.openxmlformats.org/officeDocument/2006/relationships" xmlns:p14="http://schemas.microsoft.com/office/powerpoint/2010/main" xmlns:p15="http://schemas.microsoft.com/office/powerpoint/2012/main" xmlns:mc="http://schemas.openxmlformats.org/markup-compatibility/2006" type="blank" preserve="1">
+<p:sldLayout xmlns:a="http://schemas.openxmlformats.org/drawingml/2006/main" xmlns:r="http://schemas.openxmlformats.org/officeDocument/2006/relationships" xmlns:p="http://schemas.openxmlformats.org/presentationml/2006/main" type="blank" preserve="1">
   <p:cSld name="Blank Slide">
     <p:spTree>
       <p:nvGrpSpPr>
@@ -1066,6 +1193,7 @@
         <p:spPr/>
         <p:txBody>
           <a:bodyPr/>
+          <a:lstStyle/>
           <a:p>
             <a:r>
               <a:t>Footer</a:t>
@@ -1086,10 +1214,12 @@
         <p:spPr/>
         <p:txBody>
           <a:bodyPr/>
+          <a:lstStyle/>
           <a:p>
             <a:fld id="{534C8E6E-7010-4327-B5EA-D691F3FBF8C5}" type="slidenum">
-              <a:t>&lt;#&gt;</a:t>
+              <a:t>‹#›</a:t>
             </a:fld>
+            <a:endParaRPr/>
           </a:p>
         </p:txBody>
       </p:sp>
@@ -1106,21 +1236,22 @@
         <p:spPr/>
         <p:txBody>
           <a:bodyPr/>
-          <a:p>
-            <a:r>
-              <a:rPr lang="en-GB"/>
-              <a:t/>
-            </a:r>
+          <a:lstStyle/>
+          <a:p>
+            <a:endParaRPr/>
           </a:p>
         </p:txBody>
       </p:sp>
     </p:spTree>
   </p:cSld>
+  <p:clrMapOvr>
+    <a:masterClrMapping/>
+  </p:clrMapOvr>
 </p:sldLayout>
 </file>
 
 <file path=ppt/slideLayouts/slideLayout14.xml><?xml version="1.0" encoding="utf-8"?>
-<p:sldLayout xmlns:a="http://schemas.openxmlformats.org/drawingml/2006/main" xmlns:p="http://schemas.openxmlformats.org/presentationml/2006/main" xmlns:r="http://schemas.openxmlformats.org/officeDocument/2006/relationships" xmlns:p14="http://schemas.microsoft.com/office/powerpoint/2010/main" xmlns:p15="http://schemas.microsoft.com/office/powerpoint/2012/main" xmlns:mc="http://schemas.openxmlformats.org/markup-compatibility/2006" type="tx" preserve="1">
+<p:sldLayout xmlns:a="http://schemas.openxmlformats.org/drawingml/2006/main" xmlns:r="http://schemas.openxmlformats.org/officeDocument/2006/relationships" xmlns:p="http://schemas.openxmlformats.org/presentationml/2006/main" type="tx" preserve="1">
   <p:cSld name="Title Slide">
     <p:spTree>
       <p:nvGrpSpPr>
@@ -1160,14 +1291,15 @@
           </a:ln>
         </p:spPr>
         <p:txBody>
-          <a:bodyPr lIns="0" rIns="0" tIns="0" bIns="0" anchor="ctr">
+          <a:bodyPr lIns="0" tIns="0" rIns="0" bIns="0" anchor="ctr">
             <a:noAutofit/>
           </a:bodyPr>
+          <a:lstStyle/>
           <a:p>
             <a:pPr indent="0">
               <a:buNone/>
             </a:pPr>
-            <a:endParaRPr b="0" lang="en-US" sz="1800" spc="-1" strike="noStrike">
+            <a:endParaRPr lang="en-US" sz="1800" b="0" strike="noStrike" spc="-1">
               <a:solidFill>
                 <a:srgbClr val="000000"/>
               </a:solidFill>
@@ -1200,14 +1332,15 @@
           </a:ln>
         </p:spPr>
         <p:txBody>
-          <a:bodyPr lIns="0" rIns="0" tIns="0" bIns="0" anchor="ctr">
+          <a:bodyPr lIns="0" tIns="0" rIns="0" bIns="0" anchor="ctr">
             <a:noAutofit/>
           </a:bodyPr>
+          <a:lstStyle/>
           <a:p>
             <a:pPr indent="0" algn="ctr">
               <a:buNone/>
             </a:pPr>
-            <a:endParaRPr b="0" lang="en-GB" sz="3200" spc="-1" strike="noStrike">
+            <a:endParaRPr lang="en-GB" sz="3200" b="0" strike="noStrike" spc="-1">
               <a:solidFill>
                 <a:srgbClr val="000000"/>
               </a:solidFill>
@@ -1229,6 +1362,7 @@
         <p:spPr/>
         <p:txBody>
           <a:bodyPr/>
+          <a:lstStyle/>
           <a:p>
             <a:r>
               <a:t>Footer</a:t>
@@ -1249,10 +1383,12 @@
         <p:spPr/>
         <p:txBody>
           <a:bodyPr/>
+          <a:lstStyle/>
           <a:p>
             <a:fld id="{DE39CC30-98CD-47D9-9DC8-450C4DB6B791}" type="slidenum">
-              <a:t>&lt;#&gt;</a:t>
+              <a:t>‹#›</a:t>
             </a:fld>
+            <a:endParaRPr/>
           </a:p>
         </p:txBody>
       </p:sp>
@@ -1269,21 +1405,22 @@
         <p:spPr/>
         <p:txBody>
           <a:bodyPr/>
-          <a:p>
-            <a:r>
-              <a:rPr lang="en-GB"/>
-              <a:t/>
-            </a:r>
+          <a:lstStyle/>
+          <a:p>
+            <a:endParaRPr/>
           </a:p>
         </p:txBody>
       </p:sp>
     </p:spTree>
   </p:cSld>
+  <p:clrMapOvr>
+    <a:masterClrMapping/>
+  </p:clrMapOvr>
 </p:sldLayout>
 </file>
 
 <file path=ppt/slideLayouts/slideLayout15.xml><?xml version="1.0" encoding="utf-8"?>
-<p:sldLayout xmlns:a="http://schemas.openxmlformats.org/drawingml/2006/main" xmlns:p="http://schemas.openxmlformats.org/presentationml/2006/main" xmlns:r="http://schemas.openxmlformats.org/officeDocument/2006/relationships" xmlns:p14="http://schemas.microsoft.com/office/powerpoint/2010/main" xmlns:p15="http://schemas.microsoft.com/office/powerpoint/2012/main" xmlns:mc="http://schemas.openxmlformats.org/markup-compatibility/2006" type="obj" preserve="1">
+<p:sldLayout xmlns:a="http://schemas.openxmlformats.org/drawingml/2006/main" xmlns:r="http://schemas.openxmlformats.org/officeDocument/2006/relationships" xmlns:p="http://schemas.openxmlformats.org/presentationml/2006/main" type="obj" preserve="1">
   <p:cSld name="Title, Content">
     <p:spTree>
       <p:nvGrpSpPr>
@@ -1323,14 +1460,15 @@
           </a:ln>
         </p:spPr>
         <p:txBody>
-          <a:bodyPr lIns="0" rIns="0" tIns="0" bIns="0" anchor="ctr">
+          <a:bodyPr lIns="0" tIns="0" rIns="0" bIns="0" anchor="ctr">
             <a:noAutofit/>
           </a:bodyPr>
+          <a:lstStyle/>
           <a:p>
             <a:pPr indent="0">
               <a:buNone/>
             </a:pPr>
-            <a:endParaRPr b="0" lang="en-US" sz="1800" spc="-1" strike="noStrike">
+            <a:endParaRPr lang="en-US" sz="1800" b="0" strike="noStrike" spc="-1">
               <a:solidFill>
                 <a:srgbClr val="000000"/>
               </a:solidFill>
@@ -1363,9 +1501,10 @@
           </a:ln>
         </p:spPr>
         <p:txBody>
-          <a:bodyPr lIns="0" rIns="0" tIns="0" bIns="0" anchor="t">
+          <a:bodyPr lIns="0" tIns="0" rIns="0" bIns="0" anchor="t">
             <a:normAutofit/>
           </a:bodyPr>
+          <a:lstStyle/>
           <a:p>
             <a:pPr indent="0">
               <a:lnSpc>
@@ -1376,7 +1515,7 @@
               </a:spcBef>
               <a:buNone/>
             </a:pPr>
-            <a:endParaRPr b="0" lang="en-US" sz="2800" spc="-1" strike="noStrike">
+            <a:endParaRPr lang="en-US" sz="2800" b="0" strike="noStrike" spc="-1">
               <a:solidFill>
                 <a:srgbClr val="000000"/>
               </a:solidFill>
@@ -1398,6 +1537,7 @@
         <p:spPr/>
         <p:txBody>
           <a:bodyPr/>
+          <a:lstStyle/>
           <a:p>
             <a:r>
               <a:t>Footer</a:t>
@@ -1418,10 +1558,12 @@
         <p:spPr/>
         <p:txBody>
           <a:bodyPr/>
+          <a:lstStyle/>
           <a:p>
             <a:fld id="{676AF1F2-0613-4519-9840-14E85E84BCB7}" type="slidenum">
-              <a:t>&lt;#&gt;</a:t>
+              <a:t>‹#›</a:t>
             </a:fld>
+            <a:endParaRPr/>
           </a:p>
         </p:txBody>
       </p:sp>
@@ -1438,21 +1580,22 @@
         <p:spPr/>
         <p:txBody>
           <a:bodyPr/>
-          <a:p>
-            <a:r>
-              <a:rPr lang="en-GB"/>
-              <a:t/>
-            </a:r>
+          <a:lstStyle/>
+          <a:p>
+            <a:endParaRPr/>
           </a:p>
         </p:txBody>
       </p:sp>
     </p:spTree>
   </p:cSld>
+  <p:clrMapOvr>
+    <a:masterClrMapping/>
+  </p:clrMapOvr>
 </p:sldLayout>
 </file>
 
 <file path=ppt/slideLayouts/slideLayout16.xml><?xml version="1.0" encoding="utf-8"?>
-<p:sldLayout xmlns:a="http://schemas.openxmlformats.org/drawingml/2006/main" xmlns:p="http://schemas.openxmlformats.org/presentationml/2006/main" xmlns:r="http://schemas.openxmlformats.org/officeDocument/2006/relationships" xmlns:p14="http://schemas.microsoft.com/office/powerpoint/2010/main" xmlns:p15="http://schemas.microsoft.com/office/powerpoint/2012/main" xmlns:mc="http://schemas.openxmlformats.org/markup-compatibility/2006" type="twoObj" preserve="1">
+<p:sldLayout xmlns:a="http://schemas.openxmlformats.org/drawingml/2006/main" xmlns:r="http://schemas.openxmlformats.org/officeDocument/2006/relationships" xmlns:p="http://schemas.openxmlformats.org/presentationml/2006/main" type="twoObj" preserve="1">
   <p:cSld name="Title, 2 Content">
     <p:spTree>
       <p:nvGrpSpPr>
@@ -1492,14 +1635,15 @@
           </a:ln>
         </p:spPr>
         <p:txBody>
-          <a:bodyPr lIns="0" rIns="0" tIns="0" bIns="0" anchor="ctr">
+          <a:bodyPr lIns="0" tIns="0" rIns="0" bIns="0" anchor="ctr">
             <a:noAutofit/>
           </a:bodyPr>
+          <a:lstStyle/>
           <a:p>
             <a:pPr indent="0">
               <a:buNone/>
             </a:pPr>
-            <a:endParaRPr b="0" lang="en-US" sz="1800" spc="-1" strike="noStrike">
+            <a:endParaRPr lang="en-US" sz="1800" b="0" strike="noStrike" spc="-1">
               <a:solidFill>
                 <a:srgbClr val="000000"/>
               </a:solidFill>
@@ -1532,9 +1676,10 @@
           </a:ln>
         </p:spPr>
         <p:txBody>
-          <a:bodyPr lIns="0" rIns="0" tIns="0" bIns="0" anchor="t">
+          <a:bodyPr lIns="0" tIns="0" rIns="0" bIns="0" anchor="t">
             <a:normAutofit/>
           </a:bodyPr>
+          <a:lstStyle/>
           <a:p>
             <a:pPr indent="0">
               <a:lnSpc>
@@ -1545,7 +1690,7 @@
               </a:spcBef>
               <a:buNone/>
             </a:pPr>
-            <a:endParaRPr b="0" lang="en-US" sz="2800" spc="-1" strike="noStrike">
+            <a:endParaRPr lang="en-US" sz="2800" b="0" strike="noStrike" spc="-1">
               <a:solidFill>
                 <a:srgbClr val="000000"/>
               </a:solidFill>
@@ -1578,9 +1723,10 @@
           </a:ln>
         </p:spPr>
         <p:txBody>
-          <a:bodyPr lIns="0" rIns="0" tIns="0" bIns="0" anchor="t">
+          <a:bodyPr lIns="0" tIns="0" rIns="0" bIns="0" anchor="t">
             <a:normAutofit/>
           </a:bodyPr>
+          <a:lstStyle/>
           <a:p>
             <a:pPr indent="0">
               <a:lnSpc>
@@ -1591,7 +1737,7 @@
               </a:spcBef>
               <a:buNone/>
             </a:pPr>
-            <a:endParaRPr b="0" lang="en-US" sz="2800" spc="-1" strike="noStrike">
+            <a:endParaRPr lang="en-US" sz="2800" b="0" strike="noStrike" spc="-1">
               <a:solidFill>
                 <a:srgbClr val="000000"/>
               </a:solidFill>
@@ -1613,6 +1759,7 @@
         <p:spPr/>
         <p:txBody>
           <a:bodyPr/>
+          <a:lstStyle/>
           <a:p>
             <a:r>
               <a:t>Footer</a:t>
@@ -1633,10 +1780,12 @@
         <p:spPr/>
         <p:txBody>
           <a:bodyPr/>
+          <a:lstStyle/>
           <a:p>
             <a:fld id="{F2BCA9B9-2F51-458A-8FF4-156786489F2C}" type="slidenum">
-              <a:t>&lt;#&gt;</a:t>
+              <a:t>‹#›</a:t>
             </a:fld>
+            <a:endParaRPr/>
           </a:p>
         </p:txBody>
       </p:sp>
@@ -1653,21 +1802,22 @@
         <p:spPr/>
         <p:txBody>
           <a:bodyPr/>
-          <a:p>
-            <a:r>
-              <a:rPr lang="en-GB"/>
-              <a:t/>
-            </a:r>
+          <a:lstStyle/>
+          <a:p>
+            <a:endParaRPr/>
           </a:p>
         </p:txBody>
       </p:sp>
     </p:spTree>
   </p:cSld>
+  <p:clrMapOvr>
+    <a:masterClrMapping/>
+  </p:clrMapOvr>
 </p:sldLayout>
 </file>
 
 <file path=ppt/slideLayouts/slideLayout17.xml><?xml version="1.0" encoding="utf-8"?>
-<p:sldLayout xmlns:a="http://schemas.openxmlformats.org/drawingml/2006/main" xmlns:p="http://schemas.openxmlformats.org/presentationml/2006/main" xmlns:r="http://schemas.openxmlformats.org/officeDocument/2006/relationships" xmlns:p14="http://schemas.microsoft.com/office/powerpoint/2010/main" xmlns:p15="http://schemas.microsoft.com/office/powerpoint/2012/main" xmlns:mc="http://schemas.openxmlformats.org/markup-compatibility/2006" type="titleOnly" preserve="1">
+<p:sldLayout xmlns:a="http://schemas.openxmlformats.org/drawingml/2006/main" xmlns:r="http://schemas.openxmlformats.org/officeDocument/2006/relationships" xmlns:p="http://schemas.openxmlformats.org/presentationml/2006/main" type="titleOnly" preserve="1">
   <p:cSld name="Title Only">
     <p:spTree>
       <p:nvGrpSpPr>
@@ -1707,14 +1857,15 @@
           </a:ln>
         </p:spPr>
         <p:txBody>
-          <a:bodyPr lIns="0" rIns="0" tIns="0" bIns="0" anchor="ctr">
+          <a:bodyPr lIns="0" tIns="0" rIns="0" bIns="0" anchor="ctr">
             <a:noAutofit/>
           </a:bodyPr>
+          <a:lstStyle/>
           <a:p>
             <a:pPr indent="0">
               <a:buNone/>
             </a:pPr>
-            <a:endParaRPr b="0" lang="en-US" sz="1800" spc="-1" strike="noStrike">
+            <a:endParaRPr lang="en-US" sz="1800" b="0" strike="noStrike" spc="-1">
               <a:solidFill>
                 <a:srgbClr val="000000"/>
               </a:solidFill>
@@ -1736,6 +1887,7 @@
         <p:spPr/>
         <p:txBody>
           <a:bodyPr/>
+          <a:lstStyle/>
           <a:p>
             <a:r>
               <a:t>Footer</a:t>
@@ -1756,10 +1908,12 @@
         <p:spPr/>
         <p:txBody>
           <a:bodyPr/>
+          <a:lstStyle/>
           <a:p>
             <a:fld id="{F40E6B9F-CC19-4980-95C2-1195CEA9CE63}" type="slidenum">
-              <a:t>&lt;#&gt;</a:t>
+              <a:t>‹#›</a:t>
             </a:fld>
+            <a:endParaRPr/>
           </a:p>
         </p:txBody>
       </p:sp>
@@ -1776,21 +1930,22 @@
         <p:spPr/>
         <p:txBody>
           <a:bodyPr/>
-          <a:p>
-            <a:r>
-              <a:rPr lang="en-GB"/>
-              <a:t/>
-            </a:r>
+          <a:lstStyle/>
+          <a:p>
+            <a:endParaRPr/>
           </a:p>
         </p:txBody>
       </p:sp>
     </p:spTree>
   </p:cSld>
+  <p:clrMapOvr>
+    <a:masterClrMapping/>
+  </p:clrMapOvr>
 </p:sldLayout>
 </file>
 
 <file path=ppt/slideLayouts/slideLayout18.xml><?xml version="1.0" encoding="utf-8"?>
-<p:sldLayout xmlns:a="http://schemas.openxmlformats.org/drawingml/2006/main" xmlns:p="http://schemas.openxmlformats.org/presentationml/2006/main" xmlns:r="http://schemas.openxmlformats.org/officeDocument/2006/relationships" xmlns:p14="http://schemas.microsoft.com/office/powerpoint/2010/main" xmlns:p15="http://schemas.microsoft.com/office/powerpoint/2012/main" xmlns:mc="http://schemas.openxmlformats.org/markup-compatibility/2006" type="objOnly" preserve="1">
+<p:sldLayout xmlns:a="http://schemas.openxmlformats.org/drawingml/2006/main" xmlns:r="http://schemas.openxmlformats.org/officeDocument/2006/relationships" xmlns:p="http://schemas.openxmlformats.org/presentationml/2006/main" type="objOnly" preserve="1">
   <p:cSld name="Centered Text">
     <p:spTree>
       <p:nvGrpSpPr>
@@ -1830,12 +1985,13 @@
           </a:ln>
         </p:spPr>
         <p:txBody>
-          <a:bodyPr lIns="0" rIns="0" tIns="0" bIns="0" anchor="ctr">
+          <a:bodyPr lIns="0" tIns="0" rIns="0" bIns="0" anchor="ctr">
             <a:noAutofit/>
           </a:bodyPr>
+          <a:lstStyle/>
           <a:p>
             <a:pPr algn="ctr"/>
-            <a:endParaRPr b="0" lang="en-GB" sz="3200" spc="-1" strike="noStrike">
+            <a:endParaRPr lang="en-GB" sz="3200" b="0" strike="noStrike" spc="-1">
               <a:solidFill>
                 <a:srgbClr val="000000"/>
               </a:solidFill>
@@ -1857,6 +2013,7 @@
         <p:spPr/>
         <p:txBody>
           <a:bodyPr/>
+          <a:lstStyle/>
           <a:p>
             <a:r>
               <a:t>Footer</a:t>
@@ -1877,10 +2034,12 @@
         <p:spPr/>
         <p:txBody>
           <a:bodyPr/>
+          <a:lstStyle/>
           <a:p>
             <a:fld id="{50139777-57A5-4FE2-8FB8-26529355B4BC}" type="slidenum">
-              <a:t>&lt;#&gt;</a:t>
+              <a:t>‹#›</a:t>
             </a:fld>
+            <a:endParaRPr/>
           </a:p>
         </p:txBody>
       </p:sp>
@@ -1897,21 +2056,22 @@
         <p:spPr/>
         <p:txBody>
           <a:bodyPr/>
-          <a:p>
-            <a:r>
-              <a:rPr lang="en-GB"/>
-              <a:t/>
-            </a:r>
+          <a:lstStyle/>
+          <a:p>
+            <a:endParaRPr/>
           </a:p>
         </p:txBody>
       </p:sp>
     </p:spTree>
   </p:cSld>
+  <p:clrMapOvr>
+    <a:masterClrMapping/>
+  </p:clrMapOvr>
 </p:sldLayout>
 </file>
 
 <file path=ppt/slideLayouts/slideLayout19.xml><?xml version="1.0" encoding="utf-8"?>
-<p:sldLayout xmlns:a="http://schemas.openxmlformats.org/drawingml/2006/main" xmlns:p="http://schemas.openxmlformats.org/presentationml/2006/main" xmlns:r="http://schemas.openxmlformats.org/officeDocument/2006/relationships" xmlns:p14="http://schemas.microsoft.com/office/powerpoint/2010/main" xmlns:p15="http://schemas.microsoft.com/office/powerpoint/2012/main" xmlns:mc="http://schemas.openxmlformats.org/markup-compatibility/2006" type="twoObjAndObj" preserve="1">
+<p:sldLayout xmlns:a="http://schemas.openxmlformats.org/drawingml/2006/main" xmlns:r="http://schemas.openxmlformats.org/officeDocument/2006/relationships" xmlns:p="http://schemas.openxmlformats.org/presentationml/2006/main" type="twoObjAndObj" preserve="1">
   <p:cSld name="Title, 2 Content and Content">
     <p:spTree>
       <p:nvGrpSpPr>
@@ -1951,14 +2111,15 @@
           </a:ln>
         </p:spPr>
         <p:txBody>
-          <a:bodyPr lIns="0" rIns="0" tIns="0" bIns="0" anchor="ctr">
+          <a:bodyPr lIns="0" tIns="0" rIns="0" bIns="0" anchor="ctr">
             <a:noAutofit/>
           </a:bodyPr>
+          <a:lstStyle/>
           <a:p>
             <a:pPr indent="0">
               <a:buNone/>
             </a:pPr>
-            <a:endParaRPr b="0" lang="en-US" sz="1800" spc="-1" strike="noStrike">
+            <a:endParaRPr lang="en-US" sz="1800" b="0" strike="noStrike" spc="-1">
               <a:solidFill>
                 <a:srgbClr val="000000"/>
               </a:solidFill>
@@ -1991,9 +2152,10 @@
           </a:ln>
         </p:spPr>
         <p:txBody>
-          <a:bodyPr lIns="0" rIns="0" tIns="0" bIns="0" anchor="t">
+          <a:bodyPr lIns="0" tIns="0" rIns="0" bIns="0" anchor="t">
             <a:normAutofit/>
           </a:bodyPr>
+          <a:lstStyle/>
           <a:p>
             <a:pPr indent="0">
               <a:lnSpc>
@@ -2004,7 +2166,7 @@
               </a:spcBef>
               <a:buNone/>
             </a:pPr>
-            <a:endParaRPr b="0" lang="en-US" sz="2800" spc="-1" strike="noStrike">
+            <a:endParaRPr lang="en-US" sz="2800" b="0" strike="noStrike" spc="-1">
               <a:solidFill>
                 <a:srgbClr val="000000"/>
               </a:solidFill>
@@ -2037,9 +2199,10 @@
           </a:ln>
         </p:spPr>
         <p:txBody>
-          <a:bodyPr lIns="0" rIns="0" tIns="0" bIns="0" anchor="t">
+          <a:bodyPr lIns="0" tIns="0" rIns="0" bIns="0" anchor="t">
             <a:normAutofit/>
           </a:bodyPr>
+          <a:lstStyle/>
           <a:p>
             <a:pPr indent="0">
               <a:lnSpc>
@@ -2050,7 +2213,7 @@
               </a:spcBef>
               <a:buNone/>
             </a:pPr>
-            <a:endParaRPr b="0" lang="en-US" sz="2800" spc="-1" strike="noStrike">
+            <a:endParaRPr lang="en-US" sz="2800" b="0" strike="noStrike" spc="-1">
               <a:solidFill>
                 <a:srgbClr val="000000"/>
               </a:solidFill>
@@ -2083,9 +2246,10 @@
           </a:ln>
         </p:spPr>
         <p:txBody>
-          <a:bodyPr lIns="0" rIns="0" tIns="0" bIns="0" anchor="t">
+          <a:bodyPr lIns="0" tIns="0" rIns="0" bIns="0" anchor="t">
             <a:normAutofit/>
           </a:bodyPr>
+          <a:lstStyle/>
           <a:p>
             <a:pPr indent="0">
               <a:lnSpc>
@@ -2096,7 +2260,7 @@
               </a:spcBef>
               <a:buNone/>
             </a:pPr>
-            <a:endParaRPr b="0" lang="en-US" sz="2800" spc="-1" strike="noStrike">
+            <a:endParaRPr lang="en-US" sz="2800" b="0" strike="noStrike" spc="-1">
               <a:solidFill>
                 <a:srgbClr val="000000"/>
               </a:solidFill>
@@ -2118,6 +2282,7 @@
         <p:spPr/>
         <p:txBody>
           <a:bodyPr/>
+          <a:lstStyle/>
           <a:p>
             <a:r>
               <a:t>Footer</a:t>
@@ -2138,10 +2303,12 @@
         <p:spPr/>
         <p:txBody>
           <a:bodyPr/>
+          <a:lstStyle/>
           <a:p>
             <a:fld id="{1A2A6B2D-76C4-4D35-87B0-9067B660BA14}" type="slidenum">
-              <a:t>&lt;#&gt;</a:t>
+              <a:t>‹#›</a:t>
             </a:fld>
+            <a:endParaRPr/>
           </a:p>
         </p:txBody>
       </p:sp>
@@ -2158,21 +2325,22 @@
         <p:spPr/>
         <p:txBody>
           <a:bodyPr/>
-          <a:p>
-            <a:r>
-              <a:rPr lang="en-GB"/>
-              <a:t/>
-            </a:r>
+          <a:lstStyle/>
+          <a:p>
+            <a:endParaRPr/>
           </a:p>
         </p:txBody>
       </p:sp>
     </p:spTree>
   </p:cSld>
+  <p:clrMapOvr>
+    <a:masterClrMapping/>
+  </p:clrMapOvr>
 </p:sldLayout>
 </file>
 
 <file path=ppt/slideLayouts/slideLayout2.xml><?xml version="1.0" encoding="utf-8"?>
-<p:sldLayout xmlns:a="http://schemas.openxmlformats.org/drawingml/2006/main" xmlns:p="http://schemas.openxmlformats.org/presentationml/2006/main" xmlns:r="http://schemas.openxmlformats.org/officeDocument/2006/relationships" xmlns:p14="http://schemas.microsoft.com/office/powerpoint/2010/main" xmlns:p15="http://schemas.microsoft.com/office/powerpoint/2012/main" xmlns:mc="http://schemas.openxmlformats.org/markup-compatibility/2006" type="tx" preserve="1">
+<p:sldLayout xmlns:a="http://schemas.openxmlformats.org/drawingml/2006/main" xmlns:r="http://schemas.openxmlformats.org/officeDocument/2006/relationships" xmlns:p="http://schemas.openxmlformats.org/presentationml/2006/main" type="tx" preserve="1">
   <p:cSld name="Title Slide">
     <p:spTree>
       <p:nvGrpSpPr>
@@ -2212,14 +2380,15 @@
           </a:ln>
         </p:spPr>
         <p:txBody>
-          <a:bodyPr lIns="0" rIns="0" tIns="0" bIns="0" anchor="ctr">
+          <a:bodyPr lIns="0" tIns="0" rIns="0" bIns="0" anchor="ctr">
             <a:noAutofit/>
           </a:bodyPr>
+          <a:lstStyle/>
           <a:p>
             <a:pPr indent="0">
               <a:buNone/>
             </a:pPr>
-            <a:endParaRPr b="0" lang="en-US" sz="1800" spc="-1" strike="noStrike">
+            <a:endParaRPr lang="en-US" sz="1800" b="0" strike="noStrike" spc="-1">
               <a:solidFill>
                 <a:srgbClr val="000000"/>
               </a:solidFill>
@@ -2252,14 +2421,15 @@
           </a:ln>
         </p:spPr>
         <p:txBody>
-          <a:bodyPr lIns="0" rIns="0" tIns="0" bIns="0" anchor="ctr">
+          <a:bodyPr lIns="0" tIns="0" rIns="0" bIns="0" anchor="ctr">
             <a:noAutofit/>
           </a:bodyPr>
+          <a:lstStyle/>
           <a:p>
             <a:pPr indent="0" algn="ctr">
               <a:buNone/>
             </a:pPr>
-            <a:endParaRPr b="0" lang="en-GB" sz="3200" spc="-1" strike="noStrike">
+            <a:endParaRPr lang="en-GB" sz="3200" b="0" strike="noStrike" spc="-1">
               <a:solidFill>
                 <a:srgbClr val="000000"/>
               </a:solidFill>
@@ -2281,6 +2451,7 @@
         <p:spPr/>
         <p:txBody>
           <a:bodyPr/>
+          <a:lstStyle/>
           <a:p>
             <a:r>
               <a:t>Footer</a:t>
@@ -2290,7 +2461,7 @@
       </p:sp>
       <p:sp>
         <p:nvSpPr>
-          <p:cNvPr id="5" name="PlaceHolder 4"/>
+          <p:cNvPr id="2" name="PlaceHolder 4"/>
           <p:cNvSpPr>
             <a:spLocks noGrp="1"/>
           </p:cNvSpPr>
@@ -2301,16 +2472,18 @@
         <p:spPr/>
         <p:txBody>
           <a:bodyPr/>
+          <a:lstStyle/>
           <a:p>
             <a:fld id="{393F144C-7CF0-47DF-8894-810A554C3D94}" type="slidenum">
-              <a:t>&lt;#&gt;</a:t>
+              <a:t>‹#›</a:t>
             </a:fld>
-          </a:p>
-        </p:txBody>
-      </p:sp>
-      <p:sp>
-        <p:nvSpPr>
-          <p:cNvPr id="6" name="PlaceHolder 5"/>
+            <a:endParaRPr/>
+          </a:p>
+        </p:txBody>
+      </p:sp>
+      <p:sp>
+        <p:nvSpPr>
+          <p:cNvPr id="3" name="PlaceHolder 5"/>
           <p:cNvSpPr>
             <a:spLocks noGrp="1"/>
           </p:cNvSpPr>
@@ -2321,21 +2494,22 @@
         <p:spPr/>
         <p:txBody>
           <a:bodyPr/>
-          <a:p>
-            <a:r>
-              <a:rPr lang="en-GB"/>
-              <a:t/>
-            </a:r>
+          <a:lstStyle/>
+          <a:p>
+            <a:endParaRPr/>
           </a:p>
         </p:txBody>
       </p:sp>
     </p:spTree>
   </p:cSld>
+  <p:clrMapOvr>
+    <a:masterClrMapping/>
+  </p:clrMapOvr>
 </p:sldLayout>
 </file>
 
 <file path=ppt/slideLayouts/slideLayout20.xml><?xml version="1.0" encoding="utf-8"?>
-<p:sldLayout xmlns:a="http://schemas.openxmlformats.org/drawingml/2006/main" xmlns:p="http://schemas.openxmlformats.org/presentationml/2006/main" xmlns:r="http://schemas.openxmlformats.org/officeDocument/2006/relationships" xmlns:p14="http://schemas.microsoft.com/office/powerpoint/2010/main" xmlns:p15="http://schemas.microsoft.com/office/powerpoint/2012/main" xmlns:mc="http://schemas.openxmlformats.org/markup-compatibility/2006" type="objAndTwoObj" preserve="1">
+<p:sldLayout xmlns:a="http://schemas.openxmlformats.org/drawingml/2006/main" xmlns:r="http://schemas.openxmlformats.org/officeDocument/2006/relationships" xmlns:p="http://schemas.openxmlformats.org/presentationml/2006/main" type="objAndTwoObj" preserve="1">
   <p:cSld name="Title Content and 2 Content">
     <p:spTree>
       <p:nvGrpSpPr>
@@ -2375,14 +2549,15 @@
           </a:ln>
         </p:spPr>
         <p:txBody>
-          <a:bodyPr lIns="0" rIns="0" tIns="0" bIns="0" anchor="ctr">
+          <a:bodyPr lIns="0" tIns="0" rIns="0" bIns="0" anchor="ctr">
             <a:noAutofit/>
           </a:bodyPr>
+          <a:lstStyle/>
           <a:p>
             <a:pPr indent="0">
               <a:buNone/>
             </a:pPr>
-            <a:endParaRPr b="0" lang="en-US" sz="1800" spc="-1" strike="noStrike">
+            <a:endParaRPr lang="en-US" sz="1800" b="0" strike="noStrike" spc="-1">
               <a:solidFill>
                 <a:srgbClr val="000000"/>
               </a:solidFill>
@@ -2415,9 +2590,10 @@
           </a:ln>
         </p:spPr>
         <p:txBody>
-          <a:bodyPr lIns="0" rIns="0" tIns="0" bIns="0" anchor="t">
+          <a:bodyPr lIns="0" tIns="0" rIns="0" bIns="0" anchor="t">
             <a:normAutofit/>
           </a:bodyPr>
+          <a:lstStyle/>
           <a:p>
             <a:pPr indent="0">
               <a:lnSpc>
@@ -2428,7 +2604,7 @@
               </a:spcBef>
               <a:buNone/>
             </a:pPr>
-            <a:endParaRPr b="0" lang="en-US" sz="2800" spc="-1" strike="noStrike">
+            <a:endParaRPr lang="en-US" sz="2800" b="0" strike="noStrike" spc="-1">
               <a:solidFill>
                 <a:srgbClr val="000000"/>
               </a:solidFill>
@@ -2461,9 +2637,10 @@
           </a:ln>
         </p:spPr>
         <p:txBody>
-          <a:bodyPr lIns="0" rIns="0" tIns="0" bIns="0" anchor="t">
+          <a:bodyPr lIns="0" tIns="0" rIns="0" bIns="0" anchor="t">
             <a:normAutofit/>
           </a:bodyPr>
+          <a:lstStyle/>
           <a:p>
             <a:pPr indent="0">
               <a:lnSpc>
@@ -2474,7 +2651,7 @@
               </a:spcBef>
               <a:buNone/>
             </a:pPr>
-            <a:endParaRPr b="0" lang="en-US" sz="2800" spc="-1" strike="noStrike">
+            <a:endParaRPr lang="en-US" sz="2800" b="0" strike="noStrike" spc="-1">
               <a:solidFill>
                 <a:srgbClr val="000000"/>
               </a:solidFill>
@@ -2507,9 +2684,10 @@
           </a:ln>
         </p:spPr>
         <p:txBody>
-          <a:bodyPr lIns="0" rIns="0" tIns="0" bIns="0" anchor="t">
+          <a:bodyPr lIns="0" tIns="0" rIns="0" bIns="0" anchor="t">
             <a:normAutofit/>
           </a:bodyPr>
+          <a:lstStyle/>
           <a:p>
             <a:pPr indent="0">
               <a:lnSpc>
@@ -2520,7 +2698,7 @@
               </a:spcBef>
               <a:buNone/>
             </a:pPr>
-            <a:endParaRPr b="0" lang="en-US" sz="2800" spc="-1" strike="noStrike">
+            <a:endParaRPr lang="en-US" sz="2800" b="0" strike="noStrike" spc="-1">
               <a:solidFill>
                 <a:srgbClr val="000000"/>
               </a:solidFill>
@@ -2542,6 +2720,7 @@
         <p:spPr/>
         <p:txBody>
           <a:bodyPr/>
+          <a:lstStyle/>
           <a:p>
             <a:r>
               <a:t>Footer</a:t>
@@ -2562,10 +2741,12 @@
         <p:spPr/>
         <p:txBody>
           <a:bodyPr/>
+          <a:lstStyle/>
           <a:p>
             <a:fld id="{133B1DE0-5F64-4103-BCE5-533706BB6858}" type="slidenum">
-              <a:t>&lt;#&gt;</a:t>
+              <a:t>‹#›</a:t>
             </a:fld>
+            <a:endParaRPr/>
           </a:p>
         </p:txBody>
       </p:sp>
@@ -2582,21 +2763,22 @@
         <p:spPr/>
         <p:txBody>
           <a:bodyPr/>
-          <a:p>
-            <a:r>
-              <a:rPr lang="en-GB"/>
-              <a:t/>
-            </a:r>
+          <a:lstStyle/>
+          <a:p>
+            <a:endParaRPr/>
           </a:p>
         </p:txBody>
       </p:sp>
     </p:spTree>
   </p:cSld>
+  <p:clrMapOvr>
+    <a:masterClrMapping/>
+  </p:clrMapOvr>
 </p:sldLayout>
 </file>
 
 <file path=ppt/slideLayouts/slideLayout21.xml><?xml version="1.0" encoding="utf-8"?>
-<p:sldLayout xmlns:a="http://schemas.openxmlformats.org/drawingml/2006/main" xmlns:p="http://schemas.openxmlformats.org/presentationml/2006/main" xmlns:r="http://schemas.openxmlformats.org/officeDocument/2006/relationships" xmlns:p14="http://schemas.microsoft.com/office/powerpoint/2010/main" xmlns:p15="http://schemas.microsoft.com/office/powerpoint/2012/main" xmlns:mc="http://schemas.openxmlformats.org/markup-compatibility/2006" type="twoObjOverTx" preserve="1">
+<p:sldLayout xmlns:a="http://schemas.openxmlformats.org/drawingml/2006/main" xmlns:r="http://schemas.openxmlformats.org/officeDocument/2006/relationships" xmlns:p="http://schemas.openxmlformats.org/presentationml/2006/main" type="twoObjOverTx" preserve="1">
   <p:cSld name="Title, 2 Content over Content">
     <p:spTree>
       <p:nvGrpSpPr>
@@ -2636,14 +2818,15 @@
           </a:ln>
         </p:spPr>
         <p:txBody>
-          <a:bodyPr lIns="0" rIns="0" tIns="0" bIns="0" anchor="ctr">
+          <a:bodyPr lIns="0" tIns="0" rIns="0" bIns="0" anchor="ctr">
             <a:noAutofit/>
           </a:bodyPr>
+          <a:lstStyle/>
           <a:p>
             <a:pPr indent="0">
               <a:buNone/>
             </a:pPr>
-            <a:endParaRPr b="0" lang="en-US" sz="1800" spc="-1" strike="noStrike">
+            <a:endParaRPr lang="en-US" sz="1800" b="0" strike="noStrike" spc="-1">
               <a:solidFill>
                 <a:srgbClr val="000000"/>
               </a:solidFill>
@@ -2676,9 +2859,10 @@
           </a:ln>
         </p:spPr>
         <p:txBody>
-          <a:bodyPr lIns="0" rIns="0" tIns="0" bIns="0" anchor="t">
+          <a:bodyPr lIns="0" tIns="0" rIns="0" bIns="0" anchor="t">
             <a:normAutofit/>
           </a:bodyPr>
+          <a:lstStyle/>
           <a:p>
             <a:pPr indent="0">
               <a:lnSpc>
@@ -2689,7 +2873,7 @@
               </a:spcBef>
               <a:buNone/>
             </a:pPr>
-            <a:endParaRPr b="0" lang="en-US" sz="2800" spc="-1" strike="noStrike">
+            <a:endParaRPr lang="en-US" sz="2800" b="0" strike="noStrike" spc="-1">
               <a:solidFill>
                 <a:srgbClr val="000000"/>
               </a:solidFill>
@@ -2722,9 +2906,10 @@
           </a:ln>
         </p:spPr>
         <p:txBody>
-          <a:bodyPr lIns="0" rIns="0" tIns="0" bIns="0" anchor="t">
+          <a:bodyPr lIns="0" tIns="0" rIns="0" bIns="0" anchor="t">
             <a:normAutofit/>
           </a:bodyPr>
+          <a:lstStyle/>
           <a:p>
             <a:pPr indent="0">
               <a:lnSpc>
@@ -2735,7 +2920,7 @@
               </a:spcBef>
               <a:buNone/>
             </a:pPr>
-            <a:endParaRPr b="0" lang="en-US" sz="2800" spc="-1" strike="noStrike">
+            <a:endParaRPr lang="en-US" sz="2800" b="0" strike="noStrike" spc="-1">
               <a:solidFill>
                 <a:srgbClr val="000000"/>
               </a:solidFill>
@@ -2768,9 +2953,10 @@
           </a:ln>
         </p:spPr>
         <p:txBody>
-          <a:bodyPr lIns="0" rIns="0" tIns="0" bIns="0" anchor="t">
+          <a:bodyPr lIns="0" tIns="0" rIns="0" bIns="0" anchor="t">
             <a:normAutofit/>
           </a:bodyPr>
+          <a:lstStyle/>
           <a:p>
             <a:pPr indent="0">
               <a:lnSpc>
@@ -2781,7 +2967,7 @@
               </a:spcBef>
               <a:buNone/>
             </a:pPr>
-            <a:endParaRPr b="0" lang="en-US" sz="2800" spc="-1" strike="noStrike">
+            <a:endParaRPr lang="en-US" sz="2800" b="0" strike="noStrike" spc="-1">
               <a:solidFill>
                 <a:srgbClr val="000000"/>
               </a:solidFill>
@@ -2803,6 +2989,7 @@
         <p:spPr/>
         <p:txBody>
           <a:bodyPr/>
+          <a:lstStyle/>
           <a:p>
             <a:r>
               <a:t>Footer</a:t>
@@ -2823,10 +3010,12 @@
         <p:spPr/>
         <p:txBody>
           <a:bodyPr/>
+          <a:lstStyle/>
           <a:p>
             <a:fld id="{FD3D36CC-F4CD-449D-9283-875EDFA30ED3}" type="slidenum">
-              <a:t>&lt;#&gt;</a:t>
+              <a:t>‹#›</a:t>
             </a:fld>
+            <a:endParaRPr/>
           </a:p>
         </p:txBody>
       </p:sp>
@@ -2843,21 +3032,22 @@
         <p:spPr/>
         <p:txBody>
           <a:bodyPr/>
-          <a:p>
-            <a:r>
-              <a:rPr lang="en-GB"/>
-              <a:t/>
-            </a:r>
+          <a:lstStyle/>
+          <a:p>
+            <a:endParaRPr/>
           </a:p>
         </p:txBody>
       </p:sp>
     </p:spTree>
   </p:cSld>
+  <p:clrMapOvr>
+    <a:masterClrMapping/>
+  </p:clrMapOvr>
 </p:sldLayout>
 </file>
 
 <file path=ppt/slideLayouts/slideLayout22.xml><?xml version="1.0" encoding="utf-8"?>
-<p:sldLayout xmlns:a="http://schemas.openxmlformats.org/drawingml/2006/main" xmlns:p="http://schemas.openxmlformats.org/presentationml/2006/main" xmlns:r="http://schemas.openxmlformats.org/officeDocument/2006/relationships" xmlns:p14="http://schemas.microsoft.com/office/powerpoint/2010/main" xmlns:p15="http://schemas.microsoft.com/office/powerpoint/2012/main" xmlns:mc="http://schemas.openxmlformats.org/markup-compatibility/2006" type="objOverTx" preserve="1">
+<p:sldLayout xmlns:a="http://schemas.openxmlformats.org/drawingml/2006/main" xmlns:r="http://schemas.openxmlformats.org/officeDocument/2006/relationships" xmlns:p="http://schemas.openxmlformats.org/presentationml/2006/main" type="objOverTx" preserve="1">
   <p:cSld name="Title, Content over Content">
     <p:spTree>
       <p:nvGrpSpPr>
@@ -2897,14 +3087,15 @@
           </a:ln>
         </p:spPr>
         <p:txBody>
-          <a:bodyPr lIns="0" rIns="0" tIns="0" bIns="0" anchor="ctr">
+          <a:bodyPr lIns="0" tIns="0" rIns="0" bIns="0" anchor="ctr">
             <a:noAutofit/>
           </a:bodyPr>
+          <a:lstStyle/>
           <a:p>
             <a:pPr indent="0">
               <a:buNone/>
             </a:pPr>
-            <a:endParaRPr b="0" lang="en-US" sz="1800" spc="-1" strike="noStrike">
+            <a:endParaRPr lang="en-US" sz="1800" b="0" strike="noStrike" spc="-1">
               <a:solidFill>
                 <a:srgbClr val="000000"/>
               </a:solidFill>
@@ -2937,9 +3128,10 @@
           </a:ln>
         </p:spPr>
         <p:txBody>
-          <a:bodyPr lIns="0" rIns="0" tIns="0" bIns="0" anchor="t">
+          <a:bodyPr lIns="0" tIns="0" rIns="0" bIns="0" anchor="t">
             <a:normAutofit/>
           </a:bodyPr>
+          <a:lstStyle/>
           <a:p>
             <a:pPr indent="0">
               <a:lnSpc>
@@ -2950,7 +3142,7 @@
               </a:spcBef>
               <a:buNone/>
             </a:pPr>
-            <a:endParaRPr b="0" lang="en-US" sz="2800" spc="-1" strike="noStrike">
+            <a:endParaRPr lang="en-US" sz="2800" b="0" strike="noStrike" spc="-1">
               <a:solidFill>
                 <a:srgbClr val="000000"/>
               </a:solidFill>
@@ -2983,9 +3175,10 @@
           </a:ln>
         </p:spPr>
         <p:txBody>
-          <a:bodyPr lIns="0" rIns="0" tIns="0" bIns="0" anchor="t">
+          <a:bodyPr lIns="0" tIns="0" rIns="0" bIns="0" anchor="t">
             <a:normAutofit/>
           </a:bodyPr>
+          <a:lstStyle/>
           <a:p>
             <a:pPr indent="0">
               <a:lnSpc>
@@ -2996,7 +3189,7 @@
               </a:spcBef>
               <a:buNone/>
             </a:pPr>
-            <a:endParaRPr b="0" lang="en-US" sz="2800" spc="-1" strike="noStrike">
+            <a:endParaRPr lang="en-US" sz="2800" b="0" strike="noStrike" spc="-1">
               <a:solidFill>
                 <a:srgbClr val="000000"/>
               </a:solidFill>
@@ -3018,6 +3211,7 @@
         <p:spPr/>
         <p:txBody>
           <a:bodyPr/>
+          <a:lstStyle/>
           <a:p>
             <a:r>
               <a:t>Footer</a:t>
@@ -3038,10 +3232,12 @@
         <p:spPr/>
         <p:txBody>
           <a:bodyPr/>
+          <a:lstStyle/>
           <a:p>
             <a:fld id="{3F972C3F-7E56-40AB-A451-AFFDFBAE034D}" type="slidenum">
-              <a:t>&lt;#&gt;</a:t>
+              <a:t>‹#›</a:t>
             </a:fld>
+            <a:endParaRPr/>
           </a:p>
         </p:txBody>
       </p:sp>
@@ -3058,21 +3254,22 @@
         <p:spPr/>
         <p:txBody>
           <a:bodyPr/>
-          <a:p>
-            <a:r>
-              <a:rPr lang="en-GB"/>
-              <a:t/>
-            </a:r>
+          <a:lstStyle/>
+          <a:p>
+            <a:endParaRPr/>
           </a:p>
         </p:txBody>
       </p:sp>
     </p:spTree>
   </p:cSld>
+  <p:clrMapOvr>
+    <a:masterClrMapping/>
+  </p:clrMapOvr>
 </p:sldLayout>
 </file>
 
 <file path=ppt/slideLayouts/slideLayout23.xml><?xml version="1.0" encoding="utf-8"?>
-<p:sldLayout xmlns:a="http://schemas.openxmlformats.org/drawingml/2006/main" xmlns:p="http://schemas.openxmlformats.org/presentationml/2006/main" xmlns:r="http://schemas.openxmlformats.org/officeDocument/2006/relationships" xmlns:p14="http://schemas.microsoft.com/office/powerpoint/2010/main" xmlns:p15="http://schemas.microsoft.com/office/powerpoint/2012/main" xmlns:mc="http://schemas.openxmlformats.org/markup-compatibility/2006" type="fourObj" preserve="1">
+<p:sldLayout xmlns:a="http://schemas.openxmlformats.org/drawingml/2006/main" xmlns:r="http://schemas.openxmlformats.org/officeDocument/2006/relationships" xmlns:p="http://schemas.openxmlformats.org/presentationml/2006/main" type="fourObj" preserve="1">
   <p:cSld name="Title, 4 Content">
     <p:spTree>
       <p:nvGrpSpPr>
@@ -3112,14 +3309,15 @@
           </a:ln>
         </p:spPr>
         <p:txBody>
-          <a:bodyPr lIns="0" rIns="0" tIns="0" bIns="0" anchor="ctr">
+          <a:bodyPr lIns="0" tIns="0" rIns="0" bIns="0" anchor="ctr">
             <a:noAutofit/>
           </a:bodyPr>
+          <a:lstStyle/>
           <a:p>
             <a:pPr indent="0">
               <a:buNone/>
             </a:pPr>
-            <a:endParaRPr b="0" lang="en-US" sz="1800" spc="-1" strike="noStrike">
+            <a:endParaRPr lang="en-US" sz="1800" b="0" strike="noStrike" spc="-1">
               <a:solidFill>
                 <a:srgbClr val="000000"/>
               </a:solidFill>
@@ -3152,9 +3350,10 @@
           </a:ln>
         </p:spPr>
         <p:txBody>
-          <a:bodyPr lIns="0" rIns="0" tIns="0" bIns="0" anchor="t">
+          <a:bodyPr lIns="0" tIns="0" rIns="0" bIns="0" anchor="t">
             <a:normAutofit/>
           </a:bodyPr>
+          <a:lstStyle/>
           <a:p>
             <a:pPr indent="0">
               <a:lnSpc>
@@ -3165,7 +3364,7 @@
               </a:spcBef>
               <a:buNone/>
             </a:pPr>
-            <a:endParaRPr b="0" lang="en-US" sz="2800" spc="-1" strike="noStrike">
+            <a:endParaRPr lang="en-US" sz="2800" b="0" strike="noStrike" spc="-1">
               <a:solidFill>
                 <a:srgbClr val="000000"/>
               </a:solidFill>
@@ -3198,9 +3397,10 @@
           </a:ln>
         </p:spPr>
         <p:txBody>
-          <a:bodyPr lIns="0" rIns="0" tIns="0" bIns="0" anchor="t">
+          <a:bodyPr lIns="0" tIns="0" rIns="0" bIns="0" anchor="t">
             <a:normAutofit/>
           </a:bodyPr>
+          <a:lstStyle/>
           <a:p>
             <a:pPr indent="0">
               <a:lnSpc>
@@ -3211,7 +3411,7 @@
               </a:spcBef>
               <a:buNone/>
             </a:pPr>
-            <a:endParaRPr b="0" lang="en-US" sz="2800" spc="-1" strike="noStrike">
+            <a:endParaRPr lang="en-US" sz="2800" b="0" strike="noStrike" spc="-1">
               <a:solidFill>
                 <a:srgbClr val="000000"/>
               </a:solidFill>
@@ -3244,9 +3444,10 @@
           </a:ln>
         </p:spPr>
         <p:txBody>
-          <a:bodyPr lIns="0" rIns="0" tIns="0" bIns="0" anchor="t">
+          <a:bodyPr lIns="0" tIns="0" rIns="0" bIns="0" anchor="t">
             <a:normAutofit/>
           </a:bodyPr>
+          <a:lstStyle/>
           <a:p>
             <a:pPr indent="0">
               <a:lnSpc>
@@ -3257,7 +3458,7 @@
               </a:spcBef>
               <a:buNone/>
             </a:pPr>
-            <a:endParaRPr b="0" lang="en-US" sz="2800" spc="-1" strike="noStrike">
+            <a:endParaRPr lang="en-US" sz="2800" b="0" strike="noStrike" spc="-1">
               <a:solidFill>
                 <a:srgbClr val="000000"/>
               </a:solidFill>
@@ -3290,9 +3491,10 @@
           </a:ln>
         </p:spPr>
         <p:txBody>
-          <a:bodyPr lIns="0" rIns="0" tIns="0" bIns="0" anchor="t">
+          <a:bodyPr lIns="0" tIns="0" rIns="0" bIns="0" anchor="t">
             <a:normAutofit/>
           </a:bodyPr>
+          <a:lstStyle/>
           <a:p>
             <a:pPr indent="0">
               <a:lnSpc>
@@ -3303,7 +3505,7 @@
               </a:spcBef>
               <a:buNone/>
             </a:pPr>
-            <a:endParaRPr b="0" lang="en-US" sz="2800" spc="-1" strike="noStrike">
+            <a:endParaRPr lang="en-US" sz="2800" b="0" strike="noStrike" spc="-1">
               <a:solidFill>
                 <a:srgbClr val="000000"/>
               </a:solidFill>
@@ -3325,6 +3527,7 @@
         <p:spPr/>
         <p:txBody>
           <a:bodyPr/>
+          <a:lstStyle/>
           <a:p>
             <a:r>
               <a:t>Footer</a:t>
@@ -3345,10 +3548,12 @@
         <p:spPr/>
         <p:txBody>
           <a:bodyPr/>
+          <a:lstStyle/>
           <a:p>
             <a:fld id="{DE4FAF10-AC83-4FF5-BAEE-E9EB0D82F8CD}" type="slidenum">
-              <a:t>&lt;#&gt;</a:t>
+              <a:t>‹#›</a:t>
             </a:fld>
+            <a:endParaRPr/>
           </a:p>
         </p:txBody>
       </p:sp>
@@ -3365,21 +3570,22 @@
         <p:spPr/>
         <p:txBody>
           <a:bodyPr/>
-          <a:p>
-            <a:r>
-              <a:rPr lang="en-GB"/>
-              <a:t/>
-            </a:r>
+          <a:lstStyle/>
+          <a:p>
+            <a:endParaRPr/>
           </a:p>
         </p:txBody>
       </p:sp>
     </p:spTree>
   </p:cSld>
+  <p:clrMapOvr>
+    <a:masterClrMapping/>
+  </p:clrMapOvr>
 </p:sldLayout>
 </file>
 
 <file path=ppt/slideLayouts/slideLayout24.xml><?xml version="1.0" encoding="utf-8"?>
-<p:sldLayout xmlns:a="http://schemas.openxmlformats.org/drawingml/2006/main" xmlns:p="http://schemas.openxmlformats.org/presentationml/2006/main" xmlns:r="http://schemas.openxmlformats.org/officeDocument/2006/relationships" xmlns:p14="http://schemas.microsoft.com/office/powerpoint/2010/main" xmlns:p15="http://schemas.microsoft.com/office/powerpoint/2012/main" xmlns:mc="http://schemas.openxmlformats.org/markup-compatibility/2006" type="blank" preserve="1">
+<p:sldLayout xmlns:a="http://schemas.openxmlformats.org/drawingml/2006/main" xmlns:r="http://schemas.openxmlformats.org/officeDocument/2006/relationships" xmlns:p="http://schemas.openxmlformats.org/presentationml/2006/main" type="blank" preserve="1">
   <p:cSld name="Title, 6 Content">
     <p:spTree>
       <p:nvGrpSpPr>
@@ -3419,14 +3625,15 @@
           </a:ln>
         </p:spPr>
         <p:txBody>
-          <a:bodyPr lIns="0" rIns="0" tIns="0" bIns="0" anchor="ctr">
+          <a:bodyPr lIns="0" tIns="0" rIns="0" bIns="0" anchor="ctr">
             <a:noAutofit/>
           </a:bodyPr>
+          <a:lstStyle/>
           <a:p>
             <a:pPr indent="0">
               <a:buNone/>
             </a:pPr>
-            <a:endParaRPr b="0" lang="en-US" sz="1800" spc="-1" strike="noStrike">
+            <a:endParaRPr lang="en-US" sz="1800" b="0" strike="noStrike" spc="-1">
               <a:solidFill>
                 <a:srgbClr val="000000"/>
               </a:solidFill>
@@ -3459,9 +3666,10 @@
           </a:ln>
         </p:spPr>
         <p:txBody>
-          <a:bodyPr lIns="0" rIns="0" tIns="0" bIns="0" anchor="t">
+          <a:bodyPr lIns="0" tIns="0" rIns="0" bIns="0" anchor="t">
             <a:normAutofit/>
           </a:bodyPr>
+          <a:lstStyle/>
           <a:p>
             <a:pPr indent="0">
               <a:lnSpc>
@@ -3472,7 +3680,7 @@
               </a:spcBef>
               <a:buNone/>
             </a:pPr>
-            <a:endParaRPr b="0" lang="en-US" sz="2800" spc="-1" strike="noStrike">
+            <a:endParaRPr lang="en-US" sz="2800" b="0" strike="noStrike" spc="-1">
               <a:solidFill>
                 <a:srgbClr val="000000"/>
               </a:solidFill>
@@ -3505,9 +3713,10 @@
           </a:ln>
         </p:spPr>
         <p:txBody>
-          <a:bodyPr lIns="0" rIns="0" tIns="0" bIns="0" anchor="t">
+          <a:bodyPr lIns="0" tIns="0" rIns="0" bIns="0" anchor="t">
             <a:normAutofit/>
           </a:bodyPr>
+          <a:lstStyle/>
           <a:p>
             <a:pPr indent="0">
               <a:lnSpc>
@@ -3518,7 +3727,7 @@
               </a:spcBef>
               <a:buNone/>
             </a:pPr>
-            <a:endParaRPr b="0" lang="en-US" sz="2800" spc="-1" strike="noStrike">
+            <a:endParaRPr lang="en-US" sz="2800" b="0" strike="noStrike" spc="-1">
               <a:solidFill>
                 <a:srgbClr val="000000"/>
               </a:solidFill>
@@ -3551,9 +3760,10 @@
           </a:ln>
         </p:spPr>
         <p:txBody>
-          <a:bodyPr lIns="0" rIns="0" tIns="0" bIns="0" anchor="t">
+          <a:bodyPr lIns="0" tIns="0" rIns="0" bIns="0" anchor="t">
             <a:normAutofit/>
           </a:bodyPr>
+          <a:lstStyle/>
           <a:p>
             <a:pPr indent="0">
               <a:lnSpc>
@@ -3564,7 +3774,7 @@
               </a:spcBef>
               <a:buNone/>
             </a:pPr>
-            <a:endParaRPr b="0" lang="en-US" sz="2800" spc="-1" strike="noStrike">
+            <a:endParaRPr lang="en-US" sz="2800" b="0" strike="noStrike" spc="-1">
               <a:solidFill>
                 <a:srgbClr val="000000"/>
               </a:solidFill>
@@ -3597,9 +3807,10 @@
           </a:ln>
         </p:spPr>
         <p:txBody>
-          <a:bodyPr lIns="0" rIns="0" tIns="0" bIns="0" anchor="t">
+          <a:bodyPr lIns="0" tIns="0" rIns="0" bIns="0" anchor="t">
             <a:normAutofit/>
           </a:bodyPr>
+          <a:lstStyle/>
           <a:p>
             <a:pPr indent="0">
               <a:lnSpc>
@@ -3610,7 +3821,7 @@
               </a:spcBef>
               <a:buNone/>
             </a:pPr>
-            <a:endParaRPr b="0" lang="en-US" sz="2800" spc="-1" strike="noStrike">
+            <a:endParaRPr lang="en-US" sz="2800" b="0" strike="noStrike" spc="-1">
               <a:solidFill>
                 <a:srgbClr val="000000"/>
               </a:solidFill>
@@ -3643,9 +3854,10 @@
           </a:ln>
         </p:spPr>
         <p:txBody>
-          <a:bodyPr lIns="0" rIns="0" tIns="0" bIns="0" anchor="t">
+          <a:bodyPr lIns="0" tIns="0" rIns="0" bIns="0" anchor="t">
             <a:normAutofit/>
           </a:bodyPr>
+          <a:lstStyle/>
           <a:p>
             <a:pPr indent="0">
               <a:lnSpc>
@@ -3656,7 +3868,7 @@
               </a:spcBef>
               <a:buNone/>
             </a:pPr>
-            <a:endParaRPr b="0" lang="en-US" sz="2800" spc="-1" strike="noStrike">
+            <a:endParaRPr lang="en-US" sz="2800" b="0" strike="noStrike" spc="-1">
               <a:solidFill>
                 <a:srgbClr val="000000"/>
               </a:solidFill>
@@ -3689,9 +3901,10 @@
           </a:ln>
         </p:spPr>
         <p:txBody>
-          <a:bodyPr lIns="0" rIns="0" tIns="0" bIns="0" anchor="t">
+          <a:bodyPr lIns="0" tIns="0" rIns="0" bIns="0" anchor="t">
             <a:normAutofit/>
           </a:bodyPr>
+          <a:lstStyle/>
           <a:p>
             <a:pPr indent="0">
               <a:lnSpc>
@@ -3702,7 +3915,7 @@
               </a:spcBef>
               <a:buNone/>
             </a:pPr>
-            <a:endParaRPr b="0" lang="en-US" sz="2800" spc="-1" strike="noStrike">
+            <a:endParaRPr lang="en-US" sz="2800" b="0" strike="noStrike" spc="-1">
               <a:solidFill>
                 <a:srgbClr val="000000"/>
               </a:solidFill>
@@ -3724,6 +3937,7 @@
         <p:spPr/>
         <p:txBody>
           <a:bodyPr/>
+          <a:lstStyle/>
           <a:p>
             <a:r>
               <a:t>Footer</a:t>
@@ -3744,10 +3958,12 @@
         <p:spPr/>
         <p:txBody>
           <a:bodyPr/>
+          <a:lstStyle/>
           <a:p>
             <a:fld id="{DCC47B88-E3EF-4F22-BC38-2F722F76E143}" type="slidenum">
-              <a:t>&lt;#&gt;</a:t>
+              <a:t>‹#›</a:t>
             </a:fld>
+            <a:endParaRPr/>
           </a:p>
         </p:txBody>
       </p:sp>
@@ -3764,21 +3980,22 @@
         <p:spPr/>
         <p:txBody>
           <a:bodyPr/>
-          <a:p>
-            <a:r>
-              <a:rPr lang="en-GB"/>
-              <a:t/>
-            </a:r>
+          <a:lstStyle/>
+          <a:p>
+            <a:endParaRPr/>
           </a:p>
         </p:txBody>
       </p:sp>
     </p:spTree>
   </p:cSld>
+  <p:clrMapOvr>
+    <a:masterClrMapping/>
+  </p:clrMapOvr>
 </p:sldLayout>
 </file>
 
 <file path=ppt/slideLayouts/slideLayout3.xml><?xml version="1.0" encoding="utf-8"?>
-<p:sldLayout xmlns:a="http://schemas.openxmlformats.org/drawingml/2006/main" xmlns:p="http://schemas.openxmlformats.org/presentationml/2006/main" xmlns:r="http://schemas.openxmlformats.org/officeDocument/2006/relationships" xmlns:p14="http://schemas.microsoft.com/office/powerpoint/2010/main" xmlns:p15="http://schemas.microsoft.com/office/powerpoint/2012/main" xmlns:mc="http://schemas.openxmlformats.org/markup-compatibility/2006" type="obj" preserve="1">
+<p:sldLayout xmlns:a="http://schemas.openxmlformats.org/drawingml/2006/main" xmlns:r="http://schemas.openxmlformats.org/officeDocument/2006/relationships" xmlns:p="http://schemas.openxmlformats.org/presentationml/2006/main" type="obj" preserve="1">
   <p:cSld name="Title, Content">
     <p:spTree>
       <p:nvGrpSpPr>
@@ -3818,14 +4035,15 @@
           </a:ln>
         </p:spPr>
         <p:txBody>
-          <a:bodyPr lIns="0" rIns="0" tIns="0" bIns="0" anchor="ctr">
+          <a:bodyPr lIns="0" tIns="0" rIns="0" bIns="0" anchor="ctr">
             <a:noAutofit/>
           </a:bodyPr>
+          <a:lstStyle/>
           <a:p>
             <a:pPr indent="0">
               <a:buNone/>
             </a:pPr>
-            <a:endParaRPr b="0" lang="en-US" sz="1800" spc="-1" strike="noStrike">
+            <a:endParaRPr lang="en-US" sz="1800" b="0" strike="noStrike" spc="-1">
               <a:solidFill>
                 <a:srgbClr val="000000"/>
               </a:solidFill>
@@ -3858,9 +4076,10 @@
           </a:ln>
         </p:spPr>
         <p:txBody>
-          <a:bodyPr lIns="0" rIns="0" tIns="0" bIns="0" anchor="t">
+          <a:bodyPr lIns="0" tIns="0" rIns="0" bIns="0" anchor="t">
             <a:normAutofit/>
           </a:bodyPr>
+          <a:lstStyle/>
           <a:p>
             <a:pPr indent="0">
               <a:lnSpc>
@@ -3871,7 +4090,7 @@
               </a:spcBef>
               <a:buNone/>
             </a:pPr>
-            <a:endParaRPr b="0" lang="en-US" sz="2800" spc="-1" strike="noStrike">
+            <a:endParaRPr lang="en-US" sz="2800" b="0" strike="noStrike" spc="-1">
               <a:solidFill>
                 <a:srgbClr val="000000"/>
               </a:solidFill>
@@ -3893,6 +4112,7 @@
         <p:spPr/>
         <p:txBody>
           <a:bodyPr/>
+          <a:lstStyle/>
           <a:p>
             <a:r>
               <a:t>Footer</a:t>
@@ -3913,10 +4133,12 @@
         <p:spPr/>
         <p:txBody>
           <a:bodyPr/>
+          <a:lstStyle/>
           <a:p>
             <a:fld id="{2727DEFE-09B3-426D-B771-47FAC723BB4E}" type="slidenum">
-              <a:t>&lt;#&gt;</a:t>
+              <a:t>‹#›</a:t>
             </a:fld>
+            <a:endParaRPr/>
           </a:p>
         </p:txBody>
       </p:sp>
@@ -3933,21 +4155,22 @@
         <p:spPr/>
         <p:txBody>
           <a:bodyPr/>
-          <a:p>
-            <a:r>
-              <a:rPr lang="en-GB"/>
-              <a:t/>
-            </a:r>
+          <a:lstStyle/>
+          <a:p>
+            <a:endParaRPr/>
           </a:p>
         </p:txBody>
       </p:sp>
     </p:spTree>
   </p:cSld>
+  <p:clrMapOvr>
+    <a:masterClrMapping/>
+  </p:clrMapOvr>
 </p:sldLayout>
 </file>
 
 <file path=ppt/slideLayouts/slideLayout4.xml><?xml version="1.0" encoding="utf-8"?>
-<p:sldLayout xmlns:a="http://schemas.openxmlformats.org/drawingml/2006/main" xmlns:p="http://schemas.openxmlformats.org/presentationml/2006/main" xmlns:r="http://schemas.openxmlformats.org/officeDocument/2006/relationships" xmlns:p14="http://schemas.microsoft.com/office/powerpoint/2010/main" xmlns:p15="http://schemas.microsoft.com/office/powerpoint/2012/main" xmlns:mc="http://schemas.openxmlformats.org/markup-compatibility/2006" type="twoObj" preserve="1">
+<p:sldLayout xmlns:a="http://schemas.openxmlformats.org/drawingml/2006/main" xmlns:r="http://schemas.openxmlformats.org/officeDocument/2006/relationships" xmlns:p="http://schemas.openxmlformats.org/presentationml/2006/main" type="twoObj" preserve="1">
   <p:cSld name="Title, 2 Content">
     <p:spTree>
       <p:nvGrpSpPr>
@@ -3987,14 +4210,15 @@
           </a:ln>
         </p:spPr>
         <p:txBody>
-          <a:bodyPr lIns="0" rIns="0" tIns="0" bIns="0" anchor="ctr">
+          <a:bodyPr lIns="0" tIns="0" rIns="0" bIns="0" anchor="ctr">
             <a:noAutofit/>
           </a:bodyPr>
+          <a:lstStyle/>
           <a:p>
             <a:pPr indent="0">
               <a:buNone/>
             </a:pPr>
-            <a:endParaRPr b="0" lang="en-US" sz="1800" spc="-1" strike="noStrike">
+            <a:endParaRPr lang="en-US" sz="1800" b="0" strike="noStrike" spc="-1">
               <a:solidFill>
                 <a:srgbClr val="000000"/>
               </a:solidFill>
@@ -4027,9 +4251,10 @@
           </a:ln>
         </p:spPr>
         <p:txBody>
-          <a:bodyPr lIns="0" rIns="0" tIns="0" bIns="0" anchor="t">
+          <a:bodyPr lIns="0" tIns="0" rIns="0" bIns="0" anchor="t">
             <a:normAutofit/>
           </a:bodyPr>
+          <a:lstStyle/>
           <a:p>
             <a:pPr indent="0">
               <a:lnSpc>
@@ -4040,7 +4265,7 @@
               </a:spcBef>
               <a:buNone/>
             </a:pPr>
-            <a:endParaRPr b="0" lang="en-US" sz="2800" spc="-1" strike="noStrike">
+            <a:endParaRPr lang="en-US" sz="2800" b="0" strike="noStrike" spc="-1">
               <a:solidFill>
                 <a:srgbClr val="000000"/>
               </a:solidFill>
@@ -4073,9 +4298,10 @@
           </a:ln>
         </p:spPr>
         <p:txBody>
-          <a:bodyPr lIns="0" rIns="0" tIns="0" bIns="0" anchor="t">
+          <a:bodyPr lIns="0" tIns="0" rIns="0" bIns="0" anchor="t">
             <a:normAutofit/>
           </a:bodyPr>
+          <a:lstStyle/>
           <a:p>
             <a:pPr indent="0">
               <a:lnSpc>
@@ -4086,7 +4312,7 @@
               </a:spcBef>
               <a:buNone/>
             </a:pPr>
-            <a:endParaRPr b="0" lang="en-US" sz="2800" spc="-1" strike="noStrike">
+            <a:endParaRPr lang="en-US" sz="2800" b="0" strike="noStrike" spc="-1">
               <a:solidFill>
                 <a:srgbClr val="000000"/>
               </a:solidFill>
@@ -4108,6 +4334,7 @@
         <p:spPr/>
         <p:txBody>
           <a:bodyPr/>
+          <a:lstStyle/>
           <a:p>
             <a:r>
               <a:t>Footer</a:t>
@@ -4128,10 +4355,12 @@
         <p:spPr/>
         <p:txBody>
           <a:bodyPr/>
+          <a:lstStyle/>
           <a:p>
             <a:fld id="{927D0993-CD15-4740-A295-4D6F28886D83}" type="slidenum">
-              <a:t>&lt;#&gt;</a:t>
+              <a:t>‹#›</a:t>
             </a:fld>
+            <a:endParaRPr/>
           </a:p>
         </p:txBody>
       </p:sp>
@@ -4148,21 +4377,22 @@
         <p:spPr/>
         <p:txBody>
           <a:bodyPr/>
-          <a:p>
-            <a:r>
-              <a:rPr lang="en-GB"/>
-              <a:t/>
-            </a:r>
+          <a:lstStyle/>
+          <a:p>
+            <a:endParaRPr/>
           </a:p>
         </p:txBody>
       </p:sp>
     </p:spTree>
   </p:cSld>
+  <p:clrMapOvr>
+    <a:masterClrMapping/>
+  </p:clrMapOvr>
 </p:sldLayout>
 </file>
 
 <file path=ppt/slideLayouts/slideLayout5.xml><?xml version="1.0" encoding="utf-8"?>
-<p:sldLayout xmlns:a="http://schemas.openxmlformats.org/drawingml/2006/main" xmlns:p="http://schemas.openxmlformats.org/presentationml/2006/main" xmlns:r="http://schemas.openxmlformats.org/officeDocument/2006/relationships" xmlns:p14="http://schemas.microsoft.com/office/powerpoint/2010/main" xmlns:p15="http://schemas.microsoft.com/office/powerpoint/2012/main" xmlns:mc="http://schemas.openxmlformats.org/markup-compatibility/2006" type="titleOnly" preserve="1">
+<p:sldLayout xmlns:a="http://schemas.openxmlformats.org/drawingml/2006/main" xmlns:r="http://schemas.openxmlformats.org/officeDocument/2006/relationships" xmlns:p="http://schemas.openxmlformats.org/presentationml/2006/main" type="titleOnly" preserve="1">
   <p:cSld name="Title Only">
     <p:spTree>
       <p:nvGrpSpPr>
@@ -4202,14 +4432,15 @@
           </a:ln>
         </p:spPr>
         <p:txBody>
-          <a:bodyPr lIns="0" rIns="0" tIns="0" bIns="0" anchor="ctr">
+          <a:bodyPr lIns="0" tIns="0" rIns="0" bIns="0" anchor="ctr">
             <a:noAutofit/>
           </a:bodyPr>
+          <a:lstStyle/>
           <a:p>
             <a:pPr indent="0">
               <a:buNone/>
             </a:pPr>
-            <a:endParaRPr b="0" lang="en-US" sz="1800" spc="-1" strike="noStrike">
+            <a:endParaRPr lang="en-US" sz="1800" b="0" strike="noStrike" spc="-1">
               <a:solidFill>
                 <a:srgbClr val="000000"/>
               </a:solidFill>
@@ -4231,6 +4462,7 @@
         <p:spPr/>
         <p:txBody>
           <a:bodyPr/>
+          <a:lstStyle/>
           <a:p>
             <a:r>
               <a:t>Footer</a:t>
@@ -4251,10 +4483,12 @@
         <p:spPr/>
         <p:txBody>
           <a:bodyPr/>
+          <a:lstStyle/>
           <a:p>
             <a:fld id="{8FA403FF-9258-4B45-BD2E-A5BE42545A10}" type="slidenum">
-              <a:t>&lt;#&gt;</a:t>
+              <a:t>‹#›</a:t>
             </a:fld>
+            <a:endParaRPr/>
           </a:p>
         </p:txBody>
       </p:sp>
@@ -4271,21 +4505,22 @@
         <p:spPr/>
         <p:txBody>
           <a:bodyPr/>
-          <a:p>
-            <a:r>
-              <a:rPr lang="en-GB"/>
-              <a:t/>
-            </a:r>
+          <a:lstStyle/>
+          <a:p>
+            <a:endParaRPr/>
           </a:p>
         </p:txBody>
       </p:sp>
     </p:spTree>
   </p:cSld>
+  <p:clrMapOvr>
+    <a:masterClrMapping/>
+  </p:clrMapOvr>
 </p:sldLayout>
 </file>
 
 <file path=ppt/slideLayouts/slideLayout6.xml><?xml version="1.0" encoding="utf-8"?>
-<p:sldLayout xmlns:a="http://schemas.openxmlformats.org/drawingml/2006/main" xmlns:p="http://schemas.openxmlformats.org/presentationml/2006/main" xmlns:r="http://schemas.openxmlformats.org/officeDocument/2006/relationships" xmlns:p14="http://schemas.microsoft.com/office/powerpoint/2010/main" xmlns:p15="http://schemas.microsoft.com/office/powerpoint/2012/main" xmlns:mc="http://schemas.openxmlformats.org/markup-compatibility/2006" type="objOnly" preserve="1">
+<p:sldLayout xmlns:a="http://schemas.openxmlformats.org/drawingml/2006/main" xmlns:r="http://schemas.openxmlformats.org/officeDocument/2006/relationships" xmlns:p="http://schemas.openxmlformats.org/presentationml/2006/main" type="objOnly" preserve="1">
   <p:cSld name="Centered Text">
     <p:spTree>
       <p:nvGrpSpPr>
@@ -4325,12 +4560,13 @@
           </a:ln>
         </p:spPr>
         <p:txBody>
-          <a:bodyPr lIns="0" rIns="0" tIns="0" bIns="0" anchor="ctr">
+          <a:bodyPr lIns="0" tIns="0" rIns="0" bIns="0" anchor="ctr">
             <a:noAutofit/>
           </a:bodyPr>
+          <a:lstStyle/>
           <a:p>
             <a:pPr algn="ctr"/>
-            <a:endParaRPr b="0" lang="en-GB" sz="3200" spc="-1" strike="noStrike">
+            <a:endParaRPr lang="en-GB" sz="3200" b="0" strike="noStrike" spc="-1">
               <a:solidFill>
                 <a:srgbClr val="000000"/>
               </a:solidFill>
@@ -4352,6 +4588,7 @@
         <p:spPr/>
         <p:txBody>
           <a:bodyPr/>
+          <a:lstStyle/>
           <a:p>
             <a:r>
               <a:t>Footer</a:t>
@@ -4372,10 +4609,12 @@
         <p:spPr/>
         <p:txBody>
           <a:bodyPr/>
+          <a:lstStyle/>
           <a:p>
             <a:fld id="{CB2FACF3-55E2-4CEB-9CF4-776FEB589879}" type="slidenum">
-              <a:t>&lt;#&gt;</a:t>
+              <a:t>‹#›</a:t>
             </a:fld>
+            <a:endParaRPr/>
           </a:p>
         </p:txBody>
       </p:sp>
@@ -4392,21 +4631,22 @@
         <p:spPr/>
         <p:txBody>
           <a:bodyPr/>
-          <a:p>
-            <a:r>
-              <a:rPr lang="en-GB"/>
-              <a:t/>
-            </a:r>
+          <a:lstStyle/>
+          <a:p>
+            <a:endParaRPr/>
           </a:p>
         </p:txBody>
       </p:sp>
     </p:spTree>
   </p:cSld>
+  <p:clrMapOvr>
+    <a:masterClrMapping/>
+  </p:clrMapOvr>
 </p:sldLayout>
 </file>
 
 <file path=ppt/slideLayouts/slideLayout7.xml><?xml version="1.0" encoding="utf-8"?>
-<p:sldLayout xmlns:a="http://schemas.openxmlformats.org/drawingml/2006/main" xmlns:p="http://schemas.openxmlformats.org/presentationml/2006/main" xmlns:r="http://schemas.openxmlformats.org/officeDocument/2006/relationships" xmlns:p14="http://schemas.microsoft.com/office/powerpoint/2010/main" xmlns:p15="http://schemas.microsoft.com/office/powerpoint/2012/main" xmlns:mc="http://schemas.openxmlformats.org/markup-compatibility/2006" type="twoObjAndObj" preserve="1">
+<p:sldLayout xmlns:a="http://schemas.openxmlformats.org/drawingml/2006/main" xmlns:r="http://schemas.openxmlformats.org/officeDocument/2006/relationships" xmlns:p="http://schemas.openxmlformats.org/presentationml/2006/main" type="twoObjAndObj" preserve="1">
   <p:cSld name="Title, 2 Content and Content">
     <p:spTree>
       <p:nvGrpSpPr>
@@ -4446,14 +4686,15 @@
           </a:ln>
         </p:spPr>
         <p:txBody>
-          <a:bodyPr lIns="0" rIns="0" tIns="0" bIns="0" anchor="ctr">
+          <a:bodyPr lIns="0" tIns="0" rIns="0" bIns="0" anchor="ctr">
             <a:noAutofit/>
           </a:bodyPr>
+          <a:lstStyle/>
           <a:p>
             <a:pPr indent="0">
               <a:buNone/>
             </a:pPr>
-            <a:endParaRPr b="0" lang="en-US" sz="1800" spc="-1" strike="noStrike">
+            <a:endParaRPr lang="en-US" sz="1800" b="0" strike="noStrike" spc="-1">
               <a:solidFill>
                 <a:srgbClr val="000000"/>
               </a:solidFill>
@@ -4486,9 +4727,10 @@
           </a:ln>
         </p:spPr>
         <p:txBody>
-          <a:bodyPr lIns="0" rIns="0" tIns="0" bIns="0" anchor="t">
+          <a:bodyPr lIns="0" tIns="0" rIns="0" bIns="0" anchor="t">
             <a:normAutofit/>
           </a:bodyPr>
+          <a:lstStyle/>
           <a:p>
             <a:pPr indent="0">
               <a:lnSpc>
@@ -4499,7 +4741,7 @@
               </a:spcBef>
               <a:buNone/>
             </a:pPr>
-            <a:endParaRPr b="0" lang="en-US" sz="2800" spc="-1" strike="noStrike">
+            <a:endParaRPr lang="en-US" sz="2800" b="0" strike="noStrike" spc="-1">
               <a:solidFill>
                 <a:srgbClr val="000000"/>
               </a:solidFill>
@@ -4532,9 +4774,10 @@
           </a:ln>
         </p:spPr>
         <p:txBody>
-          <a:bodyPr lIns="0" rIns="0" tIns="0" bIns="0" anchor="t">
+          <a:bodyPr lIns="0" tIns="0" rIns="0" bIns="0" anchor="t">
             <a:normAutofit/>
           </a:bodyPr>
+          <a:lstStyle/>
           <a:p>
             <a:pPr indent="0">
               <a:lnSpc>
@@ -4545,7 +4788,7 @@
               </a:spcBef>
               <a:buNone/>
             </a:pPr>
-            <a:endParaRPr b="0" lang="en-US" sz="2800" spc="-1" strike="noStrike">
+            <a:endParaRPr lang="en-US" sz="2800" b="0" strike="noStrike" spc="-1">
               <a:solidFill>
                 <a:srgbClr val="000000"/>
               </a:solidFill>
@@ -4578,9 +4821,10 @@
           </a:ln>
         </p:spPr>
         <p:txBody>
-          <a:bodyPr lIns="0" rIns="0" tIns="0" bIns="0" anchor="t">
+          <a:bodyPr lIns="0" tIns="0" rIns="0" bIns="0" anchor="t">
             <a:normAutofit/>
           </a:bodyPr>
+          <a:lstStyle/>
           <a:p>
             <a:pPr indent="0">
               <a:lnSpc>
@@ -4591,7 +4835,7 @@
               </a:spcBef>
               <a:buNone/>
             </a:pPr>
-            <a:endParaRPr b="0" lang="en-US" sz="2800" spc="-1" strike="noStrike">
+            <a:endParaRPr lang="en-US" sz="2800" b="0" strike="noStrike" spc="-1">
               <a:solidFill>
                 <a:srgbClr val="000000"/>
               </a:solidFill>
@@ -4613,6 +4857,7 @@
         <p:spPr/>
         <p:txBody>
           <a:bodyPr/>
+          <a:lstStyle/>
           <a:p>
             <a:r>
               <a:t>Footer</a:t>
@@ -4633,10 +4878,12 @@
         <p:spPr/>
         <p:txBody>
           <a:bodyPr/>
+          <a:lstStyle/>
           <a:p>
             <a:fld id="{528C0626-0DEB-46BD-92EE-442A8637642B}" type="slidenum">
-              <a:t>&lt;#&gt;</a:t>
+              <a:t>‹#›</a:t>
             </a:fld>
+            <a:endParaRPr/>
           </a:p>
         </p:txBody>
       </p:sp>
@@ -4653,21 +4900,22 @@
         <p:spPr/>
         <p:txBody>
           <a:bodyPr/>
-          <a:p>
-            <a:r>
-              <a:rPr lang="en-GB"/>
-              <a:t/>
-            </a:r>
+          <a:lstStyle/>
+          <a:p>
+            <a:endParaRPr/>
           </a:p>
         </p:txBody>
       </p:sp>
     </p:spTree>
   </p:cSld>
+  <p:clrMapOvr>
+    <a:masterClrMapping/>
+  </p:clrMapOvr>
 </p:sldLayout>
 </file>
 
 <file path=ppt/slideLayouts/slideLayout8.xml><?xml version="1.0" encoding="utf-8"?>
-<p:sldLayout xmlns:a="http://schemas.openxmlformats.org/drawingml/2006/main" xmlns:p="http://schemas.openxmlformats.org/presentationml/2006/main" xmlns:r="http://schemas.openxmlformats.org/officeDocument/2006/relationships" xmlns:p14="http://schemas.microsoft.com/office/powerpoint/2010/main" xmlns:p15="http://schemas.microsoft.com/office/powerpoint/2012/main" xmlns:mc="http://schemas.openxmlformats.org/markup-compatibility/2006" type="objAndTwoObj" preserve="1">
+<p:sldLayout xmlns:a="http://schemas.openxmlformats.org/drawingml/2006/main" xmlns:r="http://schemas.openxmlformats.org/officeDocument/2006/relationships" xmlns:p="http://schemas.openxmlformats.org/presentationml/2006/main" type="objAndTwoObj" preserve="1">
   <p:cSld name="Title Content and 2 Content">
     <p:spTree>
       <p:nvGrpSpPr>
@@ -4707,14 +4955,15 @@
           </a:ln>
         </p:spPr>
         <p:txBody>
-          <a:bodyPr lIns="0" rIns="0" tIns="0" bIns="0" anchor="ctr">
+          <a:bodyPr lIns="0" tIns="0" rIns="0" bIns="0" anchor="ctr">
             <a:noAutofit/>
           </a:bodyPr>
+          <a:lstStyle/>
           <a:p>
             <a:pPr indent="0">
               <a:buNone/>
             </a:pPr>
-            <a:endParaRPr b="0" lang="en-US" sz="1800" spc="-1" strike="noStrike">
+            <a:endParaRPr lang="en-US" sz="1800" b="0" strike="noStrike" spc="-1">
               <a:solidFill>
                 <a:srgbClr val="000000"/>
               </a:solidFill>
@@ -4747,9 +4996,10 @@
           </a:ln>
         </p:spPr>
         <p:txBody>
-          <a:bodyPr lIns="0" rIns="0" tIns="0" bIns="0" anchor="t">
+          <a:bodyPr lIns="0" tIns="0" rIns="0" bIns="0" anchor="t">
             <a:normAutofit/>
           </a:bodyPr>
+          <a:lstStyle/>
           <a:p>
             <a:pPr indent="0">
               <a:lnSpc>
@@ -4760,7 +5010,7 @@
               </a:spcBef>
               <a:buNone/>
             </a:pPr>
-            <a:endParaRPr b="0" lang="en-US" sz="2800" spc="-1" strike="noStrike">
+            <a:endParaRPr lang="en-US" sz="2800" b="0" strike="noStrike" spc="-1">
               <a:solidFill>
                 <a:srgbClr val="000000"/>
               </a:solidFill>
@@ -4793,9 +5043,10 @@
           </a:ln>
         </p:spPr>
         <p:txBody>
-          <a:bodyPr lIns="0" rIns="0" tIns="0" bIns="0" anchor="t">
+          <a:bodyPr lIns="0" tIns="0" rIns="0" bIns="0" anchor="t">
             <a:normAutofit/>
           </a:bodyPr>
+          <a:lstStyle/>
           <a:p>
             <a:pPr indent="0">
               <a:lnSpc>
@@ -4806,7 +5057,7 @@
               </a:spcBef>
               <a:buNone/>
             </a:pPr>
-            <a:endParaRPr b="0" lang="en-US" sz="2800" spc="-1" strike="noStrike">
+            <a:endParaRPr lang="en-US" sz="2800" b="0" strike="noStrike" spc="-1">
               <a:solidFill>
                 <a:srgbClr val="000000"/>
               </a:solidFill>
@@ -4839,9 +5090,10 @@
           </a:ln>
         </p:spPr>
         <p:txBody>
-          <a:bodyPr lIns="0" rIns="0" tIns="0" bIns="0" anchor="t">
+          <a:bodyPr lIns="0" tIns="0" rIns="0" bIns="0" anchor="t">
             <a:normAutofit/>
           </a:bodyPr>
+          <a:lstStyle/>
           <a:p>
             <a:pPr indent="0">
               <a:lnSpc>
@@ -4852,7 +5104,7 @@
               </a:spcBef>
               <a:buNone/>
             </a:pPr>
-            <a:endParaRPr b="0" lang="en-US" sz="2800" spc="-1" strike="noStrike">
+            <a:endParaRPr lang="en-US" sz="2800" b="0" strike="noStrike" spc="-1">
               <a:solidFill>
                 <a:srgbClr val="000000"/>
               </a:solidFill>
@@ -4874,6 +5126,7 @@
         <p:spPr/>
         <p:txBody>
           <a:bodyPr/>
+          <a:lstStyle/>
           <a:p>
             <a:r>
               <a:t>Footer</a:t>
@@ -4894,10 +5147,12 @@
         <p:spPr/>
         <p:txBody>
           <a:bodyPr/>
+          <a:lstStyle/>
           <a:p>
             <a:fld id="{462AECA5-F632-4BC5-9C1B-3618B962D36A}" type="slidenum">
-              <a:t>&lt;#&gt;</a:t>
+              <a:t>‹#›</a:t>
             </a:fld>
+            <a:endParaRPr/>
           </a:p>
         </p:txBody>
       </p:sp>
@@ -4914,21 +5169,22 @@
         <p:spPr/>
         <p:txBody>
           <a:bodyPr/>
-          <a:p>
-            <a:r>
-              <a:rPr lang="en-GB"/>
-              <a:t/>
-            </a:r>
+          <a:lstStyle/>
+          <a:p>
+            <a:endParaRPr/>
           </a:p>
         </p:txBody>
       </p:sp>
     </p:spTree>
   </p:cSld>
+  <p:clrMapOvr>
+    <a:masterClrMapping/>
+  </p:clrMapOvr>
 </p:sldLayout>
 </file>
 
 <file path=ppt/slideLayouts/slideLayout9.xml><?xml version="1.0" encoding="utf-8"?>
-<p:sldLayout xmlns:a="http://schemas.openxmlformats.org/drawingml/2006/main" xmlns:p="http://schemas.openxmlformats.org/presentationml/2006/main" xmlns:r="http://schemas.openxmlformats.org/officeDocument/2006/relationships" xmlns:p14="http://schemas.microsoft.com/office/powerpoint/2010/main" xmlns:p15="http://schemas.microsoft.com/office/powerpoint/2012/main" xmlns:mc="http://schemas.openxmlformats.org/markup-compatibility/2006" type="twoObjOverTx" preserve="1">
+<p:sldLayout xmlns:a="http://schemas.openxmlformats.org/drawingml/2006/main" xmlns:r="http://schemas.openxmlformats.org/officeDocument/2006/relationships" xmlns:p="http://schemas.openxmlformats.org/presentationml/2006/main" type="twoObjOverTx" preserve="1">
   <p:cSld name="Title, 2 Content over Content">
     <p:spTree>
       <p:nvGrpSpPr>
@@ -4968,14 +5224,15 @@
           </a:ln>
         </p:spPr>
         <p:txBody>
-          <a:bodyPr lIns="0" rIns="0" tIns="0" bIns="0" anchor="ctr">
+          <a:bodyPr lIns="0" tIns="0" rIns="0" bIns="0" anchor="ctr">
             <a:noAutofit/>
           </a:bodyPr>
+          <a:lstStyle/>
           <a:p>
             <a:pPr indent="0">
               <a:buNone/>
             </a:pPr>
-            <a:endParaRPr b="0" lang="en-US" sz="1800" spc="-1" strike="noStrike">
+            <a:endParaRPr lang="en-US" sz="1800" b="0" strike="noStrike" spc="-1">
               <a:solidFill>
                 <a:srgbClr val="000000"/>
               </a:solidFill>
@@ -5008,9 +5265,10 @@
           </a:ln>
         </p:spPr>
         <p:txBody>
-          <a:bodyPr lIns="0" rIns="0" tIns="0" bIns="0" anchor="t">
+          <a:bodyPr lIns="0" tIns="0" rIns="0" bIns="0" anchor="t">
             <a:normAutofit/>
           </a:bodyPr>
+          <a:lstStyle/>
           <a:p>
             <a:pPr indent="0">
               <a:lnSpc>
@@ -5021,7 +5279,7 @@
               </a:spcBef>
               <a:buNone/>
             </a:pPr>
-            <a:endParaRPr b="0" lang="en-US" sz="2800" spc="-1" strike="noStrike">
+            <a:endParaRPr lang="en-US" sz="2800" b="0" strike="noStrike" spc="-1">
               <a:solidFill>
                 <a:srgbClr val="000000"/>
               </a:solidFill>
@@ -5054,9 +5312,10 @@
           </a:ln>
         </p:spPr>
         <p:txBody>
-          <a:bodyPr lIns="0" rIns="0" tIns="0" bIns="0" anchor="t">
+          <a:bodyPr lIns="0" tIns="0" rIns="0" bIns="0" anchor="t">
             <a:normAutofit/>
           </a:bodyPr>
+          <a:lstStyle/>
           <a:p>
             <a:pPr indent="0">
               <a:lnSpc>
@@ -5067,7 +5326,7 @@
               </a:spcBef>
               <a:buNone/>
             </a:pPr>
-            <a:endParaRPr b="0" lang="en-US" sz="2800" spc="-1" strike="noStrike">
+            <a:endParaRPr lang="en-US" sz="2800" b="0" strike="noStrike" spc="-1">
               <a:solidFill>
                 <a:srgbClr val="000000"/>
               </a:solidFill>
@@ -5100,9 +5359,10 @@
           </a:ln>
         </p:spPr>
         <p:txBody>
-          <a:bodyPr lIns="0" rIns="0" tIns="0" bIns="0" anchor="t">
+          <a:bodyPr lIns="0" tIns="0" rIns="0" bIns="0" anchor="t">
             <a:normAutofit/>
           </a:bodyPr>
+          <a:lstStyle/>
           <a:p>
             <a:pPr indent="0">
               <a:lnSpc>
@@ -5113,7 +5373,7 @@
               </a:spcBef>
               <a:buNone/>
             </a:pPr>
-            <a:endParaRPr b="0" lang="en-US" sz="2800" spc="-1" strike="noStrike">
+            <a:endParaRPr lang="en-US" sz="2800" b="0" strike="noStrike" spc="-1">
               <a:solidFill>
                 <a:srgbClr val="000000"/>
               </a:solidFill>
@@ -5135,6 +5395,7 @@
         <p:spPr/>
         <p:txBody>
           <a:bodyPr/>
+          <a:lstStyle/>
           <a:p>
             <a:r>
               <a:t>Footer</a:t>
@@ -5155,10 +5416,12 @@
         <p:spPr/>
         <p:txBody>
           <a:bodyPr/>
+          <a:lstStyle/>
           <a:p>
             <a:fld id="{67A1E8FA-3859-4A57-AA00-378771C3C05C}" type="slidenum">
-              <a:t>&lt;#&gt;</a:t>
+              <a:t>‹#›</a:t>
             </a:fld>
+            <a:endParaRPr/>
           </a:p>
         </p:txBody>
       </p:sp>
@@ -5175,27 +5438,29 @@
         <p:spPr/>
         <p:txBody>
           <a:bodyPr/>
-          <a:p>
-            <a:r>
-              <a:rPr lang="en-GB"/>
-              <a:t/>
-            </a:r>
+          <a:lstStyle/>
+          <a:p>
+            <a:endParaRPr/>
           </a:p>
         </p:txBody>
       </p:sp>
     </p:spTree>
   </p:cSld>
+  <p:clrMapOvr>
+    <a:masterClrMapping/>
+  </p:clrMapOvr>
 </p:sldLayout>
 </file>
 
 <file path=ppt/slideMasters/slideMaster1.xml><?xml version="1.0" encoding="utf-8"?>
-<p:sldMaster xmlns:a="http://schemas.openxmlformats.org/drawingml/2006/main" xmlns:p="http://schemas.openxmlformats.org/presentationml/2006/main" xmlns:r="http://schemas.openxmlformats.org/officeDocument/2006/relationships" xmlns:p14="http://schemas.microsoft.com/office/powerpoint/2010/main" xmlns:p15="http://schemas.microsoft.com/office/powerpoint/2012/main" xmlns:mc="http://schemas.openxmlformats.org/markup-compatibility/2006">
+<p:sldMaster xmlns:a="http://schemas.openxmlformats.org/drawingml/2006/main" xmlns:r="http://schemas.openxmlformats.org/officeDocument/2006/relationships" xmlns:p="http://schemas.openxmlformats.org/presentationml/2006/main">
   <p:cSld>
     <p:bg>
       <p:bgPr>
         <a:solidFill>
-          <a:srgbClr val="ffffff"/>
+          <a:srgbClr val="FFFFFF"/>
         </a:solidFill>
+        <a:effectLst/>
       </p:bgPr>
     </p:bg>
     <p:spTree>
@@ -5214,7 +5479,7 @@
       </p:grpSpPr>
       <p:sp>
         <p:nvSpPr>
-          <p:cNvPr id="0" name="PlaceHolder 1"/>
+          <p:cNvPr id="5" name="PlaceHolder 1"/>
           <p:cNvSpPr>
             <a:spLocks noGrp="1"/>
           </p:cNvSpPr>
@@ -5239,6 +5504,7 @@
           <a:bodyPr anchor="b">
             <a:noAutofit/>
           </a:bodyPr>
+          <a:lstStyle/>
           <a:p>
             <a:pPr indent="0" algn="ctr">
               <a:lnSpc>
@@ -5247,7 +5513,7 @@
               <a:buNone/>
             </a:pPr>
             <a:r>
-              <a:rPr b="0" lang="en-US" sz="6000" spc="-1" strike="noStrike">
+              <a:rPr lang="en-US" sz="6000" b="0" strike="noStrike" spc="-1">
                 <a:solidFill>
                   <a:srgbClr val="000000"/>
                 </a:solidFill>
@@ -5255,18 +5521,18 @@
               </a:rPr>
               <a:t>Click to edit Master title style</a:t>
             </a:r>
-            <a:endParaRPr b="0" lang="en-US" sz="6000" spc="-1" strike="noStrike">
-              <a:solidFill>
-                <a:srgbClr val="000000"/>
-              </a:solidFill>
-              <a:latin typeface="Calibri"/>
-            </a:endParaRPr>
-          </a:p>
-        </p:txBody>
-      </p:sp>
-      <p:sp>
-        <p:nvSpPr>
-          <p:cNvPr id="1" name="PlaceHolder 2"/>
+            <a:endParaRPr lang="en-US" sz="6000" b="0" strike="noStrike" spc="-1">
+              <a:solidFill>
+                <a:srgbClr val="000000"/>
+              </a:solidFill>
+              <a:latin typeface="Calibri"/>
+            </a:endParaRPr>
+          </a:p>
+        </p:txBody>
+      </p:sp>
+      <p:sp>
+        <p:nvSpPr>
+          <p:cNvPr id="6" name="PlaceHolder 2"/>
           <p:cNvSpPr>
             <a:spLocks noGrp="1"/>
           </p:cNvSpPr>
@@ -5297,9 +5563,9 @@
                 <a:spcPct val="100000"/>
               </a:lnSpc>
               <a:buNone/>
-              <a:defRPr b="0" lang="en-GB" sz="1200" spc="-1" strike="noStrike">
-                <a:solidFill>
-                  <a:srgbClr val="8b8b8b"/>
+              <a:defRPr lang="en-GB" sz="1200" b="0" strike="noStrike" spc="-1">
+                <a:solidFill>
+                  <a:srgbClr val="8B8B8B"/>
                 </a:solidFill>
                 <a:latin typeface="Calibri"/>
               </a:defRPr>
@@ -5313,15 +5579,15 @@
               <a:buNone/>
             </a:pPr>
             <a:r>
-              <a:rPr b="0" lang="en-GB" sz="1200" spc="-1" strike="noStrike">
-                <a:solidFill>
-                  <a:srgbClr val="8b8b8b"/>
+              <a:rPr lang="en-GB" sz="1200" b="0" strike="noStrike" spc="-1">
+                <a:solidFill>
+                  <a:srgbClr val="8B8B8B"/>
                 </a:solidFill>
                 <a:latin typeface="Calibri"/>
               </a:rPr>
               <a:t> </a:t>
             </a:r>
-            <a:endParaRPr b="0" lang="en-GB" sz="1200" spc="-1" strike="noStrike">
+            <a:endParaRPr lang="en-GB" sz="1200" b="0" strike="noStrike" spc="-1">
               <a:solidFill>
                 <a:srgbClr val="000000"/>
               </a:solidFill>
@@ -5360,7 +5626,7 @@
           <a:lstStyle>
             <a:lvl1pPr indent="0" algn="ctr">
               <a:buNone/>
-              <a:defRPr b="0" lang="en-GB" sz="1400" spc="-1" strike="noStrike">
+              <a:defRPr lang="en-GB" sz="1400" b="0" strike="noStrike" spc="-1">
                 <a:solidFill>
                   <a:srgbClr val="000000"/>
                 </a:solidFill>
@@ -5373,7 +5639,7 @@
               <a:buNone/>
             </a:pPr>
             <a:r>
-              <a:rPr b="0" lang="en-GB" sz="1400" spc="-1" strike="noStrike">
+              <a:rPr lang="en-GB" sz="1400" b="0" strike="noStrike" spc="-1">
                 <a:solidFill>
                   <a:srgbClr val="000000"/>
                 </a:solidFill>
@@ -5381,12 +5647,6 @@
               </a:rPr>
               <a:t> </a:t>
             </a:r>
-            <a:endParaRPr b="0" lang="en-GB" sz="1400" spc="-1" strike="noStrike">
-              <a:solidFill>
-                <a:srgbClr val="000000"/>
-              </a:solidFill>
-              <a:latin typeface="Times New Roman"/>
-            </a:endParaRPr>
           </a:p>
         </p:txBody>
       </p:sp>
@@ -5423,9 +5683,9 @@
                 <a:spcPct val="100000"/>
               </a:lnSpc>
               <a:buNone/>
-              <a:defRPr b="0" lang="en-GB" sz="1200" spc="-1" strike="noStrike">
-                <a:solidFill>
-                  <a:srgbClr val="8b8b8b"/>
+              <a:defRPr lang="en-GB" sz="1200" b="0" strike="noStrike" spc="-1">
+                <a:solidFill>
+                  <a:srgbClr val="8B8B8B"/>
                 </a:solidFill>
                 <a:latin typeface="Calibri"/>
               </a:defRPr>
@@ -5439,15 +5699,15 @@
               <a:buNone/>
             </a:pPr>
             <a:fld id="{B1D5BCB6-742B-40F5-8799-9876B03899C5}" type="slidenum">
-              <a:rPr b="0" lang="en-GB" sz="1200" spc="-1" strike="noStrike">
-                <a:solidFill>
-                  <a:srgbClr val="8b8b8b"/>
+              <a:rPr lang="en-GB" sz="1200" b="0" strike="noStrike" spc="-1">
+                <a:solidFill>
+                  <a:srgbClr val="8B8B8B"/>
                 </a:solidFill>
                 <a:latin typeface="Calibri"/>
               </a:rPr>
-              <a:t>20</a:t>
+              <a:t>‹#›</a:t>
             </a:fld>
-            <a:endParaRPr b="0" lang="en-GB" sz="1200" spc="-1" strike="noStrike">
+            <a:endParaRPr lang="en-GB" sz="1200" b="0" strike="noStrike" spc="-1">
               <a:solidFill>
                 <a:srgbClr val="000000"/>
               </a:solidFill>
@@ -5480,9 +5740,10 @@
           </a:ln>
         </p:spPr>
         <p:txBody>
-          <a:bodyPr lIns="0" rIns="0" tIns="0" bIns="0" anchor="t">
+          <a:bodyPr lIns="0" tIns="0" rIns="0" bIns="0" anchor="t">
             <a:normAutofit/>
           </a:bodyPr>
+          <a:lstStyle/>
           <a:p>
             <a:pPr marL="432000" indent="-324000">
               <a:lnSpc>
@@ -5499,7 +5760,7 @@
               <a:buChar char=""/>
             </a:pPr>
             <a:r>
-              <a:rPr b="0" lang="en-US" sz="2800" spc="-1" strike="noStrike">
+              <a:rPr lang="en-US" sz="2800" b="0" strike="noStrike" spc="-1">
                 <a:solidFill>
                   <a:srgbClr val="000000"/>
                 </a:solidFill>
@@ -5507,15 +5768,9 @@
               </a:rPr>
               <a:t>Click to edit the outline text format</a:t>
             </a:r>
-            <a:endParaRPr b="0" lang="en-US" sz="2800" spc="-1" strike="noStrike">
-              <a:solidFill>
-                <a:srgbClr val="000000"/>
-              </a:solidFill>
-              <a:latin typeface="Calibri"/>
-            </a:endParaRPr>
-          </a:p>
-          <a:p>
-            <a:pPr lvl="1" marL="864000" indent="-324000">
+          </a:p>
+          <a:p>
+            <a:pPr marL="864000" lvl="1" indent="-324000">
               <a:lnSpc>
                 <a:spcPct val="90000"/>
               </a:lnSpc>
@@ -5530,7 +5785,7 @@
               <a:buChar char=""/>
             </a:pPr>
             <a:r>
-              <a:rPr b="0" lang="en-US" sz="2000" spc="-1" strike="noStrike">
+              <a:rPr lang="en-US" sz="2000" b="0" strike="noStrike" spc="-1">
                 <a:solidFill>
                   <a:srgbClr val="000000"/>
                 </a:solidFill>
@@ -5538,15 +5793,9 @@
               </a:rPr>
               <a:t>Second Outline Level</a:t>
             </a:r>
-            <a:endParaRPr b="0" lang="en-US" sz="2000" spc="-1" strike="noStrike">
-              <a:solidFill>
-                <a:srgbClr val="000000"/>
-              </a:solidFill>
-              <a:latin typeface="Calibri"/>
-            </a:endParaRPr>
-          </a:p>
-          <a:p>
-            <a:pPr lvl="2" marL="1296000" indent="-288000">
+          </a:p>
+          <a:p>
+            <a:pPr marL="1296000" lvl="2" indent="-288000">
               <a:lnSpc>
                 <a:spcPct val="90000"/>
               </a:lnSpc>
@@ -5561,7 +5810,7 @@
               <a:buChar char=""/>
             </a:pPr>
             <a:r>
-              <a:rPr b="0" lang="en-US" sz="1800" spc="-1" strike="noStrike">
+              <a:rPr lang="en-US" sz="1800" b="0" strike="noStrike" spc="-1">
                 <a:solidFill>
                   <a:srgbClr val="000000"/>
                 </a:solidFill>
@@ -5569,15 +5818,9 @@
               </a:rPr>
               <a:t>Third Outline Level</a:t>
             </a:r>
-            <a:endParaRPr b="0" lang="en-US" sz="1800" spc="-1" strike="noStrike">
-              <a:solidFill>
-                <a:srgbClr val="000000"/>
-              </a:solidFill>
-              <a:latin typeface="Calibri"/>
-            </a:endParaRPr>
-          </a:p>
-          <a:p>
-            <a:pPr lvl="3" marL="1728000" indent="-216000">
+          </a:p>
+          <a:p>
+            <a:pPr marL="1728000" lvl="3" indent="-216000">
               <a:lnSpc>
                 <a:spcPct val="90000"/>
               </a:lnSpc>
@@ -5592,7 +5835,7 @@
               <a:buChar char=""/>
             </a:pPr>
             <a:r>
-              <a:rPr b="0" lang="en-US" sz="1800" spc="-1" strike="noStrike">
+              <a:rPr lang="en-US" sz="1800" b="0" strike="noStrike" spc="-1">
                 <a:solidFill>
                   <a:srgbClr val="000000"/>
                 </a:solidFill>
@@ -5600,15 +5843,9 @@
               </a:rPr>
               <a:t>Fourth Outline Level</a:t>
             </a:r>
-            <a:endParaRPr b="0" lang="en-US" sz="1800" spc="-1" strike="noStrike">
-              <a:solidFill>
-                <a:srgbClr val="000000"/>
-              </a:solidFill>
-              <a:latin typeface="Calibri"/>
-            </a:endParaRPr>
-          </a:p>
-          <a:p>
-            <a:pPr lvl="4" marL="2160000" indent="-216000">
+          </a:p>
+          <a:p>
+            <a:pPr marL="2160000" lvl="4" indent="-216000">
               <a:lnSpc>
                 <a:spcPct val="90000"/>
               </a:lnSpc>
@@ -5623,7 +5860,7 @@
               <a:buChar char=""/>
             </a:pPr>
             <a:r>
-              <a:rPr b="0" lang="en-US" sz="2000" spc="-1" strike="noStrike">
+              <a:rPr lang="en-US" sz="2000" b="0" strike="noStrike" spc="-1">
                 <a:solidFill>
                   <a:srgbClr val="000000"/>
                 </a:solidFill>
@@ -5631,15 +5868,9 @@
               </a:rPr>
               <a:t>Fifth Outline Level</a:t>
             </a:r>
-            <a:endParaRPr b="0" lang="en-US" sz="2000" spc="-1" strike="noStrike">
-              <a:solidFill>
-                <a:srgbClr val="000000"/>
-              </a:solidFill>
-              <a:latin typeface="Calibri"/>
-            </a:endParaRPr>
-          </a:p>
-          <a:p>
-            <a:pPr lvl="5" marL="2592000" indent="-216000">
+          </a:p>
+          <a:p>
+            <a:pPr marL="2592000" lvl="5" indent="-216000">
               <a:lnSpc>
                 <a:spcPct val="90000"/>
               </a:lnSpc>
@@ -5654,7 +5885,7 @@
               <a:buChar char=""/>
             </a:pPr>
             <a:r>
-              <a:rPr b="0" lang="en-US" sz="2000" spc="-1" strike="noStrike">
+              <a:rPr lang="en-US" sz="2000" b="0" strike="noStrike" spc="-1">
                 <a:solidFill>
                   <a:srgbClr val="000000"/>
                 </a:solidFill>
@@ -5662,15 +5893,9 @@
               </a:rPr>
               <a:t>Sixth Outline Level</a:t>
             </a:r>
-            <a:endParaRPr b="0" lang="en-US" sz="2000" spc="-1" strike="noStrike">
-              <a:solidFill>
-                <a:srgbClr val="000000"/>
-              </a:solidFill>
-              <a:latin typeface="Calibri"/>
-            </a:endParaRPr>
-          </a:p>
-          <a:p>
-            <a:pPr lvl="6" marL="3024000" indent="-216000">
+          </a:p>
+          <a:p>
+            <a:pPr marL="3024000" lvl="6" indent="-216000">
               <a:lnSpc>
                 <a:spcPct val="90000"/>
               </a:lnSpc>
@@ -5685,7 +5910,7 @@
               <a:buChar char=""/>
             </a:pPr>
             <a:r>
-              <a:rPr b="0" lang="en-US" sz="2000" spc="-1" strike="noStrike">
+              <a:rPr lang="en-US" sz="2000" b="0" strike="noStrike" spc="-1">
                 <a:solidFill>
                   <a:srgbClr val="000000"/>
                 </a:solidFill>
@@ -5693,43 +5918,318 @@
               </a:rPr>
               <a:t>Seventh Outline Level</a:t>
             </a:r>
-            <a:endParaRPr b="0" lang="en-US" sz="2000" spc="-1" strike="noStrike">
-              <a:solidFill>
-                <a:srgbClr val="000000"/>
-              </a:solidFill>
-              <a:latin typeface="Calibri"/>
-            </a:endParaRPr>
           </a:p>
         </p:txBody>
       </p:sp>
     </p:spTree>
   </p:cSld>
-  <p:clrMap bg1="lt1" bg2="lt2" tx1="dk1" tx2="dk2" accent1="accent1" accent2="accent2" accent3="accent3" accent4="accent4" accent5="accent5" accent6="accent6" hlink="hlink" folHlink="folHlink"/>
+  <p:clrMap bg1="lt1" tx1="dk1" bg2="lt2" tx2="dk2" accent1="accent1" accent2="accent2" accent3="accent3" accent4="accent4" accent5="accent5" accent6="accent6" hlink="hlink" folHlink="folHlink"/>
   <p:sldLayoutIdLst>
-    <p:sldLayoutId id="2147483649" r:id="rId2"/>
-    <p:sldLayoutId id="2147483650" r:id="rId3"/>
-    <p:sldLayoutId id="2147483651" r:id="rId4"/>
-    <p:sldLayoutId id="2147483652" r:id="rId5"/>
-    <p:sldLayoutId id="2147483653" r:id="rId6"/>
-    <p:sldLayoutId id="2147483654" r:id="rId7"/>
-    <p:sldLayoutId id="2147483655" r:id="rId8"/>
-    <p:sldLayoutId id="2147483656" r:id="rId9"/>
-    <p:sldLayoutId id="2147483657" r:id="rId10"/>
-    <p:sldLayoutId id="2147483658" r:id="rId11"/>
-    <p:sldLayoutId id="2147483659" r:id="rId12"/>
-    <p:sldLayoutId id="2147483660" r:id="rId13"/>
+    <p:sldLayoutId id="2147483649" r:id="rId1"/>
+    <p:sldLayoutId id="2147483650" r:id="rId2"/>
+    <p:sldLayoutId id="2147483651" r:id="rId3"/>
+    <p:sldLayoutId id="2147483652" r:id="rId4"/>
+    <p:sldLayoutId id="2147483653" r:id="rId5"/>
+    <p:sldLayoutId id="2147483654" r:id="rId6"/>
+    <p:sldLayoutId id="2147483655" r:id="rId7"/>
+    <p:sldLayoutId id="2147483656" r:id="rId8"/>
+    <p:sldLayoutId id="2147483657" r:id="rId9"/>
+    <p:sldLayoutId id="2147483658" r:id="rId10"/>
+    <p:sldLayoutId id="2147483659" r:id="rId11"/>
+    <p:sldLayoutId id="2147483660" r:id="rId12"/>
   </p:sldLayoutIdLst>
+  <p:txStyles>
+    <p:titleStyle>
+      <a:lvl1pPr algn="l" defTabSz="914400" rtl="0" eaLnBrk="1" latinLnBrk="0" hangingPunct="1">
+        <a:lnSpc>
+          <a:spcPct val="90000"/>
+        </a:lnSpc>
+        <a:spcBef>
+          <a:spcPct val="0"/>
+        </a:spcBef>
+        <a:buNone/>
+        <a:defRPr sz="4400" kern="1200">
+          <a:solidFill>
+            <a:schemeClr val="tx1"/>
+          </a:solidFill>
+          <a:latin typeface="+mj-lt"/>
+          <a:ea typeface="+mj-ea"/>
+          <a:cs typeface="+mj-cs"/>
+        </a:defRPr>
+      </a:lvl1pPr>
+    </p:titleStyle>
+    <p:bodyStyle>
+      <a:lvl1pPr marL="228600" indent="-228600" algn="l" defTabSz="914400" rtl="0" eaLnBrk="1" latinLnBrk="0" hangingPunct="1">
+        <a:lnSpc>
+          <a:spcPct val="90000"/>
+        </a:lnSpc>
+        <a:spcBef>
+          <a:spcPts val="1000"/>
+        </a:spcBef>
+        <a:buFont typeface="Arial" panose="020B0604020202020204" pitchFamily="34" charset="0"/>
+        <a:buChar char="•"/>
+        <a:defRPr sz="2800" kern="1200">
+          <a:solidFill>
+            <a:schemeClr val="tx1"/>
+          </a:solidFill>
+          <a:latin typeface="+mn-lt"/>
+          <a:ea typeface="+mn-ea"/>
+          <a:cs typeface="+mn-cs"/>
+        </a:defRPr>
+      </a:lvl1pPr>
+      <a:lvl2pPr marL="685800" indent="-228600" algn="l" defTabSz="914400" rtl="0" eaLnBrk="1" latinLnBrk="0" hangingPunct="1">
+        <a:lnSpc>
+          <a:spcPct val="90000"/>
+        </a:lnSpc>
+        <a:spcBef>
+          <a:spcPts val="500"/>
+        </a:spcBef>
+        <a:buFont typeface="Arial" panose="020B0604020202020204" pitchFamily="34" charset="0"/>
+        <a:buChar char="•"/>
+        <a:defRPr sz="2400" kern="1200">
+          <a:solidFill>
+            <a:schemeClr val="tx1"/>
+          </a:solidFill>
+          <a:latin typeface="+mn-lt"/>
+          <a:ea typeface="+mn-ea"/>
+          <a:cs typeface="+mn-cs"/>
+        </a:defRPr>
+      </a:lvl2pPr>
+      <a:lvl3pPr marL="1143000" indent="-228600" algn="l" defTabSz="914400" rtl="0" eaLnBrk="1" latinLnBrk="0" hangingPunct="1">
+        <a:lnSpc>
+          <a:spcPct val="90000"/>
+        </a:lnSpc>
+        <a:spcBef>
+          <a:spcPts val="500"/>
+        </a:spcBef>
+        <a:buFont typeface="Arial" panose="020B0604020202020204" pitchFamily="34" charset="0"/>
+        <a:buChar char="•"/>
+        <a:defRPr sz="2000" kern="1200">
+          <a:solidFill>
+            <a:schemeClr val="tx1"/>
+          </a:solidFill>
+          <a:latin typeface="+mn-lt"/>
+          <a:ea typeface="+mn-ea"/>
+          <a:cs typeface="+mn-cs"/>
+        </a:defRPr>
+      </a:lvl3pPr>
+      <a:lvl4pPr marL="1600200" indent="-228600" algn="l" defTabSz="914400" rtl="0" eaLnBrk="1" latinLnBrk="0" hangingPunct="1">
+        <a:lnSpc>
+          <a:spcPct val="90000"/>
+        </a:lnSpc>
+        <a:spcBef>
+          <a:spcPts val="500"/>
+        </a:spcBef>
+        <a:buFont typeface="Arial" panose="020B0604020202020204" pitchFamily="34" charset="0"/>
+        <a:buChar char="•"/>
+        <a:defRPr sz="1800" kern="1200">
+          <a:solidFill>
+            <a:schemeClr val="tx1"/>
+          </a:solidFill>
+          <a:latin typeface="+mn-lt"/>
+          <a:ea typeface="+mn-ea"/>
+          <a:cs typeface="+mn-cs"/>
+        </a:defRPr>
+      </a:lvl4pPr>
+      <a:lvl5pPr marL="2057400" indent="-228600" algn="l" defTabSz="914400" rtl="0" eaLnBrk="1" latinLnBrk="0" hangingPunct="1">
+        <a:lnSpc>
+          <a:spcPct val="90000"/>
+        </a:lnSpc>
+        <a:spcBef>
+          <a:spcPts val="500"/>
+        </a:spcBef>
+        <a:buFont typeface="Arial" panose="020B0604020202020204" pitchFamily="34" charset="0"/>
+        <a:buChar char="•"/>
+        <a:defRPr sz="1800" kern="1200">
+          <a:solidFill>
+            <a:schemeClr val="tx1"/>
+          </a:solidFill>
+          <a:latin typeface="+mn-lt"/>
+          <a:ea typeface="+mn-ea"/>
+          <a:cs typeface="+mn-cs"/>
+        </a:defRPr>
+      </a:lvl5pPr>
+      <a:lvl6pPr marL="2514600" indent="-228600" algn="l" defTabSz="914400" rtl="0" eaLnBrk="1" latinLnBrk="0" hangingPunct="1">
+        <a:lnSpc>
+          <a:spcPct val="90000"/>
+        </a:lnSpc>
+        <a:spcBef>
+          <a:spcPts val="500"/>
+        </a:spcBef>
+        <a:buFont typeface="Arial" panose="020B0604020202020204" pitchFamily="34" charset="0"/>
+        <a:buChar char="•"/>
+        <a:defRPr sz="1800" kern="1200">
+          <a:solidFill>
+            <a:schemeClr val="tx1"/>
+          </a:solidFill>
+          <a:latin typeface="+mn-lt"/>
+          <a:ea typeface="+mn-ea"/>
+          <a:cs typeface="+mn-cs"/>
+        </a:defRPr>
+      </a:lvl6pPr>
+      <a:lvl7pPr marL="2971800" indent="-228600" algn="l" defTabSz="914400" rtl="0" eaLnBrk="1" latinLnBrk="0" hangingPunct="1">
+        <a:lnSpc>
+          <a:spcPct val="90000"/>
+        </a:lnSpc>
+        <a:spcBef>
+          <a:spcPts val="500"/>
+        </a:spcBef>
+        <a:buFont typeface="Arial" panose="020B0604020202020204" pitchFamily="34" charset="0"/>
+        <a:buChar char="•"/>
+        <a:defRPr sz="1800" kern="1200">
+          <a:solidFill>
+            <a:schemeClr val="tx1"/>
+          </a:solidFill>
+          <a:latin typeface="+mn-lt"/>
+          <a:ea typeface="+mn-ea"/>
+          <a:cs typeface="+mn-cs"/>
+        </a:defRPr>
+      </a:lvl7pPr>
+      <a:lvl8pPr marL="3429000" indent="-228600" algn="l" defTabSz="914400" rtl="0" eaLnBrk="1" latinLnBrk="0" hangingPunct="1">
+        <a:lnSpc>
+          <a:spcPct val="90000"/>
+        </a:lnSpc>
+        <a:spcBef>
+          <a:spcPts val="500"/>
+        </a:spcBef>
+        <a:buFont typeface="Arial" panose="020B0604020202020204" pitchFamily="34" charset="0"/>
+        <a:buChar char="•"/>
+        <a:defRPr sz="1800" kern="1200">
+          <a:solidFill>
+            <a:schemeClr val="tx1"/>
+          </a:solidFill>
+          <a:latin typeface="+mn-lt"/>
+          <a:ea typeface="+mn-ea"/>
+          <a:cs typeface="+mn-cs"/>
+        </a:defRPr>
+      </a:lvl8pPr>
+      <a:lvl9pPr marL="3886200" indent="-228600" algn="l" defTabSz="914400" rtl="0" eaLnBrk="1" latinLnBrk="0" hangingPunct="1">
+        <a:lnSpc>
+          <a:spcPct val="90000"/>
+        </a:lnSpc>
+        <a:spcBef>
+          <a:spcPts val="500"/>
+        </a:spcBef>
+        <a:buFont typeface="Arial" panose="020B0604020202020204" pitchFamily="34" charset="0"/>
+        <a:buChar char="•"/>
+        <a:defRPr sz="1800" kern="1200">
+          <a:solidFill>
+            <a:schemeClr val="tx1"/>
+          </a:solidFill>
+          <a:latin typeface="+mn-lt"/>
+          <a:ea typeface="+mn-ea"/>
+          <a:cs typeface="+mn-cs"/>
+        </a:defRPr>
+      </a:lvl9pPr>
+    </p:bodyStyle>
+    <p:otherStyle>
+      <a:defPPr>
+        <a:defRPr lang="en-US"/>
+      </a:defPPr>
+      <a:lvl1pPr marL="0" algn="l" defTabSz="914400" rtl="0" eaLnBrk="1" latinLnBrk="0" hangingPunct="1">
+        <a:defRPr sz="1800" kern="1200">
+          <a:solidFill>
+            <a:schemeClr val="tx1"/>
+          </a:solidFill>
+          <a:latin typeface="+mn-lt"/>
+          <a:ea typeface="+mn-ea"/>
+          <a:cs typeface="+mn-cs"/>
+        </a:defRPr>
+      </a:lvl1pPr>
+      <a:lvl2pPr marL="457200" algn="l" defTabSz="914400" rtl="0" eaLnBrk="1" latinLnBrk="0" hangingPunct="1">
+        <a:defRPr sz="1800" kern="1200">
+          <a:solidFill>
+            <a:schemeClr val="tx1"/>
+          </a:solidFill>
+          <a:latin typeface="+mn-lt"/>
+          <a:ea typeface="+mn-ea"/>
+          <a:cs typeface="+mn-cs"/>
+        </a:defRPr>
+      </a:lvl2pPr>
+      <a:lvl3pPr marL="914400" algn="l" defTabSz="914400" rtl="0" eaLnBrk="1" latinLnBrk="0" hangingPunct="1">
+        <a:defRPr sz="1800" kern="1200">
+          <a:solidFill>
+            <a:schemeClr val="tx1"/>
+          </a:solidFill>
+          <a:latin typeface="+mn-lt"/>
+          <a:ea typeface="+mn-ea"/>
+          <a:cs typeface="+mn-cs"/>
+        </a:defRPr>
+      </a:lvl3pPr>
+      <a:lvl4pPr marL="1371600" algn="l" defTabSz="914400" rtl="0" eaLnBrk="1" latinLnBrk="0" hangingPunct="1">
+        <a:defRPr sz="1800" kern="1200">
+          <a:solidFill>
+            <a:schemeClr val="tx1"/>
+          </a:solidFill>
+          <a:latin typeface="+mn-lt"/>
+          <a:ea typeface="+mn-ea"/>
+          <a:cs typeface="+mn-cs"/>
+        </a:defRPr>
+      </a:lvl4pPr>
+      <a:lvl5pPr marL="1828800" algn="l" defTabSz="914400" rtl="0" eaLnBrk="1" latinLnBrk="0" hangingPunct="1">
+        <a:defRPr sz="1800" kern="1200">
+          <a:solidFill>
+            <a:schemeClr val="tx1"/>
+          </a:solidFill>
+          <a:latin typeface="+mn-lt"/>
+          <a:ea typeface="+mn-ea"/>
+          <a:cs typeface="+mn-cs"/>
+        </a:defRPr>
+      </a:lvl5pPr>
+      <a:lvl6pPr marL="2286000" algn="l" defTabSz="914400" rtl="0" eaLnBrk="1" latinLnBrk="0" hangingPunct="1">
+        <a:defRPr sz="1800" kern="1200">
+          <a:solidFill>
+            <a:schemeClr val="tx1"/>
+          </a:solidFill>
+          <a:latin typeface="+mn-lt"/>
+          <a:ea typeface="+mn-ea"/>
+          <a:cs typeface="+mn-cs"/>
+        </a:defRPr>
+      </a:lvl6pPr>
+      <a:lvl7pPr marL="2743200" algn="l" defTabSz="914400" rtl="0" eaLnBrk="1" latinLnBrk="0" hangingPunct="1">
+        <a:defRPr sz="1800" kern="1200">
+          <a:solidFill>
+            <a:schemeClr val="tx1"/>
+          </a:solidFill>
+          <a:latin typeface="+mn-lt"/>
+          <a:ea typeface="+mn-ea"/>
+          <a:cs typeface="+mn-cs"/>
+        </a:defRPr>
+      </a:lvl7pPr>
+      <a:lvl8pPr marL="3200400" algn="l" defTabSz="914400" rtl="0" eaLnBrk="1" latinLnBrk="0" hangingPunct="1">
+        <a:defRPr sz="1800" kern="1200">
+          <a:solidFill>
+            <a:schemeClr val="tx1"/>
+          </a:solidFill>
+          <a:latin typeface="+mn-lt"/>
+          <a:ea typeface="+mn-ea"/>
+          <a:cs typeface="+mn-cs"/>
+        </a:defRPr>
+      </a:lvl8pPr>
+      <a:lvl9pPr marL="3657600" algn="l" defTabSz="914400" rtl="0" eaLnBrk="1" latinLnBrk="0" hangingPunct="1">
+        <a:defRPr sz="1800" kern="1200">
+          <a:solidFill>
+            <a:schemeClr val="tx1"/>
+          </a:solidFill>
+          <a:latin typeface="+mn-lt"/>
+          <a:ea typeface="+mn-ea"/>
+          <a:cs typeface="+mn-cs"/>
+        </a:defRPr>
+      </a:lvl9pPr>
+    </p:otherStyle>
+  </p:txStyles>
 </p:sldMaster>
 </file>
 
 <file path=ppt/slideMasters/slideMaster2.xml><?xml version="1.0" encoding="utf-8"?>
-<p:sldMaster xmlns:a="http://schemas.openxmlformats.org/drawingml/2006/main" xmlns:p="http://schemas.openxmlformats.org/presentationml/2006/main" xmlns:r="http://schemas.openxmlformats.org/officeDocument/2006/relationships" xmlns:p14="http://schemas.microsoft.com/office/powerpoint/2010/main" xmlns:p15="http://schemas.microsoft.com/office/powerpoint/2012/main" xmlns:mc="http://schemas.openxmlformats.org/markup-compatibility/2006">
+<p:sldMaster xmlns:a="http://schemas.openxmlformats.org/drawingml/2006/main" xmlns:r="http://schemas.openxmlformats.org/officeDocument/2006/relationships" xmlns:p="http://schemas.openxmlformats.org/presentationml/2006/main">
   <p:cSld>
     <p:bg>
       <p:bgPr>
         <a:solidFill>
-          <a:srgbClr val="ffffff"/>
+          <a:srgbClr val="FFFFFF"/>
         </a:solidFill>
+        <a:effectLst/>
       </p:bgPr>
     </p:bg>
     <p:spTree>
@@ -5773,6 +6273,7 @@
           <a:bodyPr anchor="ctr">
             <a:noAutofit/>
           </a:bodyPr>
+          <a:lstStyle/>
           <a:p>
             <a:pPr indent="0">
               <a:lnSpc>
@@ -5781,7 +6282,7 @@
               <a:buNone/>
             </a:pPr>
             <a:r>
-              <a:rPr b="0" lang="en-US" sz="4400" spc="-1" strike="noStrike">
+              <a:rPr lang="en-US" sz="4400" b="0" strike="noStrike" spc="-1">
                 <a:solidFill>
                   <a:srgbClr val="000000"/>
                 </a:solidFill>
@@ -5789,7 +6290,7 @@
               </a:rPr>
               <a:t>Click to edit Master title style</a:t>
             </a:r>
-            <a:endParaRPr b="0" lang="en-US" sz="4400" spc="-1" strike="noStrike">
+            <a:endParaRPr lang="en-US" sz="4400" b="0" strike="noStrike" spc="-1">
               <a:solidFill>
                 <a:srgbClr val="000000"/>
               </a:solidFill>
@@ -5825,6 +6326,7 @@
           <a:bodyPr anchor="t">
             <a:noAutofit/>
           </a:bodyPr>
+          <a:lstStyle/>
           <a:p>
             <a:pPr marL="228600" indent="-228600">
               <a:lnSpc>
@@ -5840,7 +6342,7 @@
               <a:buChar char="•"/>
             </a:pPr>
             <a:r>
-              <a:rPr b="0" lang="en-US" sz="2800" spc="-1" strike="noStrike">
+              <a:rPr lang="en-US" sz="2800" b="0" strike="noStrike" spc="-1">
                 <a:solidFill>
                   <a:srgbClr val="000000"/>
                 </a:solidFill>
@@ -5848,15 +6350,9 @@
               </a:rPr>
               <a:t>Click to edit Master text styles</a:t>
             </a:r>
-            <a:endParaRPr b="0" lang="en-US" sz="2800" spc="-1" strike="noStrike">
-              <a:solidFill>
-                <a:srgbClr val="000000"/>
-              </a:solidFill>
-              <a:latin typeface="Calibri"/>
-            </a:endParaRPr>
-          </a:p>
-          <a:p>
-            <a:pPr lvl="1" marL="685800" indent="-228600">
+          </a:p>
+          <a:p>
+            <a:pPr marL="685800" lvl="1" indent="-228600">
               <a:lnSpc>
                 <a:spcPct val="90000"/>
               </a:lnSpc>
@@ -5870,7 +6366,7 @@
               <a:buChar char="•"/>
             </a:pPr>
             <a:r>
-              <a:rPr b="0" lang="en-US" sz="2400" spc="-1" strike="noStrike">
+              <a:rPr lang="en-US" sz="2400" b="0" strike="noStrike" spc="-1">
                 <a:solidFill>
                   <a:srgbClr val="000000"/>
                 </a:solidFill>
@@ -5878,15 +6374,9 @@
               </a:rPr>
               <a:t>Second level</a:t>
             </a:r>
-            <a:endParaRPr b="0" lang="en-US" sz="2400" spc="-1" strike="noStrike">
-              <a:solidFill>
-                <a:srgbClr val="000000"/>
-              </a:solidFill>
-              <a:latin typeface="Calibri"/>
-            </a:endParaRPr>
-          </a:p>
-          <a:p>
-            <a:pPr lvl="2" marL="1143000" indent="-228600">
+          </a:p>
+          <a:p>
+            <a:pPr marL="1143000" lvl="2" indent="-228600">
               <a:lnSpc>
                 <a:spcPct val="90000"/>
               </a:lnSpc>
@@ -5900,7 +6390,7 @@
               <a:buChar char="•"/>
             </a:pPr>
             <a:r>
-              <a:rPr b="0" lang="en-US" sz="2000" spc="-1" strike="noStrike">
+              <a:rPr lang="en-US" sz="2000" b="0" strike="noStrike" spc="-1">
                 <a:solidFill>
                   <a:srgbClr val="000000"/>
                 </a:solidFill>
@@ -5908,15 +6398,9 @@
               </a:rPr>
               <a:t>Third level</a:t>
             </a:r>
-            <a:endParaRPr b="0" lang="en-US" sz="2000" spc="-1" strike="noStrike">
-              <a:solidFill>
-                <a:srgbClr val="000000"/>
-              </a:solidFill>
-              <a:latin typeface="Calibri"/>
-            </a:endParaRPr>
-          </a:p>
-          <a:p>
-            <a:pPr lvl="3" marL="1600200" indent="-228600">
+          </a:p>
+          <a:p>
+            <a:pPr marL="1600200" lvl="3" indent="-228600">
               <a:lnSpc>
                 <a:spcPct val="90000"/>
               </a:lnSpc>
@@ -5930,7 +6414,7 @@
               <a:buChar char="•"/>
             </a:pPr>
             <a:r>
-              <a:rPr b="0" lang="en-US" sz="1800" spc="-1" strike="noStrike">
+              <a:rPr lang="en-US" sz="1800" b="0" strike="noStrike" spc="-1">
                 <a:solidFill>
                   <a:srgbClr val="000000"/>
                 </a:solidFill>
@@ -5938,15 +6422,9 @@
               </a:rPr>
               <a:t>Fourth level</a:t>
             </a:r>
-            <a:endParaRPr b="0" lang="en-US" sz="1800" spc="-1" strike="noStrike">
-              <a:solidFill>
-                <a:srgbClr val="000000"/>
-              </a:solidFill>
-              <a:latin typeface="Calibri"/>
-            </a:endParaRPr>
-          </a:p>
-          <a:p>
-            <a:pPr lvl="4" marL="2057400" indent="-228600">
+          </a:p>
+          <a:p>
+            <a:pPr marL="2057400" lvl="4" indent="-228600">
               <a:lnSpc>
                 <a:spcPct val="90000"/>
               </a:lnSpc>
@@ -5960,7 +6438,7 @@
               <a:buChar char="•"/>
             </a:pPr>
             <a:r>
-              <a:rPr b="0" lang="en-US" sz="1800" spc="-1" strike="noStrike">
+              <a:rPr lang="en-US" sz="1800" b="0" strike="noStrike" spc="-1">
                 <a:solidFill>
                   <a:srgbClr val="000000"/>
                 </a:solidFill>
@@ -5968,12 +6446,6 @@
               </a:rPr>
               <a:t>Fifth level</a:t>
             </a:r>
-            <a:endParaRPr b="0" lang="en-US" sz="1800" spc="-1" strike="noStrike">
-              <a:solidFill>
-                <a:srgbClr val="000000"/>
-              </a:solidFill>
-              <a:latin typeface="Calibri"/>
-            </a:endParaRPr>
           </a:p>
         </p:txBody>
       </p:sp>
@@ -6010,9 +6482,9 @@
                 <a:spcPct val="100000"/>
               </a:lnSpc>
               <a:buNone/>
-              <a:defRPr b="0" lang="en-GB" sz="1200" spc="-1" strike="noStrike">
-                <a:solidFill>
-                  <a:srgbClr val="8b8b8b"/>
+              <a:defRPr lang="en-GB" sz="1200" b="0" strike="noStrike" spc="-1">
+                <a:solidFill>
+                  <a:srgbClr val="8B8B8B"/>
                 </a:solidFill>
                 <a:latin typeface="Calibri"/>
               </a:defRPr>
@@ -6026,15 +6498,15 @@
               <a:buNone/>
             </a:pPr>
             <a:r>
-              <a:rPr b="0" lang="en-GB" sz="1200" spc="-1" strike="noStrike">
-                <a:solidFill>
-                  <a:srgbClr val="8b8b8b"/>
+              <a:rPr lang="en-GB" sz="1200" b="0" strike="noStrike" spc="-1">
+                <a:solidFill>
+                  <a:srgbClr val="8B8B8B"/>
                 </a:solidFill>
                 <a:latin typeface="Calibri"/>
               </a:rPr>
               <a:t>&lt;date/time&gt;</a:t>
             </a:r>
-            <a:endParaRPr b="0" lang="en-GB" sz="1200" spc="-1" strike="noStrike">
+            <a:endParaRPr lang="en-GB" sz="1200" b="0" strike="noStrike" spc="-1">
               <a:solidFill>
                 <a:srgbClr val="000000"/>
               </a:solidFill>
@@ -6073,7 +6545,7 @@
           <a:lstStyle>
             <a:lvl1pPr indent="0" algn="ctr">
               <a:buNone/>
-              <a:defRPr b="0" lang="en-GB" sz="1400" spc="-1" strike="noStrike">
+              <a:defRPr lang="en-GB" sz="1400" b="0" strike="noStrike" spc="-1">
                 <a:solidFill>
                   <a:srgbClr val="000000"/>
                 </a:solidFill>
@@ -6086,7 +6558,7 @@
               <a:buNone/>
             </a:pPr>
             <a:r>
-              <a:rPr b="0" lang="en-GB" sz="1400" spc="-1" strike="noStrike">
+              <a:rPr lang="en-GB" sz="1400" b="0" strike="noStrike" spc="-1">
                 <a:solidFill>
                   <a:srgbClr val="000000"/>
                 </a:solidFill>
@@ -6094,12 +6566,6 @@
               </a:rPr>
               <a:t>&lt;footer&gt;</a:t>
             </a:r>
-            <a:endParaRPr b="0" lang="en-GB" sz="1400" spc="-1" strike="noStrike">
-              <a:solidFill>
-                <a:srgbClr val="000000"/>
-              </a:solidFill>
-              <a:latin typeface="Times New Roman"/>
-            </a:endParaRPr>
           </a:p>
         </p:txBody>
       </p:sp>
@@ -6136,9 +6602,9 @@
                 <a:spcPct val="100000"/>
               </a:lnSpc>
               <a:buNone/>
-              <a:defRPr b="0" lang="en-GB" sz="1200" spc="-1" strike="noStrike">
-                <a:solidFill>
-                  <a:srgbClr val="8b8b8b"/>
+              <a:defRPr lang="en-GB" sz="1200" b="0" strike="noStrike" spc="-1">
+                <a:solidFill>
+                  <a:srgbClr val="8B8B8B"/>
                 </a:solidFill>
                 <a:latin typeface="Calibri"/>
               </a:defRPr>
@@ -6152,15 +6618,15 @@
               <a:buNone/>
             </a:pPr>
             <a:fld id="{95B55BEA-AD33-4E49-9FD7-6E19FEAD93DD}" type="slidenum">
-              <a:rPr b="0" lang="en-GB" sz="1200" spc="-1" strike="noStrike">
-                <a:solidFill>
-                  <a:srgbClr val="8b8b8b"/>
+              <a:rPr lang="en-GB" sz="1200" b="0" strike="noStrike" spc="-1">
+                <a:solidFill>
+                  <a:srgbClr val="8B8B8B"/>
                 </a:solidFill>
                 <a:latin typeface="Calibri"/>
               </a:rPr>
-              <a:t>&lt;number&gt;</a:t>
+              <a:t>‹#›</a:t>
             </a:fld>
-            <a:endParaRPr b="0" lang="en-GB" sz="1200" spc="-1" strike="noStrike">
+            <a:endParaRPr lang="en-GB" sz="1200" b="0" strike="noStrike" spc="-1">
               <a:solidFill>
                 <a:srgbClr val="000000"/>
               </a:solidFill>
@@ -6171,26 +6637,306 @@
       </p:sp>
     </p:spTree>
   </p:cSld>
-  <p:clrMap bg1="lt1" bg2="lt2" tx1="dk1" tx2="dk2" accent1="accent1" accent2="accent2" accent3="accent3" accent4="accent4" accent5="accent5" accent6="accent6" hlink="hlink" folHlink="folHlink"/>
+  <p:clrMap bg1="lt1" tx1="dk1" bg2="lt2" tx2="dk2" accent1="accent1" accent2="accent2" accent3="accent3" accent4="accent4" accent5="accent5" accent6="accent6" hlink="hlink" folHlink="folHlink"/>
   <p:sldLayoutIdLst>
-    <p:sldLayoutId id="2147483662" r:id="rId2"/>
-    <p:sldLayoutId id="2147483663" r:id="rId3"/>
-    <p:sldLayoutId id="2147483664" r:id="rId4"/>
-    <p:sldLayoutId id="2147483665" r:id="rId5"/>
-    <p:sldLayoutId id="2147483666" r:id="rId6"/>
-    <p:sldLayoutId id="2147483667" r:id="rId7"/>
-    <p:sldLayoutId id="2147483668" r:id="rId8"/>
-    <p:sldLayoutId id="2147483669" r:id="rId9"/>
-    <p:sldLayoutId id="2147483670" r:id="rId10"/>
-    <p:sldLayoutId id="2147483671" r:id="rId11"/>
-    <p:sldLayoutId id="2147483672" r:id="rId12"/>
-    <p:sldLayoutId id="2147483673" r:id="rId13"/>
+    <p:sldLayoutId id="2147483662" r:id="rId1"/>
+    <p:sldLayoutId id="2147483663" r:id="rId2"/>
+    <p:sldLayoutId id="2147483664" r:id="rId3"/>
+    <p:sldLayoutId id="2147483665" r:id="rId4"/>
+    <p:sldLayoutId id="2147483666" r:id="rId5"/>
+    <p:sldLayoutId id="2147483667" r:id="rId6"/>
+    <p:sldLayoutId id="2147483668" r:id="rId7"/>
+    <p:sldLayoutId id="2147483669" r:id="rId8"/>
+    <p:sldLayoutId id="2147483670" r:id="rId9"/>
+    <p:sldLayoutId id="2147483671" r:id="rId10"/>
+    <p:sldLayoutId id="2147483672" r:id="rId11"/>
+    <p:sldLayoutId id="2147483673" r:id="rId12"/>
   </p:sldLayoutIdLst>
+  <p:txStyles>
+    <p:titleStyle>
+      <a:lvl1pPr algn="l" defTabSz="914400" rtl="0" eaLnBrk="1" latinLnBrk="0" hangingPunct="1">
+        <a:lnSpc>
+          <a:spcPct val="90000"/>
+        </a:lnSpc>
+        <a:spcBef>
+          <a:spcPct val="0"/>
+        </a:spcBef>
+        <a:buNone/>
+        <a:defRPr sz="4400" kern="1200">
+          <a:solidFill>
+            <a:schemeClr val="tx1"/>
+          </a:solidFill>
+          <a:latin typeface="+mj-lt"/>
+          <a:ea typeface="+mj-ea"/>
+          <a:cs typeface="+mj-cs"/>
+        </a:defRPr>
+      </a:lvl1pPr>
+    </p:titleStyle>
+    <p:bodyStyle>
+      <a:lvl1pPr marL="228600" indent="-228600" algn="l" defTabSz="914400" rtl="0" eaLnBrk="1" latinLnBrk="0" hangingPunct="1">
+        <a:lnSpc>
+          <a:spcPct val="90000"/>
+        </a:lnSpc>
+        <a:spcBef>
+          <a:spcPts val="1000"/>
+        </a:spcBef>
+        <a:buFont typeface="Arial" panose="020B0604020202020204" pitchFamily="34" charset="0"/>
+        <a:buChar char="•"/>
+        <a:defRPr sz="2800" kern="1200">
+          <a:solidFill>
+            <a:schemeClr val="tx1"/>
+          </a:solidFill>
+          <a:latin typeface="+mn-lt"/>
+          <a:ea typeface="+mn-ea"/>
+          <a:cs typeface="+mn-cs"/>
+        </a:defRPr>
+      </a:lvl1pPr>
+      <a:lvl2pPr marL="685800" indent="-228600" algn="l" defTabSz="914400" rtl="0" eaLnBrk="1" latinLnBrk="0" hangingPunct="1">
+        <a:lnSpc>
+          <a:spcPct val="90000"/>
+        </a:lnSpc>
+        <a:spcBef>
+          <a:spcPts val="500"/>
+        </a:spcBef>
+        <a:buFont typeface="Arial" panose="020B0604020202020204" pitchFamily="34" charset="0"/>
+        <a:buChar char="•"/>
+        <a:defRPr sz="2400" kern="1200">
+          <a:solidFill>
+            <a:schemeClr val="tx1"/>
+          </a:solidFill>
+          <a:latin typeface="+mn-lt"/>
+          <a:ea typeface="+mn-ea"/>
+          <a:cs typeface="+mn-cs"/>
+        </a:defRPr>
+      </a:lvl2pPr>
+      <a:lvl3pPr marL="1143000" indent="-228600" algn="l" defTabSz="914400" rtl="0" eaLnBrk="1" latinLnBrk="0" hangingPunct="1">
+        <a:lnSpc>
+          <a:spcPct val="90000"/>
+        </a:lnSpc>
+        <a:spcBef>
+          <a:spcPts val="500"/>
+        </a:spcBef>
+        <a:buFont typeface="Arial" panose="020B0604020202020204" pitchFamily="34" charset="0"/>
+        <a:buChar char="•"/>
+        <a:defRPr sz="2000" kern="1200">
+          <a:solidFill>
+            <a:schemeClr val="tx1"/>
+          </a:solidFill>
+          <a:latin typeface="+mn-lt"/>
+          <a:ea typeface="+mn-ea"/>
+          <a:cs typeface="+mn-cs"/>
+        </a:defRPr>
+      </a:lvl3pPr>
+      <a:lvl4pPr marL="1600200" indent="-228600" algn="l" defTabSz="914400" rtl="0" eaLnBrk="1" latinLnBrk="0" hangingPunct="1">
+        <a:lnSpc>
+          <a:spcPct val="90000"/>
+        </a:lnSpc>
+        <a:spcBef>
+          <a:spcPts val="500"/>
+        </a:spcBef>
+        <a:buFont typeface="Arial" panose="020B0604020202020204" pitchFamily="34" charset="0"/>
+        <a:buChar char="•"/>
+        <a:defRPr sz="1800" kern="1200">
+          <a:solidFill>
+            <a:schemeClr val="tx1"/>
+          </a:solidFill>
+          <a:latin typeface="+mn-lt"/>
+          <a:ea typeface="+mn-ea"/>
+          <a:cs typeface="+mn-cs"/>
+        </a:defRPr>
+      </a:lvl4pPr>
+      <a:lvl5pPr marL="2057400" indent="-228600" algn="l" defTabSz="914400" rtl="0" eaLnBrk="1" latinLnBrk="0" hangingPunct="1">
+        <a:lnSpc>
+          <a:spcPct val="90000"/>
+        </a:lnSpc>
+        <a:spcBef>
+          <a:spcPts val="500"/>
+        </a:spcBef>
+        <a:buFont typeface="Arial" panose="020B0604020202020204" pitchFamily="34" charset="0"/>
+        <a:buChar char="•"/>
+        <a:defRPr sz="1800" kern="1200">
+          <a:solidFill>
+            <a:schemeClr val="tx1"/>
+          </a:solidFill>
+          <a:latin typeface="+mn-lt"/>
+          <a:ea typeface="+mn-ea"/>
+          <a:cs typeface="+mn-cs"/>
+        </a:defRPr>
+      </a:lvl5pPr>
+      <a:lvl6pPr marL="2514600" indent="-228600" algn="l" defTabSz="914400" rtl="0" eaLnBrk="1" latinLnBrk="0" hangingPunct="1">
+        <a:lnSpc>
+          <a:spcPct val="90000"/>
+        </a:lnSpc>
+        <a:spcBef>
+          <a:spcPts val="500"/>
+        </a:spcBef>
+        <a:buFont typeface="Arial" panose="020B0604020202020204" pitchFamily="34" charset="0"/>
+        <a:buChar char="•"/>
+        <a:defRPr sz="1800" kern="1200">
+          <a:solidFill>
+            <a:schemeClr val="tx1"/>
+          </a:solidFill>
+          <a:latin typeface="+mn-lt"/>
+          <a:ea typeface="+mn-ea"/>
+          <a:cs typeface="+mn-cs"/>
+        </a:defRPr>
+      </a:lvl6pPr>
+      <a:lvl7pPr marL="2971800" indent="-228600" algn="l" defTabSz="914400" rtl="0" eaLnBrk="1" latinLnBrk="0" hangingPunct="1">
+        <a:lnSpc>
+          <a:spcPct val="90000"/>
+        </a:lnSpc>
+        <a:spcBef>
+          <a:spcPts val="500"/>
+        </a:spcBef>
+        <a:buFont typeface="Arial" panose="020B0604020202020204" pitchFamily="34" charset="0"/>
+        <a:buChar char="•"/>
+        <a:defRPr sz="1800" kern="1200">
+          <a:solidFill>
+            <a:schemeClr val="tx1"/>
+          </a:solidFill>
+          <a:latin typeface="+mn-lt"/>
+          <a:ea typeface="+mn-ea"/>
+          <a:cs typeface="+mn-cs"/>
+        </a:defRPr>
+      </a:lvl7pPr>
+      <a:lvl8pPr marL="3429000" indent="-228600" algn="l" defTabSz="914400" rtl="0" eaLnBrk="1" latinLnBrk="0" hangingPunct="1">
+        <a:lnSpc>
+          <a:spcPct val="90000"/>
+        </a:lnSpc>
+        <a:spcBef>
+          <a:spcPts val="500"/>
+        </a:spcBef>
+        <a:buFont typeface="Arial" panose="020B0604020202020204" pitchFamily="34" charset="0"/>
+        <a:buChar char="•"/>
+        <a:defRPr sz="1800" kern="1200">
+          <a:solidFill>
+            <a:schemeClr val="tx1"/>
+          </a:solidFill>
+          <a:latin typeface="+mn-lt"/>
+          <a:ea typeface="+mn-ea"/>
+          <a:cs typeface="+mn-cs"/>
+        </a:defRPr>
+      </a:lvl8pPr>
+      <a:lvl9pPr marL="3886200" indent="-228600" algn="l" defTabSz="914400" rtl="0" eaLnBrk="1" latinLnBrk="0" hangingPunct="1">
+        <a:lnSpc>
+          <a:spcPct val="90000"/>
+        </a:lnSpc>
+        <a:spcBef>
+          <a:spcPts val="500"/>
+        </a:spcBef>
+        <a:buFont typeface="Arial" panose="020B0604020202020204" pitchFamily="34" charset="0"/>
+        <a:buChar char="•"/>
+        <a:defRPr sz="1800" kern="1200">
+          <a:solidFill>
+            <a:schemeClr val="tx1"/>
+          </a:solidFill>
+          <a:latin typeface="+mn-lt"/>
+          <a:ea typeface="+mn-ea"/>
+          <a:cs typeface="+mn-cs"/>
+        </a:defRPr>
+      </a:lvl9pPr>
+    </p:bodyStyle>
+    <p:otherStyle>
+      <a:defPPr>
+        <a:defRPr lang="en-US"/>
+      </a:defPPr>
+      <a:lvl1pPr marL="0" algn="l" defTabSz="914400" rtl="0" eaLnBrk="1" latinLnBrk="0" hangingPunct="1">
+        <a:defRPr sz="1800" kern="1200">
+          <a:solidFill>
+            <a:schemeClr val="tx1"/>
+          </a:solidFill>
+          <a:latin typeface="+mn-lt"/>
+          <a:ea typeface="+mn-ea"/>
+          <a:cs typeface="+mn-cs"/>
+        </a:defRPr>
+      </a:lvl1pPr>
+      <a:lvl2pPr marL="457200" algn="l" defTabSz="914400" rtl="0" eaLnBrk="1" latinLnBrk="0" hangingPunct="1">
+        <a:defRPr sz="1800" kern="1200">
+          <a:solidFill>
+            <a:schemeClr val="tx1"/>
+          </a:solidFill>
+          <a:latin typeface="+mn-lt"/>
+          <a:ea typeface="+mn-ea"/>
+          <a:cs typeface="+mn-cs"/>
+        </a:defRPr>
+      </a:lvl2pPr>
+      <a:lvl3pPr marL="914400" algn="l" defTabSz="914400" rtl="0" eaLnBrk="1" latinLnBrk="0" hangingPunct="1">
+        <a:defRPr sz="1800" kern="1200">
+          <a:solidFill>
+            <a:schemeClr val="tx1"/>
+          </a:solidFill>
+          <a:latin typeface="+mn-lt"/>
+          <a:ea typeface="+mn-ea"/>
+          <a:cs typeface="+mn-cs"/>
+        </a:defRPr>
+      </a:lvl3pPr>
+      <a:lvl4pPr marL="1371600" algn="l" defTabSz="914400" rtl="0" eaLnBrk="1" latinLnBrk="0" hangingPunct="1">
+        <a:defRPr sz="1800" kern="1200">
+          <a:solidFill>
+            <a:schemeClr val="tx1"/>
+          </a:solidFill>
+          <a:latin typeface="+mn-lt"/>
+          <a:ea typeface="+mn-ea"/>
+          <a:cs typeface="+mn-cs"/>
+        </a:defRPr>
+      </a:lvl4pPr>
+      <a:lvl5pPr marL="1828800" algn="l" defTabSz="914400" rtl="0" eaLnBrk="1" latinLnBrk="0" hangingPunct="1">
+        <a:defRPr sz="1800" kern="1200">
+          <a:solidFill>
+            <a:schemeClr val="tx1"/>
+          </a:solidFill>
+          <a:latin typeface="+mn-lt"/>
+          <a:ea typeface="+mn-ea"/>
+          <a:cs typeface="+mn-cs"/>
+        </a:defRPr>
+      </a:lvl5pPr>
+      <a:lvl6pPr marL="2286000" algn="l" defTabSz="914400" rtl="0" eaLnBrk="1" latinLnBrk="0" hangingPunct="1">
+        <a:defRPr sz="1800" kern="1200">
+          <a:solidFill>
+            <a:schemeClr val="tx1"/>
+          </a:solidFill>
+          <a:latin typeface="+mn-lt"/>
+          <a:ea typeface="+mn-ea"/>
+          <a:cs typeface="+mn-cs"/>
+        </a:defRPr>
+      </a:lvl6pPr>
+      <a:lvl7pPr marL="2743200" algn="l" defTabSz="914400" rtl="0" eaLnBrk="1" latinLnBrk="0" hangingPunct="1">
+        <a:defRPr sz="1800" kern="1200">
+          <a:solidFill>
+            <a:schemeClr val="tx1"/>
+          </a:solidFill>
+          <a:latin typeface="+mn-lt"/>
+          <a:ea typeface="+mn-ea"/>
+          <a:cs typeface="+mn-cs"/>
+        </a:defRPr>
+      </a:lvl7pPr>
+      <a:lvl8pPr marL="3200400" algn="l" defTabSz="914400" rtl="0" eaLnBrk="1" latinLnBrk="0" hangingPunct="1">
+        <a:defRPr sz="1800" kern="1200">
+          <a:solidFill>
+            <a:schemeClr val="tx1"/>
+          </a:solidFill>
+          <a:latin typeface="+mn-lt"/>
+          <a:ea typeface="+mn-ea"/>
+          <a:cs typeface="+mn-cs"/>
+        </a:defRPr>
+      </a:lvl8pPr>
+      <a:lvl9pPr marL="3657600" algn="l" defTabSz="914400" rtl="0" eaLnBrk="1" latinLnBrk="0" hangingPunct="1">
+        <a:defRPr sz="1800" kern="1200">
+          <a:solidFill>
+            <a:schemeClr val="tx1"/>
+          </a:solidFill>
+          <a:latin typeface="+mn-lt"/>
+          <a:ea typeface="+mn-ea"/>
+          <a:cs typeface="+mn-cs"/>
+        </a:defRPr>
+      </a:lvl9pPr>
+    </p:otherStyle>
+  </p:txStyles>
 </p:sldMaster>
 </file>
 
 <file path=ppt/slides/slide1.xml><?xml version="1.0" encoding="utf-8"?>
-<p:sld xmlns:a="http://schemas.openxmlformats.org/drawingml/2006/main" xmlns:p="http://schemas.openxmlformats.org/presentationml/2006/main" xmlns:r="http://schemas.openxmlformats.org/officeDocument/2006/relationships" xmlns:p14="http://schemas.microsoft.com/office/powerpoint/2010/main" xmlns:p15="http://schemas.microsoft.com/office/powerpoint/2012/main" xmlns:mc="http://schemas.openxmlformats.org/markup-compatibility/2006">
+<p:sld xmlns:a="http://schemas.openxmlformats.org/drawingml/2006/main" xmlns:r="http://schemas.openxmlformats.org/officeDocument/2006/relationships" xmlns:p="http://schemas.openxmlformats.org/presentationml/2006/main">
   <p:cSld>
     <p:spTree>
       <p:nvGrpSpPr>
@@ -6233,6 +6979,7 @@
           <a:bodyPr anchor="b">
             <a:noAutofit/>
           </a:bodyPr>
+          <a:lstStyle/>
           <a:p>
             <a:pPr indent="0" algn="ctr">
               <a:lnSpc>
@@ -6241,7 +6988,7 @@
               <a:buNone/>
             </a:pPr>
             <a:r>
-              <a:rPr b="0" lang="en-GB" sz="6000" spc="-1" strike="noStrike">
+              <a:rPr lang="en-GB" sz="6000" b="0" strike="noStrike" spc="-1">
                 <a:solidFill>
                   <a:srgbClr val="000000"/>
                 </a:solidFill>
@@ -6249,7 +6996,7 @@
               </a:rPr>
               <a:t>Intro to R 2023</a:t>
             </a:r>
-            <a:endParaRPr b="0" lang="en-US" sz="6000" spc="-1" strike="noStrike">
+            <a:endParaRPr lang="en-US" sz="6000" b="0" strike="noStrike" spc="-1">
               <a:solidFill>
                 <a:srgbClr val="000000"/>
               </a:solidFill>
@@ -6285,6 +7032,7 @@
           <a:bodyPr anchor="t">
             <a:noAutofit/>
           </a:bodyPr>
+          <a:lstStyle/>
           <a:p>
             <a:pPr indent="0" algn="ctr">
               <a:lnSpc>
@@ -6295,11 +7043,11 @@
               </a:spcBef>
               <a:buNone/>
               <a:tabLst>
-                <a:tab algn="l" pos="0"/>
+                <a:tab pos="0" algn="l"/>
               </a:tabLst>
             </a:pPr>
             <a:r>
-              <a:rPr b="0" lang="en-GB" sz="2400" spc="-1" strike="noStrike">
+              <a:rPr lang="en-GB" sz="2400" b="0" strike="noStrike" spc="-1">
                 <a:solidFill>
                   <a:srgbClr val="000000"/>
                 </a:solidFill>
@@ -6307,7 +7055,7 @@
               </a:rPr>
               <a:t>Day 2</a:t>
             </a:r>
-            <a:endParaRPr b="0" lang="en-GB" sz="2400" spc="-1" strike="noStrike">
+            <a:endParaRPr lang="en-GB" sz="2400" b="0" strike="noStrike" spc="-1">
               <a:solidFill>
                 <a:srgbClr val="000000"/>
               </a:solidFill>
@@ -6318,19 +7066,14 @@
       </p:sp>
     </p:spTree>
   </p:cSld>
-  <mc:AlternateContent>
-    <mc:Choice Requires="p14">
-      <p:transition spd="slow" p14:dur="2000"/>
-    </mc:Choice>
-    <mc:Fallback>
-      <p:transition spd="slow"/>
-    </mc:Fallback>
-  </mc:AlternateContent>
+  <p:clrMapOvr>
+    <a:masterClrMapping/>
+  </p:clrMapOvr>
 </p:sld>
 </file>
 
 <file path=ppt/slides/slide10.xml><?xml version="1.0" encoding="utf-8"?>
-<p:sld xmlns:a="http://schemas.openxmlformats.org/drawingml/2006/main" xmlns:p="http://schemas.openxmlformats.org/presentationml/2006/main" xmlns:r="http://schemas.openxmlformats.org/officeDocument/2006/relationships" xmlns:p14="http://schemas.microsoft.com/office/powerpoint/2010/main" xmlns:p15="http://schemas.microsoft.com/office/powerpoint/2012/main" xmlns:mc="http://schemas.openxmlformats.org/markup-compatibility/2006">
+<p:sld xmlns:a="http://schemas.openxmlformats.org/drawingml/2006/main" xmlns:r="http://schemas.openxmlformats.org/officeDocument/2006/relationships" xmlns:p="http://schemas.openxmlformats.org/presentationml/2006/main">
   <p:cSld>
     <p:spTree>
       <p:nvGrpSpPr>
@@ -6373,6 +7116,7 @@
           <a:bodyPr anchor="ctr">
             <a:noAutofit/>
           </a:bodyPr>
+          <a:lstStyle/>
           <a:p>
             <a:pPr indent="0">
               <a:lnSpc>
@@ -6381,7 +7125,7 @@
               <a:buNone/>
             </a:pPr>
             <a:r>
-              <a:rPr b="0" lang="en-GB" sz="4400" spc="-1" strike="noStrike">
+              <a:rPr lang="en-GB" sz="4400" b="0" strike="noStrike" spc="-1">
                 <a:solidFill>
                   <a:srgbClr val="000000"/>
                 </a:solidFill>
@@ -6389,7 +7133,7 @@
               </a:rPr>
               <a:t>How big is your data?</a:t>
             </a:r>
-            <a:endParaRPr b="0" lang="en-US" sz="4400" spc="-1" strike="noStrike">
+            <a:endParaRPr lang="en-US" sz="4400" b="0" strike="noStrike" spc="-1">
               <a:solidFill>
                 <a:srgbClr val="000000"/>
               </a:solidFill>
@@ -6425,6 +7169,7 @@
           <a:bodyPr anchor="t">
             <a:normAutofit fontScale="72000"/>
           </a:bodyPr>
+          <a:lstStyle/>
           <a:p>
             <a:pPr marL="177480" indent="-177480">
               <a:lnSpc>
@@ -6440,7 +7185,7 @@
               <a:buChar char="•"/>
             </a:pPr>
             <a:r>
-              <a:rPr b="0" lang="en-GB" sz="2800" spc="-1" strike="noStrike">
+              <a:rPr lang="en-GB" sz="2800" b="0" strike="noStrike" spc="-1">
                 <a:solidFill>
                   <a:srgbClr val="000000"/>
                 </a:solidFill>
@@ -6452,7 +7197,7 @@
               <a:rPr sz="2800"/>
             </a:br>
             <a:r>
-              <a:rPr b="0" lang="en-GB" sz="2800" spc="-1" strike="noStrike">
+              <a:rPr lang="en-GB" sz="2800" b="0" strike="noStrike" spc="-1">
                 <a:solidFill>
                   <a:srgbClr val="000000"/>
                 </a:solidFill>
@@ -6460,7 +7205,7 @@
               </a:rPr>
               <a:t> </a:t>
             </a:r>
-            <a:endParaRPr b="0" lang="en-US" sz="2800" spc="-1" strike="noStrike">
+            <a:endParaRPr lang="en-US" sz="2800" b="0" strike="noStrike" spc="-1">
               <a:solidFill>
                 <a:srgbClr val="000000"/>
               </a:solidFill>
@@ -6482,7 +7227,7 @@
               <a:buChar char="•"/>
             </a:pPr>
             <a:r>
-              <a:rPr b="0" lang="en-GB" sz="2800" spc="-1" strike="noStrike">
+              <a:rPr lang="en-GB" sz="2800" b="0" strike="noStrike" spc="-1">
                 <a:solidFill>
                   <a:srgbClr val="000000"/>
                 </a:solidFill>
@@ -6490,15 +7235,15 @@
               </a:rPr>
               <a:t>Storing within each project</a:t>
             </a:r>
-            <a:endParaRPr b="0" lang="en-US" sz="2800" spc="-1" strike="noStrike">
-              <a:solidFill>
-                <a:srgbClr val="000000"/>
-              </a:solidFill>
-              <a:latin typeface="Calibri"/>
-            </a:endParaRPr>
-          </a:p>
-          <a:p>
-            <a:pPr lvl="1" marL="622080" indent="-233280">
+            <a:endParaRPr lang="en-US" sz="2800" b="0" strike="noStrike" spc="-1">
+              <a:solidFill>
+                <a:srgbClr val="000000"/>
+              </a:solidFill>
+              <a:latin typeface="Calibri"/>
+            </a:endParaRPr>
+          </a:p>
+          <a:p>
+            <a:pPr marL="622080" lvl="1" indent="-233280">
               <a:lnSpc>
                 <a:spcPct val="90000"/>
               </a:lnSpc>
@@ -6513,7 +7258,7 @@
               <a:buChar char=""/>
             </a:pPr>
             <a:r>
-              <a:rPr b="0" lang="en-GB" sz="2400" spc="-1" strike="noStrike">
+              <a:rPr lang="en-GB" sz="2400" b="0" strike="noStrike" spc="-1">
                 <a:solidFill>
                   <a:srgbClr val="000000"/>
                 </a:solidFill>
@@ -6521,15 +7266,15 @@
               </a:rPr>
               <a:t>Much more reproducible and portable at the cost of potentially having duplicate copies</a:t>
             </a:r>
-            <a:endParaRPr b="0" lang="en-US" sz="2400" spc="-1" strike="noStrike">
-              <a:solidFill>
-                <a:srgbClr val="000000"/>
-              </a:solidFill>
-              <a:latin typeface="Calibri"/>
-            </a:endParaRPr>
-          </a:p>
-          <a:p>
-            <a:pPr lvl="1" marL="622080" indent="-233280">
+            <a:endParaRPr lang="en-US" sz="2400" b="0" strike="noStrike" spc="-1">
+              <a:solidFill>
+                <a:srgbClr val="000000"/>
+              </a:solidFill>
+              <a:latin typeface="Calibri"/>
+            </a:endParaRPr>
+          </a:p>
+          <a:p>
+            <a:pPr marL="622080" lvl="1" indent="-233280">
               <a:lnSpc>
                 <a:spcPct val="90000"/>
               </a:lnSpc>
@@ -6544,7 +7289,7 @@
               <a:buChar char=""/>
             </a:pPr>
             <a:r>
-              <a:rPr b="0" lang="en-GB" sz="2400" spc="-1" strike="noStrike">
+              <a:rPr lang="en-GB" sz="2400" b="0" strike="noStrike" spc="-1">
                 <a:solidFill>
                   <a:srgbClr val="000000"/>
                 </a:solidFill>
@@ -6552,15 +7297,15 @@
               </a:rPr>
               <a:t>More suited for smaller datasets (~100sMB)</a:t>
             </a:r>
-            <a:endParaRPr b="0" lang="en-US" sz="2400" spc="-1" strike="noStrike">
-              <a:solidFill>
-                <a:srgbClr val="000000"/>
-              </a:solidFill>
-              <a:latin typeface="Calibri"/>
-            </a:endParaRPr>
-          </a:p>
-          <a:p>
-            <a:pPr lvl="2" marL="889560" indent="-177480">
+            <a:endParaRPr lang="en-US" sz="2400" b="0" strike="noStrike" spc="-1">
+              <a:solidFill>
+                <a:srgbClr val="000000"/>
+              </a:solidFill>
+              <a:latin typeface="Calibri"/>
+            </a:endParaRPr>
+          </a:p>
+          <a:p>
+            <a:pPr marL="889560" lvl="2" indent="-177480">
               <a:lnSpc>
                 <a:spcPct val="90000"/>
               </a:lnSpc>
@@ -6574,7 +7319,7 @@
               <a:buChar char="•"/>
             </a:pPr>
             <a:r>
-              <a:rPr b="0" lang="en-GB" sz="2000" spc="-1" strike="noStrike">
+              <a:rPr lang="en-GB" sz="2000" b="0" strike="noStrike" spc="-1">
                 <a:solidFill>
                   <a:srgbClr val="000000"/>
                 </a:solidFill>
@@ -6582,15 +7327,15 @@
               </a:rPr>
               <a:t>e.g. a few air quality monitoring sites, small campaign data, a few FAAM Flights</a:t>
             </a:r>
-            <a:endParaRPr b="0" lang="en-US" sz="2000" spc="-1" strike="noStrike">
-              <a:solidFill>
-                <a:srgbClr val="000000"/>
-              </a:solidFill>
-              <a:latin typeface="Calibri"/>
-            </a:endParaRPr>
-          </a:p>
-          <a:p>
-            <a:pPr lvl="2" marL="889560" indent="-177480">
+            <a:endParaRPr lang="en-US" sz="2000" b="0" strike="noStrike" spc="-1">
+              <a:solidFill>
+                <a:srgbClr val="000000"/>
+              </a:solidFill>
+              <a:latin typeface="Calibri"/>
+            </a:endParaRPr>
+          </a:p>
+          <a:p>
+            <a:pPr marL="889560" lvl="2" indent="-177480">
               <a:lnSpc>
                 <a:spcPct val="90000"/>
               </a:lnSpc>
@@ -6604,7 +7349,7 @@
               <a:buChar char="•"/>
             </a:pPr>
             <a:r>
-              <a:rPr b="0" lang="en-GB" sz="2000" spc="-1" strike="noStrike">
+              <a:rPr lang="en-GB" sz="2000" b="0" strike="noStrike" spc="-1">
                 <a:solidFill>
                   <a:srgbClr val="000000"/>
                 </a:solidFill>
@@ -6612,7 +7357,7 @@
               </a:rPr>
               <a:t>Avoid syncing the data folder to github with .gitignore</a:t>
             </a:r>
-            <a:endParaRPr b="0" lang="en-US" sz="2000" spc="-1" strike="noStrike">
+            <a:endParaRPr lang="en-US" sz="2000" b="0" strike="noStrike" spc="-1">
               <a:solidFill>
                 <a:srgbClr val="000000"/>
               </a:solidFill>
@@ -6629,10 +7374,10 @@
               </a:spcBef>
               <a:buNone/>
               <a:tabLst>
-                <a:tab algn="l" pos="0"/>
+                <a:tab pos="0" algn="l"/>
               </a:tabLst>
             </a:pPr>
-            <a:endParaRPr b="0" lang="en-US" sz="2000" spc="-1" strike="noStrike">
+            <a:endParaRPr lang="en-US" sz="2000" b="0" strike="noStrike" spc="-1">
               <a:solidFill>
                 <a:srgbClr val="000000"/>
               </a:solidFill>
@@ -6653,11 +7398,11 @@
               <a:buFont typeface="Arial"/>
               <a:buChar char="•"/>
               <a:tabLst>
-                <a:tab algn="l" pos="0"/>
+                <a:tab pos="0" algn="l"/>
               </a:tabLst>
             </a:pPr>
             <a:r>
-              <a:rPr b="0" lang="en-GB" sz="2800" spc="-1" strike="noStrike">
+              <a:rPr lang="en-GB" sz="2800" b="0" strike="noStrike" spc="-1">
                 <a:solidFill>
                   <a:srgbClr val="000000"/>
                 </a:solidFill>
@@ -6665,15 +7410,15 @@
               </a:rPr>
               <a:t>Single central copy</a:t>
             </a:r>
-            <a:endParaRPr b="0" lang="en-US" sz="2800" spc="-1" strike="noStrike">
-              <a:solidFill>
-                <a:srgbClr val="000000"/>
-              </a:solidFill>
-              <a:latin typeface="Calibri"/>
-            </a:endParaRPr>
-          </a:p>
-          <a:p>
-            <a:pPr lvl="1" marL="533520" indent="-177480">
+            <a:endParaRPr lang="en-US" sz="2800" b="0" strike="noStrike" spc="-1">
+              <a:solidFill>
+                <a:srgbClr val="000000"/>
+              </a:solidFill>
+              <a:latin typeface="Calibri"/>
+            </a:endParaRPr>
+          </a:p>
+          <a:p>
+            <a:pPr marL="533520" lvl="1" indent="-177480">
               <a:lnSpc>
                 <a:spcPct val="90000"/>
               </a:lnSpc>
@@ -6686,11 +7431,11 @@
               <a:buFont typeface="Arial"/>
               <a:buChar char="•"/>
               <a:tabLst>
-                <a:tab algn="l" pos="0"/>
+                <a:tab pos="0" algn="l"/>
               </a:tabLst>
             </a:pPr>
             <a:r>
-              <a:rPr b="0" lang="en-GB" sz="2400" spc="-1" strike="noStrike">
+              <a:rPr lang="en-GB" sz="2400" b="0" strike="noStrike" spc="-1">
                 <a:solidFill>
                   <a:srgbClr val="000000"/>
                 </a:solidFill>
@@ -6698,15 +7443,15 @@
               </a:rPr>
               <a:t>More appropriate when have larger datasets – e.g. model outputs, meteorology fields, big databases</a:t>
             </a:r>
-            <a:endParaRPr b="0" lang="en-US" sz="2400" spc="-1" strike="noStrike">
-              <a:solidFill>
-                <a:srgbClr val="000000"/>
-              </a:solidFill>
-              <a:latin typeface="Calibri"/>
-            </a:endParaRPr>
-          </a:p>
-          <a:p>
-            <a:pPr lvl="1" marL="533520" indent="-177480">
+            <a:endParaRPr lang="en-US" sz="2400" b="0" strike="noStrike" spc="-1">
+              <a:solidFill>
+                <a:srgbClr val="000000"/>
+              </a:solidFill>
+              <a:latin typeface="Calibri"/>
+            </a:endParaRPr>
+          </a:p>
+          <a:p>
+            <a:pPr marL="533520" lvl="1" indent="-177480">
               <a:lnSpc>
                 <a:spcPct val="90000"/>
               </a:lnSpc>
@@ -6719,11 +7464,11 @@
               <a:buFont typeface="Arial"/>
               <a:buChar char="•"/>
               <a:tabLst>
-                <a:tab algn="l" pos="0"/>
+                <a:tab pos="0" algn="l"/>
               </a:tabLst>
             </a:pPr>
             <a:r>
-              <a:rPr b="0" lang="en-GB" sz="2400" spc="-1" strike="noStrike">
+              <a:rPr lang="en-GB" sz="2400" b="0" strike="noStrike" spc="-1">
                 <a:solidFill>
                   <a:srgbClr val="000000"/>
                 </a:solidFill>
@@ -6731,15 +7476,15 @@
               </a:rPr>
               <a:t>Keep one copy for multiple projects (either on your PC, a network share, or Cloud storage)</a:t>
             </a:r>
-            <a:endParaRPr b="0" lang="en-US" sz="2400" spc="-1" strike="noStrike">
-              <a:solidFill>
-                <a:srgbClr val="000000"/>
-              </a:solidFill>
-              <a:latin typeface="Calibri"/>
-            </a:endParaRPr>
-          </a:p>
-          <a:p>
-            <a:pPr lvl="1" marL="533520" indent="-177480">
+            <a:endParaRPr lang="en-US" sz="2400" b="0" strike="noStrike" spc="-1">
+              <a:solidFill>
+                <a:srgbClr val="000000"/>
+              </a:solidFill>
+              <a:latin typeface="Calibri"/>
+            </a:endParaRPr>
+          </a:p>
+          <a:p>
+            <a:pPr marL="533520" lvl="1" indent="-177480">
               <a:lnSpc>
                 <a:spcPct val="90000"/>
               </a:lnSpc>
@@ -6752,11 +7497,11 @@
               <a:buFont typeface="Arial"/>
               <a:buChar char="•"/>
               <a:tabLst>
-                <a:tab algn="l" pos="0"/>
+                <a:tab pos="0" algn="l"/>
               </a:tabLst>
             </a:pPr>
             <a:r>
-              <a:rPr b="0" lang="en-GB" sz="2400" spc="-1" strike="noStrike">
+              <a:rPr lang="en-GB" sz="2400" b="0" strike="noStrike" spc="-1">
                 <a:solidFill>
                   <a:srgbClr val="000000"/>
                 </a:solidFill>
@@ -6764,15 +7509,15 @@
               </a:rPr>
               <a:t>Use a configuration file that is stored within your project and defines where the raw data is stored</a:t>
             </a:r>
-            <a:endParaRPr b="0" lang="en-US" sz="2400" spc="-1" strike="noStrike">
-              <a:solidFill>
-                <a:srgbClr val="000000"/>
-              </a:solidFill>
-              <a:latin typeface="Calibri"/>
-            </a:endParaRPr>
-          </a:p>
-          <a:p>
-            <a:pPr lvl="2" marL="889560" indent="-177480">
+            <a:endParaRPr lang="en-US" sz="2400" b="0" strike="noStrike" spc="-1">
+              <a:solidFill>
+                <a:srgbClr val="000000"/>
+              </a:solidFill>
+              <a:latin typeface="Calibri"/>
+            </a:endParaRPr>
+          </a:p>
+          <a:p>
+            <a:pPr marL="889560" lvl="2" indent="-177480">
               <a:lnSpc>
                 <a:spcPct val="90000"/>
               </a:lnSpc>
@@ -6785,11 +7530,11 @@
               <a:buFont typeface="Arial"/>
               <a:buChar char="•"/>
               <a:tabLst>
-                <a:tab algn="l" pos="0"/>
+                <a:tab pos="0" algn="l"/>
               </a:tabLst>
             </a:pPr>
             <a:r>
-              <a:rPr b="0" lang="en-GB" sz="2000" spc="-1" strike="noStrike">
+              <a:rPr lang="en-GB" sz="2000" b="0" strike="noStrike" spc="-1">
                 <a:solidFill>
                   <a:srgbClr val="000000"/>
                 </a:solidFill>
@@ -6797,7 +7542,7 @@
               </a:rPr>
               <a:t>Provide some documentation of an example configuration so others can make their own.</a:t>
             </a:r>
-            <a:endParaRPr b="0" lang="en-US" sz="2000" spc="-1" strike="noStrike">
+            <a:endParaRPr lang="en-US" sz="2000" b="0" strike="noStrike" spc="-1">
               <a:solidFill>
                 <a:srgbClr val="000000"/>
               </a:solidFill>
@@ -6808,19 +7553,14 @@
       </p:sp>
     </p:spTree>
   </p:cSld>
-  <mc:AlternateContent>
-    <mc:Choice Requires="p14">
-      <p:transition spd="slow" p14:dur="2000"/>
-    </mc:Choice>
-    <mc:Fallback>
-      <p:transition spd="slow"/>
-    </mc:Fallback>
-  </mc:AlternateContent>
+  <p:clrMapOvr>
+    <a:masterClrMapping/>
+  </p:clrMapOvr>
 </p:sld>
 </file>
 
 <file path=ppt/slides/slide11.xml><?xml version="1.0" encoding="utf-8"?>
-<p:sld xmlns:a="http://schemas.openxmlformats.org/drawingml/2006/main" xmlns:p="http://schemas.openxmlformats.org/presentationml/2006/main" xmlns:r="http://schemas.openxmlformats.org/officeDocument/2006/relationships" xmlns:p14="http://schemas.microsoft.com/office/powerpoint/2010/main" xmlns:p15="http://schemas.microsoft.com/office/powerpoint/2012/main" xmlns:mc="http://schemas.openxmlformats.org/markup-compatibility/2006">
+<p:sld xmlns:a="http://schemas.openxmlformats.org/drawingml/2006/main" xmlns:r="http://schemas.openxmlformats.org/officeDocument/2006/relationships" xmlns:p="http://schemas.openxmlformats.org/presentationml/2006/main">
   <p:cSld>
     <p:spTree>
       <p:nvGrpSpPr>
@@ -6863,6 +7603,7 @@
           <a:bodyPr anchor="ctr">
             <a:noAutofit/>
           </a:bodyPr>
+          <a:lstStyle/>
           <a:p>
             <a:pPr indent="0">
               <a:lnSpc>
@@ -6871,7 +7612,7 @@
               <a:buNone/>
             </a:pPr>
             <a:r>
-              <a:rPr b="0" lang="en-GB" sz="4400" spc="-1" strike="noStrike">
+              <a:rPr lang="en-GB" sz="4400" b="0" strike="noStrike" spc="-1">
                 <a:solidFill>
                   <a:srgbClr val="000000"/>
                 </a:solidFill>
@@ -6879,7 +7620,7 @@
               </a:rPr>
               <a:t>Perfect is the enemy of the good</a:t>
             </a:r>
-            <a:endParaRPr b="0" lang="en-US" sz="4400" spc="-1" strike="noStrike">
+            <a:endParaRPr lang="en-US" sz="4400" b="0" strike="noStrike" spc="-1">
               <a:solidFill>
                 <a:srgbClr val="000000"/>
               </a:solidFill>
@@ -6915,6 +7656,7 @@
           <a:bodyPr anchor="t">
             <a:normAutofit fontScale="89000"/>
           </a:bodyPr>
+          <a:lstStyle/>
           <a:p>
             <a:pPr marL="203400" indent="-203400">
               <a:lnSpc>
@@ -6930,7 +7672,7 @@
               <a:buChar char="•"/>
             </a:pPr>
             <a:r>
-              <a:rPr b="0" lang="en-GB" sz="2800" spc="-1" strike="noStrike">
+              <a:rPr lang="en-GB" sz="2800" b="0" strike="noStrike" spc="-1">
                 <a:solidFill>
                   <a:srgbClr val="000000"/>
                 </a:solidFill>
@@ -6938,7 +7680,7 @@
               </a:rPr>
               <a:t>Did you download the data from a website?</a:t>
             </a:r>
-            <a:endParaRPr b="0" lang="en-US" sz="2800" spc="-1" strike="noStrike">
+            <a:endParaRPr lang="en-US" sz="2800" b="0" strike="noStrike" spc="-1">
               <a:solidFill>
                 <a:srgbClr val="000000"/>
               </a:solidFill>
@@ -6960,7 +7702,7 @@
               <a:buChar char="•"/>
             </a:pPr>
             <a:r>
-              <a:rPr b="0" lang="en-GB" sz="2800" spc="-1" strike="noStrike">
+              <a:rPr lang="en-GB" sz="2800" b="0" strike="noStrike" spc="-1">
                 <a:solidFill>
                   <a:srgbClr val="000000"/>
                 </a:solidFill>
@@ -6968,15 +7710,15 @@
               </a:rPr>
               <a:t>You could write code to download it</a:t>
             </a:r>
-            <a:endParaRPr b="0" lang="en-US" sz="2800" spc="-1" strike="noStrike">
-              <a:solidFill>
-                <a:srgbClr val="000000"/>
-              </a:solidFill>
-              <a:latin typeface="Calibri"/>
-            </a:endParaRPr>
-          </a:p>
-          <a:p>
-            <a:pPr lvl="1" marL="610200" indent="-203400">
+            <a:endParaRPr lang="en-US" sz="2800" b="0" strike="noStrike" spc="-1">
+              <a:solidFill>
+                <a:srgbClr val="000000"/>
+              </a:solidFill>
+              <a:latin typeface="Calibri"/>
+            </a:endParaRPr>
+          </a:p>
+          <a:p>
+            <a:pPr marL="610200" lvl="1" indent="-203400">
               <a:lnSpc>
                 <a:spcPct val="90000"/>
               </a:lnSpc>
@@ -6990,7 +7732,7 @@
               <a:buChar char="•"/>
             </a:pPr>
             <a:r>
-              <a:rPr b="0" lang="en-GB" sz="2400" spc="-1" strike="noStrike">
+              <a:rPr lang="en-GB" sz="2400" b="0" strike="noStrike" spc="-1">
                 <a:solidFill>
                   <a:srgbClr val="000000"/>
                 </a:solidFill>
@@ -6998,15 +7740,15 @@
               </a:rPr>
               <a:t>This is fine if its simple: e.g the Oxford Government Response Tracker dataset</a:t>
             </a:r>
-            <a:endParaRPr b="0" lang="en-US" sz="2400" spc="-1" strike="noStrike">
-              <a:solidFill>
-                <a:srgbClr val="000000"/>
-              </a:solidFill>
-              <a:latin typeface="Calibri"/>
-            </a:endParaRPr>
-          </a:p>
-          <a:p>
-            <a:pPr lvl="2" marL="1017000" indent="-203400">
+            <a:endParaRPr lang="en-US" sz="2400" b="0" strike="noStrike" spc="-1">
+              <a:solidFill>
+                <a:srgbClr val="000000"/>
+              </a:solidFill>
+              <a:latin typeface="Calibri"/>
+            </a:endParaRPr>
+          </a:p>
+          <a:p>
+            <a:pPr marL="1017000" lvl="2" indent="-203400">
               <a:lnSpc>
                 <a:spcPct val="90000"/>
               </a:lnSpc>
@@ -7020,7 +7762,7 @@
               <a:buChar char="•"/>
             </a:pPr>
             <a:r>
-              <a:rPr b="0" lang="en-GB" sz="2000" spc="-1" strike="noStrike">
+              <a:rPr lang="en-GB" sz="2000" b="0" strike="noStrike" spc="-1">
                 <a:solidFill>
                   <a:srgbClr val="000000"/>
                 </a:solidFill>
@@ -7032,7 +7774,7 @@
               <a:rPr sz="2000"/>
             </a:br>
             <a:r>
-              <a:rPr b="0" lang="en-GB" sz="2000" spc="-1" strike="noStrike">
+              <a:rPr lang="en-GB" sz="2000" b="0" strike="noStrike" spc="-1">
                 <a:solidFill>
                   <a:srgbClr val="000000"/>
                 </a:solidFill>
@@ -7040,7 +7782,7 @@
               </a:rPr>
               <a:t> </a:t>
             </a:r>
-            <a:endParaRPr b="0" lang="en-US" sz="2000" spc="-1" strike="noStrike">
+            <a:endParaRPr lang="en-US" sz="2000" b="0" strike="noStrike" spc="-1">
               <a:solidFill>
                 <a:srgbClr val="000000"/>
               </a:solidFill>
@@ -7069,15 +7811,22 @@
           </a:ln>
         </p:spPr>
         <p:style>
-          <a:lnRef idx="0"/>
-          <a:fillRef idx="0"/>
-          <a:effectRef idx="0"/>
+          <a:lnRef idx="0">
+            <a:scrgbClr r="0" g="0" b="0"/>
+          </a:lnRef>
+          <a:fillRef idx="0">
+            <a:scrgbClr r="0" g="0" b="0"/>
+          </a:fillRef>
+          <a:effectRef idx="0">
+            <a:scrgbClr r="0" g="0" b="0"/>
+          </a:effectRef>
           <a:fontRef idx="minor"/>
         </p:style>
         <p:txBody>
-          <a:bodyPr wrap="none" lIns="90000" rIns="90000" tIns="45000" bIns="45000" anchor="t">
+          <a:bodyPr wrap="none" lIns="90000" tIns="45000" rIns="90000" bIns="45000" anchor="t">
             <a:spAutoFit/>
           </a:bodyPr>
+          <a:lstStyle/>
           <a:p>
             <a:pPr>
               <a:lnSpc>
@@ -7085,7 +7834,7 @@
               </a:lnSpc>
             </a:pPr>
             <a:r>
-              <a:rPr b="0" lang="en-US" sz="1400" spc="-1" strike="noStrike">
+              <a:rPr lang="en-US" sz="1400" b="0" strike="noStrike" spc="-1">
                 <a:solidFill>
                   <a:srgbClr val="000000"/>
                 </a:solidFill>
@@ -7097,7 +7846,7 @@
               <a:rPr sz="1400"/>
             </a:br>
             <a:r>
-              <a:rPr b="0" lang="en-US" sz="1400" spc="-1" strike="noStrike">
+              <a:rPr lang="en-US" sz="1400" b="0" strike="noStrike" spc="-1">
                 <a:solidFill>
                   <a:srgbClr val="000000"/>
                 </a:solidFill>
@@ -7105,7 +7854,7 @@
               </a:rPr>
               <a:t>download.file(path, here::here('data','raw','oxgrt.csv'))</a:t>
             </a:r>
-            <a:endParaRPr b="0" lang="en-GB" sz="1400" spc="-1" strike="noStrike">
+            <a:endParaRPr lang="en-GB" sz="1400" b="0" strike="noStrike" spc="-1">
               <a:solidFill>
                 <a:srgbClr val="000000"/>
               </a:solidFill>
@@ -7134,15 +7883,22 @@
           </a:ln>
         </p:spPr>
         <p:style>
-          <a:lnRef idx="0"/>
-          <a:fillRef idx="0"/>
-          <a:effectRef idx="0"/>
+          <a:lnRef idx="0">
+            <a:scrgbClr r="0" g="0" b="0"/>
+          </a:lnRef>
+          <a:fillRef idx="0">
+            <a:scrgbClr r="0" g="0" b="0"/>
+          </a:fillRef>
+          <a:effectRef idx="0">
+            <a:scrgbClr r="0" g="0" b="0"/>
+          </a:effectRef>
           <a:fontRef idx="minor"/>
         </p:style>
         <p:txBody>
           <a:bodyPr anchor="t">
             <a:normAutofit fontScale="82000"/>
           </a:bodyPr>
+          <a:lstStyle/>
           <a:p>
             <a:pPr marL="202320" indent="-202320">
               <a:lnSpc>
@@ -7158,7 +7914,7 @@
               <a:buChar char="•"/>
             </a:pPr>
             <a:r>
-              <a:rPr b="0" lang="en-GB" sz="2800" spc="-1" strike="noStrike">
+              <a:rPr lang="en-GB" sz="2800" b="0" strike="noStrike" spc="-1" dirty="0">
                 <a:solidFill>
                   <a:srgbClr val="000000"/>
                 </a:solidFill>
@@ -7166,7 +7922,7 @@
               </a:rPr>
               <a:t>Is it more complicated, like a webform?</a:t>
             </a:r>
-            <a:endParaRPr b="0" lang="en-GB" sz="2800" spc="-1" strike="noStrike">
+            <a:endParaRPr lang="en-GB" sz="2800" b="0" strike="noStrike" spc="-1" dirty="0">
               <a:solidFill>
                 <a:srgbClr val="000000"/>
               </a:solidFill>
@@ -7174,7 +7930,7 @@
             </a:endParaRPr>
           </a:p>
           <a:p>
-            <a:pPr lvl="1" marL="607680" indent="-202320">
+            <a:pPr marL="607680" lvl="1" indent="-202320">
               <a:lnSpc>
                 <a:spcPct val="90000"/>
               </a:lnSpc>
@@ -7188,15 +7944,33 @@
               <a:buChar char="•"/>
             </a:pPr>
             <a:r>
-              <a:rPr b="0" lang="en-GB" sz="2400" spc="-1" strike="noStrike">
+              <a:rPr lang="en-GB" sz="2400" b="0" strike="noStrike" spc="-1" dirty="0">
                 <a:solidFill>
                   <a:srgbClr val="000000"/>
                 </a:solidFill>
                 <a:latin typeface="Calibri"/>
               </a:rPr>
-              <a:t>Option 1 – learn webscraping* and still write code</a:t>
-            </a:r>
-            <a:endParaRPr b="0" lang="en-GB" sz="2400" spc="-1" strike="noStrike">
+              <a:t>Option 1 – learn </a:t>
+            </a:r>
+            <a:r>
+              <a:rPr lang="en-GB" sz="2400" b="0" strike="noStrike" spc="-1" dirty="0" err="1">
+                <a:solidFill>
+                  <a:srgbClr val="000000"/>
+                </a:solidFill>
+                <a:latin typeface="Calibri"/>
+              </a:rPr>
+              <a:t>webscraping</a:t>
+            </a:r>
+            <a:r>
+              <a:rPr lang="en-GB" sz="2400" b="0" strike="noStrike" spc="-1" dirty="0">
+                <a:solidFill>
+                  <a:srgbClr val="000000"/>
+                </a:solidFill>
+                <a:latin typeface="Calibri"/>
+              </a:rPr>
+              <a:t>* and still write code</a:t>
+            </a:r>
+            <a:endParaRPr lang="en-GB" sz="2400" b="0" strike="noStrike" spc="-1" dirty="0">
               <a:solidFill>
                 <a:srgbClr val="000000"/>
               </a:solidFill>
@@ -7204,7 +7978,7 @@
             </a:endParaRPr>
           </a:p>
           <a:p>
-            <a:pPr lvl="2" marL="1013040" indent="-202320">
+            <a:pPr marL="1013040" lvl="2" indent="-202320">
               <a:lnSpc>
                 <a:spcPct val="90000"/>
               </a:lnSpc>
@@ -7218,7 +7992,7 @@
               <a:buChar char="•"/>
             </a:pPr>
             <a:r>
-              <a:rPr b="0" lang="en-GB" sz="2000" spc="-1" strike="noStrike">
+              <a:rPr lang="en-GB" sz="2000" b="0" strike="noStrike" spc="-1" dirty="0">
                 <a:solidFill>
                   <a:srgbClr val="000000"/>
                 </a:solidFill>
@@ -7226,7 +8000,7 @@
               </a:rPr>
               <a:t>Pros: Actually really fun, your project is *even* more reproducible</a:t>
             </a:r>
-            <a:endParaRPr b="0" lang="en-GB" sz="2000" spc="-1" strike="noStrike">
+            <a:endParaRPr lang="en-GB" sz="2000" b="0" strike="noStrike" spc="-1" dirty="0">
               <a:solidFill>
                 <a:srgbClr val="000000"/>
               </a:solidFill>
@@ -7234,7 +8008,7 @@
             </a:endParaRPr>
           </a:p>
           <a:p>
-            <a:pPr lvl="2" marL="1013040" indent="-202320">
+            <a:pPr marL="1013040" lvl="2" indent="-202320">
               <a:lnSpc>
                 <a:spcPct val="90000"/>
               </a:lnSpc>
@@ -7248,15 +8022,33 @@
               <a:buChar char="•"/>
             </a:pPr>
             <a:r>
-              <a:rPr b="0" lang="en-GB" sz="2000" spc="-1" strike="noStrike">
+              <a:rPr lang="en-GB" sz="2000" b="0" strike="noStrike" spc="-1" dirty="0">
                 <a:solidFill>
                   <a:srgbClr val="000000"/>
                 </a:solidFill>
                 <a:latin typeface="Calibri"/>
               </a:rPr>
-              <a:t>Cons: A pain in the arse, can take a really long time, Will will want to talk to you about it.</a:t>
-            </a:r>
-            <a:endParaRPr b="0" lang="en-GB" sz="2000" spc="-1" strike="noStrike">
+              <a:t>Cons: A pain in the arse, can take a really long time, Will </a:t>
+            </a:r>
+            <a:r>
+              <a:rPr lang="en-GB" sz="2000" b="0" strike="noStrike" spc="-1" dirty="0" err="1">
+                <a:solidFill>
+                  <a:srgbClr val="000000"/>
+                </a:solidFill>
+                <a:latin typeface="Calibri"/>
+              </a:rPr>
+              <a:t>will</a:t>
+            </a:r>
+            <a:r>
+              <a:rPr lang="en-GB" sz="2000" b="0" strike="noStrike" spc="-1" dirty="0">
+                <a:solidFill>
+                  <a:srgbClr val="000000"/>
+                </a:solidFill>
+                <a:latin typeface="Calibri"/>
+              </a:rPr>
+              <a:t> want to talk to you about it.</a:t>
+            </a:r>
+            <a:endParaRPr lang="en-GB" sz="2000" b="0" strike="noStrike" spc="-1" dirty="0">
               <a:solidFill>
                 <a:srgbClr val="000000"/>
               </a:solidFill>
@@ -7264,7 +8056,7 @@
             </a:endParaRPr>
           </a:p>
           <a:p>
-            <a:pPr lvl="1" marL="607680" indent="-202320">
+            <a:pPr marL="607680" lvl="1" indent="-202320">
               <a:lnSpc>
                 <a:spcPct val="90000"/>
               </a:lnSpc>
@@ -7278,7 +8070,7 @@
               <a:buChar char="•"/>
             </a:pPr>
             <a:r>
-              <a:rPr b="0" lang="en-GB" sz="2400" spc="-1" strike="noStrike">
+              <a:rPr lang="en-GB" sz="2400" b="0" strike="noStrike" spc="-1" dirty="0">
                 <a:solidFill>
                   <a:srgbClr val="000000"/>
                 </a:solidFill>
@@ -7287,10 +8079,10 @@
               <a:t>Option 2 – Document in your code comments where you got it from and move on.</a:t>
             </a:r>
             <a:br>
-              <a:rPr sz="2400"/>
+              <a:rPr sz="2400" dirty="0"/>
             </a:br>
             <a:r>
-              <a:rPr b="0" lang="en-GB" sz="2400" spc="-1" strike="noStrike">
+              <a:rPr lang="en-GB" sz="2400" b="0" strike="noStrike" spc="-1" dirty="0">
                 <a:solidFill>
                   <a:srgbClr val="000000"/>
                 </a:solidFill>
@@ -7298,7 +8090,7 @@
               </a:rPr>
               <a:t> </a:t>
             </a:r>
-            <a:endParaRPr b="0" lang="en-GB" sz="2400" spc="-1" strike="noStrike">
+            <a:endParaRPr lang="en-GB" sz="2400" b="0" strike="noStrike" spc="-1" dirty="0">
               <a:solidFill>
                 <a:srgbClr val="000000"/>
               </a:solidFill>
@@ -7327,15 +8119,22 @@
           </a:ln>
         </p:spPr>
         <p:style>
-          <a:lnRef idx="0"/>
-          <a:fillRef idx="0"/>
-          <a:effectRef idx="0"/>
+          <a:lnRef idx="0">
+            <a:scrgbClr r="0" g="0" b="0"/>
+          </a:lnRef>
+          <a:fillRef idx="0">
+            <a:scrgbClr r="0" g="0" b="0"/>
+          </a:fillRef>
+          <a:effectRef idx="0">
+            <a:scrgbClr r="0" g="0" b="0"/>
+          </a:effectRef>
           <a:fontRef idx="minor"/>
         </p:style>
         <p:txBody>
-          <a:bodyPr lIns="90000" rIns="90000" tIns="45000" bIns="45000" anchor="t">
+          <a:bodyPr lIns="90000" tIns="45000" rIns="90000" bIns="45000" anchor="t">
             <a:spAutoFit/>
           </a:bodyPr>
+          <a:lstStyle/>
           <a:p>
             <a:pPr>
               <a:lnSpc>
@@ -7343,7 +8142,7 @@
               </a:lnSpc>
             </a:pPr>
             <a:r>
-              <a:rPr b="0" lang="en-GB" sz="1800" spc="-1" strike="noStrike">
+              <a:rPr lang="en-GB" sz="1800" b="0" strike="noStrike" spc="-1">
                 <a:solidFill>
                   <a:srgbClr val="000000"/>
                 </a:solidFill>
@@ -7351,7 +8150,7 @@
               </a:rPr>
               <a:t>*if you are interested, checkout the `rvest` and `httr` packages</a:t>
             </a:r>
-            <a:endParaRPr b="0" lang="en-GB" sz="1800" spc="-1" strike="noStrike">
+            <a:endParaRPr lang="en-GB" sz="1800" b="0" strike="noStrike" spc="-1">
               <a:solidFill>
                 <a:srgbClr val="000000"/>
               </a:solidFill>
@@ -7362,19 +8161,14 @@
       </p:sp>
     </p:spTree>
   </p:cSld>
-  <mc:AlternateContent>
-    <mc:Choice Requires="p14">
-      <p:transition spd="slow" p14:dur="2000"/>
-    </mc:Choice>
-    <mc:Fallback>
-      <p:transition spd="slow"/>
-    </mc:Fallback>
-  </mc:AlternateContent>
+  <p:clrMapOvr>
+    <a:masterClrMapping/>
+  </p:clrMapOvr>
 </p:sld>
 </file>
 
 <file path=ppt/slides/slide12.xml><?xml version="1.0" encoding="utf-8"?>
-<p:sld xmlns:a="http://schemas.openxmlformats.org/drawingml/2006/main" xmlns:p="http://schemas.openxmlformats.org/presentationml/2006/main" xmlns:r="http://schemas.openxmlformats.org/officeDocument/2006/relationships" xmlns:p14="http://schemas.microsoft.com/office/powerpoint/2010/main" xmlns:p15="http://schemas.microsoft.com/office/powerpoint/2012/main" xmlns:mc="http://schemas.openxmlformats.org/markup-compatibility/2006">
+<p:sld xmlns:a="http://schemas.openxmlformats.org/drawingml/2006/main" xmlns:r="http://schemas.openxmlformats.org/officeDocument/2006/relationships" xmlns:p="http://schemas.openxmlformats.org/presentationml/2006/main">
   <p:cSld>
     <p:spTree>
       <p:nvGrpSpPr>
@@ -7417,6 +8211,7 @@
           <a:bodyPr anchor="ctr">
             <a:noAutofit/>
           </a:bodyPr>
+          <a:lstStyle/>
           <a:p>
             <a:pPr indent="0">
               <a:lnSpc>
@@ -7425,7 +8220,7 @@
               <a:buNone/>
             </a:pPr>
             <a:r>
-              <a:rPr b="0" lang="en-GB" sz="4400" spc="-1" strike="noStrike">
+              <a:rPr lang="en-GB" sz="4400" b="0" strike="noStrike" spc="-1">
                 <a:solidFill>
                   <a:srgbClr val="000000"/>
                 </a:solidFill>
@@ -7433,7 +8228,7 @@
               </a:rPr>
               <a:t>Benefits of Reproducibility</a:t>
             </a:r>
-            <a:endParaRPr b="0" lang="en-US" sz="4400" spc="-1" strike="noStrike">
+            <a:endParaRPr lang="en-US" sz="4400" b="0" strike="noStrike" spc="-1">
               <a:solidFill>
                 <a:srgbClr val="000000"/>
               </a:solidFill>
@@ -7469,6 +8264,7 @@
           <a:bodyPr anchor="t">
             <a:noAutofit/>
           </a:bodyPr>
+          <a:lstStyle/>
           <a:p>
             <a:pPr marL="228600" indent="-228600">
               <a:lnSpc>
@@ -7484,7 +8280,7 @@
               <a:buChar char="•"/>
             </a:pPr>
             <a:r>
-              <a:rPr b="0" lang="en-GB" sz="2800" spc="-1" strike="noStrike">
+              <a:rPr lang="en-GB" sz="2800" b="0" strike="noStrike" spc="-1">
                 <a:solidFill>
                   <a:srgbClr val="000000"/>
                 </a:solidFill>
@@ -7492,15 +8288,15 @@
               </a:rPr>
               <a:t>Take the air quality monitoring site example</a:t>
             </a:r>
-            <a:endParaRPr b="0" lang="en-US" sz="2800" spc="-1" strike="noStrike">
-              <a:solidFill>
-                <a:srgbClr val="000000"/>
-              </a:solidFill>
-              <a:latin typeface="Calibri"/>
-            </a:endParaRPr>
-          </a:p>
-          <a:p>
-            <a:pPr lvl="1" marL="685800" indent="-228600">
+            <a:endParaRPr lang="en-US" sz="2800" b="0" strike="noStrike" spc="-1">
+              <a:solidFill>
+                <a:srgbClr val="000000"/>
+              </a:solidFill>
+              <a:latin typeface="Calibri"/>
+            </a:endParaRPr>
+          </a:p>
+          <a:p>
+            <a:pPr marL="685800" lvl="1" indent="-228600">
               <a:lnSpc>
                 <a:spcPct val="90000"/>
               </a:lnSpc>
@@ -7514,7 +8310,7 @@
               <a:buChar char="•"/>
             </a:pPr>
             <a:r>
-              <a:rPr b="0" lang="en-GB" sz="2400" spc="-1" strike="noStrike">
+              <a:rPr lang="en-GB" sz="2400" b="0" strike="noStrike" spc="-1">
                 <a:solidFill>
                   <a:srgbClr val="000000"/>
                 </a:solidFill>
@@ -7523,7 +8319,7 @@
               <a:t>You do your analysis on 2 sites, then at the end realise you have missed a 3</a:t>
             </a:r>
             <a:r>
-              <a:rPr b="0" lang="en-GB" sz="2400" spc="-1" strike="noStrike" baseline="30000">
+              <a:rPr lang="en-GB" sz="2400" b="0" strike="noStrike" spc="-1" baseline="30000">
                 <a:solidFill>
                   <a:srgbClr val="000000"/>
                 </a:solidFill>
@@ -7532,7 +8328,7 @@
               <a:t>rd</a:t>
             </a:r>
             <a:r>
-              <a:rPr b="0" lang="en-GB" sz="2400" spc="-1" strike="noStrike">
+              <a:rPr lang="en-GB" sz="2400" b="0" strike="noStrike" spc="-1">
                 <a:solidFill>
                   <a:srgbClr val="000000"/>
                 </a:solidFill>
@@ -7540,15 +8336,15 @@
               </a:rPr>
               <a:t> important one (or even 300!)</a:t>
             </a:r>
-            <a:endParaRPr b="0" lang="en-US" sz="2400" spc="-1" strike="noStrike">
-              <a:solidFill>
-                <a:srgbClr val="000000"/>
-              </a:solidFill>
-              <a:latin typeface="Calibri"/>
-            </a:endParaRPr>
-          </a:p>
-          <a:p>
-            <a:pPr lvl="1" marL="685800" indent="-228600">
+            <a:endParaRPr lang="en-US" sz="2400" b="0" strike="noStrike" spc="-1">
+              <a:solidFill>
+                <a:srgbClr val="000000"/>
+              </a:solidFill>
+              <a:latin typeface="Calibri"/>
+            </a:endParaRPr>
+          </a:p>
+          <a:p>
+            <a:pPr marL="685800" lvl="1" indent="-228600">
               <a:lnSpc>
                 <a:spcPct val="90000"/>
               </a:lnSpc>
@@ -7562,7 +8358,7 @@
               <a:buChar char="•"/>
             </a:pPr>
             <a:r>
-              <a:rPr b="0" lang="en-GB" sz="2400" spc="-1" strike="noStrike">
+              <a:rPr lang="en-GB" sz="2400" b="0" strike="noStrike" spc="-1">
                 <a:solidFill>
                   <a:srgbClr val="000000"/>
                 </a:solidFill>
@@ -7570,15 +8366,15 @@
               </a:rPr>
               <a:t>If your analysis is manual, time to get to work</a:t>
             </a:r>
-            <a:endParaRPr b="0" lang="en-US" sz="2400" spc="-1" strike="noStrike">
-              <a:solidFill>
-                <a:srgbClr val="000000"/>
-              </a:solidFill>
-              <a:latin typeface="Calibri"/>
-            </a:endParaRPr>
-          </a:p>
-          <a:p>
-            <a:pPr lvl="1" marL="685800" indent="-228600">
+            <a:endParaRPr lang="en-US" sz="2400" b="0" strike="noStrike" spc="-1">
+              <a:solidFill>
+                <a:srgbClr val="000000"/>
+              </a:solidFill>
+              <a:latin typeface="Calibri"/>
+            </a:endParaRPr>
+          </a:p>
+          <a:p>
+            <a:pPr marL="685800" lvl="1" indent="-228600">
               <a:lnSpc>
                 <a:spcPct val="90000"/>
               </a:lnSpc>
@@ -7592,7 +8388,7 @@
               <a:buChar char="•"/>
             </a:pPr>
             <a:r>
-              <a:rPr b="0" lang="en-GB" sz="2400" spc="-1" strike="noStrike">
+              <a:rPr lang="en-GB" sz="2400" b="0" strike="noStrike" spc="-1">
                 <a:solidFill>
                   <a:srgbClr val="000000"/>
                 </a:solidFill>
@@ -7600,7 +8396,7 @@
               </a:rPr>
               <a:t>If you’ve got a reproducible project, it might be as simple as changing 1 line of code</a:t>
             </a:r>
-            <a:endParaRPr b="0" lang="en-US" sz="2400" spc="-1" strike="noStrike">
+            <a:endParaRPr lang="en-US" sz="2400" b="0" strike="noStrike" spc="-1">
               <a:solidFill>
                 <a:srgbClr val="000000"/>
               </a:solidFill>
@@ -7617,7 +8413,7 @@
               </a:spcBef>
               <a:buNone/>
             </a:pPr>
-            <a:endParaRPr b="0" lang="en-US" sz="2400" spc="-1" strike="noStrike">
+            <a:endParaRPr lang="en-US" sz="2400" b="0" strike="noStrike" spc="-1">
               <a:solidFill>
                 <a:srgbClr val="000000"/>
               </a:solidFill>
@@ -7639,7 +8435,7 @@
               <a:buChar char="•"/>
             </a:pPr>
             <a:r>
-              <a:rPr b="0" lang="en-GB" sz="2800" spc="-1" strike="noStrike">
+              <a:rPr lang="en-GB" sz="2800" b="0" strike="noStrike" spc="-1">
                 <a:solidFill>
                   <a:srgbClr val="000000"/>
                 </a:solidFill>
@@ -7647,7 +8443,7 @@
               </a:rPr>
               <a:t>It’ll also be helpful for future you</a:t>
             </a:r>
-            <a:endParaRPr b="0" lang="en-US" sz="2800" spc="-1" strike="noStrike">
+            <a:endParaRPr lang="en-US" sz="2800" b="0" strike="noStrike" spc="-1">
               <a:solidFill>
                 <a:srgbClr val="000000"/>
               </a:solidFill>
@@ -7658,19 +8454,14 @@
       </p:sp>
     </p:spTree>
   </p:cSld>
-  <mc:AlternateContent>
-    <mc:Choice Requires="p14">
-      <p:transition spd="slow" p14:dur="2000"/>
-    </mc:Choice>
-    <mc:Fallback>
-      <p:transition spd="slow"/>
-    </mc:Fallback>
-  </mc:AlternateContent>
+  <p:clrMapOvr>
+    <a:masterClrMapping/>
+  </p:clrMapOvr>
 </p:sld>
 </file>
 
 <file path=ppt/slides/slide13.xml><?xml version="1.0" encoding="utf-8"?>
-<p:sld xmlns:a="http://schemas.openxmlformats.org/drawingml/2006/main" xmlns:p="http://schemas.openxmlformats.org/presentationml/2006/main" xmlns:r="http://schemas.openxmlformats.org/officeDocument/2006/relationships" xmlns:p14="http://schemas.microsoft.com/office/powerpoint/2010/main" xmlns:p15="http://schemas.microsoft.com/office/powerpoint/2012/main" xmlns:mc="http://schemas.openxmlformats.org/markup-compatibility/2006">
+<p:sld xmlns:a="http://schemas.openxmlformats.org/drawingml/2006/main" xmlns:r="http://schemas.openxmlformats.org/officeDocument/2006/relationships" xmlns:p="http://schemas.openxmlformats.org/presentationml/2006/main">
   <p:cSld>
     <p:spTree>
       <p:nvGrpSpPr>
@@ -7713,6 +8504,7 @@
           <a:bodyPr anchor="ctr">
             <a:noAutofit/>
           </a:bodyPr>
+          <a:lstStyle/>
           <a:p>
             <a:pPr indent="0">
               <a:lnSpc>
@@ -7721,7 +8513,7 @@
               <a:buNone/>
             </a:pPr>
             <a:r>
-              <a:rPr b="0" lang="en-GB" sz="4400" spc="-1" strike="noStrike">
+              <a:rPr lang="en-GB" sz="4400" b="0" strike="noStrike" spc="-1">
                 <a:solidFill>
                   <a:srgbClr val="000000"/>
                 </a:solidFill>
@@ -7729,7 +8521,7 @@
               </a:rPr>
               <a:t>Track changes with Git</a:t>
             </a:r>
-            <a:endParaRPr b="0" lang="en-US" sz="4400" spc="-1" strike="noStrike">
+            <a:endParaRPr lang="en-US" sz="4400" b="0" strike="noStrike" spc="-1">
               <a:solidFill>
                 <a:srgbClr val="000000"/>
               </a:solidFill>
@@ -7765,6 +8557,7 @@
           <a:bodyPr anchor="t">
             <a:noAutofit/>
           </a:bodyPr>
+          <a:lstStyle/>
           <a:p>
             <a:pPr marL="432000" indent="-324000">
               <a:lnSpc>
@@ -7781,7 +8574,7 @@
               <a:buChar char=""/>
             </a:pPr>
             <a:r>
-              <a:rPr b="0" lang="en-US" sz="2800" spc="-1" strike="noStrike">
+              <a:rPr lang="en-US" sz="2800" b="0" strike="noStrike" spc="-1">
                 <a:solidFill>
                   <a:srgbClr val="000000"/>
                 </a:solidFill>
@@ -7789,15 +8582,9 @@
               </a:rPr>
               <a:t>Git (and GitHub) provide 2 main benefits:</a:t>
             </a:r>
-            <a:endParaRPr b="0" lang="en-US" sz="2800" spc="-1" strike="noStrike">
-              <a:solidFill>
-                <a:srgbClr val="000000"/>
-              </a:solidFill>
-              <a:latin typeface="Calibri"/>
-            </a:endParaRPr>
-          </a:p>
-          <a:p>
-            <a:pPr lvl="1" marL="864000" indent="-324000">
+          </a:p>
+          <a:p>
+            <a:pPr marL="864000" lvl="1" indent="-324000">
               <a:lnSpc>
                 <a:spcPct val="90000"/>
               </a:lnSpc>
@@ -7812,7 +8599,7 @@
               <a:buChar char=""/>
             </a:pPr>
             <a:r>
-              <a:rPr b="0" lang="en-US" sz="2000" spc="-1" strike="noStrike">
+              <a:rPr lang="en-US" sz="2000" b="0" strike="noStrike" spc="-1">
                 <a:solidFill>
                   <a:srgbClr val="000000"/>
                 </a:solidFill>
@@ -7820,15 +8607,9 @@
               </a:rPr>
               <a:t>Version Control. You can always revert back to previous versions of your code</a:t>
             </a:r>
-            <a:endParaRPr b="0" lang="en-US" sz="2000" spc="-1" strike="noStrike">
-              <a:solidFill>
-                <a:srgbClr val="000000"/>
-              </a:solidFill>
-              <a:latin typeface="Calibri"/>
-            </a:endParaRPr>
-          </a:p>
-          <a:p>
-            <a:pPr lvl="1" marL="864000" indent="-324000">
+          </a:p>
+          <a:p>
+            <a:pPr marL="864000" lvl="1" indent="-324000">
               <a:lnSpc>
                 <a:spcPct val="90000"/>
               </a:lnSpc>
@@ -7843,7 +8624,7 @@
               <a:buChar char=""/>
             </a:pPr>
             <a:r>
-              <a:rPr b="0" lang="en-US" sz="2000" spc="-1" strike="noStrike">
+              <a:rPr lang="en-US" sz="2000" b="0" strike="noStrike" spc="-1">
                 <a:solidFill>
                   <a:srgbClr val="000000"/>
                 </a:solidFill>
@@ -7852,16 +8633,16 @@
               <a:t>Collaborative work: Git was designed to facilitate multiple people working on the same codebase. We have several software packages internal to WACL that are stored on GitHub on our account: </a:t>
             </a:r>
             <a:r>
-              <a:rPr b="0" lang="en-US" sz="2000" spc="-1" strike="noStrike">
+              <a:rPr lang="en-US" sz="2000" b="0" strike="noStrike" spc="-1">
                 <a:solidFill>
                   <a:srgbClr val="000000"/>
                 </a:solidFill>
                 <a:latin typeface="Calibri"/>
-                <a:hlinkClick r:id="rId1"/>
+                <a:hlinkClick r:id="rId2"/>
               </a:rPr>
               <a:t>https://github.com/wacl-york</a:t>
             </a:r>
-            <a:endParaRPr b="0" lang="en-US" sz="2000" spc="-1" strike="noStrike">
+            <a:endParaRPr lang="en-US" sz="2000" b="0" strike="noStrike" spc="-1">
               <a:solidFill>
                 <a:srgbClr val="000000"/>
               </a:solidFill>
@@ -7884,7 +8665,7 @@
               <a:buChar char=""/>
             </a:pPr>
             <a:r>
-              <a:rPr b="0" lang="en-US" sz="2800" spc="-1" strike="noStrike">
+              <a:rPr lang="en-US" sz="2800" b="0" strike="noStrike" spc="-1">
                 <a:solidFill>
                   <a:srgbClr val="000000"/>
                 </a:solidFill>
@@ -7892,12 +8673,6 @@
               </a:rPr>
               <a:t>It is very useful for trying out new things while keeping a stable copy of your code that you can revert back to afterwards</a:t>
             </a:r>
-            <a:endParaRPr b="0" lang="en-US" sz="2800" spc="-1" strike="noStrike">
-              <a:solidFill>
-                <a:srgbClr val="000000"/>
-              </a:solidFill>
-              <a:latin typeface="Calibri"/>
-            </a:endParaRPr>
           </a:p>
           <a:p>
             <a:pPr marL="432000" indent="-324000">
@@ -7915,7 +8690,7 @@
               <a:buChar char=""/>
             </a:pPr>
             <a:r>
-              <a:rPr b="0" lang="en-US" sz="2800" spc="-1" strike="noStrike">
+              <a:rPr lang="en-US" sz="2800" b="0" strike="noStrike" spc="-1">
                 <a:solidFill>
                   <a:srgbClr val="000000"/>
                 </a:solidFill>
@@ -7924,17 +8699,17 @@
               <a:t>Killian has run an Introduction to GitHub course that has slides available </a:t>
             </a:r>
             <a:r>
-              <a:rPr b="0" lang="en-US" sz="2800" spc="-1" strike="noStrike">
+              <a:rPr lang="en-US" sz="2800" b="0" strike="noStrike" spc="-1">
                 <a:solidFill>
                   <a:srgbClr val="000000"/>
                 </a:solidFill>
                 <a:latin typeface="Calibri"/>
-                <a:hlinkClick r:id="rId2"/>
+                <a:hlinkClick r:id="rId3"/>
               </a:rPr>
               <a:t>online</a:t>
             </a:r>
             <a:r>
-              <a:rPr b="0" lang="en-US" sz="2800" spc="-1" strike="noStrike">
+              <a:rPr lang="en-US" sz="2800" b="0" strike="noStrike" spc="-1">
                 <a:solidFill>
                   <a:srgbClr val="000000"/>
                 </a:solidFill>
@@ -7942,30 +8717,19 @@
               </a:rPr>
               <a:t> and was recorded</a:t>
             </a:r>
-            <a:endParaRPr b="0" lang="en-US" sz="2800" spc="-1" strike="noStrike">
-              <a:solidFill>
-                <a:srgbClr val="000000"/>
-              </a:solidFill>
-              <a:latin typeface="Calibri"/>
-            </a:endParaRPr>
           </a:p>
         </p:txBody>
       </p:sp>
     </p:spTree>
   </p:cSld>
-  <mc:AlternateContent>
-    <mc:Choice Requires="p14">
-      <p:transition spd="slow" p14:dur="2000"/>
-    </mc:Choice>
-    <mc:Fallback>
-      <p:transition spd="slow"/>
-    </mc:Fallback>
-  </mc:AlternateContent>
+  <p:clrMapOvr>
+    <a:masterClrMapping/>
+  </p:clrMapOvr>
 </p:sld>
 </file>
 
 <file path=ppt/slides/slide14.xml><?xml version="1.0" encoding="utf-8"?>
-<p:sld xmlns:a="http://schemas.openxmlformats.org/drawingml/2006/main" xmlns:p="http://schemas.openxmlformats.org/presentationml/2006/main" xmlns:r="http://schemas.openxmlformats.org/officeDocument/2006/relationships" xmlns:p14="http://schemas.microsoft.com/office/powerpoint/2010/main" xmlns:p15="http://schemas.microsoft.com/office/powerpoint/2012/main" xmlns:mc="http://schemas.openxmlformats.org/markup-compatibility/2006">
+<p:sld xmlns:a="http://schemas.openxmlformats.org/drawingml/2006/main" xmlns:r="http://schemas.openxmlformats.org/officeDocument/2006/relationships" xmlns:p="http://schemas.openxmlformats.org/presentationml/2006/main">
   <p:cSld>
     <p:spTree>
       <p:nvGrpSpPr>
@@ -8008,6 +8772,7 @@
           <a:bodyPr anchor="b">
             <a:noAutofit/>
           </a:bodyPr>
+          <a:lstStyle/>
           <a:p>
             <a:pPr indent="0" algn="ctr">
               <a:lnSpc>
@@ -8016,7 +8781,7 @@
               <a:buNone/>
             </a:pPr>
             <a:r>
-              <a:rPr b="0" lang="en-GB" sz="6000" spc="-1" strike="noStrike">
+              <a:rPr lang="en-GB" sz="6000" b="0" strike="noStrike" spc="-1">
                 <a:solidFill>
                   <a:srgbClr val="000000"/>
                 </a:solidFill>
@@ -8024,7 +8789,7 @@
               </a:rPr>
               <a:t>Common File Formats</a:t>
             </a:r>
-            <a:endParaRPr b="0" lang="en-US" sz="6000" spc="-1" strike="noStrike">
+            <a:endParaRPr lang="en-US" sz="6000" b="0" strike="noStrike" spc="-1">
               <a:solidFill>
                 <a:srgbClr val="000000"/>
               </a:solidFill>
@@ -8060,11 +8825,12 @@
           <a:bodyPr anchor="t">
             <a:noAutofit/>
           </a:bodyPr>
+          <a:lstStyle/>
           <a:p>
             <a:pPr indent="0" algn="ctr">
               <a:buNone/>
             </a:pPr>
-            <a:endParaRPr b="0" lang="en-GB" sz="2400" spc="-1" strike="noStrike">
+            <a:endParaRPr lang="en-GB" sz="2400" b="0" strike="noStrike" spc="-1">
               <a:solidFill>
                 <a:srgbClr val="000000"/>
               </a:solidFill>
@@ -8075,19 +8841,14 @@
       </p:sp>
     </p:spTree>
   </p:cSld>
-  <mc:AlternateContent>
-    <mc:Choice Requires="p14">
-      <p:transition spd="slow" p14:dur="2000"/>
-    </mc:Choice>
-    <mc:Fallback>
-      <p:transition spd="slow"/>
-    </mc:Fallback>
-  </mc:AlternateContent>
+  <p:clrMapOvr>
+    <a:masterClrMapping/>
+  </p:clrMapOvr>
 </p:sld>
 </file>
 
 <file path=ppt/slides/slide15.xml><?xml version="1.0" encoding="utf-8"?>
-<p:sld xmlns:a="http://schemas.openxmlformats.org/drawingml/2006/main" xmlns:p="http://schemas.openxmlformats.org/presentationml/2006/main" xmlns:r="http://schemas.openxmlformats.org/officeDocument/2006/relationships" xmlns:p14="http://schemas.microsoft.com/office/powerpoint/2010/main" xmlns:p15="http://schemas.microsoft.com/office/powerpoint/2012/main" xmlns:mc="http://schemas.openxmlformats.org/markup-compatibility/2006">
+<p:sld xmlns:a="http://schemas.openxmlformats.org/drawingml/2006/main" xmlns:r="http://schemas.openxmlformats.org/officeDocument/2006/relationships" xmlns:p="http://schemas.openxmlformats.org/presentationml/2006/main">
   <p:cSld>
     <p:spTree>
       <p:nvGrpSpPr>
@@ -8130,6 +8891,7 @@
           <a:bodyPr anchor="ctr">
             <a:noAutofit/>
           </a:bodyPr>
+          <a:lstStyle/>
           <a:p>
             <a:pPr indent="0">
               <a:lnSpc>
@@ -8138,7 +8900,7 @@
               <a:buNone/>
             </a:pPr>
             <a:r>
-              <a:rPr b="0" lang="en-GB" sz="4400" spc="-1" strike="noStrike">
+              <a:rPr lang="en-GB" sz="4400" b="0" strike="noStrike" spc="-1">
                 <a:solidFill>
                   <a:srgbClr val="000000"/>
                 </a:solidFill>
@@ -8146,7 +8908,7 @@
               </a:rPr>
               <a:t>Excel</a:t>
             </a:r>
-            <a:endParaRPr b="0" lang="en-US" sz="4400" spc="-1" strike="noStrike">
+            <a:endParaRPr lang="en-US" sz="4400" b="0" strike="noStrike" spc="-1">
               <a:solidFill>
                 <a:srgbClr val="000000"/>
               </a:solidFill>
@@ -8182,6 +8944,7 @@
           <a:bodyPr anchor="t">
             <a:noAutofit/>
           </a:bodyPr>
+          <a:lstStyle/>
           <a:p>
             <a:pPr marL="228600" indent="-228600">
               <a:lnSpc>
@@ -8197,7 +8960,7 @@
               <a:buChar char="•"/>
             </a:pPr>
             <a:r>
-              <a:rPr b="0" lang="en-GB" sz="2800" spc="-1" strike="noStrike">
+              <a:rPr lang="en-GB" sz="2800" b="0" strike="noStrike" spc="-1">
                 <a:solidFill>
                   <a:srgbClr val="000000"/>
                 </a:solidFill>
@@ -8205,7 +8968,7 @@
               </a:rPr>
               <a:t>If you can‘t avoid it, use the `readxl` package</a:t>
             </a:r>
-            <a:endParaRPr b="0" lang="en-US" sz="2800" spc="-1" strike="noStrike">
+            <a:endParaRPr lang="en-US" sz="2800" b="0" strike="noStrike" spc="-1">
               <a:solidFill>
                 <a:srgbClr val="000000"/>
               </a:solidFill>
@@ -8216,19 +8979,14 @@
       </p:sp>
     </p:spTree>
   </p:cSld>
-  <mc:AlternateContent>
-    <mc:Choice Requires="p14">
-      <p:transition spd="slow" p14:dur="2000"/>
-    </mc:Choice>
-    <mc:Fallback>
-      <p:transition spd="slow"/>
-    </mc:Fallback>
-  </mc:AlternateContent>
+  <p:clrMapOvr>
+    <a:masterClrMapping/>
+  </p:clrMapOvr>
 </p:sld>
 </file>
 
 <file path=ppt/slides/slide16.xml><?xml version="1.0" encoding="utf-8"?>
-<p:sld xmlns:a="http://schemas.openxmlformats.org/drawingml/2006/main" xmlns:p="http://schemas.openxmlformats.org/presentationml/2006/main" xmlns:r="http://schemas.openxmlformats.org/officeDocument/2006/relationships" xmlns:p14="http://schemas.microsoft.com/office/powerpoint/2010/main" xmlns:p15="http://schemas.microsoft.com/office/powerpoint/2012/main" xmlns:mc="http://schemas.openxmlformats.org/markup-compatibility/2006">
+<p:sld xmlns:a="http://schemas.openxmlformats.org/drawingml/2006/main" xmlns:r="http://schemas.openxmlformats.org/officeDocument/2006/relationships" xmlns:p="http://schemas.openxmlformats.org/presentationml/2006/main">
   <p:cSld>
     <p:spTree>
       <p:nvGrpSpPr>
@@ -8271,6 +9029,7 @@
           <a:bodyPr anchor="ctr">
             <a:noAutofit/>
           </a:bodyPr>
+          <a:lstStyle/>
           <a:p>
             <a:pPr indent="0">
               <a:lnSpc>
@@ -8279,7 +9038,7 @@
               <a:buNone/>
             </a:pPr>
             <a:r>
-              <a:rPr b="0" lang="en-GB" sz="4400" spc="-1" strike="noStrike">
+              <a:rPr lang="en-GB" sz="4400" b="0" strike="noStrike" spc="-1">
                 <a:solidFill>
                   <a:srgbClr val="000000"/>
                 </a:solidFill>
@@ -8287,7 +9046,7 @@
               </a:rPr>
               <a:t>Plain Text</a:t>
             </a:r>
-            <a:endParaRPr b="0" lang="en-US" sz="4400" spc="-1" strike="noStrike">
+            <a:endParaRPr lang="en-US" sz="4400" b="0" strike="noStrike" spc="-1">
               <a:solidFill>
                 <a:srgbClr val="000000"/>
               </a:solidFill>
@@ -8323,6 +9082,7 @@
           <a:bodyPr anchor="t">
             <a:noAutofit/>
           </a:bodyPr>
+          <a:lstStyle/>
           <a:p>
             <a:pPr marL="228600" indent="-228600">
               <a:lnSpc>
@@ -8338,7 +9098,7 @@
               <a:buChar char="•"/>
             </a:pPr>
             <a:r>
-              <a:rPr b="0" lang="en-GB" sz="2800" spc="-1" strike="noStrike">
+              <a:rPr lang="en-GB" sz="2800" b="0" strike="noStrike" spc="-1">
                 <a:solidFill>
                   <a:srgbClr val="000000"/>
                 </a:solidFill>
@@ -8346,7 +9106,7 @@
               </a:rPr>
               <a:t>Other delimiters with read.table()</a:t>
             </a:r>
-            <a:endParaRPr b="0" lang="en-US" sz="2800" spc="-1" strike="noStrike">
+            <a:endParaRPr lang="en-US" sz="2800" b="0" strike="noStrike" spc="-1">
               <a:solidFill>
                 <a:srgbClr val="000000"/>
               </a:solidFill>
@@ -8368,7 +9128,7 @@
               <a:buChar char="•"/>
             </a:pPr>
             <a:r>
-              <a:rPr b="0" lang="en-GB" sz="2800" spc="-1" strike="noStrike">
+              <a:rPr lang="en-GB" sz="2800" b="0" strike="noStrike" spc="-1">
                 <a:solidFill>
                   <a:srgbClr val="000000"/>
                 </a:solidFill>
@@ -8376,7 +9136,7 @@
               </a:rPr>
               <a:t>Skipping headers – useful for NASA Ames</a:t>
             </a:r>
-            <a:endParaRPr b="0" lang="en-US" sz="2800" spc="-1" strike="noStrike">
+            <a:endParaRPr lang="en-US" sz="2800" b="0" strike="noStrike" spc="-1">
               <a:solidFill>
                 <a:srgbClr val="000000"/>
               </a:solidFill>
@@ -8393,7 +9153,7 @@
               </a:spcBef>
               <a:buNone/>
             </a:pPr>
-            <a:endParaRPr b="0" lang="en-US" sz="2800" spc="-1" strike="noStrike">
+            <a:endParaRPr lang="en-US" sz="2800" b="0" strike="noStrike" spc="-1">
               <a:solidFill>
                 <a:srgbClr val="000000"/>
               </a:solidFill>
@@ -8415,7 +9175,7 @@
               <a:buChar char="•"/>
             </a:pPr>
             <a:r>
-              <a:rPr b="0" lang="en-GB" sz="2800" spc="-1" strike="noStrike">
+              <a:rPr lang="en-GB" sz="2800" b="0" strike="noStrike" spc="-1">
                 <a:solidFill>
                   <a:srgbClr val="000000"/>
                 </a:solidFill>
@@ -8423,15 +9183,15 @@
               </a:rPr>
               <a:t>Other more complex files include the Sift outputs</a:t>
             </a:r>
-            <a:endParaRPr b="0" lang="en-US" sz="2800" spc="-1" strike="noStrike">
-              <a:solidFill>
-                <a:srgbClr val="000000"/>
-              </a:solidFill>
-              <a:latin typeface="Calibri"/>
-            </a:endParaRPr>
-          </a:p>
-          <a:p>
-            <a:pPr lvl="1" marL="685800" indent="-228600">
+            <a:endParaRPr lang="en-US" sz="2800" b="0" strike="noStrike" spc="-1">
+              <a:solidFill>
+                <a:srgbClr val="000000"/>
+              </a:solidFill>
+              <a:latin typeface="Calibri"/>
+            </a:endParaRPr>
+          </a:p>
+          <a:p>
+            <a:pPr marL="685800" lvl="1" indent="-228600">
               <a:lnSpc>
                 <a:spcPct val="90000"/>
               </a:lnSpc>
@@ -8445,7 +9205,7 @@
               <a:buChar char="•"/>
             </a:pPr>
             <a:r>
-              <a:rPr b="0" lang="en-GB" sz="2400" spc="-1" strike="noStrike">
+              <a:rPr lang="en-GB" sz="2400" b="0" strike="noStrike" spc="-1">
                 <a:solidFill>
                   <a:srgbClr val="000000"/>
                 </a:solidFill>
@@ -8457,7 +9217,7 @@
               <a:rPr sz="2400"/>
             </a:br>
             <a:r>
-              <a:rPr b="0" lang="en-GB" sz="2400" spc="-1" strike="noStrike">
+              <a:rPr lang="en-GB" sz="2400" b="0" strike="noStrike" spc="-1">
                 <a:solidFill>
                   <a:srgbClr val="000000"/>
                 </a:solidFill>
@@ -8465,7 +9225,7 @@
               </a:rPr>
               <a:t>github.com/wacl-york/siftr</a:t>
             </a:r>
-            <a:endParaRPr b="0" lang="en-US" sz="2400" spc="-1" strike="noStrike">
+            <a:endParaRPr lang="en-US" sz="2400" b="0" strike="noStrike" spc="-1">
               <a:solidFill>
                 <a:srgbClr val="000000"/>
               </a:solidFill>
@@ -8476,19 +9236,14 @@
       </p:sp>
     </p:spTree>
   </p:cSld>
-  <mc:AlternateContent>
-    <mc:Choice Requires="p14">
-      <p:transition spd="slow" p14:dur="2000"/>
-    </mc:Choice>
-    <mc:Fallback>
-      <p:transition spd="slow"/>
-    </mc:Fallback>
-  </mc:AlternateContent>
+  <p:clrMapOvr>
+    <a:masterClrMapping/>
+  </p:clrMapOvr>
 </p:sld>
 </file>
 
 <file path=ppt/slides/slide17.xml><?xml version="1.0" encoding="utf-8"?>
-<p:sld xmlns:a="http://schemas.openxmlformats.org/drawingml/2006/main" xmlns:p="http://schemas.openxmlformats.org/presentationml/2006/main" xmlns:r="http://schemas.openxmlformats.org/officeDocument/2006/relationships" xmlns:p14="http://schemas.microsoft.com/office/powerpoint/2010/main" xmlns:p15="http://schemas.microsoft.com/office/powerpoint/2012/main" xmlns:mc="http://schemas.openxmlformats.org/markup-compatibility/2006">
+<p:sld xmlns:a="http://schemas.openxmlformats.org/drawingml/2006/main" xmlns:r="http://schemas.openxmlformats.org/officeDocument/2006/relationships" xmlns:p="http://schemas.openxmlformats.org/presentationml/2006/main">
   <p:cSld>
     <p:spTree>
       <p:nvGrpSpPr>
@@ -8531,6 +9286,7 @@
           <a:bodyPr anchor="ctr">
             <a:noAutofit/>
           </a:bodyPr>
+          <a:lstStyle/>
           <a:p>
             <a:pPr indent="0">
               <a:lnSpc>
@@ -8539,7 +9295,7 @@
               <a:buNone/>
             </a:pPr>
             <a:r>
-              <a:rPr b="0" lang="en-GB" sz="4400" spc="-1" strike="noStrike">
+              <a:rPr lang="en-GB" sz="4400" b="0" strike="noStrike" spc="-1">
                 <a:solidFill>
                   <a:srgbClr val="000000"/>
                 </a:solidFill>
@@ -8547,7 +9303,7 @@
               </a:rPr>
               <a:t>NetCDF</a:t>
             </a:r>
-            <a:endParaRPr b="0" lang="en-US" sz="4400" spc="-1" strike="noStrike">
+            <a:endParaRPr lang="en-US" sz="4400" b="0" strike="noStrike" spc="-1">
               <a:solidFill>
                 <a:srgbClr val="000000"/>
               </a:solidFill>
@@ -8583,6 +9339,7 @@
           <a:bodyPr anchor="t">
             <a:normAutofit fontScale="57000"/>
           </a:bodyPr>
+          <a:lstStyle/>
           <a:p>
             <a:pPr marL="167760" indent="-167760">
               <a:lnSpc>
@@ -8598,7 +9355,7 @@
               <a:buChar char="•"/>
             </a:pPr>
             <a:r>
-              <a:rPr b="0" lang="en-GB" sz="2800" spc="-1" strike="noStrike">
+              <a:rPr lang="en-GB" sz="2800" b="0" strike="noStrike" spc="-1">
                 <a:solidFill>
                   <a:srgbClr val="000000"/>
                 </a:solidFill>
@@ -8606,7 +9363,7 @@
               </a:rPr>
               <a:t>Binary file, so you can’t inspect with notepad etc…</a:t>
             </a:r>
-            <a:endParaRPr b="0" lang="en-US" sz="2800" spc="-1" strike="noStrike">
+            <a:endParaRPr lang="en-US" sz="2800" b="0" strike="noStrike" spc="-1">
               <a:solidFill>
                 <a:srgbClr val="000000"/>
               </a:solidFill>
@@ -8628,7 +9385,7 @@
               <a:buChar char="•"/>
             </a:pPr>
             <a:r>
-              <a:rPr b="0" lang="en-GB" sz="2800" spc="-1" strike="noStrike">
+              <a:rPr lang="en-GB" sz="2800" b="0" strike="noStrike" spc="-1">
                 <a:solidFill>
                   <a:srgbClr val="000000"/>
                 </a:solidFill>
@@ -8636,7 +9393,7 @@
               </a:rPr>
               <a:t>Doesn’t fit in with the ‘tidy’ style of long data, instead more oriented towards multi-dimensional arrays (very useful for gridded model output)</a:t>
             </a:r>
-            <a:endParaRPr b="0" lang="en-US" sz="2800" spc="-1" strike="noStrike">
+            <a:endParaRPr lang="en-US" sz="2800" b="0" strike="noStrike" spc="-1">
               <a:solidFill>
                 <a:srgbClr val="000000"/>
               </a:solidFill>
@@ -8658,7 +9415,7 @@
               <a:buChar char="•"/>
             </a:pPr>
             <a:r>
-              <a:rPr b="0" lang="en-GB" sz="2800" spc="-1" strike="noStrike">
+              <a:rPr lang="en-GB" sz="2800" b="0" strike="noStrike" spc="-1">
                 <a:solidFill>
                   <a:srgbClr val="000000"/>
                 </a:solidFill>
@@ -8668,16 +9425,16 @@
               <a:t>CEDA Repository uses it for most of its data following the </a:t>
             </a:r>
             <a:r>
-              <a:rPr b="0" lang="en-GB" sz="2800" spc="-1" strike="noStrike">
+              <a:rPr lang="en-GB" sz="2800" b="0" strike="noStrike" spc="-1">
                 <a:solidFill>
                   <a:srgbClr val="000000"/>
                 </a:solidFill>
                 <a:latin typeface="Calibri"/>
-                <a:hlinkClick r:id="rId1"/>
+                <a:hlinkClick r:id="rId2"/>
               </a:rPr>
               <a:t>CF Convention</a:t>
             </a:r>
-            <a:endParaRPr b="0" lang="en-US" sz="2800" spc="-1" strike="noStrike">
+            <a:endParaRPr lang="en-US" sz="2800" b="0" strike="noStrike" spc="-1">
               <a:solidFill>
                 <a:srgbClr val="000000"/>
               </a:solidFill>
@@ -8699,7 +9456,7 @@
               <a:buChar char="•"/>
             </a:pPr>
             <a:r>
-              <a:rPr b="0" lang="en-GB" sz="2800" spc="-1" strike="noStrike">
+              <a:rPr lang="en-GB" sz="2800" b="0" strike="noStrike" spc="-1">
                 <a:solidFill>
                   <a:srgbClr val="000000"/>
                 </a:solidFill>
@@ -8707,15 +9464,15 @@
               </a:rPr>
               <a:t>File structure:</a:t>
             </a:r>
-            <a:endParaRPr b="0" lang="en-US" sz="2800" spc="-1" strike="noStrike">
-              <a:solidFill>
-                <a:srgbClr val="000000"/>
-              </a:solidFill>
-              <a:latin typeface="Calibri"/>
-            </a:endParaRPr>
-          </a:p>
-          <a:p>
-            <a:pPr lvl="1" marL="492480" indent="-184680">
+            <a:endParaRPr lang="en-US" sz="2800" b="0" strike="noStrike" spc="-1">
+              <a:solidFill>
+                <a:srgbClr val="000000"/>
+              </a:solidFill>
+              <a:latin typeface="Calibri"/>
+            </a:endParaRPr>
+          </a:p>
+          <a:p>
+            <a:pPr marL="492480" lvl="1" indent="-184680">
               <a:lnSpc>
                 <a:spcPct val="90000"/>
               </a:lnSpc>
@@ -8730,7 +9487,7 @@
               <a:buChar char=""/>
             </a:pPr>
             <a:r>
-              <a:rPr b="0" lang="en-GB" sz="2800" spc="-1" strike="noStrike">
+              <a:rPr lang="en-GB" sz="2800" b="0" strike="noStrike" spc="-1">
                 <a:solidFill>
                   <a:srgbClr val="000000"/>
                 </a:solidFill>
@@ -8738,15 +9495,15 @@
               </a:rPr>
               <a:t>Variables are split into two categories</a:t>
             </a:r>
-            <a:endParaRPr b="0" lang="en-US" sz="2800" spc="-1" strike="noStrike">
-              <a:solidFill>
-                <a:srgbClr val="000000"/>
-              </a:solidFill>
-              <a:latin typeface="Calibri"/>
-            </a:endParaRPr>
-          </a:p>
-          <a:p>
-            <a:pPr lvl="2" marL="738720" indent="-164160">
+            <a:endParaRPr lang="en-US" sz="2800" b="0" strike="noStrike" spc="-1">
+              <a:solidFill>
+                <a:srgbClr val="000000"/>
+              </a:solidFill>
+              <a:latin typeface="Calibri"/>
+            </a:endParaRPr>
+          </a:p>
+          <a:p>
+            <a:pPr marL="738720" lvl="2" indent="-164160">
               <a:lnSpc>
                 <a:spcPct val="90000"/>
               </a:lnSpc>
@@ -8761,7 +9518,7 @@
               <a:buChar char=""/>
             </a:pPr>
             <a:r>
-              <a:rPr b="0" lang="en-GB" sz="2800" spc="-1" strike="noStrike">
+              <a:rPr lang="en-GB" sz="2800" b="0" strike="noStrike" spc="-1">
                 <a:solidFill>
                   <a:srgbClr val="000000"/>
                 </a:solidFill>
@@ -8769,15 +9526,15 @@
               </a:rPr>
               <a:t>Dimensions: (what makes a row unique? Time, lat, lon, alt, etc…)</a:t>
             </a:r>
-            <a:endParaRPr b="0" lang="en-US" sz="2800" spc="-1" strike="noStrike">
-              <a:solidFill>
-                <a:srgbClr val="000000"/>
-              </a:solidFill>
-              <a:latin typeface="Calibri"/>
-            </a:endParaRPr>
-          </a:p>
-          <a:p>
-            <a:pPr lvl="2" marL="738720" indent="-164160">
+            <a:endParaRPr lang="en-US" sz="2800" b="0" strike="noStrike" spc="-1">
+              <a:solidFill>
+                <a:srgbClr val="000000"/>
+              </a:solidFill>
+              <a:latin typeface="Calibri"/>
+            </a:endParaRPr>
+          </a:p>
+          <a:p>
+            <a:pPr marL="738720" lvl="2" indent="-164160">
               <a:lnSpc>
                 <a:spcPct val="90000"/>
               </a:lnSpc>
@@ -8792,7 +9549,7 @@
               <a:buChar char=""/>
             </a:pPr>
             <a:r>
-              <a:rPr b="0" lang="en-GB" sz="2800" spc="-1" strike="noStrike">
+              <a:rPr lang="en-GB" sz="2800" b="0" strike="noStrike" spc="-1">
                 <a:solidFill>
                   <a:srgbClr val="000000"/>
                 </a:solidFill>
@@ -8800,15 +9557,15 @@
               </a:rPr>
               <a:t>Measurement variables ([NO2], temperature, etc...)</a:t>
             </a:r>
-            <a:endParaRPr b="0" lang="en-US" sz="2800" spc="-1" strike="noStrike">
-              <a:solidFill>
-                <a:srgbClr val="000000"/>
-              </a:solidFill>
-              <a:latin typeface="Calibri"/>
-            </a:endParaRPr>
-          </a:p>
-          <a:p>
-            <a:pPr lvl="1" marL="492480" indent="-184680">
+            <a:endParaRPr lang="en-US" sz="2800" b="0" strike="noStrike" spc="-1">
+              <a:solidFill>
+                <a:srgbClr val="000000"/>
+              </a:solidFill>
+              <a:latin typeface="Calibri"/>
+            </a:endParaRPr>
+          </a:p>
+          <a:p>
+            <a:pPr marL="492480" lvl="1" indent="-184680">
               <a:lnSpc>
                 <a:spcPct val="90000"/>
               </a:lnSpc>
@@ -8823,7 +9580,7 @@
               <a:buChar char=""/>
             </a:pPr>
             <a:r>
-              <a:rPr b="0" lang="en-GB" sz="2800" spc="-1" strike="noStrike">
+              <a:rPr lang="en-GB" sz="2800" b="0" strike="noStrike" spc="-1">
                 <a:solidFill>
                   <a:srgbClr val="000000"/>
                 </a:solidFill>
@@ -8831,15 +9588,15 @@
               </a:rPr>
               <a:t>Metadata is hard coded in the file and contains information like units</a:t>
             </a:r>
-            <a:endParaRPr b="0" lang="en-US" sz="2800" spc="-1" strike="noStrike">
-              <a:solidFill>
-                <a:srgbClr val="000000"/>
-              </a:solidFill>
-              <a:latin typeface="Calibri"/>
-            </a:endParaRPr>
-          </a:p>
-          <a:p>
-            <a:pPr lvl="1" marL="492480" indent="-184680">
+            <a:endParaRPr lang="en-US" sz="2800" b="0" strike="noStrike" spc="-1">
+              <a:solidFill>
+                <a:srgbClr val="000000"/>
+              </a:solidFill>
+              <a:latin typeface="Calibri"/>
+            </a:endParaRPr>
+          </a:p>
+          <a:p>
+            <a:pPr marL="492480" lvl="1" indent="-184680">
               <a:lnSpc>
                 <a:spcPct val="90000"/>
               </a:lnSpc>
@@ -8854,7 +9611,7 @@
               <a:buChar char=""/>
             </a:pPr>
             <a:r>
-              <a:rPr b="0" lang="en-GB" sz="2800" spc="-1" strike="noStrike">
+              <a:rPr lang="en-GB" sz="2800" b="0" strike="noStrike" spc="-1">
                 <a:solidFill>
                   <a:srgbClr val="000000"/>
                 </a:solidFill>
@@ -8862,15 +9619,15 @@
               </a:rPr>
               <a:t>Just as Excel has multiple “sheets”, netCDFs can have multiple “grids”</a:t>
             </a:r>
-            <a:endParaRPr b="0" lang="en-US" sz="2800" spc="-1" strike="noStrike">
-              <a:solidFill>
-                <a:srgbClr val="000000"/>
-              </a:solidFill>
-              <a:latin typeface="Calibri"/>
-            </a:endParaRPr>
-          </a:p>
-          <a:p>
-            <a:pPr lvl="2" marL="738720" indent="-164160">
+            <a:endParaRPr lang="en-US" sz="2800" b="0" strike="noStrike" spc="-1">
+              <a:solidFill>
+                <a:srgbClr val="000000"/>
+              </a:solidFill>
+              <a:latin typeface="Calibri"/>
+            </a:endParaRPr>
+          </a:p>
+          <a:p>
+            <a:pPr marL="738720" lvl="2" indent="-164160">
               <a:lnSpc>
                 <a:spcPct val="90000"/>
               </a:lnSpc>
@@ -8885,7 +9642,7 @@
               <a:buChar char=""/>
             </a:pPr>
             <a:r>
-              <a:rPr b="0" lang="en-GB" sz="2400" spc="-1" strike="noStrike">
+              <a:rPr lang="en-GB" sz="2400" b="0" strike="noStrike" spc="-1">
                 <a:solidFill>
                   <a:srgbClr val="000000"/>
                 </a:solidFill>
@@ -8893,15 +9650,15 @@
               </a:rPr>
               <a:t>Core FAAM data uses them to store different time resolution data</a:t>
             </a:r>
-            <a:endParaRPr b="0" lang="en-US" sz="2400" spc="-1" strike="noStrike">
-              <a:solidFill>
-                <a:srgbClr val="000000"/>
-              </a:solidFill>
-              <a:latin typeface="Calibri"/>
-            </a:endParaRPr>
-          </a:p>
-          <a:p>
-            <a:pPr lvl="1" marL="504360" indent="-167760">
+            <a:endParaRPr lang="en-US" sz="2400" b="0" strike="noStrike" spc="-1">
+              <a:solidFill>
+                <a:srgbClr val="000000"/>
+              </a:solidFill>
+              <a:latin typeface="Calibri"/>
+            </a:endParaRPr>
+          </a:p>
+          <a:p>
+            <a:pPr marL="504360" lvl="1" indent="-167760">
               <a:lnSpc>
                 <a:spcPct val="90000"/>
               </a:lnSpc>
@@ -8915,7 +9672,7 @@
               <a:buChar char="•"/>
             </a:pPr>
             <a:r>
-              <a:rPr b="0" lang="en-GB" sz="2800" spc="-1" strike="noStrike">
+              <a:rPr lang="en-GB" sz="2800" b="0" strike="noStrike" spc="-1">
                 <a:solidFill>
                   <a:srgbClr val="000000"/>
                 </a:solidFill>
@@ -8923,15 +9680,15 @@
               </a:rPr>
               <a:t>Can optionally define “transformations” </a:t>
             </a:r>
-            <a:endParaRPr b="0" lang="en-US" sz="2800" spc="-1" strike="noStrike">
-              <a:solidFill>
-                <a:srgbClr val="000000"/>
-              </a:solidFill>
-              <a:latin typeface="Calibri"/>
-            </a:endParaRPr>
-          </a:p>
-          <a:p>
-            <a:pPr lvl="2" marL="738720" indent="-164160">
+            <a:endParaRPr lang="en-US" sz="2800" b="0" strike="noStrike" spc="-1">
+              <a:solidFill>
+                <a:srgbClr val="000000"/>
+              </a:solidFill>
+              <a:latin typeface="Calibri"/>
+            </a:endParaRPr>
+          </a:p>
+          <a:p>
+            <a:pPr marL="738720" lvl="2" indent="-164160">
               <a:lnSpc>
                 <a:spcPct val="90000"/>
               </a:lnSpc>
@@ -8946,7 +9703,7 @@
               <a:buChar char=""/>
             </a:pPr>
             <a:r>
-              <a:rPr b="0" lang="en-GB" sz="2400" spc="-1" strike="noStrike">
+              <a:rPr lang="en-GB" sz="2400" b="0" strike="noStrike" spc="-1">
                 <a:solidFill>
                   <a:srgbClr val="000000"/>
                 </a:solidFill>
@@ -8958,7 +9715,7 @@
               <a:rPr sz="2400"/>
             </a:br>
             <a:r>
-              <a:rPr b="0" lang="en-GB" sz="2400" spc="-1" strike="noStrike">
+              <a:rPr lang="en-GB" sz="2400" b="0" strike="noStrike" spc="-1">
                 <a:solidFill>
                   <a:srgbClr val="000000"/>
                 </a:solidFill>
@@ -8966,7 +9723,7 @@
               </a:rPr>
               <a:t> </a:t>
             </a:r>
-            <a:endParaRPr b="0" lang="en-US" sz="2400" spc="-1" strike="noStrike">
+            <a:endParaRPr lang="en-US" sz="2400" b="0" strike="noStrike" spc="-1">
               <a:solidFill>
                 <a:srgbClr val="000000"/>
               </a:solidFill>
@@ -8988,7 +9745,7 @@
               <a:buChar char="•"/>
             </a:pPr>
             <a:r>
-              <a:rPr b="0" lang="en-GB" sz="2800" spc="-1" strike="noStrike">
+              <a:rPr lang="en-GB" sz="2800" b="0" strike="noStrike" spc="-1">
                 <a:solidFill>
                   <a:srgbClr val="000000"/>
                 </a:solidFill>
@@ -8996,7 +9753,7 @@
               </a:rPr>
               <a:t>`Tidync` and `ncmeta` OR `ncdf4`</a:t>
             </a:r>
-            <a:endParaRPr b="0" lang="en-US" sz="2800" spc="-1" strike="noStrike">
+            <a:endParaRPr lang="en-US" sz="2800" b="0" strike="noStrike" spc="-1">
               <a:solidFill>
                 <a:srgbClr val="000000"/>
               </a:solidFill>
@@ -9018,7 +9775,7 @@
               <a:buChar char="•"/>
             </a:pPr>
             <a:r>
-              <a:rPr b="0" lang="en-GB" sz="2800" spc="-1" strike="noStrike">
+              <a:rPr lang="en-GB" sz="2800" b="0" strike="noStrike" spc="-1">
                 <a:solidFill>
                   <a:srgbClr val="000000"/>
                 </a:solidFill>
@@ -9026,7 +9783,7 @@
               </a:rPr>
               <a:t>Use a FAAM file as an example</a:t>
             </a:r>
-            <a:endParaRPr b="0" lang="en-US" sz="2800" spc="-1" strike="noStrike">
+            <a:endParaRPr lang="en-US" sz="2800" b="0" strike="noStrike" spc="-1">
               <a:solidFill>
                 <a:srgbClr val="000000"/>
               </a:solidFill>
@@ -9037,19 +9794,14 @@
       </p:sp>
     </p:spTree>
   </p:cSld>
-  <mc:AlternateContent>
-    <mc:Choice Requires="p14">
-      <p:transition spd="slow" p14:dur="2000"/>
-    </mc:Choice>
-    <mc:Fallback>
-      <p:transition spd="slow"/>
-    </mc:Fallback>
-  </mc:AlternateContent>
+  <p:clrMapOvr>
+    <a:masterClrMapping/>
+  </p:clrMapOvr>
 </p:sld>
 </file>
 
 <file path=ppt/slides/slide18.xml><?xml version="1.0" encoding="utf-8"?>
-<p:sld xmlns:a="http://schemas.openxmlformats.org/drawingml/2006/main" xmlns:p="http://schemas.openxmlformats.org/presentationml/2006/main" xmlns:r="http://schemas.openxmlformats.org/officeDocument/2006/relationships" xmlns:p14="http://schemas.microsoft.com/office/powerpoint/2010/main" xmlns:p15="http://schemas.microsoft.com/office/powerpoint/2012/main" xmlns:mc="http://schemas.openxmlformats.org/markup-compatibility/2006">
+<p:sld xmlns:a="http://schemas.openxmlformats.org/drawingml/2006/main" xmlns:r="http://schemas.openxmlformats.org/officeDocument/2006/relationships" xmlns:p="http://schemas.openxmlformats.org/presentationml/2006/main">
   <p:cSld>
     <p:spTree>
       <p:nvGrpSpPr>
@@ -9092,6 +9844,7 @@
           <a:bodyPr anchor="b">
             <a:noAutofit/>
           </a:bodyPr>
+          <a:lstStyle/>
           <a:p>
             <a:pPr indent="0" algn="ctr">
               <a:lnSpc>
@@ -9100,15 +9853,15 @@
               <a:buNone/>
             </a:pPr>
             <a:r>
-              <a:rPr b="0" lang="en-GB" sz="6000" spc="-1" strike="noStrike">
+              <a:rPr lang="en-GB" sz="6000" b="0" strike="noStrike" spc="-1" dirty="0">
                 <a:solidFill>
                   <a:srgbClr val="000000"/>
                 </a:solidFill>
                 <a:latin typeface="Calibri Light"/>
               </a:rPr>
-              <a:t>Other ways of running R</a:t>
-            </a:r>
-            <a:endParaRPr b="0" lang="en-US" sz="6000" spc="-1" strike="noStrike">
+              <a:t>Writing Functions</a:t>
+            </a:r>
+            <a:endParaRPr lang="en-US" sz="6000" b="0" strike="noStrike" spc="-1" dirty="0">
               <a:solidFill>
                 <a:srgbClr val="000000"/>
               </a:solidFill>
@@ -9144,11 +9897,12 @@
           <a:bodyPr anchor="t">
             <a:noAutofit/>
           </a:bodyPr>
+          <a:lstStyle/>
           <a:p>
             <a:pPr indent="0" algn="ctr">
               <a:buNone/>
             </a:pPr>
-            <a:endParaRPr b="0" lang="en-GB" sz="2400" spc="-1" strike="noStrike">
+            <a:endParaRPr lang="en-GB" sz="2400" b="0" strike="noStrike" spc="-1">
               <a:solidFill>
                 <a:srgbClr val="000000"/>
               </a:solidFill>
@@ -9159,19 +9913,14 @@
       </p:sp>
     </p:spTree>
   </p:cSld>
-  <mc:AlternateContent>
-    <mc:Choice Requires="p14">
-      <p:transition spd="slow" p14:dur="2000"/>
-    </mc:Choice>
-    <mc:Fallback>
-      <p:transition spd="slow"/>
-    </mc:Fallback>
-  </mc:AlternateContent>
+  <p:clrMapOvr>
+    <a:masterClrMapping/>
+  </p:clrMapOvr>
 </p:sld>
 </file>
 
 <file path=ppt/slides/slide19.xml><?xml version="1.0" encoding="utf-8"?>
-<p:sld xmlns:a="http://schemas.openxmlformats.org/drawingml/2006/main" xmlns:p="http://schemas.openxmlformats.org/presentationml/2006/main" xmlns:r="http://schemas.openxmlformats.org/officeDocument/2006/relationships" xmlns:p14="http://schemas.microsoft.com/office/powerpoint/2010/main" xmlns:p15="http://schemas.microsoft.com/office/powerpoint/2012/main" xmlns:mc="http://schemas.openxmlformats.org/markup-compatibility/2006">
+<p:sld xmlns:a="http://schemas.openxmlformats.org/drawingml/2006/main" xmlns:r="http://schemas.openxmlformats.org/officeDocument/2006/relationships" xmlns:p="http://schemas.openxmlformats.org/presentationml/2006/main">
   <p:cSld>
     <p:spTree>
       <p:nvGrpSpPr>
@@ -9189,18 +9938,18 @@
       </p:grpSpPr>
       <p:sp>
         <p:nvSpPr>
-          <p:cNvPr id="125" name="PlaceHolder 1"/>
-          <p:cNvSpPr>
-            <a:spLocks noGrp="1"/>
-          </p:cNvSpPr>
-          <p:nvPr>
-            <p:ph/>
+          <p:cNvPr id="123" name="PlaceHolder 1"/>
+          <p:cNvSpPr>
+            <a:spLocks noGrp="1"/>
+          </p:cNvSpPr>
+          <p:nvPr>
+            <p:ph type="title"/>
           </p:nvPr>
         </p:nvSpPr>
         <p:spPr>
           <a:xfrm>
-            <a:off x="609480" y="1604520"/>
-            <a:ext cx="10972440" cy="3977280"/>
+            <a:off x="1523880" y="1122480"/>
+            <a:ext cx="9143640" cy="2387160"/>
           </a:xfrm>
           <a:prstGeom prst="rect">
             <a:avLst/>
@@ -9211,207 +9960,49 @@
           </a:ln>
         </p:spPr>
         <p:txBody>
-          <a:bodyPr lIns="0" rIns="0" tIns="0" bIns="0" anchor="t">
-            <a:normAutofit fontScale="72000"/>
+          <a:bodyPr anchor="b">
+            <a:noAutofit/>
           </a:bodyPr>
-          <a:p>
-            <a:pPr marL="311040" indent="-233280">
-              <a:lnSpc>
-                <a:spcPct val="90000"/>
-              </a:lnSpc>
-              <a:spcBef>
-                <a:spcPts val="1417"/>
-              </a:spcBef>
-              <a:buClr>
-                <a:srgbClr val="000000"/>
-              </a:buClr>
-              <a:buSzPct val="45000"/>
-              <a:buFont typeface="Wingdings" charset="2"/>
-              <a:buChar char=""/>
-            </a:pPr>
-            <a:r>
-              <a:rPr b="0" lang="en-US" sz="2800" spc="-1" strike="noStrike">
-                <a:solidFill>
-                  <a:srgbClr val="000000"/>
-                </a:solidFill>
-                <a:latin typeface="Calibri"/>
-              </a:rPr>
-              <a:t>Interactive ‘notebooks’ that allow you to keep text and code outputs (figures, tables, code snippets etc…) alongside the raw code</a:t>
-            </a:r>
-            <a:endParaRPr b="0" lang="en-US" sz="2800" spc="-1" strike="noStrike">
-              <a:solidFill>
-                <a:srgbClr val="000000"/>
-              </a:solidFill>
-              <a:latin typeface="Calibri"/>
-            </a:endParaRPr>
-          </a:p>
-          <a:p>
-            <a:pPr marL="311040" indent="-233280">
-              <a:lnSpc>
-                <a:spcPct val="90000"/>
-              </a:lnSpc>
-              <a:spcBef>
-                <a:spcPts val="1417"/>
-              </a:spcBef>
-              <a:buClr>
-                <a:srgbClr val="000000"/>
-              </a:buClr>
-              <a:buSzPct val="45000"/>
-              <a:buFont typeface="Wingdings" charset="2"/>
-              <a:buChar char=""/>
-            </a:pPr>
-            <a:r>
-              <a:rPr b="0" lang="en-US" sz="2800" spc="-1" strike="noStrike">
-                <a:solidFill>
-                  <a:srgbClr val="000000"/>
-                </a:solidFill>
-                <a:latin typeface="Calibri"/>
-              </a:rPr>
-              <a:t>Can output to HTML documents, HTML slideshows, PDF and more</a:t>
-            </a:r>
-            <a:endParaRPr b="0" lang="en-US" sz="2800" spc="-1" strike="noStrike">
-              <a:solidFill>
-                <a:srgbClr val="000000"/>
-              </a:solidFill>
-              <a:latin typeface="Calibri"/>
-            </a:endParaRPr>
-          </a:p>
-          <a:p>
-            <a:pPr marL="311040" indent="-233280">
-              <a:lnSpc>
-                <a:spcPct val="90000"/>
-              </a:lnSpc>
-              <a:spcBef>
-                <a:spcPts val="1417"/>
-              </a:spcBef>
-              <a:buClr>
-                <a:srgbClr val="000000"/>
-              </a:buClr>
-              <a:buSzPct val="45000"/>
-              <a:buFont typeface="Wingdings" charset="2"/>
-              <a:buChar char=""/>
-            </a:pPr>
-            <a:r>
-              <a:rPr b="0" lang="en-US" sz="2800" spc="-1" strike="noStrike">
-                <a:solidFill>
-                  <a:srgbClr val="000000"/>
-                </a:solidFill>
-                <a:latin typeface="Calibri"/>
-              </a:rPr>
-              <a:t>Great for reproducible research! Allows you to answer the question “you know that figure you made for that meeting 18 months ago? What exact dataset did you use for it?”</a:t>
-            </a:r>
-            <a:endParaRPr b="0" lang="en-US" sz="2800" spc="-1" strike="noStrike">
-              <a:solidFill>
-                <a:srgbClr val="000000"/>
-              </a:solidFill>
-              <a:latin typeface="Calibri"/>
-            </a:endParaRPr>
-          </a:p>
-          <a:p>
-            <a:pPr marL="311040" indent="-233280">
-              <a:lnSpc>
-                <a:spcPct val="90000"/>
-              </a:lnSpc>
-              <a:spcBef>
-                <a:spcPts val="1417"/>
-              </a:spcBef>
-              <a:buClr>
-                <a:srgbClr val="000000"/>
-              </a:buClr>
-              <a:buSzPct val="45000"/>
-              <a:buFont typeface="Wingdings" charset="2"/>
-              <a:buChar char=""/>
-            </a:pPr>
-            <a:r>
-              <a:rPr b="0" lang="en-US" sz="2800" spc="-1" strike="noStrike">
-                <a:solidFill>
-                  <a:srgbClr val="000000"/>
-                </a:solidFill>
-                <a:latin typeface="Calibri"/>
-              </a:rPr>
-              <a:t>Can even use it for an entire PhD thesis!</a:t>
-            </a:r>
-            <a:endParaRPr b="0" lang="en-US" sz="2800" spc="-1" strike="noStrike">
-              <a:solidFill>
-                <a:srgbClr val="000000"/>
-              </a:solidFill>
-              <a:latin typeface="Calibri"/>
-            </a:endParaRPr>
-          </a:p>
-          <a:p>
-            <a:pPr marL="311040" indent="-233280">
-              <a:lnSpc>
-                <a:spcPct val="90000"/>
-              </a:lnSpc>
-              <a:spcBef>
-                <a:spcPts val="1417"/>
-              </a:spcBef>
-              <a:buClr>
-                <a:srgbClr val="000000"/>
-              </a:buClr>
-              <a:buSzPct val="45000"/>
-              <a:buFont typeface="Wingdings" charset="2"/>
-              <a:buChar char=""/>
-            </a:pPr>
-            <a:r>
-              <a:rPr b="0" lang="en-US" sz="2800" spc="-1" strike="noStrike">
-                <a:solidFill>
-                  <a:srgbClr val="000000"/>
-                </a:solidFill>
-                <a:latin typeface="Calibri"/>
-              </a:rPr>
-              <a:t>IMO better in many ways than Jupyter Notebooks for Python</a:t>
-            </a:r>
-            <a:endParaRPr b="0" lang="en-US" sz="2800" spc="-1" strike="noStrike">
-              <a:solidFill>
-                <a:srgbClr val="000000"/>
-              </a:solidFill>
-              <a:latin typeface="Calibri"/>
-            </a:endParaRPr>
-          </a:p>
-          <a:p>
-            <a:pPr marL="311040" indent="-233280">
-              <a:lnSpc>
-                <a:spcPct val="90000"/>
-              </a:lnSpc>
-              <a:spcBef>
-                <a:spcPts val="1417"/>
-              </a:spcBef>
-              <a:buClr>
-                <a:srgbClr val="000000"/>
-              </a:buClr>
-              <a:buSzPct val="45000"/>
-              <a:buFont typeface="Wingdings" charset="2"/>
-              <a:buChar char=""/>
-            </a:pPr>
-            <a:r>
-              <a:rPr b="0" lang="en-US" sz="2800" spc="-1" strike="noStrike">
-                <a:solidFill>
-                  <a:srgbClr val="000000"/>
-                </a:solidFill>
-                <a:latin typeface="Calibri"/>
-              </a:rPr>
-              <a:t>Can use code snippets from different languages (such as Python) and even share data structures between them! Useful if you have a model that runs in Python but you prefer plotting in R</a:t>
-            </a:r>
-            <a:endParaRPr b="0" lang="en-US" sz="2800" spc="-1" strike="noStrike">
-              <a:solidFill>
-                <a:srgbClr val="000000"/>
-              </a:solidFill>
-              <a:latin typeface="Calibri"/>
-            </a:endParaRPr>
-          </a:p>
-        </p:txBody>
-      </p:sp>
-      <p:sp>
-        <p:nvSpPr>
-          <p:cNvPr id="126" name="Title 2"/>
-          <p:cNvSpPr txBox="1"/>
-          <p:nvPr/>
+          <a:lstStyle/>
+          <a:p>
+            <a:pPr indent="0" algn="ctr">
+              <a:lnSpc>
+                <a:spcPct val="90000"/>
+              </a:lnSpc>
+              <a:buNone/>
+            </a:pPr>
+            <a:r>
+              <a:rPr lang="en-GB" sz="6000" b="0" strike="noStrike" spc="-1">
+                <a:solidFill>
+                  <a:srgbClr val="000000"/>
+                </a:solidFill>
+                <a:latin typeface="Calibri Light"/>
+              </a:rPr>
+              <a:t>Other ways of running R</a:t>
+            </a:r>
+            <a:endParaRPr lang="en-US" sz="6000" b="0" strike="noStrike" spc="-1">
+              <a:solidFill>
+                <a:srgbClr val="000000"/>
+              </a:solidFill>
+              <a:latin typeface="Calibri"/>
+            </a:endParaRPr>
+          </a:p>
+        </p:txBody>
+      </p:sp>
+      <p:sp>
+        <p:nvSpPr>
+          <p:cNvPr id="124" name="PlaceHolder 2"/>
+          <p:cNvSpPr>
+            <a:spLocks noGrp="1"/>
+          </p:cNvSpPr>
+          <p:nvPr>
+            <p:ph type="subTitle"/>
+          </p:nvPr>
         </p:nvSpPr>
         <p:spPr>
           <a:xfrm>
-            <a:off x="838440" y="365400"/>
-            <a:ext cx="10515240" cy="1325160"/>
+            <a:off x="1523880" y="3602160"/>
+            <a:ext cx="9143640" cy="1655280"/>
           </a:xfrm>
           <a:prstGeom prst="rect">
             <a:avLst/>
@@ -9422,25 +10013,15 @@
           </a:ln>
         </p:spPr>
         <p:txBody>
-          <a:bodyPr anchor="ctr">
+          <a:bodyPr anchor="t">
             <a:noAutofit/>
           </a:bodyPr>
-          <a:p>
-            <a:pPr>
-              <a:lnSpc>
-                <a:spcPct val="90000"/>
-              </a:lnSpc>
-            </a:pPr>
-            <a:r>
-              <a:rPr b="0" lang="en-GB" sz="4400" spc="-1" strike="noStrike">
-                <a:solidFill>
-                  <a:srgbClr val="000000"/>
-                </a:solidFill>
-                <a:latin typeface="Calibri Light"/>
-              </a:rPr>
-              <a:t>Quarto / Rmarkdown</a:t>
-            </a:r>
-            <a:endParaRPr b="0" lang="en-US" sz="4400" spc="-1" strike="noStrike">
+          <a:lstStyle/>
+          <a:p>
+            <a:pPr indent="0" algn="ctr">
+              <a:buNone/>
+            </a:pPr>
+            <a:endParaRPr lang="en-GB" sz="2400" b="0" strike="noStrike" spc="-1">
               <a:solidFill>
                 <a:srgbClr val="000000"/>
               </a:solidFill>
@@ -9450,20 +10031,20 @@
         </p:txBody>
       </p:sp>
     </p:spTree>
+    <p:extLst>
+      <p:ext uri="{BB962C8B-B14F-4D97-AF65-F5344CB8AC3E}">
+        <p14:creationId xmlns:p14="http://schemas.microsoft.com/office/powerpoint/2010/main" val="1531217656"/>
+      </p:ext>
+    </p:extLst>
   </p:cSld>
-  <mc:AlternateContent>
-    <mc:Choice Requires="p14">
-      <p:transition spd="slow" p14:dur="2000"/>
-    </mc:Choice>
-    <mc:Fallback>
-      <p:transition spd="slow"/>
-    </mc:Fallback>
-  </mc:AlternateContent>
+  <p:clrMapOvr>
+    <a:masterClrMapping/>
+  </p:clrMapOvr>
 </p:sld>
 </file>
 
 <file path=ppt/slides/slide2.xml><?xml version="1.0" encoding="utf-8"?>
-<p:sld xmlns:a="http://schemas.openxmlformats.org/drawingml/2006/main" xmlns:p="http://schemas.openxmlformats.org/presentationml/2006/main" xmlns:r="http://schemas.openxmlformats.org/officeDocument/2006/relationships" xmlns:p14="http://schemas.microsoft.com/office/powerpoint/2010/main" xmlns:p15="http://schemas.microsoft.com/office/powerpoint/2012/main" xmlns:mc="http://schemas.openxmlformats.org/markup-compatibility/2006">
+<p:sld xmlns:a="http://schemas.openxmlformats.org/drawingml/2006/main" xmlns:r="http://schemas.openxmlformats.org/officeDocument/2006/relationships" xmlns:p="http://schemas.openxmlformats.org/presentationml/2006/main">
   <p:cSld>
     <p:spTree>
       <p:nvGrpSpPr>
@@ -9506,6 +10087,7 @@
           <a:bodyPr anchor="ctr">
             <a:noAutofit/>
           </a:bodyPr>
+          <a:lstStyle/>
           <a:p>
             <a:pPr indent="0">
               <a:lnSpc>
@@ -9514,7 +10096,7 @@
               <a:buNone/>
             </a:pPr>
             <a:r>
-              <a:rPr b="0" lang="en-GB" sz="4400" spc="-1" strike="noStrike">
+              <a:rPr lang="en-GB" sz="4400" b="0" strike="noStrike" spc="-1">
                 <a:solidFill>
                   <a:srgbClr val="000000"/>
                 </a:solidFill>
@@ -9522,7 +10104,7 @@
               </a:rPr>
               <a:t>What we will cover</a:t>
             </a:r>
-            <a:endParaRPr b="0" lang="en-US" sz="4400" spc="-1" strike="noStrike">
+            <a:endParaRPr lang="en-US" sz="4400" b="0" strike="noStrike" spc="-1">
               <a:solidFill>
                 <a:srgbClr val="000000"/>
               </a:solidFill>
@@ -9558,6 +10140,7 @@
           <a:bodyPr anchor="t">
             <a:normAutofit fontScale="83000"/>
           </a:bodyPr>
+          <a:lstStyle/>
           <a:p>
             <a:pPr marL="223200" indent="-223200">
               <a:lnSpc>
@@ -9573,7 +10156,7 @@
               <a:buChar char="•"/>
             </a:pPr>
             <a:r>
-              <a:rPr b="0" lang="en-GB" sz="2800" spc="-1" strike="noStrike">
+              <a:rPr lang="en-GB" sz="2800" b="0" strike="noStrike" spc="-1">
                 <a:solidFill>
                   <a:srgbClr val="000000"/>
                 </a:solidFill>
@@ -9581,7 +10164,7 @@
               </a:rPr>
               <a:t>Data visualisation in ggplot2</a:t>
             </a:r>
-            <a:endParaRPr b="0" lang="en-US" sz="2800" spc="-1" strike="noStrike">
+            <a:endParaRPr lang="en-US" sz="2800" b="0" strike="noStrike" spc="-1">
               <a:solidFill>
                 <a:srgbClr val="000000"/>
               </a:solidFill>
@@ -9598,7 +10181,7 @@
               </a:spcBef>
               <a:buNone/>
             </a:pPr>
-            <a:endParaRPr b="0" lang="en-US" sz="2800" spc="-1" strike="noStrike">
+            <a:endParaRPr lang="en-US" sz="2800" b="0" strike="noStrike" spc="-1">
               <a:solidFill>
                 <a:srgbClr val="000000"/>
               </a:solidFill>
@@ -9620,7 +10203,7 @@
               <a:buChar char="•"/>
             </a:pPr>
             <a:r>
-              <a:rPr b="0" lang="en-GB" sz="2800" spc="-1" strike="noStrike">
+              <a:rPr lang="en-GB" sz="2800" b="0" strike="noStrike" spc="-1">
                 <a:solidFill>
                   <a:srgbClr val="000000"/>
                 </a:solidFill>
@@ -9628,15 +10211,15 @@
               </a:rPr>
               <a:t>Setting up your own project </a:t>
             </a:r>
-            <a:endParaRPr b="0" lang="en-US" sz="2800" spc="-1" strike="noStrike">
-              <a:solidFill>
-                <a:srgbClr val="000000"/>
-              </a:solidFill>
-              <a:latin typeface="Calibri"/>
-            </a:endParaRPr>
-          </a:p>
-          <a:p>
-            <a:pPr lvl="1" marL="669600" indent="-223200">
+            <a:endParaRPr lang="en-US" sz="2800" b="0" strike="noStrike" spc="-1">
+              <a:solidFill>
+                <a:srgbClr val="000000"/>
+              </a:solidFill>
+              <a:latin typeface="Calibri"/>
+            </a:endParaRPr>
+          </a:p>
+          <a:p>
+            <a:pPr marL="669600" lvl="1" indent="-223200">
               <a:lnSpc>
                 <a:spcPct val="90000"/>
               </a:lnSpc>
@@ -9650,7 +10233,7 @@
               <a:buChar char="•"/>
             </a:pPr>
             <a:r>
-              <a:rPr b="0" lang="en-GB" sz="2400" spc="-1" strike="noStrike">
+              <a:rPr lang="en-GB" sz="2400" b="0" strike="noStrike" spc="-1">
                 <a:solidFill>
                   <a:srgbClr val="000000"/>
                 </a:solidFill>
@@ -9658,7 +10241,7 @@
               </a:rPr>
               <a:t>Managing it with git and github</a:t>
             </a:r>
-            <a:endParaRPr b="0" lang="en-US" sz="2400" spc="-1" strike="noStrike">
+            <a:endParaRPr lang="en-US" sz="2400" b="0" strike="noStrike" spc="-1">
               <a:solidFill>
                 <a:srgbClr val="000000"/>
               </a:solidFill>
@@ -9675,10 +10258,10 @@
               </a:spcBef>
               <a:buNone/>
               <a:tabLst>
-                <a:tab algn="l" pos="0"/>
+                <a:tab pos="0" algn="l"/>
               </a:tabLst>
             </a:pPr>
-            <a:endParaRPr b="0" lang="en-US" sz="2800" spc="-1" strike="noStrike">
+            <a:endParaRPr lang="en-US" sz="2800" b="0" strike="noStrike" spc="-1">
               <a:solidFill>
                 <a:srgbClr val="000000"/>
               </a:solidFill>
@@ -9699,11 +10282,11 @@
               <a:buFont typeface="Arial"/>
               <a:buChar char="•"/>
               <a:tabLst>
-                <a:tab algn="l" pos="0"/>
+                <a:tab pos="0" algn="l"/>
               </a:tabLst>
             </a:pPr>
             <a:r>
-              <a:rPr b="0" lang="en-GB" sz="2800" spc="-1" strike="noStrike">
+              <a:rPr lang="en-GB" sz="2800" b="0" strike="noStrike" spc="-1">
                 <a:solidFill>
                   <a:srgbClr val="000000"/>
                 </a:solidFill>
@@ -9711,15 +10294,15 @@
               </a:rPr>
               <a:t>Other file types</a:t>
             </a:r>
-            <a:endParaRPr b="0" lang="en-US" sz="2800" spc="-1" strike="noStrike">
-              <a:solidFill>
-                <a:srgbClr val="000000"/>
-              </a:solidFill>
-              <a:latin typeface="Calibri"/>
-            </a:endParaRPr>
-          </a:p>
-          <a:p>
-            <a:pPr lvl="1" marL="669600" indent="-223200">
+            <a:endParaRPr lang="en-US" sz="2800" b="0" strike="noStrike" spc="-1">
+              <a:solidFill>
+                <a:srgbClr val="000000"/>
+              </a:solidFill>
+              <a:latin typeface="Calibri"/>
+            </a:endParaRPr>
+          </a:p>
+          <a:p>
+            <a:pPr marL="669600" lvl="1" indent="-223200">
               <a:lnSpc>
                 <a:spcPct val="90000"/>
               </a:lnSpc>
@@ -9732,11 +10315,11 @@
               <a:buFont typeface="Arial"/>
               <a:buChar char="•"/>
               <a:tabLst>
-                <a:tab algn="l" pos="0"/>
+                <a:tab pos="0" algn="l"/>
               </a:tabLst>
             </a:pPr>
             <a:r>
-              <a:rPr b="0" lang="en-GB" sz="2400" spc="-1" strike="noStrike">
+              <a:rPr lang="en-GB" sz="2400" b="0" strike="noStrike" spc="-1">
                 <a:solidFill>
                   <a:srgbClr val="000000"/>
                 </a:solidFill>
@@ -9744,7 +10327,7 @@
               </a:rPr>
               <a:t>Excel, NASA Ames, NetCDF</a:t>
             </a:r>
-            <a:endParaRPr b="0" lang="en-US" sz="2400" spc="-1" strike="noStrike">
+            <a:endParaRPr lang="en-US" sz="2400" b="0" strike="noStrike" spc="-1">
               <a:solidFill>
                 <a:srgbClr val="000000"/>
               </a:solidFill>
@@ -9761,10 +10344,10 @@
               </a:spcBef>
               <a:buNone/>
               <a:tabLst>
-                <a:tab algn="l" pos="0"/>
+                <a:tab pos="0" algn="l"/>
               </a:tabLst>
             </a:pPr>
-            <a:endParaRPr b="0" lang="en-US" sz="2800" spc="-1" strike="noStrike">
+            <a:endParaRPr lang="en-US" sz="2800" b="0" strike="noStrike" spc="-1">
               <a:solidFill>
                 <a:srgbClr val="000000"/>
               </a:solidFill>
@@ -9785,11 +10368,11 @@
               <a:buFont typeface="Arial"/>
               <a:buChar char="•"/>
               <a:tabLst>
-                <a:tab algn="l" pos="0"/>
+                <a:tab pos="0" algn="l"/>
               </a:tabLst>
             </a:pPr>
             <a:r>
-              <a:rPr b="0" lang="en-GB" sz="2800" spc="-1" strike="noStrike">
+              <a:rPr lang="en-GB" sz="2800" b="0" strike="noStrike" spc="-1">
                 <a:solidFill>
                   <a:srgbClr val="000000"/>
                 </a:solidFill>
@@ -9797,7 +10380,7 @@
               </a:rPr>
               <a:t>Writing your own functions</a:t>
             </a:r>
-            <a:endParaRPr b="0" lang="en-US" sz="2800" spc="-1" strike="noStrike">
+            <a:endParaRPr lang="en-US" sz="2800" b="0" strike="noStrike" spc="-1">
               <a:solidFill>
                 <a:srgbClr val="000000"/>
               </a:solidFill>
@@ -9814,10 +10397,10 @@
               </a:spcBef>
               <a:buNone/>
               <a:tabLst>
-                <a:tab algn="l" pos="0"/>
+                <a:tab pos="0" algn="l"/>
               </a:tabLst>
             </a:pPr>
-            <a:endParaRPr b="0" lang="en-US" sz="2800" spc="-1" strike="noStrike">
+            <a:endParaRPr lang="en-US" sz="2800" b="0" strike="noStrike" spc="-1">
               <a:solidFill>
                 <a:srgbClr val="000000"/>
               </a:solidFill>
@@ -9838,11 +10421,11 @@
               <a:buFont typeface="Arial"/>
               <a:buChar char="•"/>
               <a:tabLst>
-                <a:tab algn="l" pos="0"/>
+                <a:tab pos="0" algn="l"/>
               </a:tabLst>
             </a:pPr>
             <a:r>
-              <a:rPr b="0" lang="en-GB" sz="2800" spc="-1" strike="noStrike">
+              <a:rPr lang="en-GB" sz="2800" b="0" strike="noStrike" spc="-1">
                 <a:solidFill>
                   <a:srgbClr val="000000"/>
                 </a:solidFill>
@@ -9850,7 +10433,7 @@
               </a:rPr>
               <a:t>Other ways of running R</a:t>
             </a:r>
-            <a:endParaRPr b="0" lang="en-US" sz="2800" spc="-1" strike="noStrike">
+            <a:endParaRPr lang="en-US" sz="2800" b="0" strike="noStrike" spc="-1">
               <a:solidFill>
                 <a:srgbClr val="000000"/>
               </a:solidFill>
@@ -9867,10 +10450,10 @@
               </a:spcBef>
               <a:buNone/>
               <a:tabLst>
-                <a:tab algn="l" pos="0"/>
+                <a:tab pos="0" algn="l"/>
               </a:tabLst>
             </a:pPr>
-            <a:endParaRPr b="0" lang="en-US" sz="2800" spc="-1" strike="noStrike">
+            <a:endParaRPr lang="en-US" sz="2800" b="0" strike="noStrike" spc="-1">
               <a:solidFill>
                 <a:srgbClr val="000000"/>
               </a:solidFill>
@@ -9881,19 +10464,14 @@
       </p:sp>
     </p:spTree>
   </p:cSld>
-  <mc:AlternateContent>
-    <mc:Choice Requires="p14">
-      <p:transition spd="slow" p14:dur="2000"/>
-    </mc:Choice>
-    <mc:Fallback>
-      <p:transition spd="slow"/>
-    </mc:Fallback>
-  </mc:AlternateContent>
+  <p:clrMapOvr>
+    <a:masterClrMapping/>
+  </p:clrMapOvr>
 </p:sld>
 </file>
 
 <file path=ppt/slides/slide20.xml><?xml version="1.0" encoding="utf-8"?>
-<p:sld xmlns:a="http://schemas.openxmlformats.org/drawingml/2006/main" xmlns:p="http://schemas.openxmlformats.org/presentationml/2006/main" xmlns:r="http://schemas.openxmlformats.org/officeDocument/2006/relationships" xmlns:p14="http://schemas.microsoft.com/office/powerpoint/2010/main" xmlns:p15="http://schemas.microsoft.com/office/powerpoint/2012/main" xmlns:mc="http://schemas.openxmlformats.org/markup-compatibility/2006">
+<p:sld xmlns:a="http://schemas.openxmlformats.org/drawingml/2006/main" xmlns:r="http://schemas.openxmlformats.org/officeDocument/2006/relationships" xmlns:p="http://schemas.openxmlformats.org/presentationml/2006/main">
   <p:cSld>
     <p:spTree>
       <p:nvGrpSpPr>
@@ -9911,7 +10489,7 @@
       </p:grpSpPr>
       <p:sp>
         <p:nvSpPr>
-          <p:cNvPr id="127" name="PlaceHolder 1"/>
+          <p:cNvPr id="125" name="PlaceHolder 1"/>
           <p:cNvSpPr>
             <a:spLocks noGrp="1"/>
           </p:cNvSpPr>
@@ -9933,9 +10511,10 @@
           </a:ln>
         </p:spPr>
         <p:txBody>
-          <a:bodyPr lIns="0" rIns="0" tIns="0" bIns="0" anchor="t">
+          <a:bodyPr lIns="0" tIns="0" rIns="0" bIns="0" anchor="t">
             <a:normAutofit fontScale="72000"/>
           </a:bodyPr>
+          <a:lstStyle/>
           <a:p>
             <a:pPr marL="311040" indent="-233280">
               <a:lnSpc>
@@ -9952,29 +10531,14 @@
               <a:buChar char=""/>
             </a:pPr>
             <a:r>
-              <a:rPr b="0" lang="en-US" sz="2800" spc="-1" strike="noStrike">
+              <a:rPr lang="en-US" sz="2800" b="0" strike="noStrike" spc="-1">
                 <a:solidFill>
                   <a:srgbClr val="000000"/>
                 </a:solidFill>
                 <a:latin typeface="Calibri"/>
               </a:rPr>
-              <a:t>So far we’ve worked entirely interactively, i.e. from within Rstudio and running </a:t>
-            </a:r>
-            <a:r>
-              <a:rPr b="0" lang="en-US" sz="2800" spc="-1" strike="noStrike">
-                <a:solidFill>
-                  <a:srgbClr val="000000"/>
-                </a:solidFill>
-                <a:latin typeface="Calibri"/>
-              </a:rPr>
-              <a:t>code line-by-line or chunks at a time</a:t>
-            </a:r>
-            <a:endParaRPr b="0" lang="en-US" sz="2800" spc="-1" strike="noStrike">
-              <a:solidFill>
-                <a:srgbClr val="000000"/>
-              </a:solidFill>
-              <a:latin typeface="Calibri"/>
-            </a:endParaRPr>
+              <a:t>Interactive ‘notebooks’ that allow you to keep text and code outputs (figures, tables, code snippets etc…) alongside the raw code</a:t>
+            </a:r>
           </a:p>
           <a:p>
             <a:pPr marL="311040" indent="-233280">
@@ -9992,60 +10556,14 @@
               <a:buChar char=""/>
             </a:pPr>
             <a:r>
-              <a:rPr b="0" lang="en-US" sz="2800" spc="-1" strike="noStrike">
+              <a:rPr lang="en-US" sz="2800" b="0" strike="noStrike" spc="-1">
                 <a:solidFill>
                   <a:srgbClr val="000000"/>
                 </a:solidFill>
                 <a:latin typeface="Calibri"/>
               </a:rPr>
-              <a:t>However, if you have something that doesn’t require human input you can run it </a:t>
-            </a:r>
-            <a:r>
-              <a:rPr b="0" lang="en-US" sz="2800" spc="-1" strike="noStrike">
-                <a:solidFill>
-                  <a:srgbClr val="000000"/>
-                </a:solidFill>
-                <a:latin typeface="Calibri"/>
-              </a:rPr>
-              <a:t>automatically as a script</a:t>
-            </a:r>
-            <a:endParaRPr b="0" lang="en-US" sz="2800" spc="-1" strike="noStrike">
-              <a:solidFill>
-                <a:srgbClr val="000000"/>
-              </a:solidFill>
-              <a:latin typeface="Calibri"/>
-            </a:endParaRPr>
-          </a:p>
-          <a:p>
-            <a:pPr lvl="1" marL="622080" indent="-233280">
-              <a:lnSpc>
-                <a:spcPct val="90000"/>
-              </a:lnSpc>
-              <a:spcBef>
-                <a:spcPts val="1134"/>
-              </a:spcBef>
-              <a:buClr>
-                <a:srgbClr val="000000"/>
-              </a:buClr>
-              <a:buSzPct val="75000"/>
-              <a:buFont typeface="Symbol" charset="2"/>
-              <a:buChar char=""/>
-            </a:pPr>
-            <a:r>
-              <a:rPr b="0" lang="en-US" sz="2000" spc="-1" strike="noStrike">
-                <a:solidFill>
-                  <a:srgbClr val="000000"/>
-                </a:solidFill>
-                <a:latin typeface="Calibri"/>
-              </a:rPr>
-              <a:t>Some code that fits a model and saves it, or downloads data and saves to disk</a:t>
-            </a:r>
-            <a:endParaRPr b="0" lang="en-US" sz="2000" spc="-1" strike="noStrike">
-              <a:solidFill>
-                <a:srgbClr val="000000"/>
-              </a:solidFill>
-              <a:latin typeface="Calibri"/>
-            </a:endParaRPr>
+              <a:t>Can output to HTML documents, HTML slideshows, PDF and more</a:t>
+            </a:r>
           </a:p>
           <a:p>
             <a:pPr marL="311040" indent="-233280">
@@ -10063,32 +10581,101 @@
               <a:buChar char=""/>
             </a:pPr>
             <a:r>
-              <a:rPr b="0" lang="en-US" sz="2800" spc="-1" strike="noStrike">
+              <a:rPr lang="en-US" sz="2800" b="0" strike="noStrike" spc="-1">
                 <a:solidFill>
                   <a:srgbClr val="000000"/>
                 </a:solidFill>
                 <a:latin typeface="Calibri"/>
               </a:rPr>
-              <a:t>Useful </a:t>
-            </a:r>
-            <a:endParaRPr b="0" lang="en-US" sz="2800" spc="-1" strike="noStrike">
-              <a:solidFill>
-                <a:srgbClr val="000000"/>
-              </a:solidFill>
-              <a:latin typeface="Calibri"/>
-            </a:endParaRPr>
-          </a:p>
-        </p:txBody>
-      </p:sp>
-      <p:sp>
-        <p:nvSpPr>
-          <p:cNvPr id="128" name="Title 4"/>
+              <a:t>Great for reproducible research! Allows you to answer the question “you know that figure you made for that meeting 18 months ago? What exact dataset did you use for it?”</a:t>
+            </a:r>
+          </a:p>
+          <a:p>
+            <a:pPr marL="311040" indent="-233280">
+              <a:lnSpc>
+                <a:spcPct val="90000"/>
+              </a:lnSpc>
+              <a:spcBef>
+                <a:spcPts val="1417"/>
+              </a:spcBef>
+              <a:buClr>
+                <a:srgbClr val="000000"/>
+              </a:buClr>
+              <a:buSzPct val="45000"/>
+              <a:buFont typeface="Wingdings" charset="2"/>
+              <a:buChar char=""/>
+            </a:pPr>
+            <a:r>
+              <a:rPr lang="en-US" sz="2800" b="0" strike="noStrike" spc="-1">
+                <a:solidFill>
+                  <a:srgbClr val="000000"/>
+                </a:solidFill>
+                <a:latin typeface="Calibri"/>
+              </a:rPr>
+              <a:t>Can even use it for an entire PhD thesis!</a:t>
+            </a:r>
+          </a:p>
+          <a:p>
+            <a:pPr marL="311040" indent="-233280">
+              <a:lnSpc>
+                <a:spcPct val="90000"/>
+              </a:lnSpc>
+              <a:spcBef>
+                <a:spcPts val="1417"/>
+              </a:spcBef>
+              <a:buClr>
+                <a:srgbClr val="000000"/>
+              </a:buClr>
+              <a:buSzPct val="45000"/>
+              <a:buFont typeface="Wingdings" charset="2"/>
+              <a:buChar char=""/>
+            </a:pPr>
+            <a:r>
+              <a:rPr lang="en-US" sz="2800" b="0" strike="noStrike" spc="-1">
+                <a:solidFill>
+                  <a:srgbClr val="000000"/>
+                </a:solidFill>
+                <a:latin typeface="Calibri"/>
+              </a:rPr>
+              <a:t>IMO better in many ways than Jupyter Notebooks for Python</a:t>
+            </a:r>
+          </a:p>
+          <a:p>
+            <a:pPr marL="311040" indent="-233280">
+              <a:lnSpc>
+                <a:spcPct val="90000"/>
+              </a:lnSpc>
+              <a:spcBef>
+                <a:spcPts val="1417"/>
+              </a:spcBef>
+              <a:buClr>
+                <a:srgbClr val="000000"/>
+              </a:buClr>
+              <a:buSzPct val="45000"/>
+              <a:buFont typeface="Wingdings" charset="2"/>
+              <a:buChar char=""/>
+            </a:pPr>
+            <a:r>
+              <a:rPr lang="en-US" sz="2800" b="0" strike="noStrike" spc="-1">
+                <a:solidFill>
+                  <a:srgbClr val="000000"/>
+                </a:solidFill>
+                <a:latin typeface="Calibri"/>
+              </a:rPr>
+              <a:t>Can use code snippets from different languages (such as Python) and even share data structures between them! Useful if you have a model that runs in Python but you prefer plotting in R</a:t>
+            </a:r>
+          </a:p>
+        </p:txBody>
+      </p:sp>
+      <p:sp>
+        <p:nvSpPr>
+          <p:cNvPr id="126" name="Title 2"/>
           <p:cNvSpPr txBox="1"/>
           <p:nvPr/>
         </p:nvSpPr>
         <p:spPr>
           <a:xfrm>
-            <a:off x="838800" y="365760"/>
+            <a:off x="838440" y="365400"/>
             <a:ext cx="10515240" cy="1325160"/>
           </a:xfrm>
           <a:prstGeom prst="rect">
@@ -10103,6 +10690,7 @@
           <a:bodyPr anchor="ctr">
             <a:noAutofit/>
           </a:bodyPr>
+          <a:lstStyle/>
           <a:p>
             <a:pPr>
               <a:lnSpc>
@@ -10110,15 +10698,15 @@
               </a:lnSpc>
             </a:pPr>
             <a:r>
-              <a:rPr b="0" lang="en-GB" sz="4400" spc="-1" strike="noStrike">
+              <a:rPr lang="en-GB" sz="4400" b="0" strike="noStrike" spc="-1">
                 <a:solidFill>
                   <a:srgbClr val="000000"/>
                 </a:solidFill>
                 <a:latin typeface="Calibri Light"/>
               </a:rPr>
-              <a:t>Running R scripts in batch mode</a:t>
-            </a:r>
-            <a:endParaRPr b="0" lang="en-US" sz="4400" spc="-1" strike="noStrike">
+              <a:t>Quarto / Rmarkdown</a:t>
+            </a:r>
+            <a:endParaRPr lang="en-US" sz="4400" b="0" strike="noStrike" spc="-1">
               <a:solidFill>
                 <a:srgbClr val="000000"/>
               </a:solidFill>
@@ -10129,19 +10717,14 @@
       </p:sp>
     </p:spTree>
   </p:cSld>
-  <mc:AlternateContent>
-    <mc:Choice Requires="p14">
-      <p:transition spd="slow" p14:dur="2000"/>
-    </mc:Choice>
-    <mc:Fallback>
-      <p:transition spd="slow"/>
-    </mc:Fallback>
-  </mc:AlternateContent>
+  <p:clrMapOvr>
+    <a:masterClrMapping/>
+  </p:clrMapOvr>
 </p:sld>
 </file>
 
-<file path=ppt/slides/slide3.xml><?xml version="1.0" encoding="utf-8"?>
-<p:sld xmlns:a="http://schemas.openxmlformats.org/drawingml/2006/main" xmlns:p="http://schemas.openxmlformats.org/presentationml/2006/main" xmlns:r="http://schemas.openxmlformats.org/officeDocument/2006/relationships" xmlns:p14="http://schemas.microsoft.com/office/powerpoint/2010/main" xmlns:p15="http://schemas.microsoft.com/office/powerpoint/2012/main" xmlns:mc="http://schemas.openxmlformats.org/markup-compatibility/2006">
+<file path=ppt/slides/slide21.xml><?xml version="1.0" encoding="utf-8"?>
+<p:sld xmlns:a="http://schemas.openxmlformats.org/drawingml/2006/main" xmlns:r="http://schemas.openxmlformats.org/officeDocument/2006/relationships" xmlns:p="http://schemas.openxmlformats.org/presentationml/2006/main">
   <p:cSld>
     <p:spTree>
       <p:nvGrpSpPr>
@@ -10159,18 +10742,18 @@
       </p:grpSpPr>
       <p:sp>
         <p:nvSpPr>
-          <p:cNvPr id="86" name="PlaceHolder 1"/>
-          <p:cNvSpPr>
-            <a:spLocks noGrp="1"/>
-          </p:cNvSpPr>
-          <p:nvPr>
-            <p:ph type="title"/>
+          <p:cNvPr id="127" name="PlaceHolder 1"/>
+          <p:cNvSpPr>
+            <a:spLocks noGrp="1"/>
+          </p:cNvSpPr>
+          <p:nvPr>
+            <p:ph/>
           </p:nvPr>
         </p:nvSpPr>
         <p:spPr>
           <a:xfrm>
-            <a:off x="1523880" y="1122480"/>
-            <a:ext cx="9143640" cy="2387160"/>
+            <a:off x="609480" y="1604520"/>
+            <a:ext cx="10972440" cy="3977280"/>
           </a:xfrm>
           <a:prstGeom prst="rect">
             <a:avLst/>
@@ -10181,48 +10764,122 @@
           </a:ln>
         </p:spPr>
         <p:txBody>
-          <a:bodyPr anchor="b">
-            <a:noAutofit/>
+          <a:bodyPr lIns="0" tIns="0" rIns="0" bIns="0" anchor="t">
+            <a:normAutofit fontScale="72000"/>
           </a:bodyPr>
-          <a:p>
-            <a:pPr indent="0" algn="ctr">
-              <a:lnSpc>
-                <a:spcPct val="90000"/>
-              </a:lnSpc>
-              <a:buNone/>
-            </a:pPr>
-            <a:r>
-              <a:rPr b="0" lang="en-GB" sz="6000" spc="-1" strike="noStrike">
-                <a:solidFill>
-                  <a:srgbClr val="000000"/>
-                </a:solidFill>
-                <a:latin typeface="Calibri Light"/>
-              </a:rPr>
-              <a:t>Data Viz</a:t>
-            </a:r>
-            <a:endParaRPr b="0" lang="en-US" sz="6000" spc="-1" strike="noStrike">
-              <a:solidFill>
-                <a:srgbClr val="000000"/>
-              </a:solidFill>
-              <a:latin typeface="Calibri"/>
-            </a:endParaRPr>
-          </a:p>
-        </p:txBody>
-      </p:sp>
-      <p:sp>
-        <p:nvSpPr>
-          <p:cNvPr id="87" name="PlaceHolder 2"/>
-          <p:cNvSpPr>
-            <a:spLocks noGrp="1"/>
-          </p:cNvSpPr>
-          <p:nvPr>
-            <p:ph type="subTitle"/>
-          </p:nvPr>
+          <a:lstStyle/>
+          <a:p>
+            <a:pPr marL="311040" indent="-233280">
+              <a:lnSpc>
+                <a:spcPct val="90000"/>
+              </a:lnSpc>
+              <a:spcBef>
+                <a:spcPts val="1417"/>
+              </a:spcBef>
+              <a:buClr>
+                <a:srgbClr val="000000"/>
+              </a:buClr>
+              <a:buSzPct val="45000"/>
+              <a:buFont typeface="Wingdings" charset="2"/>
+              <a:buChar char=""/>
+            </a:pPr>
+            <a:r>
+              <a:rPr lang="en-US" sz="2800" b="0" strike="noStrike" spc="-1">
+                <a:solidFill>
+                  <a:srgbClr val="000000"/>
+                </a:solidFill>
+                <a:latin typeface="Calibri"/>
+              </a:rPr>
+              <a:t>So far we’ve worked entirely interactively, i.e. from within Rstudio and running code line-by-line or chunks at a time</a:t>
+            </a:r>
+          </a:p>
+          <a:p>
+            <a:pPr marL="311040" indent="-233280">
+              <a:lnSpc>
+                <a:spcPct val="90000"/>
+              </a:lnSpc>
+              <a:spcBef>
+                <a:spcPts val="1417"/>
+              </a:spcBef>
+              <a:buClr>
+                <a:srgbClr val="000000"/>
+              </a:buClr>
+              <a:buSzPct val="45000"/>
+              <a:buFont typeface="Wingdings" charset="2"/>
+              <a:buChar char=""/>
+            </a:pPr>
+            <a:r>
+              <a:rPr lang="en-US" sz="2800" b="0" strike="noStrike" spc="-1">
+                <a:solidFill>
+                  <a:srgbClr val="000000"/>
+                </a:solidFill>
+                <a:latin typeface="Calibri"/>
+              </a:rPr>
+              <a:t>However, if you have something that doesn’t require human input you can run it automatically as a script</a:t>
+            </a:r>
+          </a:p>
+          <a:p>
+            <a:pPr marL="622080" lvl="1" indent="-233280">
+              <a:lnSpc>
+                <a:spcPct val="90000"/>
+              </a:lnSpc>
+              <a:spcBef>
+                <a:spcPts val="1134"/>
+              </a:spcBef>
+              <a:buClr>
+                <a:srgbClr val="000000"/>
+              </a:buClr>
+              <a:buSzPct val="75000"/>
+              <a:buFont typeface="Symbol" charset="2"/>
+              <a:buChar char=""/>
+            </a:pPr>
+            <a:r>
+              <a:rPr lang="en-US" sz="2000" b="0" strike="noStrike" spc="-1">
+                <a:solidFill>
+                  <a:srgbClr val="000000"/>
+                </a:solidFill>
+                <a:latin typeface="Calibri"/>
+              </a:rPr>
+              <a:t>Some code that fits a model and saves it, or downloads data and saves to disk</a:t>
+            </a:r>
+          </a:p>
+          <a:p>
+            <a:pPr marL="311040" indent="-233280">
+              <a:lnSpc>
+                <a:spcPct val="90000"/>
+              </a:lnSpc>
+              <a:spcBef>
+                <a:spcPts val="1417"/>
+              </a:spcBef>
+              <a:buClr>
+                <a:srgbClr val="000000"/>
+              </a:buClr>
+              <a:buSzPct val="45000"/>
+              <a:buFont typeface="Wingdings" charset="2"/>
+              <a:buChar char=""/>
+            </a:pPr>
+            <a:r>
+              <a:rPr lang="en-US" sz="2800" b="0" strike="noStrike" spc="-1">
+                <a:solidFill>
+                  <a:srgbClr val="000000"/>
+                </a:solidFill>
+                <a:latin typeface="Calibri"/>
+              </a:rPr>
+              <a:t>Useful </a:t>
+            </a:r>
+          </a:p>
+        </p:txBody>
+      </p:sp>
+      <p:sp>
+        <p:nvSpPr>
+          <p:cNvPr id="128" name="Title 4"/>
+          <p:cNvSpPr txBox="1"/>
+          <p:nvPr/>
         </p:nvSpPr>
         <p:spPr>
           <a:xfrm>
-            <a:off x="1523880" y="3602160"/>
-            <a:ext cx="9143640" cy="1655280"/>
+            <a:off x="838800" y="365760"/>
+            <a:ext cx="10515240" cy="1325160"/>
           </a:xfrm>
           <a:prstGeom prst="rect">
             <a:avLst/>
@@ -10233,14 +10890,26 @@
           </a:ln>
         </p:spPr>
         <p:txBody>
-          <a:bodyPr anchor="t">
+          <a:bodyPr anchor="ctr">
             <a:noAutofit/>
           </a:bodyPr>
-          <a:p>
-            <a:pPr indent="0" algn="ctr">
-              <a:buNone/>
-            </a:pPr>
-            <a:endParaRPr b="0" lang="en-GB" sz="2400" spc="-1" strike="noStrike">
+          <a:lstStyle/>
+          <a:p>
+            <a:pPr>
+              <a:lnSpc>
+                <a:spcPct val="90000"/>
+              </a:lnSpc>
+            </a:pPr>
+            <a:r>
+              <a:rPr lang="en-GB" sz="4400" b="0" strike="noStrike" spc="-1">
+                <a:solidFill>
+                  <a:srgbClr val="000000"/>
+                </a:solidFill>
+                <a:latin typeface="Calibri Light"/>
+              </a:rPr>
+              <a:t>Running R scripts in batch mode</a:t>
+            </a:r>
+            <a:endParaRPr lang="en-US" sz="4400" b="0" strike="noStrike" spc="-1">
               <a:solidFill>
                 <a:srgbClr val="000000"/>
               </a:solidFill>
@@ -10251,19 +10920,14 @@
       </p:sp>
     </p:spTree>
   </p:cSld>
-  <mc:AlternateContent>
-    <mc:Choice Requires="p14">
-      <p:transition spd="slow" p14:dur="2000"/>
-    </mc:Choice>
-    <mc:Fallback>
-      <p:transition spd="slow"/>
-    </mc:Fallback>
-  </mc:AlternateContent>
+  <p:clrMapOvr>
+    <a:masterClrMapping/>
+  </p:clrMapOvr>
 </p:sld>
 </file>
 
-<file path=ppt/slides/slide4.xml><?xml version="1.0" encoding="utf-8"?>
-<p:sld xmlns:a="http://schemas.openxmlformats.org/drawingml/2006/main" xmlns:p="http://schemas.openxmlformats.org/presentationml/2006/main" xmlns:r="http://schemas.openxmlformats.org/officeDocument/2006/relationships" xmlns:p14="http://schemas.microsoft.com/office/powerpoint/2010/main" xmlns:p15="http://schemas.microsoft.com/office/powerpoint/2012/main" xmlns:mc="http://schemas.openxmlformats.org/markup-compatibility/2006">
+<file path=ppt/slides/slide3.xml><?xml version="1.0" encoding="utf-8"?>
+<p:sld xmlns:a="http://schemas.openxmlformats.org/drawingml/2006/main" xmlns:r="http://schemas.openxmlformats.org/officeDocument/2006/relationships" xmlns:p="http://schemas.openxmlformats.org/presentationml/2006/main">
   <p:cSld>
     <p:spTree>
       <p:nvGrpSpPr>
@@ -10281,7 +10945,7 @@
       </p:grpSpPr>
       <p:sp>
         <p:nvSpPr>
-          <p:cNvPr id="88" name="PlaceHolder 1"/>
+          <p:cNvPr id="86" name="PlaceHolder 1"/>
           <p:cNvSpPr>
             <a:spLocks noGrp="1"/>
           </p:cNvSpPr>
@@ -10291,8 +10955,8 @@
         </p:nvSpPr>
         <p:spPr>
           <a:xfrm>
-            <a:off x="838080" y="365040"/>
-            <a:ext cx="10515240" cy="1325160"/>
+            <a:off x="1523880" y="1122480"/>
+            <a:ext cx="9143640" cy="2387160"/>
           </a:xfrm>
           <a:prstGeom prst="rect">
             <a:avLst/>
@@ -10303,48 +10967,49 @@
           </a:ln>
         </p:spPr>
         <p:txBody>
-          <a:bodyPr anchor="ctr">
+          <a:bodyPr anchor="b">
             <a:noAutofit/>
           </a:bodyPr>
-          <a:p>
-            <a:pPr indent="0">
+          <a:lstStyle/>
+          <a:p>
+            <a:pPr indent="0" algn="ctr">
               <a:lnSpc>
                 <a:spcPct val="90000"/>
               </a:lnSpc>
               <a:buNone/>
             </a:pPr>
             <a:r>
-              <a:rPr b="0" lang="en-GB" sz="4400" spc="-1" strike="noStrike">
+              <a:rPr lang="en-GB" sz="6000" b="0" strike="noStrike" spc="-1">
                 <a:solidFill>
                   <a:srgbClr val="000000"/>
                 </a:solidFill>
                 <a:latin typeface="Calibri Light"/>
               </a:rPr>
-              <a:t>Other slide deck</a:t>
-            </a:r>
-            <a:endParaRPr b="0" lang="en-US" sz="4400" spc="-1" strike="noStrike">
-              <a:solidFill>
-                <a:srgbClr val="000000"/>
-              </a:solidFill>
-              <a:latin typeface="Calibri"/>
-            </a:endParaRPr>
-          </a:p>
-        </p:txBody>
-      </p:sp>
-      <p:sp>
-        <p:nvSpPr>
-          <p:cNvPr id="89" name="PlaceHolder 2"/>
-          <p:cNvSpPr>
-            <a:spLocks noGrp="1"/>
-          </p:cNvSpPr>
-          <p:nvPr>
-            <p:ph/>
+              <a:t>Data Viz</a:t>
+            </a:r>
+            <a:endParaRPr lang="en-US" sz="6000" b="0" strike="noStrike" spc="-1">
+              <a:solidFill>
+                <a:srgbClr val="000000"/>
+              </a:solidFill>
+              <a:latin typeface="Calibri"/>
+            </a:endParaRPr>
+          </a:p>
+        </p:txBody>
+      </p:sp>
+      <p:sp>
+        <p:nvSpPr>
+          <p:cNvPr id="87" name="PlaceHolder 2"/>
+          <p:cNvSpPr>
+            <a:spLocks noGrp="1"/>
+          </p:cNvSpPr>
+          <p:nvPr>
+            <p:ph type="subTitle"/>
           </p:nvPr>
         </p:nvSpPr>
         <p:spPr>
           <a:xfrm>
-            <a:off x="838080" y="1825560"/>
-            <a:ext cx="10515240" cy="4350960"/>
+            <a:off x="1523880" y="3602160"/>
+            <a:ext cx="9143640" cy="1655280"/>
           </a:xfrm>
           <a:prstGeom prst="rect">
             <a:avLst/>
@@ -10358,17 +11023,12 @@
           <a:bodyPr anchor="t">
             <a:noAutofit/>
           </a:bodyPr>
-          <a:p>
-            <a:pPr indent="0">
-              <a:lnSpc>
-                <a:spcPct val="90000"/>
-              </a:lnSpc>
-              <a:spcBef>
-                <a:spcPts val="1417"/>
-              </a:spcBef>
+          <a:lstStyle/>
+          <a:p>
+            <a:pPr indent="0" algn="ctr">
               <a:buNone/>
             </a:pPr>
-            <a:endParaRPr b="0" lang="en-US" sz="2800" spc="-1" strike="noStrike">
+            <a:endParaRPr lang="en-GB" sz="2400" b="0" strike="noStrike" spc="-1">
               <a:solidFill>
                 <a:srgbClr val="000000"/>
               </a:solidFill>
@@ -10379,19 +11039,14 @@
       </p:sp>
     </p:spTree>
   </p:cSld>
-  <mc:AlternateContent>
-    <mc:Choice Requires="p14">
-      <p:transition spd="slow" p14:dur="2000"/>
-    </mc:Choice>
-    <mc:Fallback>
-      <p:transition spd="slow"/>
-    </mc:Fallback>
-  </mc:AlternateContent>
+  <p:clrMapOvr>
+    <a:masterClrMapping/>
+  </p:clrMapOvr>
 </p:sld>
 </file>
 
-<file path=ppt/slides/slide5.xml><?xml version="1.0" encoding="utf-8"?>
-<p:sld xmlns:a="http://schemas.openxmlformats.org/drawingml/2006/main" xmlns:p="http://schemas.openxmlformats.org/presentationml/2006/main" xmlns:r="http://schemas.openxmlformats.org/officeDocument/2006/relationships" xmlns:p14="http://schemas.microsoft.com/office/powerpoint/2010/main" xmlns:p15="http://schemas.microsoft.com/office/powerpoint/2012/main" xmlns:mc="http://schemas.openxmlformats.org/markup-compatibility/2006">
+<file path=ppt/slides/slide4.xml><?xml version="1.0" encoding="utf-8"?>
+<p:sld xmlns:a="http://schemas.openxmlformats.org/drawingml/2006/main" xmlns:r="http://schemas.openxmlformats.org/officeDocument/2006/relationships" xmlns:p="http://schemas.openxmlformats.org/presentationml/2006/main">
   <p:cSld>
     <p:spTree>
       <p:nvGrpSpPr>
@@ -10409,7 +11064,7 @@
       </p:grpSpPr>
       <p:sp>
         <p:nvSpPr>
-          <p:cNvPr id="90" name="PlaceHolder 1"/>
+          <p:cNvPr id="88" name="PlaceHolder 1"/>
           <p:cNvSpPr>
             <a:spLocks noGrp="1"/>
           </p:cNvSpPr>
@@ -10419,8 +11074,8 @@
         </p:nvSpPr>
         <p:spPr>
           <a:xfrm>
-            <a:off x="1523880" y="1122480"/>
-            <a:ext cx="9143640" cy="2387160"/>
+            <a:off x="838080" y="365040"/>
+            <a:ext cx="10515240" cy="1325160"/>
           </a:xfrm>
           <a:prstGeom prst="rect">
             <a:avLst/>
@@ -10431,48 +11086,49 @@
           </a:ln>
         </p:spPr>
         <p:txBody>
-          <a:bodyPr anchor="b">
+          <a:bodyPr anchor="ctr">
             <a:noAutofit/>
           </a:bodyPr>
-          <a:p>
-            <a:pPr indent="0" algn="ctr">
+          <a:lstStyle/>
+          <a:p>
+            <a:pPr indent="0">
               <a:lnSpc>
                 <a:spcPct val="90000"/>
               </a:lnSpc>
               <a:buNone/>
             </a:pPr>
             <a:r>
-              <a:rPr b="0" lang="en-GB" sz="6000" spc="-1" strike="noStrike">
+              <a:rPr lang="en-GB" sz="4400" b="0" strike="noStrike" spc="-1">
                 <a:solidFill>
                   <a:srgbClr val="000000"/>
                 </a:solidFill>
                 <a:latin typeface="Calibri Light"/>
               </a:rPr>
-              <a:t>Projects</a:t>
-            </a:r>
-            <a:endParaRPr b="0" lang="en-US" sz="6000" spc="-1" strike="noStrike">
-              <a:solidFill>
-                <a:srgbClr val="000000"/>
-              </a:solidFill>
-              <a:latin typeface="Calibri"/>
-            </a:endParaRPr>
-          </a:p>
-        </p:txBody>
-      </p:sp>
-      <p:sp>
-        <p:nvSpPr>
-          <p:cNvPr id="91" name="PlaceHolder 2"/>
-          <p:cNvSpPr>
-            <a:spLocks noGrp="1"/>
-          </p:cNvSpPr>
-          <p:nvPr>
-            <p:ph type="subTitle"/>
+              <a:t>Other slide deck</a:t>
+            </a:r>
+            <a:endParaRPr lang="en-US" sz="4400" b="0" strike="noStrike" spc="-1">
+              <a:solidFill>
+                <a:srgbClr val="000000"/>
+              </a:solidFill>
+              <a:latin typeface="Calibri"/>
+            </a:endParaRPr>
+          </a:p>
+        </p:txBody>
+      </p:sp>
+      <p:sp>
+        <p:nvSpPr>
+          <p:cNvPr id="89" name="PlaceHolder 2"/>
+          <p:cNvSpPr>
+            <a:spLocks noGrp="1"/>
+          </p:cNvSpPr>
+          <p:nvPr>
+            <p:ph/>
           </p:nvPr>
         </p:nvSpPr>
         <p:spPr>
           <a:xfrm>
-            <a:off x="1523880" y="3602160"/>
-            <a:ext cx="9143640" cy="1655280"/>
+            <a:off x="838080" y="1825560"/>
+            <a:ext cx="10515240" cy="4350960"/>
           </a:xfrm>
           <a:prstGeom prst="rect">
             <a:avLst/>
@@ -10486,11 +11142,18 @@
           <a:bodyPr anchor="t">
             <a:noAutofit/>
           </a:bodyPr>
-          <a:p>
-            <a:pPr indent="0" algn="ctr">
+          <a:lstStyle/>
+          <a:p>
+            <a:pPr indent="0">
+              <a:lnSpc>
+                <a:spcPct val="90000"/>
+              </a:lnSpc>
+              <a:spcBef>
+                <a:spcPts val="1417"/>
+              </a:spcBef>
               <a:buNone/>
             </a:pPr>
-            <a:endParaRPr b="0" lang="en-GB" sz="2400" spc="-1" strike="noStrike">
+            <a:endParaRPr lang="en-US" sz="2800" b="0" strike="noStrike" spc="-1">
               <a:solidFill>
                 <a:srgbClr val="000000"/>
               </a:solidFill>
@@ -10501,19 +11164,14 @@
       </p:sp>
     </p:spTree>
   </p:cSld>
-  <mc:AlternateContent>
-    <mc:Choice Requires="p14">
-      <p:transition spd="slow" p14:dur="2000"/>
-    </mc:Choice>
-    <mc:Fallback>
-      <p:transition spd="slow"/>
-    </mc:Fallback>
-  </mc:AlternateContent>
+  <p:clrMapOvr>
+    <a:masterClrMapping/>
+  </p:clrMapOvr>
 </p:sld>
 </file>
 
-<file path=ppt/slides/slide6.xml><?xml version="1.0" encoding="utf-8"?>
-<p:sld xmlns:a="http://schemas.openxmlformats.org/drawingml/2006/main" xmlns:p="http://schemas.openxmlformats.org/presentationml/2006/main" xmlns:r="http://schemas.openxmlformats.org/officeDocument/2006/relationships" xmlns:p14="http://schemas.microsoft.com/office/powerpoint/2010/main" xmlns:p15="http://schemas.microsoft.com/office/powerpoint/2012/main" xmlns:mc="http://schemas.openxmlformats.org/markup-compatibility/2006">
+<file path=ppt/slides/slide5.xml><?xml version="1.0" encoding="utf-8"?>
+<p:sld xmlns:a="http://schemas.openxmlformats.org/drawingml/2006/main" xmlns:r="http://schemas.openxmlformats.org/officeDocument/2006/relationships" xmlns:p="http://schemas.openxmlformats.org/presentationml/2006/main">
   <p:cSld>
     <p:spTree>
       <p:nvGrpSpPr>
@@ -10531,7 +11189,7 @@
       </p:grpSpPr>
       <p:sp>
         <p:nvSpPr>
-          <p:cNvPr id="92" name="PlaceHolder 1"/>
+          <p:cNvPr id="90" name="PlaceHolder 1"/>
           <p:cNvSpPr>
             <a:spLocks noGrp="1"/>
           </p:cNvSpPr>
@@ -10541,8 +11199,8 @@
         </p:nvSpPr>
         <p:spPr>
           <a:xfrm>
-            <a:off x="838080" y="365040"/>
-            <a:ext cx="10515240" cy="1325160"/>
+            <a:off x="1523880" y="1122480"/>
+            <a:ext cx="9143640" cy="2387160"/>
           </a:xfrm>
           <a:prstGeom prst="rect">
             <a:avLst/>
@@ -10553,57 +11211,49 @@
           </a:ln>
         </p:spPr>
         <p:txBody>
-          <a:bodyPr anchor="ctr">
+          <a:bodyPr anchor="b">
             <a:noAutofit/>
           </a:bodyPr>
-          <a:p>
-            <a:pPr indent="0">
+          <a:lstStyle/>
+          <a:p>
+            <a:pPr indent="0" algn="ctr">
               <a:lnSpc>
                 <a:spcPct val="90000"/>
               </a:lnSpc>
               <a:buNone/>
             </a:pPr>
             <a:r>
-              <a:rPr b="0" lang="en-GB" sz="4400" spc="-1" strike="noStrike">
+              <a:rPr lang="en-GB" sz="6000" b="0" strike="noStrike" spc="-1">
                 <a:solidFill>
                   <a:srgbClr val="000000"/>
                 </a:solidFill>
                 <a:latin typeface="Calibri Light"/>
               </a:rPr>
-              <a:t>Setting up your own Project</a:t>
-            </a:r>
-            <a:r>
-              <a:rPr b="0" lang="en-GB" sz="4400" spc="-1" strike="noStrike">
-                <a:solidFill>
-                  <a:srgbClr val="000000"/>
-                </a:solidFill>
-                <a:latin typeface="Calibri Light"/>
-              </a:rPr>
-              <a:t>	</a:t>
-            </a:r>
-            <a:endParaRPr b="0" lang="en-US" sz="4400" spc="-1" strike="noStrike">
-              <a:solidFill>
-                <a:srgbClr val="000000"/>
-              </a:solidFill>
-              <a:latin typeface="Calibri"/>
-            </a:endParaRPr>
-          </a:p>
-        </p:txBody>
-      </p:sp>
-      <p:sp>
-        <p:nvSpPr>
-          <p:cNvPr id="93" name="PlaceHolder 2"/>
-          <p:cNvSpPr>
-            <a:spLocks noGrp="1"/>
-          </p:cNvSpPr>
-          <p:nvPr>
-            <p:ph/>
+              <a:t>Projects</a:t>
+            </a:r>
+            <a:endParaRPr lang="en-US" sz="6000" b="0" strike="noStrike" spc="-1">
+              <a:solidFill>
+                <a:srgbClr val="000000"/>
+              </a:solidFill>
+              <a:latin typeface="Calibri"/>
+            </a:endParaRPr>
+          </a:p>
+        </p:txBody>
+      </p:sp>
+      <p:sp>
+        <p:nvSpPr>
+          <p:cNvPr id="91" name="PlaceHolder 2"/>
+          <p:cNvSpPr>
+            <a:spLocks noGrp="1"/>
+          </p:cNvSpPr>
+          <p:nvPr>
+            <p:ph type="subTitle"/>
           </p:nvPr>
         </p:nvSpPr>
         <p:spPr>
           <a:xfrm>
-            <a:off x="838080" y="1825560"/>
-            <a:ext cx="10515240" cy="4350960"/>
+            <a:off x="1523880" y="3602160"/>
+            <a:ext cx="9143640" cy="1655280"/>
           </a:xfrm>
           <a:prstGeom prst="rect">
             <a:avLst/>
@@ -10615,193 +11265,14 @@
         </p:spPr>
         <p:txBody>
           <a:bodyPr anchor="t">
-            <a:normAutofit/>
+            <a:noAutofit/>
           </a:bodyPr>
-          <a:p>
-            <a:pPr marL="228600" indent="-228600">
-              <a:lnSpc>
-                <a:spcPct val="90000"/>
-              </a:lnSpc>
-              <a:spcBef>
-                <a:spcPts val="1001"/>
-              </a:spcBef>
-              <a:buClr>
-                <a:srgbClr val="000000"/>
-              </a:buClr>
-              <a:buFont typeface="Arial"/>
-              <a:buChar char="•"/>
-            </a:pPr>
-            <a:r>
-              <a:rPr b="0" lang="en-GB" sz="2800" spc="-1" strike="noStrike">
-                <a:solidFill>
-                  <a:srgbClr val="000000"/>
-                </a:solidFill>
-                <a:latin typeface="Calibri"/>
-              </a:rPr>
-              <a:t>Projects are a feature of RStudio and help compartmentalise your work</a:t>
-            </a:r>
-            <a:br>
-              <a:rPr sz="2800"/>
-            </a:br>
-            <a:r>
-              <a:rPr b="0" lang="en-GB" sz="2800" spc="-1" strike="noStrike">
-                <a:solidFill>
-                  <a:srgbClr val="000000"/>
-                </a:solidFill>
-                <a:latin typeface="Calibri"/>
-              </a:rPr>
-              <a:t> </a:t>
-            </a:r>
-            <a:endParaRPr b="0" lang="en-US" sz="2800" spc="-1" strike="noStrike">
-              <a:solidFill>
-                <a:srgbClr val="000000"/>
-              </a:solidFill>
-              <a:latin typeface="Calibri"/>
-            </a:endParaRPr>
-          </a:p>
-          <a:p>
-            <a:pPr marL="228600" indent="-228600">
-              <a:lnSpc>
-                <a:spcPct val="90000"/>
-              </a:lnSpc>
-              <a:spcBef>
-                <a:spcPts val="1001"/>
-              </a:spcBef>
-              <a:buClr>
-                <a:srgbClr val="000000"/>
-              </a:buClr>
-              <a:buFont typeface="Arial"/>
-              <a:buChar char="•"/>
-            </a:pPr>
-            <a:r>
-              <a:rPr b="0" lang="en-GB" sz="2800" spc="-1" strike="noStrike">
-                <a:solidFill>
-                  <a:srgbClr val="000000"/>
-                </a:solidFill>
-                <a:latin typeface="Calibri"/>
-              </a:rPr>
-              <a:t>Opening a project automatically sets your working directory to that location</a:t>
-            </a:r>
-            <a:endParaRPr b="0" lang="en-US" sz="2800" spc="-1" strike="noStrike">
-              <a:solidFill>
-                <a:srgbClr val="000000"/>
-              </a:solidFill>
-              <a:latin typeface="Calibri"/>
-            </a:endParaRPr>
-          </a:p>
-          <a:p>
-            <a:pPr lvl="1" marL="685800" indent="-228600">
-              <a:lnSpc>
-                <a:spcPct val="90000"/>
-              </a:lnSpc>
-              <a:spcBef>
-                <a:spcPts val="499"/>
-              </a:spcBef>
-              <a:buClr>
-                <a:srgbClr val="000000"/>
-              </a:buClr>
-              <a:buFont typeface="Arial"/>
-              <a:buChar char="•"/>
-            </a:pPr>
-            <a:r>
-              <a:rPr b="0" lang="en-GB" sz="2400" spc="-1" strike="noStrike">
-                <a:solidFill>
-                  <a:srgbClr val="000000"/>
-                </a:solidFill>
-                <a:latin typeface="Calibri"/>
-              </a:rPr>
-              <a:t>Either from RStudio or file explorer</a:t>
-            </a:r>
-            <a:br>
-              <a:rPr sz="2400"/>
-            </a:br>
-            <a:r>
-              <a:rPr b="0" lang="en-GB" sz="2400" spc="-1" strike="noStrike">
-                <a:solidFill>
-                  <a:srgbClr val="000000"/>
-                </a:solidFill>
-                <a:latin typeface="Calibri"/>
-              </a:rPr>
-              <a:t> </a:t>
-            </a:r>
-            <a:endParaRPr b="0" lang="en-US" sz="2400" spc="-1" strike="noStrike">
-              <a:solidFill>
-                <a:srgbClr val="000000"/>
-              </a:solidFill>
-              <a:latin typeface="Calibri"/>
-            </a:endParaRPr>
-          </a:p>
-          <a:p>
-            <a:pPr marL="228600" indent="-228600">
-              <a:lnSpc>
-                <a:spcPct val="90000"/>
-              </a:lnSpc>
-              <a:spcBef>
-                <a:spcPts val="1001"/>
-              </a:spcBef>
-              <a:buClr>
-                <a:srgbClr val="000000"/>
-              </a:buClr>
-              <a:buFont typeface="Arial"/>
-              <a:buChar char="•"/>
-            </a:pPr>
-            <a:r>
-              <a:rPr b="0" lang="en-GB" sz="2800" spc="-1" strike="noStrike">
-                <a:solidFill>
-                  <a:srgbClr val="000000"/>
-                </a:solidFill>
-                <a:latin typeface="Calibri"/>
-              </a:rPr>
-              <a:t>Helps keep your data, scripts and plots together</a:t>
-            </a:r>
-            <a:endParaRPr b="0" lang="en-US" sz="2800" spc="-1" strike="noStrike">
-              <a:solidFill>
-                <a:srgbClr val="000000"/>
-              </a:solidFill>
-              <a:latin typeface="Calibri"/>
-            </a:endParaRPr>
-          </a:p>
-          <a:p>
-            <a:pPr indent="0">
-              <a:lnSpc>
-                <a:spcPct val="90000"/>
-              </a:lnSpc>
-              <a:spcBef>
-                <a:spcPts val="1001"/>
-              </a:spcBef>
+          <a:lstStyle/>
+          <a:p>
+            <a:pPr indent="0" algn="ctr">
               <a:buNone/>
             </a:pPr>
-            <a:endParaRPr b="0" lang="en-US" sz="2800" spc="-1" strike="noStrike">
-              <a:solidFill>
-                <a:srgbClr val="000000"/>
-              </a:solidFill>
-              <a:latin typeface="Calibri"/>
-            </a:endParaRPr>
-          </a:p>
-          <a:p>
-            <a:pPr marL="228600" indent="-228600">
-              <a:lnSpc>
-                <a:spcPct val="90000"/>
-              </a:lnSpc>
-              <a:spcBef>
-                <a:spcPts val="1001"/>
-              </a:spcBef>
-              <a:buClr>
-                <a:srgbClr val="000000"/>
-              </a:buClr>
-              <a:buFont typeface="Arial"/>
-              <a:buChar char="•"/>
-            </a:pPr>
-            <a:r>
-              <a:rPr b="0" lang="en-GB" sz="2800" spc="-1" strike="noStrike">
-                <a:solidFill>
-                  <a:srgbClr val="000000"/>
-                </a:solidFill>
-                <a:latin typeface="Calibri"/>
-              </a:rPr>
-              <a:t>Makes sharing your work easier</a:t>
-            </a:r>
-            <a:endParaRPr b="0" lang="en-US" sz="2800" spc="-1" strike="noStrike">
+            <a:endParaRPr lang="en-GB" sz="2400" b="0" strike="noStrike" spc="-1">
               <a:solidFill>
                 <a:srgbClr val="000000"/>
               </a:solidFill>
@@ -10812,19 +11283,14 @@
       </p:sp>
     </p:spTree>
   </p:cSld>
-  <mc:AlternateContent>
-    <mc:Choice Requires="p14">
-      <p:transition spd="slow" p14:dur="2000"/>
-    </mc:Choice>
-    <mc:Fallback>
-      <p:transition spd="slow"/>
-    </mc:Fallback>
-  </mc:AlternateContent>
+  <p:clrMapOvr>
+    <a:masterClrMapping/>
+  </p:clrMapOvr>
 </p:sld>
 </file>
 
-<file path=ppt/slides/slide7.xml><?xml version="1.0" encoding="utf-8"?>
-<p:sld xmlns:a="http://schemas.openxmlformats.org/drawingml/2006/main" xmlns:p="http://schemas.openxmlformats.org/presentationml/2006/main" xmlns:r="http://schemas.openxmlformats.org/officeDocument/2006/relationships" xmlns:p14="http://schemas.microsoft.com/office/powerpoint/2010/main" xmlns:p15="http://schemas.microsoft.com/office/powerpoint/2012/main" xmlns:mc="http://schemas.openxmlformats.org/markup-compatibility/2006">
+<file path=ppt/slides/slide6.xml><?xml version="1.0" encoding="utf-8"?>
+<p:sld xmlns:a="http://schemas.openxmlformats.org/drawingml/2006/main" xmlns:r="http://schemas.openxmlformats.org/officeDocument/2006/relationships" xmlns:p="http://schemas.openxmlformats.org/presentationml/2006/main">
   <p:cSld>
     <p:spTree>
       <p:nvGrpSpPr>
@@ -10842,7 +11308,7 @@
       </p:grpSpPr>
       <p:sp>
         <p:nvSpPr>
-          <p:cNvPr id="94" name="PlaceHolder 1"/>
+          <p:cNvPr id="92" name="PlaceHolder 1"/>
           <p:cNvSpPr>
             <a:spLocks noGrp="1"/>
           </p:cNvSpPr>
@@ -10867,6 +11333,7 @@
           <a:bodyPr anchor="ctr">
             <a:noAutofit/>
           </a:bodyPr>
+          <a:lstStyle/>
           <a:p>
             <a:pPr indent="0">
               <a:lnSpc>
@@ -10875,35 +11342,26 @@
               <a:buNone/>
             </a:pPr>
             <a:r>
-              <a:rPr b="0" lang="en-GB" sz="4400" spc="-1" strike="noStrike">
+              <a:rPr lang="en-GB" sz="4400" b="0" strike="noStrike" spc="-1">
                 <a:solidFill>
                   <a:srgbClr val="000000"/>
                 </a:solidFill>
                 <a:latin typeface="Calibri Light"/>
               </a:rPr>
-              <a:t>Setting up your own Project</a:t>
-            </a:r>
-            <a:r>
-              <a:rPr b="0" lang="en-GB" sz="4400" spc="-1" strike="noStrike">
-                <a:solidFill>
-                  <a:srgbClr val="000000"/>
-                </a:solidFill>
-                <a:latin typeface="Calibri Light"/>
-              </a:rPr>
-              <a:t>	</a:t>
-            </a:r>
-            <a:endParaRPr b="0" lang="en-US" sz="4400" spc="-1" strike="noStrike">
-              <a:solidFill>
-                <a:srgbClr val="000000"/>
-              </a:solidFill>
-              <a:latin typeface="Calibri"/>
-            </a:endParaRPr>
-          </a:p>
-        </p:txBody>
-      </p:sp>
-      <p:sp>
-        <p:nvSpPr>
-          <p:cNvPr id="95" name="PlaceHolder 2"/>
+              <a:t>Setting up your own Project	</a:t>
+            </a:r>
+            <a:endParaRPr lang="en-US" sz="4400" b="0" strike="noStrike" spc="-1">
+              <a:solidFill>
+                <a:srgbClr val="000000"/>
+              </a:solidFill>
+              <a:latin typeface="Calibri"/>
+            </a:endParaRPr>
+          </a:p>
+        </p:txBody>
+      </p:sp>
+      <p:sp>
+        <p:nvSpPr>
+          <p:cNvPr id="93" name="PlaceHolder 2"/>
           <p:cNvSpPr>
             <a:spLocks noGrp="1"/>
           </p:cNvSpPr>
@@ -10926,8 +11384,9 @@
         </p:spPr>
         <p:txBody>
           <a:bodyPr anchor="t">
-            <a:noAutofit/>
+            <a:normAutofit/>
           </a:bodyPr>
+          <a:lstStyle/>
           <a:p>
             <a:pPr marL="228600" indent="-228600">
               <a:lnSpc>
@@ -10943,32 +11402,27 @@
               <a:buChar char="•"/>
             </a:pPr>
             <a:r>
-              <a:rPr b="0" lang="en-GB" sz="2800" spc="-1" strike="noStrike">
+              <a:rPr lang="en-GB" sz="2800" b="0" strike="noStrike" spc="-1">
                 <a:solidFill>
                   <a:srgbClr val="000000"/>
                 </a:solidFill>
                 <a:latin typeface="Calibri"/>
               </a:rPr>
-              <a:t>New Project –</a:t>
-            </a:r>
-            <a:endParaRPr b="0" lang="en-US" sz="2800" spc="-1" strike="noStrike">
-              <a:solidFill>
-                <a:srgbClr val="000000"/>
-              </a:solidFill>
-              <a:latin typeface="Calibri"/>
-            </a:endParaRPr>
-          </a:p>
-          <a:p>
-            <a:pPr indent="0">
-              <a:lnSpc>
-                <a:spcPct val="90000"/>
-              </a:lnSpc>
-              <a:spcBef>
-                <a:spcPts val="1001"/>
-              </a:spcBef>
-              <a:buNone/>
-            </a:pPr>
-            <a:endParaRPr b="0" lang="en-US" sz="2800" spc="-1" strike="noStrike">
+              <a:t>Projects are a feature of RStudio and help compartmentalise your work</a:t>
+            </a:r>
+            <a:br>
+              <a:rPr sz="2800"/>
+            </a:br>
+            <a:r>
+              <a:rPr lang="en-GB" sz="2800" b="0" strike="noStrike" spc="-1">
+                <a:solidFill>
+                  <a:srgbClr val="000000"/>
+                </a:solidFill>
+                <a:latin typeface="Calibri"/>
+              </a:rPr>
+              <a:t> </a:t>
+            </a:r>
+            <a:endParaRPr lang="en-US" sz="2800" b="0" strike="noStrike" spc="-1">
               <a:solidFill>
                 <a:srgbClr val="000000"/>
               </a:solidFill>
@@ -10990,23 +11444,23 @@
               <a:buChar char="•"/>
             </a:pPr>
             <a:r>
-              <a:rPr b="0" lang="en-GB" sz="2800" spc="-1" strike="noStrike">
+              <a:rPr lang="en-GB" sz="2800" b="0" strike="noStrike" spc="-1">
                 <a:solidFill>
                   <a:srgbClr val="000000"/>
                 </a:solidFill>
                 <a:latin typeface="Calibri"/>
               </a:rPr>
-              <a:t>New Directory -&gt; New project</a:t>
-            </a:r>
-            <a:endParaRPr b="0" lang="en-US" sz="2800" spc="-1" strike="noStrike">
-              <a:solidFill>
-                <a:srgbClr val="000000"/>
-              </a:solidFill>
-              <a:latin typeface="Calibri"/>
-            </a:endParaRPr>
-          </a:p>
-          <a:p>
-            <a:pPr lvl="1" marL="685800" indent="-228600">
+              <a:t>Opening a project automatically sets your working directory to that location</a:t>
+            </a:r>
+            <a:endParaRPr lang="en-US" sz="2800" b="0" strike="noStrike" spc="-1">
+              <a:solidFill>
+                <a:srgbClr val="000000"/>
+              </a:solidFill>
+              <a:latin typeface="Calibri"/>
+            </a:endParaRPr>
+          </a:p>
+          <a:p>
+            <a:pPr marL="685800" lvl="1" indent="-228600">
               <a:lnSpc>
                 <a:spcPct val="90000"/>
               </a:lnSpc>
@@ -11020,19 +11474,19 @@
               <a:buChar char="•"/>
             </a:pPr>
             <a:r>
-              <a:rPr b="0" lang="en-GB" sz="2400" spc="-1" strike="noStrike">
+              <a:rPr lang="en-GB" sz="2400" b="0" strike="noStrike" spc="-1">
                 <a:solidFill>
                   <a:srgbClr val="000000"/>
                 </a:solidFill>
                 <a:latin typeface="Calibri"/>
               </a:rPr>
-              <a:t>If you already have a folder that isn’t a project, you can click existing directory</a:t>
+              <a:t>Either from RStudio or file explorer</a:t>
             </a:r>
             <a:br>
               <a:rPr sz="2400"/>
             </a:br>
             <a:r>
-              <a:rPr b="0" lang="en-GB" sz="2400" spc="-1" strike="noStrike">
+              <a:rPr lang="en-GB" sz="2400" b="0" strike="noStrike" spc="-1">
                 <a:solidFill>
                   <a:srgbClr val="000000"/>
                 </a:solidFill>
@@ -11040,7 +11494,7 @@
               </a:rPr>
               <a:t> </a:t>
             </a:r>
-            <a:endParaRPr b="0" lang="en-US" sz="2400" spc="-1" strike="noStrike">
+            <a:endParaRPr lang="en-US" sz="2400" b="0" strike="noStrike" spc="-1">
               <a:solidFill>
                 <a:srgbClr val="000000"/>
               </a:solidFill>
@@ -11062,24 +11516,319 @@
               <a:buChar char="•"/>
             </a:pPr>
             <a:r>
-              <a:rPr b="0" lang="en-GB" sz="2800" spc="-1" strike="noStrike">
+              <a:rPr lang="en-GB" sz="2800" b="0" strike="noStrike" spc="-1">
                 <a:solidFill>
                   <a:srgbClr val="000000"/>
                 </a:solidFill>
                 <a:latin typeface="Calibri"/>
               </a:rPr>
+              <a:t>Helps keep your data, scripts and plots together</a:t>
+            </a:r>
+            <a:endParaRPr lang="en-US" sz="2800" b="0" strike="noStrike" spc="-1">
+              <a:solidFill>
+                <a:srgbClr val="000000"/>
+              </a:solidFill>
+              <a:latin typeface="Calibri"/>
+            </a:endParaRPr>
+          </a:p>
+          <a:p>
+            <a:pPr indent="0">
+              <a:lnSpc>
+                <a:spcPct val="90000"/>
+              </a:lnSpc>
+              <a:spcBef>
+                <a:spcPts val="1001"/>
+              </a:spcBef>
+              <a:buNone/>
+            </a:pPr>
+            <a:endParaRPr lang="en-US" sz="2800" b="0" strike="noStrike" spc="-1">
+              <a:solidFill>
+                <a:srgbClr val="000000"/>
+              </a:solidFill>
+              <a:latin typeface="Calibri"/>
+            </a:endParaRPr>
+          </a:p>
+          <a:p>
+            <a:pPr marL="228600" indent="-228600">
+              <a:lnSpc>
+                <a:spcPct val="90000"/>
+              </a:lnSpc>
+              <a:spcBef>
+                <a:spcPts val="1001"/>
+              </a:spcBef>
+              <a:buClr>
+                <a:srgbClr val="000000"/>
+              </a:buClr>
+              <a:buFont typeface="Arial"/>
+              <a:buChar char="•"/>
+            </a:pPr>
+            <a:r>
+              <a:rPr lang="en-GB" sz="2800" b="0" strike="noStrike" spc="-1">
+                <a:solidFill>
+                  <a:srgbClr val="000000"/>
+                </a:solidFill>
+                <a:latin typeface="Calibri"/>
+              </a:rPr>
+              <a:t>Makes sharing your work easier</a:t>
+            </a:r>
+            <a:endParaRPr lang="en-US" sz="2800" b="0" strike="noStrike" spc="-1">
+              <a:solidFill>
+                <a:srgbClr val="000000"/>
+              </a:solidFill>
+              <a:latin typeface="Calibri"/>
+            </a:endParaRPr>
+          </a:p>
+        </p:txBody>
+      </p:sp>
+    </p:spTree>
+  </p:cSld>
+  <p:clrMapOvr>
+    <a:masterClrMapping/>
+  </p:clrMapOvr>
+</p:sld>
+</file>
+
+<file path=ppt/slides/slide7.xml><?xml version="1.0" encoding="utf-8"?>
+<p:sld xmlns:a="http://schemas.openxmlformats.org/drawingml/2006/main" xmlns:r="http://schemas.openxmlformats.org/officeDocument/2006/relationships" xmlns:p="http://schemas.openxmlformats.org/presentationml/2006/main">
+  <p:cSld>
+    <p:spTree>
+      <p:nvGrpSpPr>
+        <p:cNvPr id="1" name=""/>
+        <p:cNvGrpSpPr/>
+        <p:nvPr/>
+      </p:nvGrpSpPr>
+      <p:grpSpPr>
+        <a:xfrm>
+          <a:off x="0" y="0"/>
+          <a:ext cx="0" cy="0"/>
+          <a:chOff x="0" y="0"/>
+          <a:chExt cx="0" cy="0"/>
+        </a:xfrm>
+      </p:grpSpPr>
+      <p:sp>
+        <p:nvSpPr>
+          <p:cNvPr id="94" name="PlaceHolder 1"/>
+          <p:cNvSpPr>
+            <a:spLocks noGrp="1"/>
+          </p:cNvSpPr>
+          <p:nvPr>
+            <p:ph type="title"/>
+          </p:nvPr>
+        </p:nvSpPr>
+        <p:spPr>
+          <a:xfrm>
+            <a:off x="838080" y="365040"/>
+            <a:ext cx="10515240" cy="1325160"/>
+          </a:xfrm>
+          <a:prstGeom prst="rect">
+            <a:avLst/>
+          </a:prstGeom>
+          <a:noFill/>
+          <a:ln w="0">
+            <a:noFill/>
+          </a:ln>
+        </p:spPr>
+        <p:txBody>
+          <a:bodyPr anchor="ctr">
+            <a:noAutofit/>
+          </a:bodyPr>
+          <a:lstStyle/>
+          <a:p>
+            <a:pPr indent="0">
+              <a:lnSpc>
+                <a:spcPct val="90000"/>
+              </a:lnSpc>
+              <a:buNone/>
+            </a:pPr>
+            <a:r>
+              <a:rPr lang="en-GB" sz="4400" b="0" strike="noStrike" spc="-1">
+                <a:solidFill>
+                  <a:srgbClr val="000000"/>
+                </a:solidFill>
+                <a:latin typeface="Calibri Light"/>
+              </a:rPr>
+              <a:t>Setting up your own Project	</a:t>
+            </a:r>
+            <a:endParaRPr lang="en-US" sz="4400" b="0" strike="noStrike" spc="-1">
+              <a:solidFill>
+                <a:srgbClr val="000000"/>
+              </a:solidFill>
+              <a:latin typeface="Calibri"/>
+            </a:endParaRPr>
+          </a:p>
+        </p:txBody>
+      </p:sp>
+      <p:sp>
+        <p:nvSpPr>
+          <p:cNvPr id="95" name="PlaceHolder 2"/>
+          <p:cNvSpPr>
+            <a:spLocks noGrp="1"/>
+          </p:cNvSpPr>
+          <p:nvPr>
+            <p:ph/>
+          </p:nvPr>
+        </p:nvSpPr>
+        <p:spPr>
+          <a:xfrm>
+            <a:off x="838080" y="1825560"/>
+            <a:ext cx="10515240" cy="4350960"/>
+          </a:xfrm>
+          <a:prstGeom prst="rect">
+            <a:avLst/>
+          </a:prstGeom>
+          <a:noFill/>
+          <a:ln w="0">
+            <a:noFill/>
+          </a:ln>
+        </p:spPr>
+        <p:txBody>
+          <a:bodyPr anchor="t">
+            <a:noAutofit/>
+          </a:bodyPr>
+          <a:lstStyle/>
+          <a:p>
+            <a:pPr marL="228600" indent="-228600">
+              <a:lnSpc>
+                <a:spcPct val="90000"/>
+              </a:lnSpc>
+              <a:spcBef>
+                <a:spcPts val="1001"/>
+              </a:spcBef>
+              <a:buClr>
+                <a:srgbClr val="000000"/>
+              </a:buClr>
+              <a:buFont typeface="Arial"/>
+              <a:buChar char="•"/>
+            </a:pPr>
+            <a:r>
+              <a:rPr lang="en-GB" sz="2800" b="0" strike="noStrike" spc="-1">
+                <a:solidFill>
+                  <a:srgbClr val="000000"/>
+                </a:solidFill>
+                <a:latin typeface="Calibri"/>
+              </a:rPr>
+              <a:t>New Project –</a:t>
+            </a:r>
+            <a:endParaRPr lang="en-US" sz="2800" b="0" strike="noStrike" spc="-1">
+              <a:solidFill>
+                <a:srgbClr val="000000"/>
+              </a:solidFill>
+              <a:latin typeface="Calibri"/>
+            </a:endParaRPr>
+          </a:p>
+          <a:p>
+            <a:pPr indent="0">
+              <a:lnSpc>
+                <a:spcPct val="90000"/>
+              </a:lnSpc>
+              <a:spcBef>
+                <a:spcPts val="1001"/>
+              </a:spcBef>
+              <a:buNone/>
+            </a:pPr>
+            <a:endParaRPr lang="en-US" sz="2800" b="0" strike="noStrike" spc="-1">
+              <a:solidFill>
+                <a:srgbClr val="000000"/>
+              </a:solidFill>
+              <a:latin typeface="Calibri"/>
+            </a:endParaRPr>
+          </a:p>
+          <a:p>
+            <a:pPr marL="228600" indent="-228600">
+              <a:lnSpc>
+                <a:spcPct val="90000"/>
+              </a:lnSpc>
+              <a:spcBef>
+                <a:spcPts val="1001"/>
+              </a:spcBef>
+              <a:buClr>
+                <a:srgbClr val="000000"/>
+              </a:buClr>
+              <a:buFont typeface="Arial"/>
+              <a:buChar char="•"/>
+            </a:pPr>
+            <a:r>
+              <a:rPr lang="en-GB" sz="2800" b="0" strike="noStrike" spc="-1">
+                <a:solidFill>
+                  <a:srgbClr val="000000"/>
+                </a:solidFill>
+                <a:latin typeface="Calibri"/>
+              </a:rPr>
+              <a:t>New Directory -&gt; New project</a:t>
+            </a:r>
+            <a:endParaRPr lang="en-US" sz="2800" b="0" strike="noStrike" spc="-1">
+              <a:solidFill>
+                <a:srgbClr val="000000"/>
+              </a:solidFill>
+              <a:latin typeface="Calibri"/>
+            </a:endParaRPr>
+          </a:p>
+          <a:p>
+            <a:pPr marL="685800" lvl="1" indent="-228600">
+              <a:lnSpc>
+                <a:spcPct val="90000"/>
+              </a:lnSpc>
+              <a:spcBef>
+                <a:spcPts val="499"/>
+              </a:spcBef>
+              <a:buClr>
+                <a:srgbClr val="000000"/>
+              </a:buClr>
+              <a:buFont typeface="Arial"/>
+              <a:buChar char="•"/>
+            </a:pPr>
+            <a:r>
+              <a:rPr lang="en-GB" sz="2400" b="0" strike="noStrike" spc="-1">
+                <a:solidFill>
+                  <a:srgbClr val="000000"/>
+                </a:solidFill>
+                <a:latin typeface="Calibri"/>
+              </a:rPr>
+              <a:t>If you already have a folder that isn’t a project, you can click existing directory</a:t>
+            </a:r>
+            <a:br>
+              <a:rPr sz="2400"/>
+            </a:br>
+            <a:r>
+              <a:rPr lang="en-GB" sz="2400" b="0" strike="noStrike" spc="-1">
+                <a:solidFill>
+                  <a:srgbClr val="000000"/>
+                </a:solidFill>
+                <a:latin typeface="Calibri"/>
+              </a:rPr>
               <a:t> </a:t>
             </a:r>
-            <a:r>
-              <a:rPr b="0" lang="en-GB" sz="2800" spc="-1" strike="noStrike">
+            <a:endParaRPr lang="en-US" sz="2400" b="0" strike="noStrike" spc="-1">
+              <a:solidFill>
+                <a:srgbClr val="000000"/>
+              </a:solidFill>
+              <a:latin typeface="Calibri"/>
+            </a:endParaRPr>
+          </a:p>
+          <a:p>
+            <a:pPr marL="228600" indent="-228600">
+              <a:lnSpc>
+                <a:spcPct val="90000"/>
+              </a:lnSpc>
+              <a:spcBef>
+                <a:spcPts val="1001"/>
+              </a:spcBef>
+              <a:buClr>
+                <a:srgbClr val="000000"/>
+              </a:buClr>
+              <a:buFont typeface="Arial"/>
+              <a:buChar char="•"/>
+            </a:pPr>
+            <a:r>
+              <a:rPr lang="en-GB" sz="2800" b="0" strike="noStrike" spc="-1">
                 <a:solidFill>
                   <a:srgbClr val="000000"/>
                 </a:solidFill>
                 <a:latin typeface="Calibri"/>
               </a:rPr>
-              <a:t>Fill in the details and create project</a:t>
-            </a:r>
-            <a:endParaRPr b="0" lang="en-US" sz="2800" spc="-1" strike="noStrike">
+              <a:t> Fill in the details and create project</a:t>
+            </a:r>
+            <a:endParaRPr lang="en-US" sz="2800" b="0" strike="noStrike" spc="-1">
               <a:solidFill>
                 <a:srgbClr val="000000"/>
               </a:solidFill>
@@ -11090,13 +11839,13 @@
       </p:sp>
       <p:pic>
         <p:nvPicPr>
-          <p:cNvPr id="96" name="Picture 6" descr=""/>
+          <p:cNvPr id="96" name="Picture 6"/>
           <p:cNvPicPr/>
           <p:nvPr/>
         </p:nvPicPr>
         <p:blipFill>
-          <a:blip r:embed="rId1"/>
-          <a:srcRect l="10976" t="9363" r="0" b="0"/>
+          <a:blip r:embed="rId2"/>
+          <a:srcRect l="10976" t="9363"/>
           <a:stretch/>
         </p:blipFill>
         <p:spPr>
@@ -11114,12 +11863,12 @@
       </p:pic>
       <p:pic>
         <p:nvPicPr>
-          <p:cNvPr id="97" name="Picture 8" descr=""/>
+          <p:cNvPr id="97" name="Picture 8"/>
           <p:cNvPicPr/>
           <p:nvPr/>
         </p:nvPicPr>
         <p:blipFill>
-          <a:blip r:embed="rId2"/>
+          <a:blip r:embed="rId3"/>
           <a:stretch/>
         </p:blipFill>
         <p:spPr>
@@ -11137,19 +11886,14 @@
       </p:pic>
     </p:spTree>
   </p:cSld>
-  <mc:AlternateContent>
-    <mc:Choice Requires="p14">
-      <p:transition spd="slow" p14:dur="2000"/>
-    </mc:Choice>
-    <mc:Fallback>
-      <p:transition spd="slow"/>
-    </mc:Fallback>
-  </mc:AlternateContent>
+  <p:clrMapOvr>
+    <a:masterClrMapping/>
+  </p:clrMapOvr>
 </p:sld>
 </file>
 
 <file path=ppt/slides/slide8.xml><?xml version="1.0" encoding="utf-8"?>
-<p:sld xmlns:a="http://schemas.openxmlformats.org/drawingml/2006/main" xmlns:p="http://schemas.openxmlformats.org/presentationml/2006/main" xmlns:r="http://schemas.openxmlformats.org/officeDocument/2006/relationships" xmlns:p14="http://schemas.microsoft.com/office/powerpoint/2010/main" xmlns:p15="http://schemas.microsoft.com/office/powerpoint/2012/main" xmlns:mc="http://schemas.openxmlformats.org/markup-compatibility/2006">
+<p:sld xmlns:a="http://schemas.openxmlformats.org/drawingml/2006/main" xmlns:r="http://schemas.openxmlformats.org/officeDocument/2006/relationships" xmlns:p="http://schemas.openxmlformats.org/presentationml/2006/main">
   <p:cSld>
     <p:spTree>
       <p:nvGrpSpPr>
@@ -11192,6 +11936,7 @@
           <a:bodyPr anchor="ctr">
             <a:noAutofit/>
           </a:bodyPr>
+          <a:lstStyle/>
           <a:p>
             <a:pPr indent="0">
               <a:lnSpc>
@@ -11200,7 +11945,7 @@
               <a:buNone/>
             </a:pPr>
             <a:r>
-              <a:rPr b="0" lang="en-GB" sz="4400" spc="-1" strike="noStrike">
+              <a:rPr lang="en-GB" sz="4400" b="0" strike="noStrike" spc="-1">
                 <a:solidFill>
                   <a:srgbClr val="000000"/>
                 </a:solidFill>
@@ -11208,7 +11953,7 @@
               </a:rPr>
               <a:t>Setting up your own Project </a:t>
             </a:r>
-            <a:endParaRPr b="0" lang="en-US" sz="4400" spc="-1" strike="noStrike">
+            <a:endParaRPr lang="en-US" sz="4400" b="0" strike="noStrike" spc="-1">
               <a:solidFill>
                 <a:srgbClr val="000000"/>
               </a:solidFill>
@@ -11244,6 +11989,7 @@
           <a:bodyPr anchor="t">
             <a:normAutofit fontScale="83000"/>
           </a:bodyPr>
+          <a:lstStyle/>
           <a:p>
             <a:pPr marL="204840" indent="-204840">
               <a:lnSpc>
@@ -11259,7 +12005,7 @@
               <a:buChar char="•"/>
             </a:pPr>
             <a:r>
-              <a:rPr b="0" lang="en-GB" sz="2800" spc="-1" strike="noStrike">
+              <a:rPr lang="en-GB" sz="2800" b="0" strike="noStrike" spc="-1">
                 <a:solidFill>
                   <a:srgbClr val="000000"/>
                 </a:solidFill>
@@ -11267,15 +12013,15 @@
               </a:rPr>
               <a:t>I like to add “data”, “scripts”, “plots” as my main folders</a:t>
             </a:r>
-            <a:endParaRPr b="0" lang="en-US" sz="2800" spc="-1" strike="noStrike">
-              <a:solidFill>
-                <a:srgbClr val="000000"/>
-              </a:solidFill>
-              <a:latin typeface="Calibri"/>
-            </a:endParaRPr>
-          </a:p>
-          <a:p>
-            <a:pPr lvl="1" marL="614880" indent="-204840">
+            <a:endParaRPr lang="en-US" sz="2800" b="0" strike="noStrike" spc="-1">
+              <a:solidFill>
+                <a:srgbClr val="000000"/>
+              </a:solidFill>
+              <a:latin typeface="Calibri"/>
+            </a:endParaRPr>
+          </a:p>
+          <a:p>
+            <a:pPr marL="614880" lvl="1" indent="-204840">
               <a:lnSpc>
                 <a:spcPct val="90000"/>
               </a:lnSpc>
@@ -11289,7 +12035,7 @@
               <a:buChar char="•"/>
             </a:pPr>
             <a:r>
-              <a:rPr b="0" lang="en-GB" sz="2400" spc="-1" strike="noStrike">
+              <a:rPr lang="en-GB" sz="2400" b="0" strike="noStrike" spc="-1">
                 <a:solidFill>
                   <a:srgbClr val="000000"/>
                 </a:solidFill>
@@ -11297,7 +12043,7 @@
               </a:rPr>
               <a:t>If I am going to be making presentations in R, I’ll probably also include a “presentation” folder</a:t>
             </a:r>
-            <a:endParaRPr b="0" lang="en-US" sz="2400" spc="-1" strike="noStrike">
+            <a:endParaRPr lang="en-US" sz="2400" b="0" strike="noStrike" spc="-1">
               <a:solidFill>
                 <a:srgbClr val="000000"/>
               </a:solidFill>
@@ -11314,7 +12060,7 @@
               </a:spcBef>
               <a:buNone/>
             </a:pPr>
-            <a:endParaRPr b="0" lang="en-US" sz="2800" spc="-1" strike="noStrike">
+            <a:endParaRPr lang="en-US" sz="2800" b="0" strike="noStrike" spc="-1">
               <a:solidFill>
                 <a:srgbClr val="000000"/>
               </a:solidFill>
@@ -11336,7 +12082,7 @@
               <a:buChar char="•"/>
             </a:pPr>
             <a:r>
-              <a:rPr b="0" lang="en-GB" sz="2800" spc="-1" strike="noStrike">
+              <a:rPr lang="en-GB" sz="2800" b="0" strike="noStrike" spc="-1">
                 <a:solidFill>
                   <a:srgbClr val="000000"/>
                 </a:solidFill>
@@ -11344,15 +12090,15 @@
               </a:rPr>
               <a:t>Use file paths relative to the project directory</a:t>
             </a:r>
-            <a:endParaRPr b="0" lang="en-US" sz="2800" spc="-1" strike="noStrike">
-              <a:solidFill>
-                <a:srgbClr val="000000"/>
-              </a:solidFill>
-              <a:latin typeface="Calibri"/>
-            </a:endParaRPr>
-          </a:p>
-          <a:p>
-            <a:pPr lvl="1" marL="614880" indent="-204840">
+            <a:endParaRPr lang="en-US" sz="2800" b="0" strike="noStrike" spc="-1">
+              <a:solidFill>
+                <a:srgbClr val="000000"/>
+              </a:solidFill>
+              <a:latin typeface="Calibri"/>
+            </a:endParaRPr>
+          </a:p>
+          <a:p>
+            <a:pPr marL="614880" lvl="1" indent="-204840">
               <a:lnSpc>
                 <a:spcPct val="90000"/>
               </a:lnSpc>
@@ -11366,7 +12112,7 @@
               <a:buChar char="•"/>
             </a:pPr>
             <a:r>
-              <a:rPr b="0" lang="en-GB" sz="2400" spc="-1" strike="noStrike">
+              <a:rPr lang="en-GB" sz="2400" b="0" strike="noStrike" spc="-1">
                 <a:solidFill>
                   <a:srgbClr val="000000"/>
                 </a:solidFill>
@@ -11374,15 +12120,15 @@
               </a:rPr>
               <a:t>Your working directory is set here if you launch from the project</a:t>
             </a:r>
-            <a:endParaRPr b="0" lang="en-US" sz="2400" spc="-1" strike="noStrike">
-              <a:solidFill>
-                <a:srgbClr val="000000"/>
-              </a:solidFill>
-              <a:latin typeface="Calibri"/>
-            </a:endParaRPr>
-          </a:p>
-          <a:p>
-            <a:pPr lvl="1" marL="614880" indent="-204840">
+            <a:endParaRPr lang="en-US" sz="2400" b="0" strike="noStrike" spc="-1">
+              <a:solidFill>
+                <a:srgbClr val="000000"/>
+              </a:solidFill>
+              <a:latin typeface="Calibri"/>
+            </a:endParaRPr>
+          </a:p>
+          <a:p>
+            <a:pPr marL="614880" lvl="1" indent="-204840">
               <a:lnSpc>
                 <a:spcPct val="90000"/>
               </a:lnSpc>
@@ -11396,7 +12142,7 @@
               <a:buChar char="•"/>
             </a:pPr>
             <a:r>
-              <a:rPr b="0" lang="en-GB" sz="2400" spc="-1" strike="noStrike">
+              <a:rPr lang="en-GB" sz="2400" b="0" strike="noStrike" spc="-1">
                 <a:solidFill>
                   <a:srgbClr val="000000"/>
                 </a:solidFill>
@@ -11404,7 +12150,7 @@
               </a:rPr>
               <a:t>You can always find your data, even if you change computers</a:t>
             </a:r>
-            <a:endParaRPr b="0" lang="en-US" sz="2400" spc="-1" strike="noStrike">
+            <a:endParaRPr lang="en-US" sz="2400" b="0" strike="noStrike" spc="-1">
               <a:solidFill>
                 <a:srgbClr val="000000"/>
               </a:solidFill>
@@ -11421,7 +12167,7 @@
               </a:spcBef>
               <a:buNone/>
             </a:pPr>
-            <a:endParaRPr b="0" lang="en-US" sz="2400" spc="-1" strike="noStrike">
+            <a:endParaRPr lang="en-US" sz="2400" b="0" strike="noStrike" spc="-1">
               <a:solidFill>
                 <a:srgbClr val="000000"/>
               </a:solidFill>
@@ -11443,7 +12189,7 @@
               <a:buChar char="•"/>
             </a:pPr>
             <a:r>
-              <a:rPr b="0" lang="en-GB" sz="2800" spc="-1" strike="noStrike">
+              <a:rPr lang="en-GB" sz="2800" b="0" strike="noStrike" spc="-1">
                 <a:solidFill>
                   <a:srgbClr val="000000"/>
                 </a:solidFill>
@@ -11451,15 +12197,15 @@
               </a:rPr>
               <a:t>The here package</a:t>
             </a:r>
-            <a:endParaRPr b="0" lang="en-US" sz="2800" spc="-1" strike="noStrike">
-              <a:solidFill>
-                <a:srgbClr val="000000"/>
-              </a:solidFill>
-              <a:latin typeface="Calibri"/>
-            </a:endParaRPr>
-          </a:p>
-          <a:p>
-            <a:pPr lvl="1" marL="614880" indent="-204840">
+            <a:endParaRPr lang="en-US" sz="2800" b="0" strike="noStrike" spc="-1">
+              <a:solidFill>
+                <a:srgbClr val="000000"/>
+              </a:solidFill>
+              <a:latin typeface="Calibri"/>
+            </a:endParaRPr>
+          </a:p>
+          <a:p>
+            <a:pPr marL="614880" lvl="1" indent="-204840">
               <a:lnSpc>
                 <a:spcPct val="90000"/>
               </a:lnSpc>
@@ -11473,7 +12219,7 @@
               <a:buChar char="•"/>
             </a:pPr>
             <a:r>
-              <a:rPr b="0" lang="en-GB" sz="2400" spc="-1" strike="noStrike">
+              <a:rPr lang="en-GB" sz="2400" b="0" strike="noStrike" spc="-1">
                 <a:solidFill>
                   <a:srgbClr val="000000"/>
                 </a:solidFill>
@@ -11481,15 +12227,15 @@
               </a:rPr>
               <a:t>Optional package that helps with writing relative file paths </a:t>
             </a:r>
-            <a:endParaRPr b="0" lang="en-US" sz="2400" spc="-1" strike="noStrike">
-              <a:solidFill>
-                <a:srgbClr val="000000"/>
-              </a:solidFill>
-              <a:latin typeface="Calibri"/>
-            </a:endParaRPr>
-          </a:p>
-          <a:p>
-            <a:pPr lvl="1" marL="614880" indent="-204840">
+            <a:endParaRPr lang="en-US" sz="2400" b="0" strike="noStrike" spc="-1">
+              <a:solidFill>
+                <a:srgbClr val="000000"/>
+              </a:solidFill>
+              <a:latin typeface="Calibri"/>
+            </a:endParaRPr>
+          </a:p>
+          <a:p>
+            <a:pPr marL="614880" lvl="1" indent="-204840">
               <a:lnSpc>
                 <a:spcPct val="90000"/>
               </a:lnSpc>
@@ -11503,7 +12249,7 @@
               <a:buChar char="•"/>
             </a:pPr>
             <a:r>
-              <a:rPr b="0" lang="en-GB" sz="2400" spc="-1" strike="noStrike">
+              <a:rPr lang="en-GB" sz="2400" b="0" strike="noStrike" spc="-1">
                 <a:solidFill>
                   <a:srgbClr val="000000"/>
                 </a:solidFill>
@@ -11511,15 +12257,15 @@
               </a:rPr>
               <a:t>Works across multiple OS</a:t>
             </a:r>
-            <a:endParaRPr b="0" lang="en-US" sz="2400" spc="-1" strike="noStrike">
-              <a:solidFill>
-                <a:srgbClr val="000000"/>
-              </a:solidFill>
-              <a:latin typeface="Calibri"/>
-            </a:endParaRPr>
-          </a:p>
-          <a:p>
-            <a:pPr lvl="1" marL="614880" indent="-204840">
+            <a:endParaRPr lang="en-US" sz="2400" b="0" strike="noStrike" spc="-1">
+              <a:solidFill>
+                <a:srgbClr val="000000"/>
+              </a:solidFill>
+              <a:latin typeface="Calibri"/>
+            </a:endParaRPr>
+          </a:p>
+          <a:p>
+            <a:pPr marL="614880" lvl="1" indent="-204840">
               <a:lnSpc>
                 <a:spcPct val="90000"/>
               </a:lnSpc>
@@ -11533,7 +12279,7 @@
               <a:buChar char="•"/>
             </a:pPr>
             <a:r>
-              <a:rPr b="0" lang="en-GB" sz="2400" spc="-1" strike="noStrike">
+              <a:rPr lang="en-GB" sz="2400" b="0" strike="noStrike" spc="-1">
                 <a:solidFill>
                   <a:srgbClr val="000000"/>
                 </a:solidFill>
@@ -11541,7 +12287,7 @@
               </a:rPr>
               <a:t>Even works in Quarto/RMarkdown (which defaults to paths relative to the .Rmd file!)</a:t>
             </a:r>
-            <a:endParaRPr b="0" lang="en-US" sz="2400" spc="-1" strike="noStrike">
+            <a:endParaRPr lang="en-US" sz="2400" b="0" strike="noStrike" spc="-1">
               <a:solidFill>
                 <a:srgbClr val="000000"/>
               </a:solidFill>
@@ -11552,19 +12298,14 @@
       </p:sp>
     </p:spTree>
   </p:cSld>
-  <mc:AlternateContent>
-    <mc:Choice Requires="p14">
-      <p:transition spd="slow" p14:dur="2000"/>
-    </mc:Choice>
-    <mc:Fallback>
-      <p:transition spd="slow"/>
-    </mc:Fallback>
-  </mc:AlternateContent>
+  <p:clrMapOvr>
+    <a:masterClrMapping/>
+  </p:clrMapOvr>
 </p:sld>
 </file>
 
 <file path=ppt/slides/slide9.xml><?xml version="1.0" encoding="utf-8"?>
-<p:sld xmlns:a="http://schemas.openxmlformats.org/drawingml/2006/main" xmlns:p="http://schemas.openxmlformats.org/presentationml/2006/main" xmlns:r="http://schemas.openxmlformats.org/officeDocument/2006/relationships" xmlns:p14="http://schemas.microsoft.com/office/powerpoint/2010/main" xmlns:p15="http://schemas.microsoft.com/office/powerpoint/2012/main" xmlns:mc="http://schemas.openxmlformats.org/markup-compatibility/2006">
+<p:sld xmlns:a="http://schemas.openxmlformats.org/drawingml/2006/main" xmlns:r="http://schemas.openxmlformats.org/officeDocument/2006/relationships" xmlns:p="http://schemas.openxmlformats.org/presentationml/2006/main">
   <p:cSld>
     <p:spTree>
       <p:nvGrpSpPr>
@@ -11607,6 +12348,7 @@
           <a:bodyPr anchor="ctr">
             <a:noAutofit/>
           </a:bodyPr>
+          <a:lstStyle/>
           <a:p>
             <a:pPr indent="0">
               <a:lnSpc>
@@ -11615,7 +12357,7 @@
               <a:buNone/>
             </a:pPr>
             <a:r>
-              <a:rPr b="0" lang="en-GB" sz="4400" spc="-1" strike="noStrike">
+              <a:rPr lang="en-GB" sz="4400" b="0" strike="noStrike" spc="-1">
                 <a:solidFill>
                   <a:srgbClr val="000000"/>
                 </a:solidFill>
@@ -11623,7 +12365,7 @@
               </a:rPr>
               <a:t>Thinking about Project Structure</a:t>
             </a:r>
-            <a:endParaRPr b="0" lang="en-US" sz="4400" spc="-1" strike="noStrike">
+            <a:endParaRPr lang="en-US" sz="4400" b="0" strike="noStrike" spc="-1">
               <a:solidFill>
                 <a:srgbClr val="000000"/>
               </a:solidFill>
@@ -11659,6 +12401,7 @@
           <a:bodyPr anchor="t">
             <a:noAutofit/>
           </a:bodyPr>
+          <a:lstStyle/>
           <a:p>
             <a:pPr marL="228600" indent="-228600">
               <a:lnSpc>
@@ -11674,7 +12417,7 @@
               <a:buChar char="•"/>
             </a:pPr>
             <a:r>
-              <a:rPr b="0" lang="en-GB" sz="2800" spc="-1" strike="noStrike">
+              <a:rPr lang="en-GB" sz="2800" b="0" strike="noStrike" spc="-1">
                 <a:solidFill>
                   <a:srgbClr val="000000"/>
                 </a:solidFill>
@@ -11682,15 +12425,15 @@
               </a:rPr>
               <a:t>Best practice is that the entire workflow from raw data to final outputs is described in code, and is therefore reproducible</a:t>
             </a:r>
-            <a:endParaRPr b="0" lang="en-US" sz="2800" spc="-1" strike="noStrike">
-              <a:solidFill>
-                <a:srgbClr val="000000"/>
-              </a:solidFill>
-              <a:latin typeface="Calibri"/>
-            </a:endParaRPr>
-          </a:p>
-          <a:p>
-            <a:pPr lvl="1" marL="685800" indent="-228600">
+            <a:endParaRPr lang="en-US" sz="2800" b="0" strike="noStrike" spc="-1">
+              <a:solidFill>
+                <a:srgbClr val="000000"/>
+              </a:solidFill>
+              <a:latin typeface="Calibri"/>
+            </a:endParaRPr>
+          </a:p>
+          <a:p>
+            <a:pPr marL="685800" lvl="1" indent="-228600">
               <a:lnSpc>
                 <a:spcPct val="90000"/>
               </a:lnSpc>
@@ -11704,7 +12447,7 @@
               <a:buChar char="•"/>
             </a:pPr>
             <a:r>
-              <a:rPr b="0" lang="en-GB" sz="2400" spc="-1" strike="noStrike">
+              <a:rPr lang="en-GB" sz="2400" b="0" strike="noStrike" spc="-1">
                 <a:solidFill>
                   <a:srgbClr val="000000"/>
                 </a:solidFill>
@@ -11712,15 +12455,15 @@
               </a:rPr>
               <a:t>This differs to workflows in excel</a:t>
             </a:r>
-            <a:endParaRPr b="0" lang="en-US" sz="2400" spc="-1" strike="noStrike">
-              <a:solidFill>
-                <a:srgbClr val="000000"/>
-              </a:solidFill>
-              <a:latin typeface="Calibri"/>
-            </a:endParaRPr>
-          </a:p>
-          <a:p>
-            <a:pPr lvl="2" marL="1143000" indent="-228600">
+            <a:endParaRPr lang="en-US" sz="2400" b="0" strike="noStrike" spc="-1">
+              <a:solidFill>
+                <a:srgbClr val="000000"/>
+              </a:solidFill>
+              <a:latin typeface="Calibri"/>
+            </a:endParaRPr>
+          </a:p>
+          <a:p>
+            <a:pPr marL="1143000" lvl="2" indent="-228600">
               <a:lnSpc>
                 <a:spcPct val="90000"/>
               </a:lnSpc>
@@ -11734,7 +12477,7 @@
               <a:buChar char="•"/>
             </a:pPr>
             <a:r>
-              <a:rPr b="0" lang="en-GB" sz="2000" spc="-1" strike="noStrike">
+              <a:rPr lang="en-GB" sz="2000" b="0" strike="noStrike" spc="-1">
                 <a:solidFill>
                   <a:srgbClr val="000000"/>
                 </a:solidFill>
@@ -11742,15 +12485,15 @@
               </a:rPr>
               <a:t>imagine making a change to a cell, then sending the file to someone else, they have no idea what has changed. </a:t>
             </a:r>
-            <a:endParaRPr b="0" lang="en-US" sz="2000" spc="-1" strike="noStrike">
-              <a:solidFill>
-                <a:srgbClr val="000000"/>
-              </a:solidFill>
-              <a:latin typeface="Calibri"/>
-            </a:endParaRPr>
-          </a:p>
-          <a:p>
-            <a:pPr lvl="1" marL="685800" indent="-228600">
+            <a:endParaRPr lang="en-US" sz="2000" b="0" strike="noStrike" spc="-1">
+              <a:solidFill>
+                <a:srgbClr val="000000"/>
+              </a:solidFill>
+              <a:latin typeface="Calibri"/>
+            </a:endParaRPr>
+          </a:p>
+          <a:p>
+            <a:pPr marL="685800" lvl="1" indent="-228600">
               <a:lnSpc>
                 <a:spcPct val="90000"/>
               </a:lnSpc>
@@ -11764,7 +12507,7 @@
               <a:buChar char="•"/>
             </a:pPr>
             <a:r>
-              <a:rPr b="0" lang="en-GB" sz="2400" spc="-1" strike="noStrike">
+              <a:rPr lang="en-GB" sz="2400" b="0" strike="noStrike" spc="-1">
                 <a:solidFill>
                   <a:srgbClr val="000000"/>
                 </a:solidFill>
@@ -11772,15 +12515,15 @@
               </a:rPr>
               <a:t>Doing this in R</a:t>
             </a:r>
-            <a:endParaRPr b="0" lang="en-US" sz="2400" spc="-1" strike="noStrike">
-              <a:solidFill>
-                <a:srgbClr val="000000"/>
-              </a:solidFill>
-              <a:latin typeface="Calibri"/>
-            </a:endParaRPr>
-          </a:p>
-          <a:p>
-            <a:pPr lvl="2" marL="1143000" indent="-228600">
+            <a:endParaRPr lang="en-US" sz="2400" b="0" strike="noStrike" spc="-1">
+              <a:solidFill>
+                <a:srgbClr val="000000"/>
+              </a:solidFill>
+              <a:latin typeface="Calibri"/>
+            </a:endParaRPr>
+          </a:p>
+          <a:p>
+            <a:pPr marL="1143000" lvl="2" indent="-228600">
               <a:lnSpc>
                 <a:spcPct val="90000"/>
               </a:lnSpc>
@@ -11794,7 +12537,7 @@
               <a:buChar char="•"/>
             </a:pPr>
             <a:r>
-              <a:rPr b="0" lang="en-GB" sz="2000" spc="-1" strike="noStrike">
+              <a:rPr lang="en-GB" sz="2000" b="0" strike="noStrike" spc="-1">
                 <a:solidFill>
                   <a:srgbClr val="000000"/>
                 </a:solidFill>
@@ -11802,7 +12545,7 @@
               </a:rPr>
               <a:t>You send them the raw data and your script, the changes are clearly laid out in the code, and they can reproduce your steps exactly</a:t>
             </a:r>
-            <a:endParaRPr b="0" lang="en-US" sz="2000" spc="-1" strike="noStrike">
+            <a:endParaRPr lang="en-US" sz="2000" b="0" strike="noStrike" spc="-1">
               <a:solidFill>
                 <a:srgbClr val="000000"/>
               </a:solidFill>
@@ -11824,7 +12567,7 @@
               <a:buChar char="•"/>
             </a:pPr>
             <a:r>
-              <a:rPr b="0" lang="en-GB" sz="2800" spc="-1" strike="noStrike">
+              <a:rPr lang="en-GB" sz="2800" b="0" strike="noStrike" spc="-1">
                 <a:solidFill>
                   <a:srgbClr val="000000"/>
                 </a:solidFill>
@@ -11832,7 +12575,7 @@
               </a:rPr>
               <a:t>Almost certainly your raw data is not tidy, and comes from multiple sources. Write a script to clean it and save the output in a subdirectory</a:t>
             </a:r>
-            <a:endParaRPr b="0" lang="en-US" sz="2800" spc="-1" strike="noStrike">
+            <a:endParaRPr lang="en-US" sz="2800" b="0" strike="noStrike" spc="-1">
               <a:solidFill>
                 <a:srgbClr val="000000"/>
               </a:solidFill>
@@ -11843,12 +12586,12 @@
       </p:sp>
       <p:pic>
         <p:nvPicPr>
-          <p:cNvPr id="102" name="Picture 4" descr=""/>
+          <p:cNvPr id="102" name="Picture 4"/>
           <p:cNvPicPr/>
           <p:nvPr/>
         </p:nvPicPr>
         <p:blipFill>
-          <a:blip r:embed="rId1"/>
+          <a:blip r:embed="rId2"/>
           <a:stretch/>
         </p:blipFill>
         <p:spPr>
@@ -11866,12 +12609,12 @@
       </p:pic>
       <p:pic>
         <p:nvPicPr>
-          <p:cNvPr id="103" name="Picture 8" descr=""/>
+          <p:cNvPr id="103" name="Picture 8"/>
           <p:cNvPicPr/>
           <p:nvPr/>
         </p:nvPicPr>
         <p:blipFill>
-          <a:blip r:embed="rId2"/>
+          <a:blip r:embed="rId3"/>
           <a:stretch/>
         </p:blipFill>
         <p:spPr>
@@ -11889,14 +12632,9 @@
       </p:pic>
     </p:spTree>
   </p:cSld>
-  <mc:AlternateContent>
-    <mc:Choice Requires="p14">
-      <p:transition spd="slow" p14:dur="2000"/>
-    </mc:Choice>
-    <mc:Fallback>
-      <p:transition spd="slow"/>
-    </mc:Fallback>
-  </mc:AlternateContent>
+  <p:clrMapOvr>
+    <a:masterClrMapping/>
+  </p:clrMapOvr>
 </p:sld>
 </file>
 
@@ -11908,37 +12646,37 @@
         <a:srgbClr val="000000"/>
       </a:dk1>
       <a:lt1>
-        <a:srgbClr val="ffffff"/>
+        <a:srgbClr val="FFFFFF"/>
       </a:lt1>
       <a:dk2>
-        <a:srgbClr val="44546a"/>
+        <a:srgbClr val="44546A"/>
       </a:dk2>
       <a:lt2>
-        <a:srgbClr val="e7e6e6"/>
+        <a:srgbClr val="E7E6E6"/>
       </a:lt2>
       <a:accent1>
-        <a:srgbClr val="4472c4"/>
+        <a:srgbClr val="4472C4"/>
       </a:accent1>
       <a:accent2>
-        <a:srgbClr val="ed7d31"/>
+        <a:srgbClr val="ED7D31"/>
       </a:accent2>
       <a:accent3>
-        <a:srgbClr val="a5a5a5"/>
+        <a:srgbClr val="A5A5A5"/>
       </a:accent3>
       <a:accent4>
-        <a:srgbClr val="ffc000"/>
+        <a:srgbClr val="FFC000"/>
       </a:accent4>
       <a:accent5>
-        <a:srgbClr val="5b9bd5"/>
+        <a:srgbClr val="5B9BD5"/>
       </a:accent5>
       <a:accent6>
-        <a:srgbClr val="70ad47"/>
+        <a:srgbClr val="70AD47"/>
       </a:accent6>
       <a:hlink>
-        <a:srgbClr val="0563c1"/>
+        <a:srgbClr val="0563C1"/>
       </a:hlink>
       <a:folHlink>
-        <a:srgbClr val="954f72"/>
+        <a:srgbClr val="954F72"/>
       </a:folHlink>
     </a:clrScheme>
     <a:fontScheme name="Office">
@@ -12100,6 +12838,8 @@
       </a:bgFillStyleLst>
     </a:fmtScheme>
   </a:themeElements>
+  <a:objectDefaults/>
+  <a:extraClrSchemeLst/>
 </a:theme>
 </file>
 
@@ -12111,37 +12851,37 @@
         <a:srgbClr val="000000"/>
       </a:dk1>
       <a:lt1>
-        <a:srgbClr val="ffffff"/>
+        <a:srgbClr val="FFFFFF"/>
       </a:lt1>
       <a:dk2>
-        <a:srgbClr val="44546a"/>
+        <a:srgbClr val="44546A"/>
       </a:dk2>
       <a:lt2>
-        <a:srgbClr val="e7e6e6"/>
+        <a:srgbClr val="E7E6E6"/>
       </a:lt2>
       <a:accent1>
-        <a:srgbClr val="4472c4"/>
+        <a:srgbClr val="4472C4"/>
       </a:accent1>
       <a:accent2>
-        <a:srgbClr val="ed7d31"/>
+        <a:srgbClr val="ED7D31"/>
       </a:accent2>
       <a:accent3>
-        <a:srgbClr val="a5a5a5"/>
+        <a:srgbClr val="A5A5A5"/>
       </a:accent3>
       <a:accent4>
-        <a:srgbClr val="ffc000"/>
+        <a:srgbClr val="FFC000"/>
       </a:accent4>
       <a:accent5>
-        <a:srgbClr val="5b9bd5"/>
+        <a:srgbClr val="5B9BD5"/>
       </a:accent5>
       <a:accent6>
-        <a:srgbClr val="70ad47"/>
+        <a:srgbClr val="70AD47"/>
       </a:accent6>
       <a:hlink>
-        <a:srgbClr val="0563c1"/>
+        <a:srgbClr val="0563C1"/>
       </a:hlink>
       <a:folHlink>
-        <a:srgbClr val="954f72"/>
+        <a:srgbClr val="954F72"/>
       </a:folHlink>
     </a:clrScheme>
     <a:fontScheme name="Office">
@@ -12303,5 +13043,7 @@
       </a:bgFillStyleLst>
     </a:fmtScheme>
   </a:themeElements>
+  <a:objectDefaults/>
+  <a:extraClrSchemeLst/>
 </a:theme>
 </file>